--- a/SHIFT4IT/security-and-privacy/security-and-privacy.pptx
+++ b/SHIFT4IT/security-and-privacy/security-and-privacy.pptx
@@ -5,21 +5,18 @@
     <p:sldMasterId id="2147483648" r:id="rId1"/>
   </p:sldMasterIdLst>
   <p:notesMasterIdLst>
-    <p:notesMasterId r:id="rId14"/>
+    <p:notesMasterId r:id="rId11"/>
   </p:notesMasterIdLst>
   <p:sldIdLst>
     <p:sldId id="256" r:id="rId2"/>
-    <p:sldId id="261" r:id="rId3"/>
-    <p:sldId id="262" r:id="rId4"/>
-    <p:sldId id="263" r:id="rId5"/>
-    <p:sldId id="264" r:id="rId6"/>
-    <p:sldId id="265" r:id="rId7"/>
-    <p:sldId id="266" r:id="rId8"/>
-    <p:sldId id="267" r:id="rId9"/>
-    <p:sldId id="268" r:id="rId10"/>
-    <p:sldId id="269" r:id="rId11"/>
-    <p:sldId id="270" r:id="rId12"/>
-    <p:sldId id="271" r:id="rId13"/>
+    <p:sldId id="262" r:id="rId3"/>
+    <p:sldId id="263" r:id="rId4"/>
+    <p:sldId id="265" r:id="rId5"/>
+    <p:sldId id="266" r:id="rId6"/>
+    <p:sldId id="267" r:id="rId7"/>
+    <p:sldId id="268" r:id="rId8"/>
+    <p:sldId id="269" r:id="rId9"/>
+    <p:sldId id="271" r:id="rId10"/>
   </p:sldIdLst>
   <p:sldSz cx="12192000" cy="6858000"/>
   <p:notesSz cx="6858000" cy="9144000"/>
@@ -3205,2898 +3202,7 @@
 </p:sld>
 </file>
 
-<file path=ppt/slides/slide10.xml><?xml version="1.0" encoding="utf-8"?>
-<p:sld xmlns:a="http://schemas.openxmlformats.org/drawingml/2006/main" xmlns:r="http://schemas.openxmlformats.org/officeDocument/2006/relationships" xmlns:p="http://schemas.openxmlformats.org/presentationml/2006/main">
-  <p:cSld>
-    <p:spTree>
-      <p:nvGrpSpPr>
-        <p:cNvPr id="1" name="">
-          <a:extLst>
-            <a:ext uri="{FF2B5EF4-FFF2-40B4-BE49-F238E27FC236}">
-              <a16:creationId xmlns:a16="http://schemas.microsoft.com/office/drawing/2014/main" id="{6E931566-1BFA-23AA-7C2A-E6E26017D056}"/>
-            </a:ext>
-          </a:extLst>
-        </p:cNvPr>
-        <p:cNvGrpSpPr/>
-        <p:nvPr/>
-      </p:nvGrpSpPr>
-      <p:grpSpPr>
-        <a:xfrm>
-          <a:off x="0" y="0"/>
-          <a:ext cx="0" cy="0"/>
-          <a:chOff x="0" y="0"/>
-          <a:chExt cx="0" cy="0"/>
-        </a:xfrm>
-      </p:grpSpPr>
-      <p:sp>
-        <p:nvSpPr>
-          <p:cNvPr id="3" name="Title 2">
-            <a:extLst>
-              <a:ext uri="{FF2B5EF4-FFF2-40B4-BE49-F238E27FC236}">
-                <a16:creationId xmlns:a16="http://schemas.microsoft.com/office/drawing/2014/main" id="{410EBC45-754A-61FE-B349-7AA0B3365D77}"/>
-              </a:ext>
-            </a:extLst>
-          </p:cNvPr>
-          <p:cNvSpPr>
-            <a:spLocks noGrp="1"/>
-          </p:cNvSpPr>
-          <p:nvPr>
-            <p:ph type="title"/>
-          </p:nvPr>
-        </p:nvSpPr>
-        <p:spPr>
-          <a:xfrm>
-            <a:off x="838200" y="358775"/>
-            <a:ext cx="10515600" cy="1325563"/>
-          </a:xfrm>
-        </p:spPr>
-        <p:txBody>
-          <a:bodyPr/>
-          <a:lstStyle/>
-          <a:p>
-            <a:r>
-              <a:rPr lang="hr-HR" dirty="0"/>
-              <a:t>SECURITY AND PRIVACY</a:t>
-            </a:r>
-            <a:r>
-              <a:rPr lang="en-US" dirty="0"/>
-              <a:t> - THREATS </a:t>
-            </a:r>
-            <a:endParaRPr lang="hr-HR" dirty="0"/>
-          </a:p>
-        </p:txBody>
-      </p:sp>
-      <p:pic>
-        <p:nvPicPr>
-          <p:cNvPr id="5" name="Picture 4">
-            <a:extLst>
-              <a:ext uri="{FF2B5EF4-FFF2-40B4-BE49-F238E27FC236}">
-                <a16:creationId xmlns:a16="http://schemas.microsoft.com/office/drawing/2014/main" id="{3DCDFBC7-98C4-F9B4-E60A-21E9E2036472}"/>
-              </a:ext>
-            </a:extLst>
-          </p:cNvPr>
-          <p:cNvPicPr>
-            <a:picLocks noChangeAspect="1"/>
-          </p:cNvPicPr>
-          <p:nvPr/>
-        </p:nvPicPr>
-        <p:blipFill>
-          <a:blip r:embed="rId2"/>
-          <a:stretch>
-            <a:fillRect/>
-          </a:stretch>
-        </p:blipFill>
-        <p:spPr>
-          <a:xfrm>
-            <a:off x="698500" y="3063861"/>
-            <a:ext cx="4668838" cy="1962164"/>
-          </a:xfrm>
-          <a:prstGeom prst="rect">
-            <a:avLst/>
-          </a:prstGeom>
-        </p:spPr>
-      </p:pic>
-      <p:sp>
-        <p:nvSpPr>
-          <p:cNvPr id="6" name="Content Placeholder 2">
-            <a:extLst>
-              <a:ext uri="{FF2B5EF4-FFF2-40B4-BE49-F238E27FC236}">
-                <a16:creationId xmlns:a16="http://schemas.microsoft.com/office/drawing/2014/main" id="{82A102DA-2DB8-6C8A-7534-C9BD16706FAC}"/>
-              </a:ext>
-            </a:extLst>
-          </p:cNvPr>
-          <p:cNvSpPr txBox="1">
-            <a:spLocks/>
-          </p:cNvSpPr>
-          <p:nvPr/>
-        </p:nvSpPr>
-        <p:spPr>
-          <a:xfrm>
-            <a:off x="5505450" y="1974836"/>
-            <a:ext cx="6686550" cy="4524389"/>
-          </a:xfrm>
-          <a:prstGeom prst="rect">
-            <a:avLst/>
-          </a:prstGeom>
-        </p:spPr>
-        <p:txBody>
-          <a:bodyPr vert="horz" lIns="91440" tIns="45720" rIns="91440" bIns="45720" rtlCol="0">
-            <a:normAutofit lnSpcReduction="10000"/>
-          </a:bodyPr>
-          <a:lstStyle>
-            <a:lvl1pPr marL="368300" indent="-352425" algn="l" defTabSz="914400" rtl="0" eaLnBrk="1" latinLnBrk="0" hangingPunct="1">
-              <a:lnSpc>
-                <a:spcPct val="90000"/>
-              </a:lnSpc>
-              <a:spcBef>
-                <a:spcPts val="600"/>
-              </a:spcBef>
-              <a:spcAft>
-                <a:spcPts val="600"/>
-              </a:spcAft>
-              <a:buClr>
-                <a:schemeClr val="accent2"/>
-              </a:buClr>
-              <a:buFont typeface="Wingdings" pitchFamily="2" charset="2"/>
-              <a:buChar char="§"/>
-              <a:tabLst/>
-              <a:defRPr sz="2400" kern="1200">
-                <a:solidFill>
-                  <a:schemeClr val="tx1"/>
-                </a:solidFill>
-                <a:latin typeface="+mn-lt"/>
-                <a:ea typeface="Open Sans" panose="020B0606030504020204" pitchFamily="34" charset="0"/>
-                <a:cs typeface="Open Sans" panose="020B0606030504020204" pitchFamily="34" charset="0"/>
-              </a:defRPr>
-            </a:lvl1pPr>
-            <a:lvl2pPr marL="771525" indent="-274638" algn="l" defTabSz="914400" rtl="0" eaLnBrk="1" latinLnBrk="0" hangingPunct="1">
-              <a:lnSpc>
-                <a:spcPct val="90000"/>
-              </a:lnSpc>
-              <a:spcBef>
-                <a:spcPts val="600"/>
-              </a:spcBef>
-              <a:spcAft>
-                <a:spcPts val="600"/>
-              </a:spcAft>
-              <a:buClr>
-                <a:schemeClr val="accent2"/>
-              </a:buClr>
-              <a:buFont typeface="Wingdings" pitchFamily="2" charset="2"/>
-              <a:buChar char="§"/>
-              <a:tabLst/>
-              <a:defRPr sz="2200" kern="1200">
-                <a:solidFill>
-                  <a:schemeClr val="tx1"/>
-                </a:solidFill>
-                <a:latin typeface="+mn-lt"/>
-                <a:ea typeface="Open Sans" panose="020B0606030504020204" pitchFamily="34" charset="0"/>
-                <a:cs typeface="Open Sans" panose="020B0606030504020204" pitchFamily="34" charset="0"/>
-              </a:defRPr>
-            </a:lvl2pPr>
-            <a:lvl3pPr marL="1143000" indent="-228600" algn="l" defTabSz="914400" rtl="0" eaLnBrk="1" latinLnBrk="0" hangingPunct="1">
-              <a:lnSpc>
-                <a:spcPct val="90000"/>
-              </a:lnSpc>
-              <a:spcBef>
-                <a:spcPts val="600"/>
-              </a:spcBef>
-              <a:spcAft>
-                <a:spcPts val="600"/>
-              </a:spcAft>
-              <a:buClr>
-                <a:schemeClr val="accent2"/>
-              </a:buClr>
-              <a:buFont typeface="Wingdings" pitchFamily="2" charset="2"/>
-              <a:buChar char="§"/>
-              <a:defRPr sz="2000" kern="1200">
-                <a:solidFill>
-                  <a:schemeClr val="tx1"/>
-                </a:solidFill>
-                <a:latin typeface="+mn-lt"/>
-                <a:ea typeface="Open Sans" panose="020B0606030504020204" pitchFamily="34" charset="0"/>
-                <a:cs typeface="Open Sans" panose="020B0606030504020204" pitchFamily="34" charset="0"/>
-              </a:defRPr>
-            </a:lvl3pPr>
-            <a:lvl4pPr marL="1600200" indent="-228600" algn="l" defTabSz="914400" rtl="0" eaLnBrk="1" latinLnBrk="0" hangingPunct="1">
-              <a:lnSpc>
-                <a:spcPct val="90000"/>
-              </a:lnSpc>
-              <a:spcBef>
-                <a:spcPts val="600"/>
-              </a:spcBef>
-              <a:spcAft>
-                <a:spcPts val="600"/>
-              </a:spcAft>
-              <a:buClr>
-                <a:schemeClr val="accent2"/>
-              </a:buClr>
-              <a:buFont typeface="Wingdings" pitchFamily="2" charset="2"/>
-              <a:buChar char="§"/>
-              <a:defRPr sz="1800" kern="1200">
-                <a:solidFill>
-                  <a:schemeClr val="tx1"/>
-                </a:solidFill>
-                <a:latin typeface="+mn-lt"/>
-                <a:ea typeface="Open Sans" panose="020B0606030504020204" pitchFamily="34" charset="0"/>
-                <a:cs typeface="Open Sans" panose="020B0606030504020204" pitchFamily="34" charset="0"/>
-              </a:defRPr>
-            </a:lvl4pPr>
-            <a:lvl5pPr marL="1960563" indent="-225425" algn="l" defTabSz="914400" rtl="0" eaLnBrk="1" latinLnBrk="0" hangingPunct="1">
-              <a:lnSpc>
-                <a:spcPct val="90000"/>
-              </a:lnSpc>
-              <a:spcBef>
-                <a:spcPts val="600"/>
-              </a:spcBef>
-              <a:spcAft>
-                <a:spcPts val="600"/>
-              </a:spcAft>
-              <a:buClr>
-                <a:schemeClr val="accent2"/>
-              </a:buClr>
-              <a:buFont typeface="Wingdings" pitchFamily="2" charset="2"/>
-              <a:buChar char="§"/>
-              <a:tabLst/>
-              <a:defRPr sz="1600" kern="1200">
-                <a:solidFill>
-                  <a:schemeClr val="tx1"/>
-                </a:solidFill>
-                <a:latin typeface="+mn-lt"/>
-                <a:ea typeface="Open Sans" panose="020B0606030504020204" pitchFamily="34" charset="0"/>
-                <a:cs typeface="Open Sans" panose="020B0606030504020204" pitchFamily="34" charset="0"/>
-              </a:defRPr>
-            </a:lvl5pPr>
-            <a:lvl6pPr marL="2514600" indent="-228600" algn="l" defTabSz="914400" rtl="0" eaLnBrk="1" latinLnBrk="0" hangingPunct="1">
-              <a:lnSpc>
-                <a:spcPct val="90000"/>
-              </a:lnSpc>
-              <a:spcBef>
-                <a:spcPts val="500"/>
-              </a:spcBef>
-              <a:buFont typeface="Arial" panose="020B0604020202020204" pitchFamily="34" charset="0"/>
-              <a:buChar char="•"/>
-              <a:defRPr sz="1800" kern="1200">
-                <a:solidFill>
-                  <a:schemeClr val="tx1"/>
-                </a:solidFill>
-                <a:latin typeface="+mn-lt"/>
-                <a:ea typeface="+mn-ea"/>
-                <a:cs typeface="+mn-cs"/>
-              </a:defRPr>
-            </a:lvl6pPr>
-            <a:lvl7pPr marL="2971800" indent="-228600" algn="l" defTabSz="914400" rtl="0" eaLnBrk="1" latinLnBrk="0" hangingPunct="1">
-              <a:lnSpc>
-                <a:spcPct val="90000"/>
-              </a:lnSpc>
-              <a:spcBef>
-                <a:spcPts val="500"/>
-              </a:spcBef>
-              <a:buFont typeface="Arial" panose="020B0604020202020204" pitchFamily="34" charset="0"/>
-              <a:buChar char="•"/>
-              <a:defRPr sz="1800" kern="1200">
-                <a:solidFill>
-                  <a:schemeClr val="tx1"/>
-                </a:solidFill>
-                <a:latin typeface="+mn-lt"/>
-                <a:ea typeface="+mn-ea"/>
-                <a:cs typeface="+mn-cs"/>
-              </a:defRPr>
-            </a:lvl7pPr>
-            <a:lvl8pPr marL="3429000" indent="-228600" algn="l" defTabSz="914400" rtl="0" eaLnBrk="1" latinLnBrk="0" hangingPunct="1">
-              <a:lnSpc>
-                <a:spcPct val="90000"/>
-              </a:lnSpc>
-              <a:spcBef>
-                <a:spcPts val="500"/>
-              </a:spcBef>
-              <a:buFont typeface="Arial" panose="020B0604020202020204" pitchFamily="34" charset="0"/>
-              <a:buChar char="•"/>
-              <a:defRPr sz="1800" kern="1200">
-                <a:solidFill>
-                  <a:schemeClr val="tx1"/>
-                </a:solidFill>
-                <a:latin typeface="+mn-lt"/>
-                <a:ea typeface="+mn-ea"/>
-                <a:cs typeface="+mn-cs"/>
-              </a:defRPr>
-            </a:lvl8pPr>
-            <a:lvl9pPr marL="3886200" indent="-228600" algn="l" defTabSz="914400" rtl="0" eaLnBrk="1" latinLnBrk="0" hangingPunct="1">
-              <a:lnSpc>
-                <a:spcPct val="90000"/>
-              </a:lnSpc>
-              <a:spcBef>
-                <a:spcPts val="500"/>
-              </a:spcBef>
-              <a:buFont typeface="Arial" panose="020B0604020202020204" pitchFamily="34" charset="0"/>
-              <a:buChar char="•"/>
-              <a:defRPr sz="1800" kern="1200">
-                <a:solidFill>
-                  <a:schemeClr val="tx1"/>
-                </a:solidFill>
-                <a:latin typeface="+mn-lt"/>
-                <a:ea typeface="+mn-ea"/>
-                <a:cs typeface="+mn-cs"/>
-              </a:defRPr>
-            </a:lvl9pPr>
-          </a:lstStyle>
-          <a:p>
-            <a:pPr marL="15875" indent="0">
-              <a:buNone/>
-            </a:pPr>
-            <a:r>
-              <a:rPr lang="hr-HR" dirty="0"/>
-              <a:t>✅ </a:t>
-            </a:r>
-            <a:r>
-              <a:rPr lang="hr-HR" b="1" dirty="0" err="1"/>
-              <a:t>Firewalls</a:t>
-            </a:r>
-            <a:r>
-              <a:rPr lang="hr-HR" dirty="0"/>
-              <a:t> – </a:t>
-            </a:r>
-            <a:r>
-              <a:rPr lang="hr-HR" dirty="0" err="1"/>
-              <a:t>Block</a:t>
-            </a:r>
-            <a:r>
-              <a:rPr lang="hr-HR" dirty="0"/>
-              <a:t> </a:t>
-            </a:r>
-            <a:r>
-              <a:rPr lang="hr-HR" dirty="0" err="1"/>
-              <a:t>unauthorized</a:t>
-            </a:r>
-            <a:r>
-              <a:rPr lang="hr-HR" dirty="0"/>
-              <a:t> </a:t>
-            </a:r>
-            <a:r>
-              <a:rPr lang="hr-HR" dirty="0" err="1"/>
-              <a:t>access</a:t>
-            </a:r>
-            <a:r>
-              <a:rPr lang="hr-HR" dirty="0"/>
-              <a:t> to </a:t>
-            </a:r>
-            <a:r>
-              <a:rPr lang="hr-HR" dirty="0" err="1"/>
-              <a:t>networks</a:t>
-            </a:r>
-            <a:r>
-              <a:rPr lang="hr-HR" dirty="0"/>
-              <a:t>.</a:t>
-            </a:r>
-            <a:br>
-              <a:rPr lang="en-US" dirty="0"/>
-            </a:br>
-            <a:br>
-              <a:rPr lang="hr-HR" dirty="0"/>
-            </a:br>
-            <a:r>
-              <a:rPr lang="hr-HR" dirty="0"/>
-              <a:t>✅ </a:t>
-            </a:r>
-            <a:r>
-              <a:rPr lang="hr-HR" b="1" dirty="0" err="1"/>
-              <a:t>Intrusion</a:t>
-            </a:r>
-            <a:r>
-              <a:rPr lang="hr-HR" b="1" dirty="0"/>
-              <a:t> </a:t>
-            </a:r>
-            <a:r>
-              <a:rPr lang="hr-HR" b="1" dirty="0" err="1"/>
-              <a:t>Detection</a:t>
-            </a:r>
-            <a:r>
-              <a:rPr lang="hr-HR" b="1" dirty="0"/>
-              <a:t>/</a:t>
-            </a:r>
-            <a:r>
-              <a:rPr lang="hr-HR" b="1" dirty="0" err="1"/>
-              <a:t>Prevention</a:t>
-            </a:r>
-            <a:r>
-              <a:rPr lang="hr-HR" b="1" dirty="0"/>
-              <a:t> Systems (IDS/IPS)</a:t>
-            </a:r>
-            <a:r>
-              <a:rPr lang="hr-HR" dirty="0"/>
-              <a:t> – Monitor </a:t>
-            </a:r>
-            <a:r>
-              <a:rPr lang="hr-HR" dirty="0" err="1"/>
-              <a:t>and</a:t>
-            </a:r>
-            <a:r>
-              <a:rPr lang="hr-HR" dirty="0"/>
-              <a:t> </a:t>
-            </a:r>
-            <a:r>
-              <a:rPr lang="hr-HR" dirty="0" err="1"/>
-              <a:t>block</a:t>
-            </a:r>
-            <a:r>
-              <a:rPr lang="hr-HR" dirty="0"/>
-              <a:t> </a:t>
-            </a:r>
-            <a:r>
-              <a:rPr lang="hr-HR" dirty="0" err="1"/>
-              <a:t>malicious</a:t>
-            </a:r>
-            <a:r>
-              <a:rPr lang="hr-HR" dirty="0"/>
-              <a:t> </a:t>
-            </a:r>
-            <a:r>
-              <a:rPr lang="hr-HR" dirty="0" err="1"/>
-              <a:t>traffic</a:t>
-            </a:r>
-            <a:r>
-              <a:rPr lang="hr-HR" dirty="0"/>
-              <a:t>.</a:t>
-            </a:r>
-            <a:br>
-              <a:rPr lang="en-US" dirty="0"/>
-            </a:br>
-            <a:br>
-              <a:rPr lang="hr-HR" dirty="0"/>
-            </a:br>
-            <a:r>
-              <a:rPr lang="hr-HR" dirty="0"/>
-              <a:t>✅ </a:t>
-            </a:r>
-            <a:r>
-              <a:rPr lang="hr-HR" b="1" dirty="0"/>
-              <a:t>Antivirus </a:t>
-            </a:r>
-            <a:r>
-              <a:rPr lang="hr-HR" b="1" dirty="0" err="1"/>
-              <a:t>and</a:t>
-            </a:r>
-            <a:r>
-              <a:rPr lang="hr-HR" b="1" dirty="0"/>
-              <a:t> </a:t>
-            </a:r>
-            <a:r>
-              <a:rPr lang="hr-HR" b="1" dirty="0" err="1"/>
-              <a:t>Antimalware</a:t>
-            </a:r>
-            <a:r>
-              <a:rPr lang="hr-HR" dirty="0"/>
-              <a:t> – </a:t>
-            </a:r>
-            <a:r>
-              <a:rPr lang="hr-HR" dirty="0" err="1"/>
-              <a:t>Detect</a:t>
-            </a:r>
-            <a:r>
-              <a:rPr lang="hr-HR" dirty="0"/>
-              <a:t> </a:t>
-            </a:r>
-            <a:r>
-              <a:rPr lang="hr-HR" dirty="0" err="1"/>
-              <a:t>and</a:t>
-            </a:r>
-            <a:r>
-              <a:rPr lang="hr-HR" dirty="0"/>
-              <a:t> </a:t>
-            </a:r>
-            <a:r>
-              <a:rPr lang="hr-HR" dirty="0" err="1"/>
-              <a:t>remove</a:t>
-            </a:r>
-            <a:r>
-              <a:rPr lang="hr-HR" dirty="0"/>
-              <a:t> </a:t>
-            </a:r>
-            <a:r>
-              <a:rPr lang="hr-HR" dirty="0" err="1"/>
-              <a:t>malicious</a:t>
-            </a:r>
-            <a:r>
-              <a:rPr lang="hr-HR" dirty="0"/>
-              <a:t> software.</a:t>
-            </a:r>
-            <a:br>
-              <a:rPr lang="en-US" dirty="0"/>
-            </a:br>
-            <a:br>
-              <a:rPr lang="hr-HR" dirty="0"/>
-            </a:br>
-            <a:r>
-              <a:rPr lang="hr-HR" dirty="0"/>
-              <a:t>✅ </a:t>
-            </a:r>
-            <a:r>
-              <a:rPr lang="hr-HR" b="1" dirty="0"/>
-              <a:t>Access Controls</a:t>
-            </a:r>
-            <a:r>
-              <a:rPr lang="hr-HR" dirty="0"/>
-              <a:t> – Use role-</a:t>
-            </a:r>
-            <a:r>
-              <a:rPr lang="hr-HR" dirty="0" err="1"/>
-              <a:t>based</a:t>
-            </a:r>
-            <a:r>
-              <a:rPr lang="hr-HR" dirty="0"/>
-              <a:t> </a:t>
-            </a:r>
-            <a:r>
-              <a:rPr lang="hr-HR" dirty="0" err="1"/>
-              <a:t>access</a:t>
-            </a:r>
-            <a:r>
-              <a:rPr lang="hr-HR" dirty="0"/>
-              <a:t> </a:t>
-            </a:r>
-            <a:r>
-              <a:rPr lang="hr-HR" dirty="0" err="1"/>
-              <a:t>and</a:t>
-            </a:r>
-            <a:r>
-              <a:rPr lang="hr-HR" dirty="0"/>
-              <a:t> multi-</a:t>
-            </a:r>
-            <a:r>
-              <a:rPr lang="hr-HR" dirty="0" err="1"/>
-              <a:t>factor</a:t>
-            </a:r>
-            <a:r>
-              <a:rPr lang="hr-HR" dirty="0"/>
-              <a:t> </a:t>
-            </a:r>
-            <a:r>
-              <a:rPr lang="hr-HR" dirty="0" err="1"/>
-              <a:t>authentication</a:t>
-            </a:r>
-            <a:r>
-              <a:rPr lang="hr-HR" dirty="0"/>
-              <a:t> (MFA).</a:t>
-            </a:r>
-            <a:br>
-              <a:rPr lang="en-US" dirty="0"/>
-            </a:br>
-            <a:br>
-              <a:rPr lang="hr-HR" dirty="0"/>
-            </a:br>
-            <a:r>
-              <a:rPr lang="hr-HR" dirty="0"/>
-              <a:t>✅ </a:t>
-            </a:r>
-            <a:r>
-              <a:rPr lang="hr-HR" b="1" dirty="0"/>
-              <a:t>Data </a:t>
-            </a:r>
-            <a:r>
-              <a:rPr lang="hr-HR" b="1" dirty="0" err="1"/>
-              <a:t>Loss</a:t>
-            </a:r>
-            <a:r>
-              <a:rPr lang="hr-HR" b="1" dirty="0"/>
-              <a:t> </a:t>
-            </a:r>
-            <a:r>
-              <a:rPr lang="hr-HR" b="1" dirty="0" err="1"/>
-              <a:t>Prevention</a:t>
-            </a:r>
-            <a:r>
-              <a:rPr lang="hr-HR" b="1" dirty="0"/>
-              <a:t> (DLP)</a:t>
-            </a:r>
-            <a:r>
-              <a:rPr lang="hr-HR" dirty="0"/>
-              <a:t> – </a:t>
-            </a:r>
-            <a:r>
-              <a:rPr lang="hr-HR" dirty="0" err="1"/>
-              <a:t>Prevent</a:t>
-            </a:r>
-            <a:r>
-              <a:rPr lang="hr-HR" dirty="0"/>
-              <a:t> data </a:t>
-            </a:r>
-            <a:r>
-              <a:rPr lang="hr-HR" dirty="0" err="1"/>
-              <a:t>from</a:t>
-            </a:r>
-            <a:r>
-              <a:rPr lang="hr-HR" dirty="0"/>
-              <a:t> </a:t>
-            </a:r>
-            <a:r>
-              <a:rPr lang="hr-HR" dirty="0" err="1"/>
-              <a:t>being</a:t>
-            </a:r>
-            <a:r>
-              <a:rPr lang="hr-HR" dirty="0"/>
-              <a:t> </a:t>
-            </a:r>
-            <a:r>
-              <a:rPr lang="hr-HR" dirty="0" err="1"/>
-              <a:t>transferred</a:t>
-            </a:r>
-            <a:r>
-              <a:rPr lang="hr-HR" dirty="0"/>
-              <a:t> </a:t>
-            </a:r>
-            <a:r>
-              <a:rPr lang="hr-HR" dirty="0" err="1"/>
-              <a:t>or</a:t>
-            </a:r>
-            <a:r>
-              <a:rPr lang="hr-HR" dirty="0"/>
-              <a:t> </a:t>
-            </a:r>
-            <a:r>
-              <a:rPr lang="hr-HR" dirty="0" err="1"/>
-              <a:t>copied</a:t>
-            </a:r>
-            <a:r>
-              <a:rPr lang="hr-HR" dirty="0"/>
-              <a:t> </a:t>
-            </a:r>
-            <a:r>
-              <a:rPr lang="hr-HR" dirty="0" err="1"/>
-              <a:t>without</a:t>
-            </a:r>
-            <a:r>
-              <a:rPr lang="hr-HR" dirty="0"/>
-              <a:t> </a:t>
-            </a:r>
-            <a:r>
-              <a:rPr lang="hr-HR" dirty="0" err="1"/>
-              <a:t>permission</a:t>
-            </a:r>
-            <a:r>
-              <a:rPr lang="hr-HR" dirty="0"/>
-              <a:t>.</a:t>
-            </a:r>
-          </a:p>
-        </p:txBody>
-      </p:sp>
-    </p:spTree>
-    <p:extLst>
-      <p:ext uri="{BB962C8B-B14F-4D97-AF65-F5344CB8AC3E}">
-        <p14:creationId xmlns:p14="http://schemas.microsoft.com/office/powerpoint/2010/main" val="2251606581"/>
-      </p:ext>
-    </p:extLst>
-  </p:cSld>
-  <p:clrMapOvr>
-    <a:masterClrMapping/>
-  </p:clrMapOvr>
-</p:sld>
-</file>
-
-<file path=ppt/slides/slide11.xml><?xml version="1.0" encoding="utf-8"?>
-<p:sld xmlns:a="http://schemas.openxmlformats.org/drawingml/2006/main" xmlns:r="http://schemas.openxmlformats.org/officeDocument/2006/relationships" xmlns:p="http://schemas.openxmlformats.org/presentationml/2006/main">
-  <p:cSld>
-    <p:spTree>
-      <p:nvGrpSpPr>
-        <p:cNvPr id="1" name="">
-          <a:extLst>
-            <a:ext uri="{FF2B5EF4-FFF2-40B4-BE49-F238E27FC236}">
-              <a16:creationId xmlns:a16="http://schemas.microsoft.com/office/drawing/2014/main" id="{2E365969-368E-1628-F3D0-3F8C0CB6D52F}"/>
-            </a:ext>
-          </a:extLst>
-        </p:cNvPr>
-        <p:cNvGrpSpPr/>
-        <p:nvPr/>
-      </p:nvGrpSpPr>
-      <p:grpSpPr>
-        <a:xfrm>
-          <a:off x="0" y="0"/>
-          <a:ext cx="0" cy="0"/>
-          <a:chOff x="0" y="0"/>
-          <a:chExt cx="0" cy="0"/>
-        </a:xfrm>
-      </p:grpSpPr>
-      <p:sp>
-        <p:nvSpPr>
-          <p:cNvPr id="3" name="Title 2">
-            <a:extLst>
-              <a:ext uri="{FF2B5EF4-FFF2-40B4-BE49-F238E27FC236}">
-                <a16:creationId xmlns:a16="http://schemas.microsoft.com/office/drawing/2014/main" id="{198D66E6-3465-CD97-12C0-267530FCD507}"/>
-              </a:ext>
-            </a:extLst>
-          </p:cNvPr>
-          <p:cNvSpPr>
-            <a:spLocks noGrp="1"/>
-          </p:cNvSpPr>
-          <p:nvPr>
-            <p:ph type="title"/>
-          </p:nvPr>
-        </p:nvSpPr>
-        <p:spPr>
-          <a:xfrm>
-            <a:off x="838200" y="358775"/>
-            <a:ext cx="10515600" cy="1325563"/>
-          </a:xfrm>
-        </p:spPr>
-        <p:txBody>
-          <a:bodyPr/>
-          <a:lstStyle/>
-          <a:p>
-            <a:r>
-              <a:rPr lang="hr-HR" dirty="0"/>
-              <a:t>SECURITY AND PRIVACY</a:t>
-            </a:r>
-            <a:r>
-              <a:rPr lang="en-US" dirty="0"/>
-              <a:t> - THREATS </a:t>
-            </a:r>
-            <a:endParaRPr lang="hr-HR" dirty="0"/>
-          </a:p>
-        </p:txBody>
-      </p:sp>
-      <p:pic>
-        <p:nvPicPr>
-          <p:cNvPr id="5" name="Picture 4">
-            <a:extLst>
-              <a:ext uri="{FF2B5EF4-FFF2-40B4-BE49-F238E27FC236}">
-                <a16:creationId xmlns:a16="http://schemas.microsoft.com/office/drawing/2014/main" id="{9A28AD35-0951-9210-302D-8B4925872608}"/>
-              </a:ext>
-            </a:extLst>
-          </p:cNvPr>
-          <p:cNvPicPr>
-            <a:picLocks noChangeAspect="1"/>
-          </p:cNvPicPr>
-          <p:nvPr/>
-        </p:nvPicPr>
-        <p:blipFill>
-          <a:blip r:embed="rId2"/>
-          <a:stretch>
-            <a:fillRect/>
-          </a:stretch>
-        </p:blipFill>
-        <p:spPr>
-          <a:xfrm>
-            <a:off x="698500" y="3063861"/>
-            <a:ext cx="4668838" cy="1962164"/>
-          </a:xfrm>
-          <a:prstGeom prst="rect">
-            <a:avLst/>
-          </a:prstGeom>
-        </p:spPr>
-      </p:pic>
-      <p:sp>
-        <p:nvSpPr>
-          <p:cNvPr id="6" name="Content Placeholder 2">
-            <a:extLst>
-              <a:ext uri="{FF2B5EF4-FFF2-40B4-BE49-F238E27FC236}">
-                <a16:creationId xmlns:a16="http://schemas.microsoft.com/office/drawing/2014/main" id="{0EA39881-201E-1BAF-3052-ADFC95FBD8DB}"/>
-              </a:ext>
-            </a:extLst>
-          </p:cNvPr>
-          <p:cNvSpPr txBox="1">
-            <a:spLocks/>
-          </p:cNvSpPr>
-          <p:nvPr/>
-        </p:nvSpPr>
-        <p:spPr>
-          <a:xfrm>
-            <a:off x="5810250" y="1974837"/>
-            <a:ext cx="6178550" cy="2178064"/>
-          </a:xfrm>
-          <a:prstGeom prst="rect">
-            <a:avLst/>
-          </a:prstGeom>
-        </p:spPr>
-        <p:txBody>
-          <a:bodyPr vert="horz" lIns="91440" tIns="45720" rIns="91440" bIns="45720" rtlCol="0">
-            <a:normAutofit fontScale="62500" lnSpcReduction="20000"/>
-          </a:bodyPr>
-          <a:lstStyle>
-            <a:lvl1pPr marL="368300" indent="-352425" algn="l" defTabSz="914400" rtl="0" eaLnBrk="1" latinLnBrk="0" hangingPunct="1">
-              <a:lnSpc>
-                <a:spcPct val="90000"/>
-              </a:lnSpc>
-              <a:spcBef>
-                <a:spcPts val="600"/>
-              </a:spcBef>
-              <a:spcAft>
-                <a:spcPts val="600"/>
-              </a:spcAft>
-              <a:buClr>
-                <a:schemeClr val="accent2"/>
-              </a:buClr>
-              <a:buFont typeface="Wingdings" pitchFamily="2" charset="2"/>
-              <a:buChar char="§"/>
-              <a:tabLst/>
-              <a:defRPr sz="2400" kern="1200">
-                <a:solidFill>
-                  <a:schemeClr val="tx1"/>
-                </a:solidFill>
-                <a:latin typeface="+mn-lt"/>
-                <a:ea typeface="Open Sans" panose="020B0606030504020204" pitchFamily="34" charset="0"/>
-                <a:cs typeface="Open Sans" panose="020B0606030504020204" pitchFamily="34" charset="0"/>
-              </a:defRPr>
-            </a:lvl1pPr>
-            <a:lvl2pPr marL="771525" indent="-274638" algn="l" defTabSz="914400" rtl="0" eaLnBrk="1" latinLnBrk="0" hangingPunct="1">
-              <a:lnSpc>
-                <a:spcPct val="90000"/>
-              </a:lnSpc>
-              <a:spcBef>
-                <a:spcPts val="600"/>
-              </a:spcBef>
-              <a:spcAft>
-                <a:spcPts val="600"/>
-              </a:spcAft>
-              <a:buClr>
-                <a:schemeClr val="accent2"/>
-              </a:buClr>
-              <a:buFont typeface="Wingdings" pitchFamily="2" charset="2"/>
-              <a:buChar char="§"/>
-              <a:tabLst/>
-              <a:defRPr sz="2200" kern="1200">
-                <a:solidFill>
-                  <a:schemeClr val="tx1"/>
-                </a:solidFill>
-                <a:latin typeface="+mn-lt"/>
-                <a:ea typeface="Open Sans" panose="020B0606030504020204" pitchFamily="34" charset="0"/>
-                <a:cs typeface="Open Sans" panose="020B0606030504020204" pitchFamily="34" charset="0"/>
-              </a:defRPr>
-            </a:lvl2pPr>
-            <a:lvl3pPr marL="1143000" indent="-228600" algn="l" defTabSz="914400" rtl="0" eaLnBrk="1" latinLnBrk="0" hangingPunct="1">
-              <a:lnSpc>
-                <a:spcPct val="90000"/>
-              </a:lnSpc>
-              <a:spcBef>
-                <a:spcPts val="600"/>
-              </a:spcBef>
-              <a:spcAft>
-                <a:spcPts val="600"/>
-              </a:spcAft>
-              <a:buClr>
-                <a:schemeClr val="accent2"/>
-              </a:buClr>
-              <a:buFont typeface="Wingdings" pitchFamily="2" charset="2"/>
-              <a:buChar char="§"/>
-              <a:defRPr sz="2000" kern="1200">
-                <a:solidFill>
-                  <a:schemeClr val="tx1"/>
-                </a:solidFill>
-                <a:latin typeface="+mn-lt"/>
-                <a:ea typeface="Open Sans" panose="020B0606030504020204" pitchFamily="34" charset="0"/>
-                <a:cs typeface="Open Sans" panose="020B0606030504020204" pitchFamily="34" charset="0"/>
-              </a:defRPr>
-            </a:lvl3pPr>
-            <a:lvl4pPr marL="1600200" indent="-228600" algn="l" defTabSz="914400" rtl="0" eaLnBrk="1" latinLnBrk="0" hangingPunct="1">
-              <a:lnSpc>
-                <a:spcPct val="90000"/>
-              </a:lnSpc>
-              <a:spcBef>
-                <a:spcPts val="600"/>
-              </a:spcBef>
-              <a:spcAft>
-                <a:spcPts val="600"/>
-              </a:spcAft>
-              <a:buClr>
-                <a:schemeClr val="accent2"/>
-              </a:buClr>
-              <a:buFont typeface="Wingdings" pitchFamily="2" charset="2"/>
-              <a:buChar char="§"/>
-              <a:defRPr sz="1800" kern="1200">
-                <a:solidFill>
-                  <a:schemeClr val="tx1"/>
-                </a:solidFill>
-                <a:latin typeface="+mn-lt"/>
-                <a:ea typeface="Open Sans" panose="020B0606030504020204" pitchFamily="34" charset="0"/>
-                <a:cs typeface="Open Sans" panose="020B0606030504020204" pitchFamily="34" charset="0"/>
-              </a:defRPr>
-            </a:lvl4pPr>
-            <a:lvl5pPr marL="1960563" indent="-225425" algn="l" defTabSz="914400" rtl="0" eaLnBrk="1" latinLnBrk="0" hangingPunct="1">
-              <a:lnSpc>
-                <a:spcPct val="90000"/>
-              </a:lnSpc>
-              <a:spcBef>
-                <a:spcPts val="600"/>
-              </a:spcBef>
-              <a:spcAft>
-                <a:spcPts val="600"/>
-              </a:spcAft>
-              <a:buClr>
-                <a:schemeClr val="accent2"/>
-              </a:buClr>
-              <a:buFont typeface="Wingdings" pitchFamily="2" charset="2"/>
-              <a:buChar char="§"/>
-              <a:tabLst/>
-              <a:defRPr sz="1600" kern="1200">
-                <a:solidFill>
-                  <a:schemeClr val="tx1"/>
-                </a:solidFill>
-                <a:latin typeface="+mn-lt"/>
-                <a:ea typeface="Open Sans" panose="020B0606030504020204" pitchFamily="34" charset="0"/>
-                <a:cs typeface="Open Sans" panose="020B0606030504020204" pitchFamily="34" charset="0"/>
-              </a:defRPr>
-            </a:lvl5pPr>
-            <a:lvl6pPr marL="2514600" indent="-228600" algn="l" defTabSz="914400" rtl="0" eaLnBrk="1" latinLnBrk="0" hangingPunct="1">
-              <a:lnSpc>
-                <a:spcPct val="90000"/>
-              </a:lnSpc>
-              <a:spcBef>
-                <a:spcPts val="500"/>
-              </a:spcBef>
-              <a:buFont typeface="Arial" panose="020B0604020202020204" pitchFamily="34" charset="0"/>
-              <a:buChar char="•"/>
-              <a:defRPr sz="1800" kern="1200">
-                <a:solidFill>
-                  <a:schemeClr val="tx1"/>
-                </a:solidFill>
-                <a:latin typeface="+mn-lt"/>
-                <a:ea typeface="+mn-ea"/>
-                <a:cs typeface="+mn-cs"/>
-              </a:defRPr>
-            </a:lvl6pPr>
-            <a:lvl7pPr marL="2971800" indent="-228600" algn="l" defTabSz="914400" rtl="0" eaLnBrk="1" latinLnBrk="0" hangingPunct="1">
-              <a:lnSpc>
-                <a:spcPct val="90000"/>
-              </a:lnSpc>
-              <a:spcBef>
-                <a:spcPts val="500"/>
-              </a:spcBef>
-              <a:buFont typeface="Arial" panose="020B0604020202020204" pitchFamily="34" charset="0"/>
-              <a:buChar char="•"/>
-              <a:defRPr sz="1800" kern="1200">
-                <a:solidFill>
-                  <a:schemeClr val="tx1"/>
-                </a:solidFill>
-                <a:latin typeface="+mn-lt"/>
-                <a:ea typeface="+mn-ea"/>
-                <a:cs typeface="+mn-cs"/>
-              </a:defRPr>
-            </a:lvl7pPr>
-            <a:lvl8pPr marL="3429000" indent="-228600" algn="l" defTabSz="914400" rtl="0" eaLnBrk="1" latinLnBrk="0" hangingPunct="1">
-              <a:lnSpc>
-                <a:spcPct val="90000"/>
-              </a:lnSpc>
-              <a:spcBef>
-                <a:spcPts val="500"/>
-              </a:spcBef>
-              <a:buFont typeface="Arial" panose="020B0604020202020204" pitchFamily="34" charset="0"/>
-              <a:buChar char="•"/>
-              <a:defRPr sz="1800" kern="1200">
-                <a:solidFill>
-                  <a:schemeClr val="tx1"/>
-                </a:solidFill>
-                <a:latin typeface="+mn-lt"/>
-                <a:ea typeface="+mn-ea"/>
-                <a:cs typeface="+mn-cs"/>
-              </a:defRPr>
-            </a:lvl8pPr>
-            <a:lvl9pPr marL="3886200" indent="-228600" algn="l" defTabSz="914400" rtl="0" eaLnBrk="1" latinLnBrk="0" hangingPunct="1">
-              <a:lnSpc>
-                <a:spcPct val="90000"/>
-              </a:lnSpc>
-              <a:spcBef>
-                <a:spcPts val="500"/>
-              </a:spcBef>
-              <a:buFont typeface="Arial" panose="020B0604020202020204" pitchFamily="34" charset="0"/>
-              <a:buChar char="•"/>
-              <a:defRPr sz="1800" kern="1200">
-                <a:solidFill>
-                  <a:schemeClr val="tx1"/>
-                </a:solidFill>
-                <a:latin typeface="+mn-lt"/>
-                <a:ea typeface="+mn-ea"/>
-                <a:cs typeface="+mn-cs"/>
-              </a:defRPr>
-            </a:lvl9pPr>
-          </a:lstStyle>
-          <a:p>
-            <a:pPr marL="15875" indent="0">
-              <a:buNone/>
-            </a:pPr>
-            <a:r>
-              <a:rPr lang="hr-HR" dirty="0"/>
-              <a:t>✅ </a:t>
-            </a:r>
-            <a:r>
-              <a:rPr lang="hr-HR" b="1" dirty="0" err="1"/>
-              <a:t>Firewalls</a:t>
-            </a:r>
-            <a:r>
-              <a:rPr lang="hr-HR" dirty="0"/>
-              <a:t> – </a:t>
-            </a:r>
-            <a:r>
-              <a:rPr lang="hr-HR" dirty="0" err="1"/>
-              <a:t>Block</a:t>
-            </a:r>
-            <a:r>
-              <a:rPr lang="hr-HR" dirty="0"/>
-              <a:t> </a:t>
-            </a:r>
-            <a:r>
-              <a:rPr lang="hr-HR" dirty="0" err="1"/>
-              <a:t>unauthorized</a:t>
-            </a:r>
-            <a:r>
-              <a:rPr lang="hr-HR" dirty="0"/>
-              <a:t> </a:t>
-            </a:r>
-            <a:r>
-              <a:rPr lang="hr-HR" dirty="0" err="1"/>
-              <a:t>access</a:t>
-            </a:r>
-            <a:r>
-              <a:rPr lang="hr-HR" dirty="0"/>
-              <a:t> to </a:t>
-            </a:r>
-            <a:r>
-              <a:rPr lang="hr-HR" dirty="0" err="1"/>
-              <a:t>networks</a:t>
-            </a:r>
-            <a:r>
-              <a:rPr lang="hr-HR" dirty="0"/>
-              <a:t>.</a:t>
-            </a:r>
-            <a:br>
-              <a:rPr lang="en-US" dirty="0"/>
-            </a:br>
-            <a:br>
-              <a:rPr lang="hr-HR" dirty="0"/>
-            </a:br>
-            <a:r>
-              <a:rPr lang="hr-HR" dirty="0"/>
-              <a:t>✅ </a:t>
-            </a:r>
-            <a:r>
-              <a:rPr lang="hr-HR" b="1" dirty="0" err="1"/>
-              <a:t>Intrusion</a:t>
-            </a:r>
-            <a:r>
-              <a:rPr lang="hr-HR" b="1" dirty="0"/>
-              <a:t> </a:t>
-            </a:r>
-            <a:r>
-              <a:rPr lang="hr-HR" b="1" dirty="0" err="1"/>
-              <a:t>Detection</a:t>
-            </a:r>
-            <a:r>
-              <a:rPr lang="hr-HR" b="1" dirty="0"/>
-              <a:t>/</a:t>
-            </a:r>
-            <a:r>
-              <a:rPr lang="hr-HR" b="1" dirty="0" err="1"/>
-              <a:t>Prevention</a:t>
-            </a:r>
-            <a:r>
-              <a:rPr lang="hr-HR" b="1" dirty="0"/>
-              <a:t> Systems (IDS/IPS)</a:t>
-            </a:r>
-            <a:r>
-              <a:rPr lang="hr-HR" dirty="0"/>
-              <a:t> – Monitor </a:t>
-            </a:r>
-            <a:r>
-              <a:rPr lang="hr-HR" dirty="0" err="1"/>
-              <a:t>and</a:t>
-            </a:r>
-            <a:r>
-              <a:rPr lang="hr-HR" dirty="0"/>
-              <a:t> </a:t>
-            </a:r>
-            <a:r>
-              <a:rPr lang="hr-HR" dirty="0" err="1"/>
-              <a:t>block</a:t>
-            </a:r>
-            <a:r>
-              <a:rPr lang="hr-HR" dirty="0"/>
-              <a:t> </a:t>
-            </a:r>
-            <a:r>
-              <a:rPr lang="hr-HR" dirty="0" err="1"/>
-              <a:t>malicious</a:t>
-            </a:r>
-            <a:r>
-              <a:rPr lang="hr-HR" dirty="0"/>
-              <a:t> </a:t>
-            </a:r>
-            <a:r>
-              <a:rPr lang="hr-HR" dirty="0" err="1"/>
-              <a:t>traffic</a:t>
-            </a:r>
-            <a:r>
-              <a:rPr lang="hr-HR" dirty="0"/>
-              <a:t>.</a:t>
-            </a:r>
-            <a:br>
-              <a:rPr lang="en-US" dirty="0"/>
-            </a:br>
-            <a:br>
-              <a:rPr lang="hr-HR" dirty="0"/>
-            </a:br>
-            <a:r>
-              <a:rPr lang="hr-HR" dirty="0"/>
-              <a:t>✅ </a:t>
-            </a:r>
-            <a:r>
-              <a:rPr lang="hr-HR" b="1" dirty="0"/>
-              <a:t>Antivirus </a:t>
-            </a:r>
-            <a:r>
-              <a:rPr lang="hr-HR" b="1" dirty="0" err="1"/>
-              <a:t>and</a:t>
-            </a:r>
-            <a:r>
-              <a:rPr lang="hr-HR" b="1" dirty="0"/>
-              <a:t> </a:t>
-            </a:r>
-            <a:r>
-              <a:rPr lang="hr-HR" b="1" dirty="0" err="1"/>
-              <a:t>Antimalware</a:t>
-            </a:r>
-            <a:r>
-              <a:rPr lang="hr-HR" dirty="0"/>
-              <a:t> – </a:t>
-            </a:r>
-            <a:r>
-              <a:rPr lang="hr-HR" dirty="0" err="1"/>
-              <a:t>Detect</a:t>
-            </a:r>
-            <a:r>
-              <a:rPr lang="hr-HR" dirty="0"/>
-              <a:t> </a:t>
-            </a:r>
-            <a:r>
-              <a:rPr lang="hr-HR" dirty="0" err="1"/>
-              <a:t>and</a:t>
-            </a:r>
-            <a:r>
-              <a:rPr lang="hr-HR" dirty="0"/>
-              <a:t> </a:t>
-            </a:r>
-            <a:r>
-              <a:rPr lang="hr-HR" dirty="0" err="1"/>
-              <a:t>remove</a:t>
-            </a:r>
-            <a:r>
-              <a:rPr lang="hr-HR" dirty="0"/>
-              <a:t> </a:t>
-            </a:r>
-            <a:r>
-              <a:rPr lang="hr-HR" dirty="0" err="1"/>
-              <a:t>malicious</a:t>
-            </a:r>
-            <a:r>
-              <a:rPr lang="hr-HR" dirty="0"/>
-              <a:t> software.</a:t>
-            </a:r>
-            <a:br>
-              <a:rPr lang="en-US" dirty="0"/>
-            </a:br>
-            <a:br>
-              <a:rPr lang="hr-HR" dirty="0"/>
-            </a:br>
-            <a:r>
-              <a:rPr lang="hr-HR" dirty="0"/>
-              <a:t>✅ </a:t>
-            </a:r>
-            <a:r>
-              <a:rPr lang="hr-HR" b="1" dirty="0"/>
-              <a:t>Access Controls</a:t>
-            </a:r>
-            <a:r>
-              <a:rPr lang="hr-HR" dirty="0"/>
-              <a:t> – Use role-</a:t>
-            </a:r>
-            <a:r>
-              <a:rPr lang="hr-HR" dirty="0" err="1"/>
-              <a:t>based</a:t>
-            </a:r>
-            <a:r>
-              <a:rPr lang="hr-HR" dirty="0"/>
-              <a:t> </a:t>
-            </a:r>
-            <a:r>
-              <a:rPr lang="hr-HR" dirty="0" err="1"/>
-              <a:t>access</a:t>
-            </a:r>
-            <a:r>
-              <a:rPr lang="hr-HR" dirty="0"/>
-              <a:t> </a:t>
-            </a:r>
-            <a:r>
-              <a:rPr lang="hr-HR" dirty="0" err="1"/>
-              <a:t>and</a:t>
-            </a:r>
-            <a:r>
-              <a:rPr lang="hr-HR" dirty="0"/>
-              <a:t> multi-</a:t>
-            </a:r>
-            <a:r>
-              <a:rPr lang="hr-HR" dirty="0" err="1"/>
-              <a:t>factor</a:t>
-            </a:r>
-            <a:r>
-              <a:rPr lang="hr-HR" dirty="0"/>
-              <a:t> </a:t>
-            </a:r>
-            <a:r>
-              <a:rPr lang="hr-HR" dirty="0" err="1"/>
-              <a:t>authentication</a:t>
-            </a:r>
-            <a:r>
-              <a:rPr lang="hr-HR" dirty="0"/>
-              <a:t> (MFA).</a:t>
-            </a:r>
-            <a:br>
-              <a:rPr lang="en-US" dirty="0"/>
-            </a:br>
-            <a:br>
-              <a:rPr lang="hr-HR" dirty="0"/>
-            </a:br>
-            <a:r>
-              <a:rPr lang="hr-HR" dirty="0"/>
-              <a:t>✅ </a:t>
-            </a:r>
-            <a:r>
-              <a:rPr lang="hr-HR" b="1" dirty="0"/>
-              <a:t>Data </a:t>
-            </a:r>
-            <a:r>
-              <a:rPr lang="hr-HR" b="1" dirty="0" err="1"/>
-              <a:t>Loss</a:t>
-            </a:r>
-            <a:r>
-              <a:rPr lang="hr-HR" b="1" dirty="0"/>
-              <a:t> </a:t>
-            </a:r>
-            <a:r>
-              <a:rPr lang="hr-HR" b="1" dirty="0" err="1"/>
-              <a:t>Prevention</a:t>
-            </a:r>
-            <a:r>
-              <a:rPr lang="hr-HR" b="1" dirty="0"/>
-              <a:t> (DLP)</a:t>
-            </a:r>
-            <a:r>
-              <a:rPr lang="hr-HR" dirty="0"/>
-              <a:t> – </a:t>
-            </a:r>
-            <a:r>
-              <a:rPr lang="hr-HR" dirty="0" err="1"/>
-              <a:t>Prevent</a:t>
-            </a:r>
-            <a:r>
-              <a:rPr lang="hr-HR" dirty="0"/>
-              <a:t> data </a:t>
-            </a:r>
-            <a:r>
-              <a:rPr lang="hr-HR" dirty="0" err="1"/>
-              <a:t>from</a:t>
-            </a:r>
-            <a:r>
-              <a:rPr lang="hr-HR" dirty="0"/>
-              <a:t> </a:t>
-            </a:r>
-            <a:r>
-              <a:rPr lang="hr-HR" dirty="0" err="1"/>
-              <a:t>being</a:t>
-            </a:r>
-            <a:r>
-              <a:rPr lang="hr-HR" dirty="0"/>
-              <a:t> </a:t>
-            </a:r>
-            <a:r>
-              <a:rPr lang="hr-HR" dirty="0" err="1"/>
-              <a:t>transferred</a:t>
-            </a:r>
-            <a:r>
-              <a:rPr lang="hr-HR" dirty="0"/>
-              <a:t> </a:t>
-            </a:r>
-            <a:r>
-              <a:rPr lang="hr-HR" dirty="0" err="1"/>
-              <a:t>or</a:t>
-            </a:r>
-            <a:r>
-              <a:rPr lang="hr-HR" dirty="0"/>
-              <a:t> </a:t>
-            </a:r>
-            <a:r>
-              <a:rPr lang="hr-HR" dirty="0" err="1"/>
-              <a:t>copied</a:t>
-            </a:r>
-            <a:r>
-              <a:rPr lang="hr-HR" dirty="0"/>
-              <a:t> </a:t>
-            </a:r>
-            <a:r>
-              <a:rPr lang="hr-HR" dirty="0" err="1"/>
-              <a:t>without</a:t>
-            </a:r>
-            <a:r>
-              <a:rPr lang="hr-HR" dirty="0"/>
-              <a:t> </a:t>
-            </a:r>
-            <a:r>
-              <a:rPr lang="hr-HR" dirty="0" err="1"/>
-              <a:t>permission</a:t>
-            </a:r>
-            <a:r>
-              <a:rPr lang="hr-HR" dirty="0"/>
-              <a:t>.</a:t>
-            </a:r>
-          </a:p>
-        </p:txBody>
-      </p:sp>
-      <p:sp>
-        <p:nvSpPr>
-          <p:cNvPr id="2" name="Content Placeholder 2">
-            <a:extLst>
-              <a:ext uri="{FF2B5EF4-FFF2-40B4-BE49-F238E27FC236}">
-                <a16:creationId xmlns:a16="http://schemas.microsoft.com/office/drawing/2014/main" id="{1BCAF744-56F3-5A3D-60A5-709F144C46CD}"/>
-              </a:ext>
-            </a:extLst>
-          </p:cNvPr>
-          <p:cNvSpPr txBox="1">
-            <a:spLocks/>
-          </p:cNvSpPr>
-          <p:nvPr/>
-        </p:nvSpPr>
-        <p:spPr>
-          <a:xfrm>
-            <a:off x="5810250" y="4443400"/>
-            <a:ext cx="6178550" cy="2178064"/>
-          </a:xfrm>
-          <a:prstGeom prst="rect">
-            <a:avLst/>
-          </a:prstGeom>
-        </p:spPr>
-        <p:txBody>
-          <a:bodyPr vert="horz" lIns="91440" tIns="45720" rIns="91440" bIns="45720" rtlCol="0">
-            <a:normAutofit fontScale="92500"/>
-          </a:bodyPr>
-          <a:lstStyle>
-            <a:lvl1pPr marL="368300" indent="-352425" algn="l" defTabSz="914400" rtl="0" eaLnBrk="1" latinLnBrk="0" hangingPunct="1">
-              <a:lnSpc>
-                <a:spcPct val="90000"/>
-              </a:lnSpc>
-              <a:spcBef>
-                <a:spcPts val="600"/>
-              </a:spcBef>
-              <a:spcAft>
-                <a:spcPts val="600"/>
-              </a:spcAft>
-              <a:buClr>
-                <a:schemeClr val="accent2"/>
-              </a:buClr>
-              <a:buFont typeface="Wingdings" pitchFamily="2" charset="2"/>
-              <a:buChar char="§"/>
-              <a:tabLst/>
-              <a:defRPr sz="2400" kern="1200">
-                <a:solidFill>
-                  <a:schemeClr val="tx1"/>
-                </a:solidFill>
-                <a:latin typeface="+mn-lt"/>
-                <a:ea typeface="Open Sans" panose="020B0606030504020204" pitchFamily="34" charset="0"/>
-                <a:cs typeface="Open Sans" panose="020B0606030504020204" pitchFamily="34" charset="0"/>
-              </a:defRPr>
-            </a:lvl1pPr>
-            <a:lvl2pPr marL="771525" indent="-274638" algn="l" defTabSz="914400" rtl="0" eaLnBrk="1" latinLnBrk="0" hangingPunct="1">
-              <a:lnSpc>
-                <a:spcPct val="90000"/>
-              </a:lnSpc>
-              <a:spcBef>
-                <a:spcPts val="600"/>
-              </a:spcBef>
-              <a:spcAft>
-                <a:spcPts val="600"/>
-              </a:spcAft>
-              <a:buClr>
-                <a:schemeClr val="accent2"/>
-              </a:buClr>
-              <a:buFont typeface="Wingdings" pitchFamily="2" charset="2"/>
-              <a:buChar char="§"/>
-              <a:tabLst/>
-              <a:defRPr sz="2200" kern="1200">
-                <a:solidFill>
-                  <a:schemeClr val="tx1"/>
-                </a:solidFill>
-                <a:latin typeface="+mn-lt"/>
-                <a:ea typeface="Open Sans" panose="020B0606030504020204" pitchFamily="34" charset="0"/>
-                <a:cs typeface="Open Sans" panose="020B0606030504020204" pitchFamily="34" charset="0"/>
-              </a:defRPr>
-            </a:lvl2pPr>
-            <a:lvl3pPr marL="1143000" indent="-228600" algn="l" defTabSz="914400" rtl="0" eaLnBrk="1" latinLnBrk="0" hangingPunct="1">
-              <a:lnSpc>
-                <a:spcPct val="90000"/>
-              </a:lnSpc>
-              <a:spcBef>
-                <a:spcPts val="600"/>
-              </a:spcBef>
-              <a:spcAft>
-                <a:spcPts val="600"/>
-              </a:spcAft>
-              <a:buClr>
-                <a:schemeClr val="accent2"/>
-              </a:buClr>
-              <a:buFont typeface="Wingdings" pitchFamily="2" charset="2"/>
-              <a:buChar char="§"/>
-              <a:defRPr sz="2000" kern="1200">
-                <a:solidFill>
-                  <a:schemeClr val="tx1"/>
-                </a:solidFill>
-                <a:latin typeface="+mn-lt"/>
-                <a:ea typeface="Open Sans" panose="020B0606030504020204" pitchFamily="34" charset="0"/>
-                <a:cs typeface="Open Sans" panose="020B0606030504020204" pitchFamily="34" charset="0"/>
-              </a:defRPr>
-            </a:lvl3pPr>
-            <a:lvl4pPr marL="1600200" indent="-228600" algn="l" defTabSz="914400" rtl="0" eaLnBrk="1" latinLnBrk="0" hangingPunct="1">
-              <a:lnSpc>
-                <a:spcPct val="90000"/>
-              </a:lnSpc>
-              <a:spcBef>
-                <a:spcPts val="600"/>
-              </a:spcBef>
-              <a:spcAft>
-                <a:spcPts val="600"/>
-              </a:spcAft>
-              <a:buClr>
-                <a:schemeClr val="accent2"/>
-              </a:buClr>
-              <a:buFont typeface="Wingdings" pitchFamily="2" charset="2"/>
-              <a:buChar char="§"/>
-              <a:defRPr sz="1800" kern="1200">
-                <a:solidFill>
-                  <a:schemeClr val="tx1"/>
-                </a:solidFill>
-                <a:latin typeface="+mn-lt"/>
-                <a:ea typeface="Open Sans" panose="020B0606030504020204" pitchFamily="34" charset="0"/>
-                <a:cs typeface="Open Sans" panose="020B0606030504020204" pitchFamily="34" charset="0"/>
-              </a:defRPr>
-            </a:lvl4pPr>
-            <a:lvl5pPr marL="1960563" indent="-225425" algn="l" defTabSz="914400" rtl="0" eaLnBrk="1" latinLnBrk="0" hangingPunct="1">
-              <a:lnSpc>
-                <a:spcPct val="90000"/>
-              </a:lnSpc>
-              <a:spcBef>
-                <a:spcPts val="600"/>
-              </a:spcBef>
-              <a:spcAft>
-                <a:spcPts val="600"/>
-              </a:spcAft>
-              <a:buClr>
-                <a:schemeClr val="accent2"/>
-              </a:buClr>
-              <a:buFont typeface="Wingdings" pitchFamily="2" charset="2"/>
-              <a:buChar char="§"/>
-              <a:tabLst/>
-              <a:defRPr sz="1600" kern="1200">
-                <a:solidFill>
-                  <a:schemeClr val="tx1"/>
-                </a:solidFill>
-                <a:latin typeface="+mn-lt"/>
-                <a:ea typeface="Open Sans" panose="020B0606030504020204" pitchFamily="34" charset="0"/>
-                <a:cs typeface="Open Sans" panose="020B0606030504020204" pitchFamily="34" charset="0"/>
-              </a:defRPr>
-            </a:lvl5pPr>
-            <a:lvl6pPr marL="2514600" indent="-228600" algn="l" defTabSz="914400" rtl="0" eaLnBrk="1" latinLnBrk="0" hangingPunct="1">
-              <a:lnSpc>
-                <a:spcPct val="90000"/>
-              </a:lnSpc>
-              <a:spcBef>
-                <a:spcPts val="500"/>
-              </a:spcBef>
-              <a:buFont typeface="Arial" panose="020B0604020202020204" pitchFamily="34" charset="0"/>
-              <a:buChar char="•"/>
-              <a:defRPr sz="1800" kern="1200">
-                <a:solidFill>
-                  <a:schemeClr val="tx1"/>
-                </a:solidFill>
-                <a:latin typeface="+mn-lt"/>
-                <a:ea typeface="+mn-ea"/>
-                <a:cs typeface="+mn-cs"/>
-              </a:defRPr>
-            </a:lvl6pPr>
-            <a:lvl7pPr marL="2971800" indent="-228600" algn="l" defTabSz="914400" rtl="0" eaLnBrk="1" latinLnBrk="0" hangingPunct="1">
-              <a:lnSpc>
-                <a:spcPct val="90000"/>
-              </a:lnSpc>
-              <a:spcBef>
-                <a:spcPts val="500"/>
-              </a:spcBef>
-              <a:buFont typeface="Arial" panose="020B0604020202020204" pitchFamily="34" charset="0"/>
-              <a:buChar char="•"/>
-              <a:defRPr sz="1800" kern="1200">
-                <a:solidFill>
-                  <a:schemeClr val="tx1"/>
-                </a:solidFill>
-                <a:latin typeface="+mn-lt"/>
-                <a:ea typeface="+mn-ea"/>
-                <a:cs typeface="+mn-cs"/>
-              </a:defRPr>
-            </a:lvl7pPr>
-            <a:lvl8pPr marL="3429000" indent="-228600" algn="l" defTabSz="914400" rtl="0" eaLnBrk="1" latinLnBrk="0" hangingPunct="1">
-              <a:lnSpc>
-                <a:spcPct val="90000"/>
-              </a:lnSpc>
-              <a:spcBef>
-                <a:spcPts val="500"/>
-              </a:spcBef>
-              <a:buFont typeface="Arial" panose="020B0604020202020204" pitchFamily="34" charset="0"/>
-              <a:buChar char="•"/>
-              <a:defRPr sz="1800" kern="1200">
-                <a:solidFill>
-                  <a:schemeClr val="tx1"/>
-                </a:solidFill>
-                <a:latin typeface="+mn-lt"/>
-                <a:ea typeface="+mn-ea"/>
-                <a:cs typeface="+mn-cs"/>
-              </a:defRPr>
-            </a:lvl8pPr>
-            <a:lvl9pPr marL="3886200" indent="-228600" algn="l" defTabSz="914400" rtl="0" eaLnBrk="1" latinLnBrk="0" hangingPunct="1">
-              <a:lnSpc>
-                <a:spcPct val="90000"/>
-              </a:lnSpc>
-              <a:spcBef>
-                <a:spcPts val="500"/>
-              </a:spcBef>
-              <a:buFont typeface="Arial" panose="020B0604020202020204" pitchFamily="34" charset="0"/>
-              <a:buChar char="•"/>
-              <a:defRPr sz="1800" kern="1200">
-                <a:solidFill>
-                  <a:schemeClr val="tx1"/>
-                </a:solidFill>
-                <a:latin typeface="+mn-lt"/>
-                <a:ea typeface="+mn-ea"/>
-                <a:cs typeface="+mn-cs"/>
-              </a:defRPr>
-            </a:lvl9pPr>
-          </a:lstStyle>
-          <a:p>
-            <a:pPr>
-              <a:buNone/>
-            </a:pPr>
-            <a:r>
-              <a:rPr lang="en-US" b="1" dirty="0"/>
-              <a:t>Regular Software Updates and Patch Management</a:t>
-            </a:r>
-          </a:p>
-          <a:p>
-            <a:pPr>
-              <a:buFont typeface="Arial" panose="020B0604020202020204" pitchFamily="34" charset="0"/>
-              <a:buChar char="•"/>
-            </a:pPr>
-            <a:r>
-              <a:rPr lang="en-US" dirty="0"/>
-              <a:t>Security patches address known vulnerabilities.</a:t>
-            </a:r>
-          </a:p>
-          <a:p>
-            <a:pPr>
-              <a:buFont typeface="Arial" panose="020B0604020202020204" pitchFamily="34" charset="0"/>
-              <a:buChar char="•"/>
-            </a:pPr>
-            <a:r>
-              <a:rPr lang="en-US" dirty="0"/>
-              <a:t>Example: Updating an operating system to fix an exploit.</a:t>
-            </a:r>
-          </a:p>
-          <a:p>
-            <a:pPr>
-              <a:buFont typeface="Arial" panose="020B0604020202020204" pitchFamily="34" charset="0"/>
-              <a:buChar char="•"/>
-            </a:pPr>
-            <a:r>
-              <a:rPr lang="en-US" dirty="0"/>
-              <a:t>✅ Reduces exposure to known threats</a:t>
-            </a:r>
-          </a:p>
-        </p:txBody>
-      </p:sp>
-    </p:spTree>
-    <p:extLst>
-      <p:ext uri="{BB962C8B-B14F-4D97-AF65-F5344CB8AC3E}">
-        <p14:creationId xmlns:p14="http://schemas.microsoft.com/office/powerpoint/2010/main" val="3984699851"/>
-      </p:ext>
-    </p:extLst>
-  </p:cSld>
-  <p:clrMapOvr>
-    <a:masterClrMapping/>
-  </p:clrMapOvr>
-</p:sld>
-</file>
-
-<file path=ppt/slides/slide12.xml><?xml version="1.0" encoding="utf-8"?>
-<p:sld xmlns:a="http://schemas.openxmlformats.org/drawingml/2006/main" xmlns:r="http://schemas.openxmlformats.org/officeDocument/2006/relationships" xmlns:p="http://schemas.openxmlformats.org/presentationml/2006/main">
-  <p:cSld>
-    <p:spTree>
-      <p:nvGrpSpPr>
-        <p:cNvPr id="1" name="">
-          <a:extLst>
-            <a:ext uri="{FF2B5EF4-FFF2-40B4-BE49-F238E27FC236}">
-              <a16:creationId xmlns:a16="http://schemas.microsoft.com/office/drawing/2014/main" id="{3535769F-780F-DB66-9CAF-AE03A4D1354D}"/>
-            </a:ext>
-          </a:extLst>
-        </p:cNvPr>
-        <p:cNvGrpSpPr/>
-        <p:nvPr/>
-      </p:nvGrpSpPr>
-      <p:grpSpPr>
-        <a:xfrm>
-          <a:off x="0" y="0"/>
-          <a:ext cx="0" cy="0"/>
-          <a:chOff x="0" y="0"/>
-          <a:chExt cx="0" cy="0"/>
-        </a:xfrm>
-      </p:grpSpPr>
-      <p:sp>
-        <p:nvSpPr>
-          <p:cNvPr id="3" name="Title 2">
-            <a:extLst>
-              <a:ext uri="{FF2B5EF4-FFF2-40B4-BE49-F238E27FC236}">
-                <a16:creationId xmlns:a16="http://schemas.microsoft.com/office/drawing/2014/main" id="{CD37C309-8601-C02A-B16B-C817FEBFB66F}"/>
-              </a:ext>
-            </a:extLst>
-          </p:cNvPr>
-          <p:cNvSpPr>
-            <a:spLocks noGrp="1"/>
-          </p:cNvSpPr>
-          <p:nvPr>
-            <p:ph type="title"/>
-          </p:nvPr>
-        </p:nvSpPr>
-        <p:spPr>
-          <a:xfrm>
-            <a:off x="838200" y="358775"/>
-            <a:ext cx="10515600" cy="1325563"/>
-          </a:xfrm>
-        </p:spPr>
-        <p:txBody>
-          <a:bodyPr/>
-          <a:lstStyle/>
-          <a:p>
-            <a:r>
-              <a:rPr lang="hr-HR" dirty="0"/>
-              <a:t>SECURITY AND PRIVACY</a:t>
-            </a:r>
-            <a:r>
-              <a:rPr lang="en-US" dirty="0"/>
-              <a:t> - </a:t>
-            </a:r>
-            <a:r>
-              <a:rPr lang="hr-HR" dirty="0"/>
-              <a:t>LAWS AND REGULATIONS</a:t>
-            </a:r>
-            <a:r>
-              <a:rPr lang="en-US" dirty="0"/>
-              <a:t> </a:t>
-            </a:r>
-            <a:endParaRPr lang="hr-HR" dirty="0"/>
-          </a:p>
-        </p:txBody>
-      </p:sp>
-      <p:sp>
-        <p:nvSpPr>
-          <p:cNvPr id="6" name="Content Placeholder 2">
-            <a:extLst>
-              <a:ext uri="{FF2B5EF4-FFF2-40B4-BE49-F238E27FC236}">
-                <a16:creationId xmlns:a16="http://schemas.microsoft.com/office/drawing/2014/main" id="{45B47571-7674-12F9-596F-3F257C442F2D}"/>
-              </a:ext>
-            </a:extLst>
-          </p:cNvPr>
-          <p:cNvSpPr txBox="1">
-            <a:spLocks/>
-          </p:cNvSpPr>
-          <p:nvPr/>
-        </p:nvSpPr>
-        <p:spPr>
-          <a:xfrm>
-            <a:off x="6153150" y="1981187"/>
-            <a:ext cx="5715000" cy="3530613"/>
-          </a:xfrm>
-          <a:prstGeom prst="rect">
-            <a:avLst/>
-          </a:prstGeom>
-        </p:spPr>
-        <p:txBody>
-          <a:bodyPr vert="horz" lIns="91440" tIns="45720" rIns="91440" bIns="45720" rtlCol="0">
-            <a:normAutofit fontScale="77500" lnSpcReduction="20000"/>
-          </a:bodyPr>
-          <a:lstStyle>
-            <a:lvl1pPr marL="368300" indent="-352425" algn="l" defTabSz="914400" rtl="0" eaLnBrk="1" latinLnBrk="0" hangingPunct="1">
-              <a:lnSpc>
-                <a:spcPct val="90000"/>
-              </a:lnSpc>
-              <a:spcBef>
-                <a:spcPts val="600"/>
-              </a:spcBef>
-              <a:spcAft>
-                <a:spcPts val="600"/>
-              </a:spcAft>
-              <a:buClr>
-                <a:schemeClr val="accent2"/>
-              </a:buClr>
-              <a:buFont typeface="Wingdings" pitchFamily="2" charset="2"/>
-              <a:buChar char="§"/>
-              <a:tabLst/>
-              <a:defRPr sz="2400" kern="1200">
-                <a:solidFill>
-                  <a:schemeClr val="tx1"/>
-                </a:solidFill>
-                <a:latin typeface="+mn-lt"/>
-                <a:ea typeface="Open Sans" panose="020B0606030504020204" pitchFamily="34" charset="0"/>
-                <a:cs typeface="Open Sans" panose="020B0606030504020204" pitchFamily="34" charset="0"/>
-              </a:defRPr>
-            </a:lvl1pPr>
-            <a:lvl2pPr marL="771525" indent="-274638" algn="l" defTabSz="914400" rtl="0" eaLnBrk="1" latinLnBrk="0" hangingPunct="1">
-              <a:lnSpc>
-                <a:spcPct val="90000"/>
-              </a:lnSpc>
-              <a:spcBef>
-                <a:spcPts val="600"/>
-              </a:spcBef>
-              <a:spcAft>
-                <a:spcPts val="600"/>
-              </a:spcAft>
-              <a:buClr>
-                <a:schemeClr val="accent2"/>
-              </a:buClr>
-              <a:buFont typeface="Wingdings" pitchFamily="2" charset="2"/>
-              <a:buChar char="§"/>
-              <a:tabLst/>
-              <a:defRPr sz="2200" kern="1200">
-                <a:solidFill>
-                  <a:schemeClr val="tx1"/>
-                </a:solidFill>
-                <a:latin typeface="+mn-lt"/>
-                <a:ea typeface="Open Sans" panose="020B0606030504020204" pitchFamily="34" charset="0"/>
-                <a:cs typeface="Open Sans" panose="020B0606030504020204" pitchFamily="34" charset="0"/>
-              </a:defRPr>
-            </a:lvl2pPr>
-            <a:lvl3pPr marL="1143000" indent="-228600" algn="l" defTabSz="914400" rtl="0" eaLnBrk="1" latinLnBrk="0" hangingPunct="1">
-              <a:lnSpc>
-                <a:spcPct val="90000"/>
-              </a:lnSpc>
-              <a:spcBef>
-                <a:spcPts val="600"/>
-              </a:spcBef>
-              <a:spcAft>
-                <a:spcPts val="600"/>
-              </a:spcAft>
-              <a:buClr>
-                <a:schemeClr val="accent2"/>
-              </a:buClr>
-              <a:buFont typeface="Wingdings" pitchFamily="2" charset="2"/>
-              <a:buChar char="§"/>
-              <a:defRPr sz="2000" kern="1200">
-                <a:solidFill>
-                  <a:schemeClr val="tx1"/>
-                </a:solidFill>
-                <a:latin typeface="+mn-lt"/>
-                <a:ea typeface="Open Sans" panose="020B0606030504020204" pitchFamily="34" charset="0"/>
-                <a:cs typeface="Open Sans" panose="020B0606030504020204" pitchFamily="34" charset="0"/>
-              </a:defRPr>
-            </a:lvl3pPr>
-            <a:lvl4pPr marL="1600200" indent="-228600" algn="l" defTabSz="914400" rtl="0" eaLnBrk="1" latinLnBrk="0" hangingPunct="1">
-              <a:lnSpc>
-                <a:spcPct val="90000"/>
-              </a:lnSpc>
-              <a:spcBef>
-                <a:spcPts val="600"/>
-              </a:spcBef>
-              <a:spcAft>
-                <a:spcPts val="600"/>
-              </a:spcAft>
-              <a:buClr>
-                <a:schemeClr val="accent2"/>
-              </a:buClr>
-              <a:buFont typeface="Wingdings" pitchFamily="2" charset="2"/>
-              <a:buChar char="§"/>
-              <a:defRPr sz="1800" kern="1200">
-                <a:solidFill>
-                  <a:schemeClr val="tx1"/>
-                </a:solidFill>
-                <a:latin typeface="+mn-lt"/>
-                <a:ea typeface="Open Sans" panose="020B0606030504020204" pitchFamily="34" charset="0"/>
-                <a:cs typeface="Open Sans" panose="020B0606030504020204" pitchFamily="34" charset="0"/>
-              </a:defRPr>
-            </a:lvl4pPr>
-            <a:lvl5pPr marL="1960563" indent="-225425" algn="l" defTabSz="914400" rtl="0" eaLnBrk="1" latinLnBrk="0" hangingPunct="1">
-              <a:lnSpc>
-                <a:spcPct val="90000"/>
-              </a:lnSpc>
-              <a:spcBef>
-                <a:spcPts val="600"/>
-              </a:spcBef>
-              <a:spcAft>
-                <a:spcPts val="600"/>
-              </a:spcAft>
-              <a:buClr>
-                <a:schemeClr val="accent2"/>
-              </a:buClr>
-              <a:buFont typeface="Wingdings" pitchFamily="2" charset="2"/>
-              <a:buChar char="§"/>
-              <a:tabLst/>
-              <a:defRPr sz="1600" kern="1200">
-                <a:solidFill>
-                  <a:schemeClr val="tx1"/>
-                </a:solidFill>
-                <a:latin typeface="+mn-lt"/>
-                <a:ea typeface="Open Sans" panose="020B0606030504020204" pitchFamily="34" charset="0"/>
-                <a:cs typeface="Open Sans" panose="020B0606030504020204" pitchFamily="34" charset="0"/>
-              </a:defRPr>
-            </a:lvl5pPr>
-            <a:lvl6pPr marL="2514600" indent="-228600" algn="l" defTabSz="914400" rtl="0" eaLnBrk="1" latinLnBrk="0" hangingPunct="1">
-              <a:lnSpc>
-                <a:spcPct val="90000"/>
-              </a:lnSpc>
-              <a:spcBef>
-                <a:spcPts val="500"/>
-              </a:spcBef>
-              <a:buFont typeface="Arial" panose="020B0604020202020204" pitchFamily="34" charset="0"/>
-              <a:buChar char="•"/>
-              <a:defRPr sz="1800" kern="1200">
-                <a:solidFill>
-                  <a:schemeClr val="tx1"/>
-                </a:solidFill>
-                <a:latin typeface="+mn-lt"/>
-                <a:ea typeface="+mn-ea"/>
-                <a:cs typeface="+mn-cs"/>
-              </a:defRPr>
-            </a:lvl6pPr>
-            <a:lvl7pPr marL="2971800" indent="-228600" algn="l" defTabSz="914400" rtl="0" eaLnBrk="1" latinLnBrk="0" hangingPunct="1">
-              <a:lnSpc>
-                <a:spcPct val="90000"/>
-              </a:lnSpc>
-              <a:spcBef>
-                <a:spcPts val="500"/>
-              </a:spcBef>
-              <a:buFont typeface="Arial" panose="020B0604020202020204" pitchFamily="34" charset="0"/>
-              <a:buChar char="•"/>
-              <a:defRPr sz="1800" kern="1200">
-                <a:solidFill>
-                  <a:schemeClr val="tx1"/>
-                </a:solidFill>
-                <a:latin typeface="+mn-lt"/>
-                <a:ea typeface="+mn-ea"/>
-                <a:cs typeface="+mn-cs"/>
-              </a:defRPr>
-            </a:lvl7pPr>
-            <a:lvl8pPr marL="3429000" indent="-228600" algn="l" defTabSz="914400" rtl="0" eaLnBrk="1" latinLnBrk="0" hangingPunct="1">
-              <a:lnSpc>
-                <a:spcPct val="90000"/>
-              </a:lnSpc>
-              <a:spcBef>
-                <a:spcPts val="500"/>
-              </a:spcBef>
-              <a:buFont typeface="Arial" panose="020B0604020202020204" pitchFamily="34" charset="0"/>
-              <a:buChar char="•"/>
-              <a:defRPr sz="1800" kern="1200">
-                <a:solidFill>
-                  <a:schemeClr val="tx1"/>
-                </a:solidFill>
-                <a:latin typeface="+mn-lt"/>
-                <a:ea typeface="+mn-ea"/>
-                <a:cs typeface="+mn-cs"/>
-              </a:defRPr>
-            </a:lvl8pPr>
-            <a:lvl9pPr marL="3886200" indent="-228600" algn="l" defTabSz="914400" rtl="0" eaLnBrk="1" latinLnBrk="0" hangingPunct="1">
-              <a:lnSpc>
-                <a:spcPct val="90000"/>
-              </a:lnSpc>
-              <a:spcBef>
-                <a:spcPts val="500"/>
-              </a:spcBef>
-              <a:buFont typeface="Arial" panose="020B0604020202020204" pitchFamily="34" charset="0"/>
-              <a:buChar char="•"/>
-              <a:defRPr sz="1800" kern="1200">
-                <a:solidFill>
-                  <a:schemeClr val="tx1"/>
-                </a:solidFill>
-                <a:latin typeface="+mn-lt"/>
-                <a:ea typeface="+mn-ea"/>
-                <a:cs typeface="+mn-cs"/>
-              </a:defRPr>
-            </a:lvl9pPr>
-          </a:lstStyle>
-          <a:p>
-            <a:pPr>
-              <a:buNone/>
-            </a:pPr>
-            <a:r>
-              <a:rPr lang="en-US" b="1" dirty="0"/>
-              <a:t>Compliance Requirements</a:t>
-            </a:r>
-          </a:p>
-          <a:p>
-            <a:pPr>
-              <a:buFont typeface="+mj-lt"/>
-              <a:buAutoNum type="arabicPeriod"/>
-            </a:pPr>
-            <a:r>
-              <a:rPr lang="en-US" b="1" dirty="0"/>
-              <a:t>Data Protection Impact Assessments (DPIA)</a:t>
-            </a:r>
-            <a:r>
-              <a:rPr lang="en-US" dirty="0"/>
-              <a:t> </a:t>
-            </a:r>
-          </a:p>
-          <a:p>
-            <a:pPr marL="742950" lvl="1" indent="-285750">
-              <a:buFont typeface="+mj-lt"/>
-              <a:buAutoNum type="arabicPeriod"/>
-            </a:pPr>
-            <a:r>
-              <a:rPr lang="en-US" dirty="0"/>
-              <a:t>Evaluate risks associated with data processing.</a:t>
-            </a:r>
-          </a:p>
-          <a:p>
-            <a:pPr>
-              <a:buFont typeface="+mj-lt"/>
-              <a:buAutoNum type="arabicPeriod"/>
-            </a:pPr>
-            <a:r>
-              <a:rPr lang="en-US" b="1" dirty="0"/>
-              <a:t>Implementing Policies and Procedures</a:t>
-            </a:r>
-            <a:r>
-              <a:rPr lang="en-US" dirty="0"/>
-              <a:t> </a:t>
-            </a:r>
-          </a:p>
-          <a:p>
-            <a:pPr marL="742950" lvl="1" indent="-285750">
-              <a:buFont typeface="+mj-lt"/>
-              <a:buAutoNum type="arabicPeriod"/>
-            </a:pPr>
-            <a:r>
-              <a:rPr lang="en-US" dirty="0"/>
-              <a:t>Define how data is collected, stored, and protected.</a:t>
-            </a:r>
-          </a:p>
-          <a:p>
-            <a:pPr marL="742950" lvl="1" indent="-285750">
-              <a:buFont typeface="+mj-lt"/>
-              <a:buAutoNum type="arabicPeriod"/>
-            </a:pPr>
-            <a:r>
-              <a:rPr lang="en-US" dirty="0"/>
-              <a:t>Outline breach notification protocols.</a:t>
-            </a:r>
-          </a:p>
-          <a:p>
-            <a:pPr>
-              <a:buFont typeface="+mj-lt"/>
-              <a:buAutoNum type="arabicPeriod"/>
-            </a:pPr>
-            <a:r>
-              <a:rPr lang="en-US" b="1" dirty="0"/>
-              <a:t>Regular Audits and Monitoring</a:t>
-            </a:r>
-            <a:r>
-              <a:rPr lang="en-US" dirty="0"/>
-              <a:t> </a:t>
-            </a:r>
-          </a:p>
-          <a:p>
-            <a:pPr marL="742950" lvl="1" indent="-285750">
-              <a:buFont typeface="+mj-lt"/>
-              <a:buAutoNum type="arabicPeriod"/>
-            </a:pPr>
-            <a:r>
-              <a:rPr lang="en-US" dirty="0"/>
-              <a:t>Perform internal audits and vulnerability assessments.</a:t>
-            </a:r>
-          </a:p>
-          <a:p>
-            <a:pPr marL="742950" lvl="1" indent="-285750">
-              <a:buFont typeface="+mj-lt"/>
-              <a:buAutoNum type="arabicPeriod"/>
-            </a:pPr>
-            <a:r>
-              <a:rPr lang="en-US" dirty="0"/>
-              <a:t>Ensure systems meet compliance requirements.</a:t>
-            </a:r>
-          </a:p>
-        </p:txBody>
-      </p:sp>
-      <p:sp>
-        <p:nvSpPr>
-          <p:cNvPr id="2" name="Content Placeholder 2">
-            <a:extLst>
-              <a:ext uri="{FF2B5EF4-FFF2-40B4-BE49-F238E27FC236}">
-                <a16:creationId xmlns:a16="http://schemas.microsoft.com/office/drawing/2014/main" id="{738A5BD3-D8D7-73D1-8751-83C656BC67E2}"/>
-              </a:ext>
-            </a:extLst>
-          </p:cNvPr>
-          <p:cNvSpPr txBox="1">
-            <a:spLocks/>
-          </p:cNvSpPr>
-          <p:nvPr/>
-        </p:nvSpPr>
-        <p:spPr>
-          <a:xfrm>
-            <a:off x="908050" y="5562600"/>
-            <a:ext cx="11080750" cy="1058864"/>
-          </a:xfrm>
-          <a:prstGeom prst="rect">
-            <a:avLst/>
-          </a:prstGeom>
-        </p:spPr>
-        <p:txBody>
-          <a:bodyPr vert="horz" lIns="91440" tIns="45720" rIns="91440" bIns="45720" rtlCol="0">
-            <a:normAutofit fontScale="92500" lnSpcReduction="10000"/>
-          </a:bodyPr>
-          <a:lstStyle>
-            <a:lvl1pPr marL="368300" indent="-352425" algn="l" defTabSz="914400" rtl="0" eaLnBrk="1" latinLnBrk="0" hangingPunct="1">
-              <a:lnSpc>
-                <a:spcPct val="90000"/>
-              </a:lnSpc>
-              <a:spcBef>
-                <a:spcPts val="600"/>
-              </a:spcBef>
-              <a:spcAft>
-                <a:spcPts val="600"/>
-              </a:spcAft>
-              <a:buClr>
-                <a:schemeClr val="accent2"/>
-              </a:buClr>
-              <a:buFont typeface="Wingdings" pitchFamily="2" charset="2"/>
-              <a:buChar char="§"/>
-              <a:tabLst/>
-              <a:defRPr sz="2400" kern="1200">
-                <a:solidFill>
-                  <a:schemeClr val="tx1"/>
-                </a:solidFill>
-                <a:latin typeface="+mn-lt"/>
-                <a:ea typeface="Open Sans" panose="020B0606030504020204" pitchFamily="34" charset="0"/>
-                <a:cs typeface="Open Sans" panose="020B0606030504020204" pitchFamily="34" charset="0"/>
-              </a:defRPr>
-            </a:lvl1pPr>
-            <a:lvl2pPr marL="771525" indent="-274638" algn="l" defTabSz="914400" rtl="0" eaLnBrk="1" latinLnBrk="0" hangingPunct="1">
-              <a:lnSpc>
-                <a:spcPct val="90000"/>
-              </a:lnSpc>
-              <a:spcBef>
-                <a:spcPts val="600"/>
-              </a:spcBef>
-              <a:spcAft>
-                <a:spcPts val="600"/>
-              </a:spcAft>
-              <a:buClr>
-                <a:schemeClr val="accent2"/>
-              </a:buClr>
-              <a:buFont typeface="Wingdings" pitchFamily="2" charset="2"/>
-              <a:buChar char="§"/>
-              <a:tabLst/>
-              <a:defRPr sz="2200" kern="1200">
-                <a:solidFill>
-                  <a:schemeClr val="tx1"/>
-                </a:solidFill>
-                <a:latin typeface="+mn-lt"/>
-                <a:ea typeface="Open Sans" panose="020B0606030504020204" pitchFamily="34" charset="0"/>
-                <a:cs typeface="Open Sans" panose="020B0606030504020204" pitchFamily="34" charset="0"/>
-              </a:defRPr>
-            </a:lvl2pPr>
-            <a:lvl3pPr marL="1143000" indent="-228600" algn="l" defTabSz="914400" rtl="0" eaLnBrk="1" latinLnBrk="0" hangingPunct="1">
-              <a:lnSpc>
-                <a:spcPct val="90000"/>
-              </a:lnSpc>
-              <a:spcBef>
-                <a:spcPts val="600"/>
-              </a:spcBef>
-              <a:spcAft>
-                <a:spcPts val="600"/>
-              </a:spcAft>
-              <a:buClr>
-                <a:schemeClr val="accent2"/>
-              </a:buClr>
-              <a:buFont typeface="Wingdings" pitchFamily="2" charset="2"/>
-              <a:buChar char="§"/>
-              <a:defRPr sz="2000" kern="1200">
-                <a:solidFill>
-                  <a:schemeClr val="tx1"/>
-                </a:solidFill>
-                <a:latin typeface="+mn-lt"/>
-                <a:ea typeface="Open Sans" panose="020B0606030504020204" pitchFamily="34" charset="0"/>
-                <a:cs typeface="Open Sans" panose="020B0606030504020204" pitchFamily="34" charset="0"/>
-              </a:defRPr>
-            </a:lvl3pPr>
-            <a:lvl4pPr marL="1600200" indent="-228600" algn="l" defTabSz="914400" rtl="0" eaLnBrk="1" latinLnBrk="0" hangingPunct="1">
-              <a:lnSpc>
-                <a:spcPct val="90000"/>
-              </a:lnSpc>
-              <a:spcBef>
-                <a:spcPts val="600"/>
-              </a:spcBef>
-              <a:spcAft>
-                <a:spcPts val="600"/>
-              </a:spcAft>
-              <a:buClr>
-                <a:schemeClr val="accent2"/>
-              </a:buClr>
-              <a:buFont typeface="Wingdings" pitchFamily="2" charset="2"/>
-              <a:buChar char="§"/>
-              <a:defRPr sz="1800" kern="1200">
-                <a:solidFill>
-                  <a:schemeClr val="tx1"/>
-                </a:solidFill>
-                <a:latin typeface="+mn-lt"/>
-                <a:ea typeface="Open Sans" panose="020B0606030504020204" pitchFamily="34" charset="0"/>
-                <a:cs typeface="Open Sans" panose="020B0606030504020204" pitchFamily="34" charset="0"/>
-              </a:defRPr>
-            </a:lvl4pPr>
-            <a:lvl5pPr marL="1960563" indent="-225425" algn="l" defTabSz="914400" rtl="0" eaLnBrk="1" latinLnBrk="0" hangingPunct="1">
-              <a:lnSpc>
-                <a:spcPct val="90000"/>
-              </a:lnSpc>
-              <a:spcBef>
-                <a:spcPts val="600"/>
-              </a:spcBef>
-              <a:spcAft>
-                <a:spcPts val="600"/>
-              </a:spcAft>
-              <a:buClr>
-                <a:schemeClr val="accent2"/>
-              </a:buClr>
-              <a:buFont typeface="Wingdings" pitchFamily="2" charset="2"/>
-              <a:buChar char="§"/>
-              <a:tabLst/>
-              <a:defRPr sz="1600" kern="1200">
-                <a:solidFill>
-                  <a:schemeClr val="tx1"/>
-                </a:solidFill>
-                <a:latin typeface="+mn-lt"/>
-                <a:ea typeface="Open Sans" panose="020B0606030504020204" pitchFamily="34" charset="0"/>
-                <a:cs typeface="Open Sans" panose="020B0606030504020204" pitchFamily="34" charset="0"/>
-              </a:defRPr>
-            </a:lvl5pPr>
-            <a:lvl6pPr marL="2514600" indent="-228600" algn="l" defTabSz="914400" rtl="0" eaLnBrk="1" latinLnBrk="0" hangingPunct="1">
-              <a:lnSpc>
-                <a:spcPct val="90000"/>
-              </a:lnSpc>
-              <a:spcBef>
-                <a:spcPts val="500"/>
-              </a:spcBef>
-              <a:buFont typeface="Arial" panose="020B0604020202020204" pitchFamily="34" charset="0"/>
-              <a:buChar char="•"/>
-              <a:defRPr sz="1800" kern="1200">
-                <a:solidFill>
-                  <a:schemeClr val="tx1"/>
-                </a:solidFill>
-                <a:latin typeface="+mn-lt"/>
-                <a:ea typeface="+mn-ea"/>
-                <a:cs typeface="+mn-cs"/>
-              </a:defRPr>
-            </a:lvl6pPr>
-            <a:lvl7pPr marL="2971800" indent="-228600" algn="l" defTabSz="914400" rtl="0" eaLnBrk="1" latinLnBrk="0" hangingPunct="1">
-              <a:lnSpc>
-                <a:spcPct val="90000"/>
-              </a:lnSpc>
-              <a:spcBef>
-                <a:spcPts val="500"/>
-              </a:spcBef>
-              <a:buFont typeface="Arial" panose="020B0604020202020204" pitchFamily="34" charset="0"/>
-              <a:buChar char="•"/>
-              <a:defRPr sz="1800" kern="1200">
-                <a:solidFill>
-                  <a:schemeClr val="tx1"/>
-                </a:solidFill>
-                <a:latin typeface="+mn-lt"/>
-                <a:ea typeface="+mn-ea"/>
-                <a:cs typeface="+mn-cs"/>
-              </a:defRPr>
-            </a:lvl7pPr>
-            <a:lvl8pPr marL="3429000" indent="-228600" algn="l" defTabSz="914400" rtl="0" eaLnBrk="1" latinLnBrk="0" hangingPunct="1">
-              <a:lnSpc>
-                <a:spcPct val="90000"/>
-              </a:lnSpc>
-              <a:spcBef>
-                <a:spcPts val="500"/>
-              </a:spcBef>
-              <a:buFont typeface="Arial" panose="020B0604020202020204" pitchFamily="34" charset="0"/>
-              <a:buChar char="•"/>
-              <a:defRPr sz="1800" kern="1200">
-                <a:solidFill>
-                  <a:schemeClr val="tx1"/>
-                </a:solidFill>
-                <a:latin typeface="+mn-lt"/>
-                <a:ea typeface="+mn-ea"/>
-                <a:cs typeface="+mn-cs"/>
-              </a:defRPr>
-            </a:lvl8pPr>
-            <a:lvl9pPr marL="3886200" indent="-228600" algn="l" defTabSz="914400" rtl="0" eaLnBrk="1" latinLnBrk="0" hangingPunct="1">
-              <a:lnSpc>
-                <a:spcPct val="90000"/>
-              </a:lnSpc>
-              <a:spcBef>
-                <a:spcPts val="500"/>
-              </a:spcBef>
-              <a:buFont typeface="Arial" panose="020B0604020202020204" pitchFamily="34" charset="0"/>
-              <a:buChar char="•"/>
-              <a:defRPr sz="1800" kern="1200">
-                <a:solidFill>
-                  <a:schemeClr val="tx1"/>
-                </a:solidFill>
-                <a:latin typeface="+mn-lt"/>
-                <a:ea typeface="+mn-ea"/>
-                <a:cs typeface="+mn-cs"/>
-              </a:defRPr>
-            </a:lvl9pPr>
-          </a:lstStyle>
-          <a:p>
-            <a:pPr>
-              <a:buNone/>
-            </a:pPr>
-            <a:r>
-              <a:rPr lang="en-US" b="1" dirty="0"/>
-              <a:t>Example of a GDPR Breach Penalty</a:t>
-            </a:r>
-          </a:p>
-          <a:p>
-            <a:pPr>
-              <a:buFont typeface="Arial" panose="020B0604020202020204" pitchFamily="34" charset="0"/>
-              <a:buChar char="•"/>
-            </a:pPr>
-            <a:r>
-              <a:rPr lang="en-US" dirty="0"/>
-              <a:t>In 2019, British Airways was fined </a:t>
-            </a:r>
-            <a:r>
-              <a:rPr lang="en-US" b="1" dirty="0"/>
-              <a:t>£183 million</a:t>
-            </a:r>
-            <a:r>
-              <a:rPr lang="en-US" dirty="0"/>
-              <a:t> for failing to protect customer data due to security vulnerabilities.</a:t>
-            </a:r>
-          </a:p>
-        </p:txBody>
-      </p:sp>
-      <p:pic>
-        <p:nvPicPr>
-          <p:cNvPr id="7" name="Picture 6">
-            <a:extLst>
-              <a:ext uri="{FF2B5EF4-FFF2-40B4-BE49-F238E27FC236}">
-                <a16:creationId xmlns:a16="http://schemas.microsoft.com/office/drawing/2014/main" id="{3FFA93CC-243E-99F3-5988-A87E3B7D62E9}"/>
-              </a:ext>
-            </a:extLst>
-          </p:cNvPr>
-          <p:cNvPicPr>
-            <a:picLocks noChangeAspect="1"/>
-          </p:cNvPicPr>
-          <p:nvPr/>
-        </p:nvPicPr>
-        <p:blipFill>
-          <a:blip r:embed="rId2"/>
-          <a:stretch>
-            <a:fillRect/>
-          </a:stretch>
-        </p:blipFill>
-        <p:spPr>
-          <a:xfrm>
-            <a:off x="728663" y="2681564"/>
-            <a:ext cx="5049838" cy="1494871"/>
-          </a:xfrm>
-          <a:prstGeom prst="rect">
-            <a:avLst/>
-          </a:prstGeom>
-        </p:spPr>
-      </p:pic>
-    </p:spTree>
-    <p:extLst>
-      <p:ext uri="{BB962C8B-B14F-4D97-AF65-F5344CB8AC3E}">
-        <p14:creationId xmlns:p14="http://schemas.microsoft.com/office/powerpoint/2010/main" val="2334882512"/>
-      </p:ext>
-    </p:extLst>
-  </p:cSld>
-  <p:clrMapOvr>
-    <a:masterClrMapping/>
-  </p:clrMapOvr>
-</p:sld>
-</file>
-
 <file path=ppt/slides/slide2.xml><?xml version="1.0" encoding="utf-8"?>
-<p:sld xmlns:a="http://schemas.openxmlformats.org/drawingml/2006/main" xmlns:r="http://schemas.openxmlformats.org/officeDocument/2006/relationships" xmlns:p="http://schemas.openxmlformats.org/presentationml/2006/main">
-  <p:cSld>
-    <p:spTree>
-      <p:nvGrpSpPr>
-        <p:cNvPr id="1" name="">
-          <a:extLst>
-            <a:ext uri="{FF2B5EF4-FFF2-40B4-BE49-F238E27FC236}">
-              <a16:creationId xmlns:a16="http://schemas.microsoft.com/office/drawing/2014/main" id="{47C6D607-80CA-12EE-36FE-B5235F2A9160}"/>
-            </a:ext>
-          </a:extLst>
-        </p:cNvPr>
-        <p:cNvGrpSpPr/>
-        <p:nvPr/>
-      </p:nvGrpSpPr>
-      <p:grpSpPr>
-        <a:xfrm>
-          <a:off x="0" y="0"/>
-          <a:ext cx="0" cy="0"/>
-          <a:chOff x="0" y="0"/>
-          <a:chExt cx="0" cy="0"/>
-        </a:xfrm>
-      </p:grpSpPr>
-      <p:sp>
-        <p:nvSpPr>
-          <p:cNvPr id="3" name="Title 2">
-            <a:extLst>
-              <a:ext uri="{FF2B5EF4-FFF2-40B4-BE49-F238E27FC236}">
-                <a16:creationId xmlns:a16="http://schemas.microsoft.com/office/drawing/2014/main" id="{20DE23B6-06B6-B6AB-4FA1-F10769E2350B}"/>
-              </a:ext>
-            </a:extLst>
-          </p:cNvPr>
-          <p:cNvSpPr>
-            <a:spLocks noGrp="1"/>
-          </p:cNvSpPr>
-          <p:nvPr>
-            <p:ph type="title"/>
-          </p:nvPr>
-        </p:nvSpPr>
-        <p:spPr/>
-        <p:txBody>
-          <a:bodyPr/>
-          <a:lstStyle/>
-          <a:p>
-            <a:r>
-              <a:rPr lang="hr-HR" dirty="0"/>
-              <a:t>SECURITY AND PRIVACY</a:t>
-            </a:r>
-          </a:p>
-        </p:txBody>
-      </p:sp>
-      <p:sp>
-        <p:nvSpPr>
-          <p:cNvPr id="2" name="Content Placeholder 2">
-            <a:extLst>
-              <a:ext uri="{FF2B5EF4-FFF2-40B4-BE49-F238E27FC236}">
-                <a16:creationId xmlns:a16="http://schemas.microsoft.com/office/drawing/2014/main" id="{6E9E4B3A-188E-0A72-F0E2-7ECDA9270899}"/>
-              </a:ext>
-            </a:extLst>
-          </p:cNvPr>
-          <p:cNvSpPr txBox="1">
-            <a:spLocks/>
-          </p:cNvSpPr>
-          <p:nvPr/>
-        </p:nvSpPr>
-        <p:spPr>
-          <a:xfrm>
-            <a:off x="1229648" y="1936197"/>
-            <a:ext cx="10353802" cy="1137203"/>
-          </a:xfrm>
-          <a:prstGeom prst="rect">
-            <a:avLst/>
-          </a:prstGeom>
-        </p:spPr>
-        <p:txBody>
-          <a:bodyPr vert="horz" lIns="91440" tIns="45720" rIns="91440" bIns="45720" rtlCol="0">
-            <a:normAutofit/>
-          </a:bodyPr>
-          <a:lstStyle>
-            <a:lvl1pPr marL="368300" indent="-352425" algn="l" defTabSz="914400" rtl="0" eaLnBrk="1" latinLnBrk="0" hangingPunct="1">
-              <a:lnSpc>
-                <a:spcPct val="90000"/>
-              </a:lnSpc>
-              <a:spcBef>
-                <a:spcPts val="600"/>
-              </a:spcBef>
-              <a:spcAft>
-                <a:spcPts val="600"/>
-              </a:spcAft>
-              <a:buClr>
-                <a:schemeClr val="accent2"/>
-              </a:buClr>
-              <a:buFont typeface="Wingdings" pitchFamily="2" charset="2"/>
-              <a:buChar char="§"/>
-              <a:tabLst/>
-              <a:defRPr sz="2400" kern="1200">
-                <a:solidFill>
-                  <a:schemeClr val="tx1"/>
-                </a:solidFill>
-                <a:latin typeface="+mn-lt"/>
-                <a:ea typeface="Open Sans" panose="020B0606030504020204" pitchFamily="34" charset="0"/>
-                <a:cs typeface="Open Sans" panose="020B0606030504020204" pitchFamily="34" charset="0"/>
-              </a:defRPr>
-            </a:lvl1pPr>
-            <a:lvl2pPr marL="771525" indent="-274638" algn="l" defTabSz="914400" rtl="0" eaLnBrk="1" latinLnBrk="0" hangingPunct="1">
-              <a:lnSpc>
-                <a:spcPct val="90000"/>
-              </a:lnSpc>
-              <a:spcBef>
-                <a:spcPts val="600"/>
-              </a:spcBef>
-              <a:spcAft>
-                <a:spcPts val="600"/>
-              </a:spcAft>
-              <a:buClr>
-                <a:schemeClr val="accent2"/>
-              </a:buClr>
-              <a:buFont typeface="Wingdings" pitchFamily="2" charset="2"/>
-              <a:buChar char="§"/>
-              <a:tabLst/>
-              <a:defRPr sz="2200" kern="1200">
-                <a:solidFill>
-                  <a:schemeClr val="tx1"/>
-                </a:solidFill>
-                <a:latin typeface="+mn-lt"/>
-                <a:ea typeface="Open Sans" panose="020B0606030504020204" pitchFamily="34" charset="0"/>
-                <a:cs typeface="Open Sans" panose="020B0606030504020204" pitchFamily="34" charset="0"/>
-              </a:defRPr>
-            </a:lvl2pPr>
-            <a:lvl3pPr marL="1143000" indent="-228600" algn="l" defTabSz="914400" rtl="0" eaLnBrk="1" latinLnBrk="0" hangingPunct="1">
-              <a:lnSpc>
-                <a:spcPct val="90000"/>
-              </a:lnSpc>
-              <a:spcBef>
-                <a:spcPts val="600"/>
-              </a:spcBef>
-              <a:spcAft>
-                <a:spcPts val="600"/>
-              </a:spcAft>
-              <a:buClr>
-                <a:schemeClr val="accent2"/>
-              </a:buClr>
-              <a:buFont typeface="Wingdings" pitchFamily="2" charset="2"/>
-              <a:buChar char="§"/>
-              <a:defRPr sz="2000" kern="1200">
-                <a:solidFill>
-                  <a:schemeClr val="tx1"/>
-                </a:solidFill>
-                <a:latin typeface="+mn-lt"/>
-                <a:ea typeface="Open Sans" panose="020B0606030504020204" pitchFamily="34" charset="0"/>
-                <a:cs typeface="Open Sans" panose="020B0606030504020204" pitchFamily="34" charset="0"/>
-              </a:defRPr>
-            </a:lvl3pPr>
-            <a:lvl4pPr marL="1600200" indent="-228600" algn="l" defTabSz="914400" rtl="0" eaLnBrk="1" latinLnBrk="0" hangingPunct="1">
-              <a:lnSpc>
-                <a:spcPct val="90000"/>
-              </a:lnSpc>
-              <a:spcBef>
-                <a:spcPts val="600"/>
-              </a:spcBef>
-              <a:spcAft>
-                <a:spcPts val="600"/>
-              </a:spcAft>
-              <a:buClr>
-                <a:schemeClr val="accent2"/>
-              </a:buClr>
-              <a:buFont typeface="Wingdings" pitchFamily="2" charset="2"/>
-              <a:buChar char="§"/>
-              <a:defRPr sz="1800" kern="1200">
-                <a:solidFill>
-                  <a:schemeClr val="tx1"/>
-                </a:solidFill>
-                <a:latin typeface="+mn-lt"/>
-                <a:ea typeface="Open Sans" panose="020B0606030504020204" pitchFamily="34" charset="0"/>
-                <a:cs typeface="Open Sans" panose="020B0606030504020204" pitchFamily="34" charset="0"/>
-              </a:defRPr>
-            </a:lvl4pPr>
-            <a:lvl5pPr marL="1960563" indent="-225425" algn="l" defTabSz="914400" rtl="0" eaLnBrk="1" latinLnBrk="0" hangingPunct="1">
-              <a:lnSpc>
-                <a:spcPct val="90000"/>
-              </a:lnSpc>
-              <a:spcBef>
-                <a:spcPts val="600"/>
-              </a:spcBef>
-              <a:spcAft>
-                <a:spcPts val="600"/>
-              </a:spcAft>
-              <a:buClr>
-                <a:schemeClr val="accent2"/>
-              </a:buClr>
-              <a:buFont typeface="Wingdings" pitchFamily="2" charset="2"/>
-              <a:buChar char="§"/>
-              <a:tabLst/>
-              <a:defRPr sz="1600" kern="1200">
-                <a:solidFill>
-                  <a:schemeClr val="tx1"/>
-                </a:solidFill>
-                <a:latin typeface="+mn-lt"/>
-                <a:ea typeface="Open Sans" panose="020B0606030504020204" pitchFamily="34" charset="0"/>
-                <a:cs typeface="Open Sans" panose="020B0606030504020204" pitchFamily="34" charset="0"/>
-              </a:defRPr>
-            </a:lvl5pPr>
-            <a:lvl6pPr marL="2514600" indent="-228600" algn="l" defTabSz="914400" rtl="0" eaLnBrk="1" latinLnBrk="0" hangingPunct="1">
-              <a:lnSpc>
-                <a:spcPct val="90000"/>
-              </a:lnSpc>
-              <a:spcBef>
-                <a:spcPts val="500"/>
-              </a:spcBef>
-              <a:buFont typeface="Arial" panose="020B0604020202020204" pitchFamily="34" charset="0"/>
-              <a:buChar char="•"/>
-              <a:defRPr sz="1800" kern="1200">
-                <a:solidFill>
-                  <a:schemeClr val="tx1"/>
-                </a:solidFill>
-                <a:latin typeface="+mn-lt"/>
-                <a:ea typeface="+mn-ea"/>
-                <a:cs typeface="+mn-cs"/>
-              </a:defRPr>
-            </a:lvl6pPr>
-            <a:lvl7pPr marL="2971800" indent="-228600" algn="l" defTabSz="914400" rtl="0" eaLnBrk="1" latinLnBrk="0" hangingPunct="1">
-              <a:lnSpc>
-                <a:spcPct val="90000"/>
-              </a:lnSpc>
-              <a:spcBef>
-                <a:spcPts val="500"/>
-              </a:spcBef>
-              <a:buFont typeface="Arial" panose="020B0604020202020204" pitchFamily="34" charset="0"/>
-              <a:buChar char="•"/>
-              <a:defRPr sz="1800" kern="1200">
-                <a:solidFill>
-                  <a:schemeClr val="tx1"/>
-                </a:solidFill>
-                <a:latin typeface="+mn-lt"/>
-                <a:ea typeface="+mn-ea"/>
-                <a:cs typeface="+mn-cs"/>
-              </a:defRPr>
-            </a:lvl7pPr>
-            <a:lvl8pPr marL="3429000" indent="-228600" algn="l" defTabSz="914400" rtl="0" eaLnBrk="1" latinLnBrk="0" hangingPunct="1">
-              <a:lnSpc>
-                <a:spcPct val="90000"/>
-              </a:lnSpc>
-              <a:spcBef>
-                <a:spcPts val="500"/>
-              </a:spcBef>
-              <a:buFont typeface="Arial" panose="020B0604020202020204" pitchFamily="34" charset="0"/>
-              <a:buChar char="•"/>
-              <a:defRPr sz="1800" kern="1200">
-                <a:solidFill>
-                  <a:schemeClr val="tx1"/>
-                </a:solidFill>
-                <a:latin typeface="+mn-lt"/>
-                <a:ea typeface="+mn-ea"/>
-                <a:cs typeface="+mn-cs"/>
-              </a:defRPr>
-            </a:lvl8pPr>
-            <a:lvl9pPr marL="3886200" indent="-228600" algn="l" defTabSz="914400" rtl="0" eaLnBrk="1" latinLnBrk="0" hangingPunct="1">
-              <a:lnSpc>
-                <a:spcPct val="90000"/>
-              </a:lnSpc>
-              <a:spcBef>
-                <a:spcPts val="500"/>
-              </a:spcBef>
-              <a:buFont typeface="Arial" panose="020B0604020202020204" pitchFamily="34" charset="0"/>
-              <a:buChar char="•"/>
-              <a:defRPr sz="1800" kern="1200">
-                <a:solidFill>
-                  <a:schemeClr val="tx1"/>
-                </a:solidFill>
-                <a:latin typeface="+mn-lt"/>
-                <a:ea typeface="+mn-ea"/>
-                <a:cs typeface="+mn-cs"/>
-              </a:defRPr>
-            </a:lvl9pPr>
-          </a:lstStyle>
-          <a:p>
-            <a:pPr marL="15875" indent="0">
-              <a:buNone/>
-            </a:pPr>
-            <a:r>
-              <a:rPr lang="en-US" dirty="0"/>
-              <a:t>🔹 Cyberattacks, data breaches, and privacy violations are becoming more frequent and more sophisticated — making it essential for businesses and individuals to implement strong security and privacy practices</a:t>
-            </a:r>
-            <a:endParaRPr lang="pt-BR" dirty="0"/>
-          </a:p>
-        </p:txBody>
-      </p:sp>
-      <p:sp>
-        <p:nvSpPr>
-          <p:cNvPr id="5" name="Content Placeholder 2">
-            <a:extLst>
-              <a:ext uri="{FF2B5EF4-FFF2-40B4-BE49-F238E27FC236}">
-                <a16:creationId xmlns:a16="http://schemas.microsoft.com/office/drawing/2014/main" id="{5B915964-F90E-1992-2317-93BB2A47006C}"/>
-              </a:ext>
-            </a:extLst>
-          </p:cNvPr>
-          <p:cNvSpPr txBox="1">
-            <a:spLocks/>
-          </p:cNvSpPr>
-          <p:nvPr/>
-        </p:nvSpPr>
-        <p:spPr>
-          <a:xfrm>
-            <a:off x="1245396" y="3318909"/>
-            <a:ext cx="10353802" cy="3246992"/>
-          </a:xfrm>
-          <a:prstGeom prst="rect">
-            <a:avLst/>
-          </a:prstGeom>
-        </p:spPr>
-        <p:txBody>
-          <a:bodyPr vert="horz" lIns="91440" tIns="45720" rIns="91440" bIns="45720" rtlCol="0">
-            <a:normAutofit fontScale="92500" lnSpcReduction="20000"/>
-          </a:bodyPr>
-          <a:lstStyle>
-            <a:lvl1pPr marL="368300" indent="-352425" algn="l" defTabSz="914400" rtl="0" eaLnBrk="1" latinLnBrk="0" hangingPunct="1">
-              <a:lnSpc>
-                <a:spcPct val="90000"/>
-              </a:lnSpc>
-              <a:spcBef>
-                <a:spcPts val="600"/>
-              </a:spcBef>
-              <a:spcAft>
-                <a:spcPts val="600"/>
-              </a:spcAft>
-              <a:buClr>
-                <a:schemeClr val="accent2"/>
-              </a:buClr>
-              <a:buFont typeface="Wingdings" pitchFamily="2" charset="2"/>
-              <a:buChar char="§"/>
-              <a:tabLst/>
-              <a:defRPr sz="2400" kern="1200">
-                <a:solidFill>
-                  <a:schemeClr val="tx1"/>
-                </a:solidFill>
-                <a:latin typeface="+mn-lt"/>
-                <a:ea typeface="Open Sans" panose="020B0606030504020204" pitchFamily="34" charset="0"/>
-                <a:cs typeface="Open Sans" panose="020B0606030504020204" pitchFamily="34" charset="0"/>
-              </a:defRPr>
-            </a:lvl1pPr>
-            <a:lvl2pPr marL="771525" indent="-274638" algn="l" defTabSz="914400" rtl="0" eaLnBrk="1" latinLnBrk="0" hangingPunct="1">
-              <a:lnSpc>
-                <a:spcPct val="90000"/>
-              </a:lnSpc>
-              <a:spcBef>
-                <a:spcPts val="600"/>
-              </a:spcBef>
-              <a:spcAft>
-                <a:spcPts val="600"/>
-              </a:spcAft>
-              <a:buClr>
-                <a:schemeClr val="accent2"/>
-              </a:buClr>
-              <a:buFont typeface="Wingdings" pitchFamily="2" charset="2"/>
-              <a:buChar char="§"/>
-              <a:tabLst/>
-              <a:defRPr sz="2200" kern="1200">
-                <a:solidFill>
-                  <a:schemeClr val="tx1"/>
-                </a:solidFill>
-                <a:latin typeface="+mn-lt"/>
-                <a:ea typeface="Open Sans" panose="020B0606030504020204" pitchFamily="34" charset="0"/>
-                <a:cs typeface="Open Sans" panose="020B0606030504020204" pitchFamily="34" charset="0"/>
-              </a:defRPr>
-            </a:lvl2pPr>
-            <a:lvl3pPr marL="1143000" indent="-228600" algn="l" defTabSz="914400" rtl="0" eaLnBrk="1" latinLnBrk="0" hangingPunct="1">
-              <a:lnSpc>
-                <a:spcPct val="90000"/>
-              </a:lnSpc>
-              <a:spcBef>
-                <a:spcPts val="600"/>
-              </a:spcBef>
-              <a:spcAft>
-                <a:spcPts val="600"/>
-              </a:spcAft>
-              <a:buClr>
-                <a:schemeClr val="accent2"/>
-              </a:buClr>
-              <a:buFont typeface="Wingdings" pitchFamily="2" charset="2"/>
-              <a:buChar char="§"/>
-              <a:defRPr sz="2000" kern="1200">
-                <a:solidFill>
-                  <a:schemeClr val="tx1"/>
-                </a:solidFill>
-                <a:latin typeface="+mn-lt"/>
-                <a:ea typeface="Open Sans" panose="020B0606030504020204" pitchFamily="34" charset="0"/>
-                <a:cs typeface="Open Sans" panose="020B0606030504020204" pitchFamily="34" charset="0"/>
-              </a:defRPr>
-            </a:lvl3pPr>
-            <a:lvl4pPr marL="1600200" indent="-228600" algn="l" defTabSz="914400" rtl="0" eaLnBrk="1" latinLnBrk="0" hangingPunct="1">
-              <a:lnSpc>
-                <a:spcPct val="90000"/>
-              </a:lnSpc>
-              <a:spcBef>
-                <a:spcPts val="600"/>
-              </a:spcBef>
-              <a:spcAft>
-                <a:spcPts val="600"/>
-              </a:spcAft>
-              <a:buClr>
-                <a:schemeClr val="accent2"/>
-              </a:buClr>
-              <a:buFont typeface="Wingdings" pitchFamily="2" charset="2"/>
-              <a:buChar char="§"/>
-              <a:defRPr sz="1800" kern="1200">
-                <a:solidFill>
-                  <a:schemeClr val="tx1"/>
-                </a:solidFill>
-                <a:latin typeface="+mn-lt"/>
-                <a:ea typeface="Open Sans" panose="020B0606030504020204" pitchFamily="34" charset="0"/>
-                <a:cs typeface="Open Sans" panose="020B0606030504020204" pitchFamily="34" charset="0"/>
-              </a:defRPr>
-            </a:lvl4pPr>
-            <a:lvl5pPr marL="1960563" indent="-225425" algn="l" defTabSz="914400" rtl="0" eaLnBrk="1" latinLnBrk="0" hangingPunct="1">
-              <a:lnSpc>
-                <a:spcPct val="90000"/>
-              </a:lnSpc>
-              <a:spcBef>
-                <a:spcPts val="600"/>
-              </a:spcBef>
-              <a:spcAft>
-                <a:spcPts val="600"/>
-              </a:spcAft>
-              <a:buClr>
-                <a:schemeClr val="accent2"/>
-              </a:buClr>
-              <a:buFont typeface="Wingdings" pitchFamily="2" charset="2"/>
-              <a:buChar char="§"/>
-              <a:tabLst/>
-              <a:defRPr sz="1600" kern="1200">
-                <a:solidFill>
-                  <a:schemeClr val="tx1"/>
-                </a:solidFill>
-                <a:latin typeface="+mn-lt"/>
-                <a:ea typeface="Open Sans" panose="020B0606030504020204" pitchFamily="34" charset="0"/>
-                <a:cs typeface="Open Sans" panose="020B0606030504020204" pitchFamily="34" charset="0"/>
-              </a:defRPr>
-            </a:lvl5pPr>
-            <a:lvl6pPr marL="2514600" indent="-228600" algn="l" defTabSz="914400" rtl="0" eaLnBrk="1" latinLnBrk="0" hangingPunct="1">
-              <a:lnSpc>
-                <a:spcPct val="90000"/>
-              </a:lnSpc>
-              <a:spcBef>
-                <a:spcPts val="500"/>
-              </a:spcBef>
-              <a:buFont typeface="Arial" panose="020B0604020202020204" pitchFamily="34" charset="0"/>
-              <a:buChar char="•"/>
-              <a:defRPr sz="1800" kern="1200">
-                <a:solidFill>
-                  <a:schemeClr val="tx1"/>
-                </a:solidFill>
-                <a:latin typeface="+mn-lt"/>
-                <a:ea typeface="+mn-ea"/>
-                <a:cs typeface="+mn-cs"/>
-              </a:defRPr>
-            </a:lvl6pPr>
-            <a:lvl7pPr marL="2971800" indent="-228600" algn="l" defTabSz="914400" rtl="0" eaLnBrk="1" latinLnBrk="0" hangingPunct="1">
-              <a:lnSpc>
-                <a:spcPct val="90000"/>
-              </a:lnSpc>
-              <a:spcBef>
-                <a:spcPts val="500"/>
-              </a:spcBef>
-              <a:buFont typeface="Arial" panose="020B0604020202020204" pitchFamily="34" charset="0"/>
-              <a:buChar char="•"/>
-              <a:defRPr sz="1800" kern="1200">
-                <a:solidFill>
-                  <a:schemeClr val="tx1"/>
-                </a:solidFill>
-                <a:latin typeface="+mn-lt"/>
-                <a:ea typeface="+mn-ea"/>
-                <a:cs typeface="+mn-cs"/>
-              </a:defRPr>
-            </a:lvl7pPr>
-            <a:lvl8pPr marL="3429000" indent="-228600" algn="l" defTabSz="914400" rtl="0" eaLnBrk="1" latinLnBrk="0" hangingPunct="1">
-              <a:lnSpc>
-                <a:spcPct val="90000"/>
-              </a:lnSpc>
-              <a:spcBef>
-                <a:spcPts val="500"/>
-              </a:spcBef>
-              <a:buFont typeface="Arial" panose="020B0604020202020204" pitchFamily="34" charset="0"/>
-              <a:buChar char="•"/>
-              <a:defRPr sz="1800" kern="1200">
-                <a:solidFill>
-                  <a:schemeClr val="tx1"/>
-                </a:solidFill>
-                <a:latin typeface="+mn-lt"/>
-                <a:ea typeface="+mn-ea"/>
-                <a:cs typeface="+mn-cs"/>
-              </a:defRPr>
-            </a:lvl8pPr>
-            <a:lvl9pPr marL="3886200" indent="-228600" algn="l" defTabSz="914400" rtl="0" eaLnBrk="1" latinLnBrk="0" hangingPunct="1">
-              <a:lnSpc>
-                <a:spcPct val="90000"/>
-              </a:lnSpc>
-              <a:spcBef>
-                <a:spcPts val="500"/>
-              </a:spcBef>
-              <a:buFont typeface="Arial" panose="020B0604020202020204" pitchFamily="34" charset="0"/>
-              <a:buChar char="•"/>
-              <a:defRPr sz="1800" kern="1200">
-                <a:solidFill>
-                  <a:schemeClr val="tx1"/>
-                </a:solidFill>
-                <a:latin typeface="+mn-lt"/>
-                <a:ea typeface="+mn-ea"/>
-                <a:cs typeface="+mn-cs"/>
-              </a:defRPr>
-            </a:lvl9pPr>
-          </a:lstStyle>
-          <a:p>
-            <a:pPr>
-              <a:buNone/>
-            </a:pPr>
-            <a:r>
-              <a:rPr lang="en-US" dirty="0"/>
-              <a:t>🔹 Modern organizations rely heavily on data — from customer information to proprietary business strategies. Without adequate security and privacy controls, sensitive data can be exposed to threats like hacking, unauthorized access, or accidental disclosure.</a:t>
-            </a:r>
-          </a:p>
-          <a:p>
-            <a:pPr>
-              <a:buNone/>
-            </a:pPr>
-            <a:r>
-              <a:rPr lang="en-US" b="1" dirty="0"/>
-              <a:t>✅ Consequences of Poor Security and Privacy Practices:</a:t>
-            </a:r>
-          </a:p>
-          <a:p>
-            <a:pPr>
-              <a:buFont typeface="Arial" panose="020B0604020202020204" pitchFamily="34" charset="0"/>
-              <a:buChar char="•"/>
-            </a:pPr>
-            <a:r>
-              <a:rPr lang="en-US" b="1" dirty="0"/>
-              <a:t>Data Breaches</a:t>
-            </a:r>
-            <a:r>
-              <a:rPr lang="en-US" dirty="0"/>
-              <a:t> – Exposure of customer or business data</a:t>
-            </a:r>
-          </a:p>
-          <a:p>
-            <a:pPr>
-              <a:buFont typeface="Arial" panose="020B0604020202020204" pitchFamily="34" charset="0"/>
-              <a:buChar char="•"/>
-            </a:pPr>
-            <a:r>
-              <a:rPr lang="en-US" b="1" dirty="0"/>
-              <a:t>Financial Loss</a:t>
-            </a:r>
-            <a:r>
-              <a:rPr lang="en-US" dirty="0"/>
-              <a:t> – Fines, penalties, and lawsuits</a:t>
-            </a:r>
-          </a:p>
-          <a:p>
-            <a:pPr>
-              <a:buFont typeface="Arial" panose="020B0604020202020204" pitchFamily="34" charset="0"/>
-              <a:buChar char="•"/>
-            </a:pPr>
-            <a:r>
-              <a:rPr lang="en-US" b="1" dirty="0"/>
-              <a:t>Reputation Damage</a:t>
-            </a:r>
-            <a:r>
-              <a:rPr lang="en-US" dirty="0"/>
-              <a:t> – Loss of customer trust and brand value</a:t>
-            </a:r>
-          </a:p>
-          <a:p>
-            <a:pPr>
-              <a:buFont typeface="Arial" panose="020B0604020202020204" pitchFamily="34" charset="0"/>
-              <a:buChar char="•"/>
-            </a:pPr>
-            <a:r>
-              <a:rPr lang="en-US" b="1" dirty="0"/>
-              <a:t>Operational Disruption</a:t>
-            </a:r>
-            <a:r>
-              <a:rPr lang="en-US" dirty="0"/>
-              <a:t> – Downtime caused by attacks or misconfigurations</a:t>
-            </a:r>
-          </a:p>
-        </p:txBody>
-      </p:sp>
-    </p:spTree>
-    <p:extLst>
-      <p:ext uri="{BB962C8B-B14F-4D97-AF65-F5344CB8AC3E}">
-        <p14:creationId xmlns:p14="http://schemas.microsoft.com/office/powerpoint/2010/main" val="1767956301"/>
-      </p:ext>
-    </p:extLst>
-  </p:cSld>
-  <p:clrMapOvr>
-    <a:masterClrMapping/>
-  </p:clrMapOvr>
-</p:sld>
-</file>
-
-<file path=ppt/slides/slide3.xml><?xml version="1.0" encoding="utf-8"?>
 <p:sld xmlns:a="http://schemas.openxmlformats.org/drawingml/2006/main" xmlns:r="http://schemas.openxmlformats.org/officeDocument/2006/relationships" xmlns:p="http://schemas.openxmlformats.org/presentationml/2006/main">
   <p:cSld>
     <p:spTree>
@@ -6696,7 +3802,7 @@
 </p:sld>
 </file>
 
-<file path=ppt/slides/slide4.xml><?xml version="1.0" encoding="utf-8"?>
+<file path=ppt/slides/slide3.xml><?xml version="1.0" encoding="utf-8"?>
 <p:sld xmlns:a="http://schemas.openxmlformats.org/drawingml/2006/main" xmlns:r="http://schemas.openxmlformats.org/officeDocument/2006/relationships" xmlns:p="http://schemas.openxmlformats.org/presentationml/2006/main">
   <p:cSld>
     <p:spTree>
@@ -6790,409 +3896,7 @@
 </p:sld>
 </file>
 
-<file path=ppt/slides/slide5.xml><?xml version="1.0" encoding="utf-8"?>
-<p:sld xmlns:a="http://schemas.openxmlformats.org/drawingml/2006/main" xmlns:r="http://schemas.openxmlformats.org/officeDocument/2006/relationships" xmlns:p="http://schemas.openxmlformats.org/presentationml/2006/main">
-  <p:cSld>
-    <p:spTree>
-      <p:nvGrpSpPr>
-        <p:cNvPr id="1" name="">
-          <a:extLst>
-            <a:ext uri="{FF2B5EF4-FFF2-40B4-BE49-F238E27FC236}">
-              <a16:creationId xmlns:a16="http://schemas.microsoft.com/office/drawing/2014/main" id="{6309BAB9-411A-BA55-B3C3-A2448E166132}"/>
-            </a:ext>
-          </a:extLst>
-        </p:cNvPr>
-        <p:cNvGrpSpPr/>
-        <p:nvPr/>
-      </p:nvGrpSpPr>
-      <p:grpSpPr>
-        <a:xfrm>
-          <a:off x="0" y="0"/>
-          <a:ext cx="0" cy="0"/>
-          <a:chOff x="0" y="0"/>
-          <a:chExt cx="0" cy="0"/>
-        </a:xfrm>
-      </p:grpSpPr>
-      <p:sp>
-        <p:nvSpPr>
-          <p:cNvPr id="3" name="Title 2">
-            <a:extLst>
-              <a:ext uri="{FF2B5EF4-FFF2-40B4-BE49-F238E27FC236}">
-                <a16:creationId xmlns:a16="http://schemas.microsoft.com/office/drawing/2014/main" id="{39C23380-2EDC-B0CF-F5D8-26746AD28309}"/>
-              </a:ext>
-            </a:extLst>
-          </p:cNvPr>
-          <p:cNvSpPr>
-            <a:spLocks noGrp="1"/>
-          </p:cNvSpPr>
-          <p:nvPr>
-            <p:ph type="title"/>
-          </p:nvPr>
-        </p:nvSpPr>
-        <p:spPr>
-          <a:xfrm>
-            <a:off x="838200" y="358775"/>
-            <a:ext cx="10515600" cy="1325563"/>
-          </a:xfrm>
-        </p:spPr>
-        <p:txBody>
-          <a:bodyPr/>
-          <a:lstStyle/>
-          <a:p>
-            <a:r>
-              <a:rPr lang="hr-HR" dirty="0"/>
-              <a:t>SECURITY AND PRIVACY</a:t>
-            </a:r>
-            <a:r>
-              <a:rPr lang="en-US" dirty="0"/>
-              <a:t> - BASICS</a:t>
-            </a:r>
-            <a:endParaRPr lang="hr-HR" dirty="0"/>
-          </a:p>
-        </p:txBody>
-      </p:sp>
-      <p:sp>
-        <p:nvSpPr>
-          <p:cNvPr id="2" name="Content Placeholder 2">
-            <a:extLst>
-              <a:ext uri="{FF2B5EF4-FFF2-40B4-BE49-F238E27FC236}">
-                <a16:creationId xmlns:a16="http://schemas.microsoft.com/office/drawing/2014/main" id="{38E8739A-77B1-20A9-B912-F7C5D5E4285E}"/>
-              </a:ext>
-            </a:extLst>
-          </p:cNvPr>
-          <p:cNvSpPr txBox="1">
-            <a:spLocks/>
-          </p:cNvSpPr>
-          <p:nvPr/>
-        </p:nvSpPr>
-        <p:spPr>
-          <a:xfrm>
-            <a:off x="1323562" y="2464863"/>
-            <a:ext cx="9947688" cy="3161656"/>
-          </a:xfrm>
-          <a:prstGeom prst="rect">
-            <a:avLst/>
-          </a:prstGeom>
-        </p:spPr>
-        <p:txBody>
-          <a:bodyPr vert="horz" lIns="91440" tIns="45720" rIns="91440" bIns="45720" rtlCol="0">
-            <a:normAutofit fontScale="70000" lnSpcReduction="20000"/>
-          </a:bodyPr>
-          <a:lstStyle>
-            <a:lvl1pPr marL="368300" indent="-352425" algn="l" defTabSz="914400" rtl="0" eaLnBrk="1" latinLnBrk="0" hangingPunct="1">
-              <a:lnSpc>
-                <a:spcPct val="90000"/>
-              </a:lnSpc>
-              <a:spcBef>
-                <a:spcPts val="600"/>
-              </a:spcBef>
-              <a:spcAft>
-                <a:spcPts val="600"/>
-              </a:spcAft>
-              <a:buClr>
-                <a:schemeClr val="accent2"/>
-              </a:buClr>
-              <a:buFont typeface="Wingdings" pitchFamily="2" charset="2"/>
-              <a:buChar char="§"/>
-              <a:tabLst/>
-              <a:defRPr sz="2400" kern="1200">
-                <a:solidFill>
-                  <a:schemeClr val="tx1"/>
-                </a:solidFill>
-                <a:latin typeface="+mn-lt"/>
-                <a:ea typeface="Open Sans" panose="020B0606030504020204" pitchFamily="34" charset="0"/>
-                <a:cs typeface="Open Sans" panose="020B0606030504020204" pitchFamily="34" charset="0"/>
-              </a:defRPr>
-            </a:lvl1pPr>
-            <a:lvl2pPr marL="771525" indent="-274638" algn="l" defTabSz="914400" rtl="0" eaLnBrk="1" latinLnBrk="0" hangingPunct="1">
-              <a:lnSpc>
-                <a:spcPct val="90000"/>
-              </a:lnSpc>
-              <a:spcBef>
-                <a:spcPts val="600"/>
-              </a:spcBef>
-              <a:spcAft>
-                <a:spcPts val="600"/>
-              </a:spcAft>
-              <a:buClr>
-                <a:schemeClr val="accent2"/>
-              </a:buClr>
-              <a:buFont typeface="Wingdings" pitchFamily="2" charset="2"/>
-              <a:buChar char="§"/>
-              <a:tabLst/>
-              <a:defRPr sz="2200" kern="1200">
-                <a:solidFill>
-                  <a:schemeClr val="tx1"/>
-                </a:solidFill>
-                <a:latin typeface="+mn-lt"/>
-                <a:ea typeface="Open Sans" panose="020B0606030504020204" pitchFamily="34" charset="0"/>
-                <a:cs typeface="Open Sans" panose="020B0606030504020204" pitchFamily="34" charset="0"/>
-              </a:defRPr>
-            </a:lvl2pPr>
-            <a:lvl3pPr marL="1143000" indent="-228600" algn="l" defTabSz="914400" rtl="0" eaLnBrk="1" latinLnBrk="0" hangingPunct="1">
-              <a:lnSpc>
-                <a:spcPct val="90000"/>
-              </a:lnSpc>
-              <a:spcBef>
-                <a:spcPts val="600"/>
-              </a:spcBef>
-              <a:spcAft>
-                <a:spcPts val="600"/>
-              </a:spcAft>
-              <a:buClr>
-                <a:schemeClr val="accent2"/>
-              </a:buClr>
-              <a:buFont typeface="Wingdings" pitchFamily="2" charset="2"/>
-              <a:buChar char="§"/>
-              <a:defRPr sz="2000" kern="1200">
-                <a:solidFill>
-                  <a:schemeClr val="tx1"/>
-                </a:solidFill>
-                <a:latin typeface="+mn-lt"/>
-                <a:ea typeface="Open Sans" panose="020B0606030504020204" pitchFamily="34" charset="0"/>
-                <a:cs typeface="Open Sans" panose="020B0606030504020204" pitchFamily="34" charset="0"/>
-              </a:defRPr>
-            </a:lvl3pPr>
-            <a:lvl4pPr marL="1600200" indent="-228600" algn="l" defTabSz="914400" rtl="0" eaLnBrk="1" latinLnBrk="0" hangingPunct="1">
-              <a:lnSpc>
-                <a:spcPct val="90000"/>
-              </a:lnSpc>
-              <a:spcBef>
-                <a:spcPts val="600"/>
-              </a:spcBef>
-              <a:spcAft>
-                <a:spcPts val="600"/>
-              </a:spcAft>
-              <a:buClr>
-                <a:schemeClr val="accent2"/>
-              </a:buClr>
-              <a:buFont typeface="Wingdings" pitchFamily="2" charset="2"/>
-              <a:buChar char="§"/>
-              <a:defRPr sz="1800" kern="1200">
-                <a:solidFill>
-                  <a:schemeClr val="tx1"/>
-                </a:solidFill>
-                <a:latin typeface="+mn-lt"/>
-                <a:ea typeface="Open Sans" panose="020B0606030504020204" pitchFamily="34" charset="0"/>
-                <a:cs typeface="Open Sans" panose="020B0606030504020204" pitchFamily="34" charset="0"/>
-              </a:defRPr>
-            </a:lvl4pPr>
-            <a:lvl5pPr marL="1960563" indent="-225425" algn="l" defTabSz="914400" rtl="0" eaLnBrk="1" latinLnBrk="0" hangingPunct="1">
-              <a:lnSpc>
-                <a:spcPct val="90000"/>
-              </a:lnSpc>
-              <a:spcBef>
-                <a:spcPts val="600"/>
-              </a:spcBef>
-              <a:spcAft>
-                <a:spcPts val="600"/>
-              </a:spcAft>
-              <a:buClr>
-                <a:schemeClr val="accent2"/>
-              </a:buClr>
-              <a:buFont typeface="Wingdings" pitchFamily="2" charset="2"/>
-              <a:buChar char="§"/>
-              <a:tabLst/>
-              <a:defRPr sz="1600" kern="1200">
-                <a:solidFill>
-                  <a:schemeClr val="tx1"/>
-                </a:solidFill>
-                <a:latin typeface="+mn-lt"/>
-                <a:ea typeface="Open Sans" panose="020B0606030504020204" pitchFamily="34" charset="0"/>
-                <a:cs typeface="Open Sans" panose="020B0606030504020204" pitchFamily="34" charset="0"/>
-              </a:defRPr>
-            </a:lvl5pPr>
-            <a:lvl6pPr marL="2514600" indent="-228600" algn="l" defTabSz="914400" rtl="0" eaLnBrk="1" latinLnBrk="0" hangingPunct="1">
-              <a:lnSpc>
-                <a:spcPct val="90000"/>
-              </a:lnSpc>
-              <a:spcBef>
-                <a:spcPts val="500"/>
-              </a:spcBef>
-              <a:buFont typeface="Arial" panose="020B0604020202020204" pitchFamily="34" charset="0"/>
-              <a:buChar char="•"/>
-              <a:defRPr sz="1800" kern="1200">
-                <a:solidFill>
-                  <a:schemeClr val="tx1"/>
-                </a:solidFill>
-                <a:latin typeface="+mn-lt"/>
-                <a:ea typeface="+mn-ea"/>
-                <a:cs typeface="+mn-cs"/>
-              </a:defRPr>
-            </a:lvl6pPr>
-            <a:lvl7pPr marL="2971800" indent="-228600" algn="l" defTabSz="914400" rtl="0" eaLnBrk="1" latinLnBrk="0" hangingPunct="1">
-              <a:lnSpc>
-                <a:spcPct val="90000"/>
-              </a:lnSpc>
-              <a:spcBef>
-                <a:spcPts val="500"/>
-              </a:spcBef>
-              <a:buFont typeface="Arial" panose="020B0604020202020204" pitchFamily="34" charset="0"/>
-              <a:buChar char="•"/>
-              <a:defRPr sz="1800" kern="1200">
-                <a:solidFill>
-                  <a:schemeClr val="tx1"/>
-                </a:solidFill>
-                <a:latin typeface="+mn-lt"/>
-                <a:ea typeface="+mn-ea"/>
-                <a:cs typeface="+mn-cs"/>
-              </a:defRPr>
-            </a:lvl7pPr>
-            <a:lvl8pPr marL="3429000" indent="-228600" algn="l" defTabSz="914400" rtl="0" eaLnBrk="1" latinLnBrk="0" hangingPunct="1">
-              <a:lnSpc>
-                <a:spcPct val="90000"/>
-              </a:lnSpc>
-              <a:spcBef>
-                <a:spcPts val="500"/>
-              </a:spcBef>
-              <a:buFont typeface="Arial" panose="020B0604020202020204" pitchFamily="34" charset="0"/>
-              <a:buChar char="•"/>
-              <a:defRPr sz="1800" kern="1200">
-                <a:solidFill>
-                  <a:schemeClr val="tx1"/>
-                </a:solidFill>
-                <a:latin typeface="+mn-lt"/>
-                <a:ea typeface="+mn-ea"/>
-                <a:cs typeface="+mn-cs"/>
-              </a:defRPr>
-            </a:lvl8pPr>
-            <a:lvl9pPr marL="3886200" indent="-228600" algn="l" defTabSz="914400" rtl="0" eaLnBrk="1" latinLnBrk="0" hangingPunct="1">
-              <a:lnSpc>
-                <a:spcPct val="90000"/>
-              </a:lnSpc>
-              <a:spcBef>
-                <a:spcPts val="500"/>
-              </a:spcBef>
-              <a:buFont typeface="Arial" panose="020B0604020202020204" pitchFamily="34" charset="0"/>
-              <a:buChar char="•"/>
-              <a:defRPr sz="1800" kern="1200">
-                <a:solidFill>
-                  <a:schemeClr val="tx1"/>
-                </a:solidFill>
-                <a:latin typeface="+mn-lt"/>
-                <a:ea typeface="+mn-ea"/>
-                <a:cs typeface="+mn-cs"/>
-              </a:defRPr>
-            </a:lvl9pPr>
-          </a:lstStyle>
-          <a:p>
-            <a:pPr>
-              <a:buNone/>
-            </a:pPr>
-            <a:r>
-              <a:rPr lang="en-US" dirty="0"/>
-              <a:t>The three core pillars of information security are:</a:t>
-            </a:r>
-          </a:p>
-          <a:p>
-            <a:pPr>
-              <a:buFont typeface="+mj-lt"/>
-              <a:buAutoNum type="arabicPeriod"/>
-            </a:pPr>
-            <a:r>
-              <a:rPr lang="en-US" b="1" dirty="0"/>
-              <a:t>Confidentiality</a:t>
-            </a:r>
-            <a:endParaRPr lang="en-US" dirty="0"/>
-          </a:p>
-          <a:p>
-            <a:pPr marL="742950" lvl="1" indent="-285750">
-              <a:buFont typeface="+mj-lt"/>
-              <a:buAutoNum type="arabicPeriod"/>
-            </a:pPr>
-            <a:r>
-              <a:rPr lang="en-US" dirty="0"/>
-              <a:t>Ensuring that data is only accessible to authorized parties.</a:t>
-            </a:r>
-          </a:p>
-          <a:p>
-            <a:pPr marL="742950" lvl="1" indent="-285750">
-              <a:buFont typeface="+mj-lt"/>
-              <a:buAutoNum type="arabicPeriod"/>
-            </a:pPr>
-            <a:r>
-              <a:rPr lang="en-US" dirty="0"/>
-              <a:t>Example: Encrypting customer credit card details to prevent exposure.</a:t>
-            </a:r>
-          </a:p>
-          <a:p>
-            <a:pPr>
-              <a:buFont typeface="+mj-lt"/>
-              <a:buAutoNum type="arabicPeriod"/>
-            </a:pPr>
-            <a:r>
-              <a:rPr lang="en-US" b="1" dirty="0"/>
-              <a:t>Integrity</a:t>
-            </a:r>
-            <a:endParaRPr lang="en-US" dirty="0"/>
-          </a:p>
-          <a:p>
-            <a:pPr marL="742950" lvl="1" indent="-285750">
-              <a:buFont typeface="+mj-lt"/>
-              <a:buAutoNum type="arabicPeriod"/>
-            </a:pPr>
-            <a:r>
-              <a:rPr lang="en-US" dirty="0"/>
-              <a:t>Ensuring that data remains accurate and unchanged during transmission and storage.</a:t>
-            </a:r>
-          </a:p>
-          <a:p>
-            <a:pPr marL="742950" lvl="1" indent="-285750">
-              <a:buFont typeface="+mj-lt"/>
-              <a:buAutoNum type="arabicPeriod"/>
-            </a:pPr>
-            <a:r>
-              <a:rPr lang="en-US" dirty="0"/>
-              <a:t>Example: Using hashing to verify that downloaded files are not corrupted.</a:t>
-            </a:r>
-          </a:p>
-          <a:p>
-            <a:pPr>
-              <a:buFont typeface="+mj-lt"/>
-              <a:buAutoNum type="arabicPeriod"/>
-            </a:pPr>
-            <a:r>
-              <a:rPr lang="en-US" b="1" dirty="0"/>
-              <a:t>Availability</a:t>
-            </a:r>
-            <a:endParaRPr lang="en-US" dirty="0"/>
-          </a:p>
-          <a:p>
-            <a:pPr marL="742950" lvl="1" indent="-285750">
-              <a:buFont typeface="+mj-lt"/>
-              <a:buAutoNum type="arabicPeriod"/>
-            </a:pPr>
-            <a:r>
-              <a:rPr lang="en-US" dirty="0"/>
-              <a:t>Ensuring that data is accessible when needed.</a:t>
-            </a:r>
-          </a:p>
-          <a:p>
-            <a:pPr marL="742950" lvl="1" indent="-285750">
-              <a:buFont typeface="+mj-lt"/>
-              <a:buAutoNum type="arabicPeriod"/>
-            </a:pPr>
-            <a:r>
-              <a:rPr lang="en-US" dirty="0"/>
-              <a:t>Example: Implementing failover systems to maintain access during outages.</a:t>
-            </a:r>
-          </a:p>
-        </p:txBody>
-      </p:sp>
-    </p:spTree>
-    <p:extLst>
-      <p:ext uri="{BB962C8B-B14F-4D97-AF65-F5344CB8AC3E}">
-        <p14:creationId xmlns:p14="http://schemas.microsoft.com/office/powerpoint/2010/main" val="1460085280"/>
-      </p:ext>
-    </p:extLst>
-  </p:cSld>
-  <p:clrMapOvr>
-    <a:masterClrMapping/>
-  </p:clrMapOvr>
-</p:sld>
-</file>
-
-<file path=ppt/slides/slide6.xml><?xml version="1.0" encoding="utf-8"?>
+<file path=ppt/slides/slide4.xml><?xml version="1.0" encoding="utf-8"?>
 <p:sld xmlns:a="http://schemas.openxmlformats.org/drawingml/2006/main" xmlns:r="http://schemas.openxmlformats.org/officeDocument/2006/relationships" xmlns:p="http://schemas.openxmlformats.org/presentationml/2006/main">
   <p:cSld>
     <p:spTree>
@@ -7594,7 +4298,7 @@
 </p:sld>
 </file>
 
-<file path=ppt/slides/slide7.xml><?xml version="1.0" encoding="utf-8"?>
+<file path=ppt/slides/slide5.xml><?xml version="1.0" encoding="utf-8"?>
 <p:sld xmlns:a="http://schemas.openxmlformats.org/drawingml/2006/main" xmlns:r="http://schemas.openxmlformats.org/officeDocument/2006/relationships" xmlns:p="http://schemas.openxmlformats.org/presentationml/2006/main">
   <p:cSld>
     <p:spTree>
@@ -7961,7 +4665,7 @@
 </p:sld>
 </file>
 
-<file path=ppt/slides/slide8.xml><?xml version="1.0" encoding="utf-8"?>
+<file path=ppt/slides/slide6.xml><?xml version="1.0" encoding="utf-8"?>
 <p:sld xmlns:a="http://schemas.openxmlformats.org/drawingml/2006/main" xmlns:r="http://schemas.openxmlformats.org/officeDocument/2006/relationships" xmlns:p="http://schemas.openxmlformats.org/presentationml/2006/main">
   <p:cSld>
     <p:spTree>
@@ -8957,7 +5661,7 @@
 </p:sld>
 </file>
 
-<file path=ppt/slides/slide9.xml><?xml version="1.0" encoding="utf-8"?>
+<file path=ppt/slides/slide7.xml><?xml version="1.0" encoding="utf-8"?>
 <p:sld xmlns:a="http://schemas.openxmlformats.org/drawingml/2006/main" xmlns:r="http://schemas.openxmlformats.org/officeDocument/2006/relationships" xmlns:p="http://schemas.openxmlformats.org/presentationml/2006/main">
   <p:cSld>
     <p:spTree>
@@ -9327,6 +6031,1365 @@
     <p:extLst>
       <p:ext uri="{BB962C8B-B14F-4D97-AF65-F5344CB8AC3E}">
         <p14:creationId xmlns:p14="http://schemas.microsoft.com/office/powerpoint/2010/main" val="2384248119"/>
+      </p:ext>
+    </p:extLst>
+  </p:cSld>
+  <p:clrMapOvr>
+    <a:masterClrMapping/>
+  </p:clrMapOvr>
+</p:sld>
+</file>
+
+<file path=ppt/slides/slide8.xml><?xml version="1.0" encoding="utf-8"?>
+<p:sld xmlns:a="http://schemas.openxmlformats.org/drawingml/2006/main" xmlns:r="http://schemas.openxmlformats.org/officeDocument/2006/relationships" xmlns:p="http://schemas.openxmlformats.org/presentationml/2006/main">
+  <p:cSld>
+    <p:spTree>
+      <p:nvGrpSpPr>
+        <p:cNvPr id="1" name="">
+          <a:extLst>
+            <a:ext uri="{FF2B5EF4-FFF2-40B4-BE49-F238E27FC236}">
+              <a16:creationId xmlns:a16="http://schemas.microsoft.com/office/drawing/2014/main" id="{6E931566-1BFA-23AA-7C2A-E6E26017D056}"/>
+            </a:ext>
+          </a:extLst>
+        </p:cNvPr>
+        <p:cNvGrpSpPr/>
+        <p:nvPr/>
+      </p:nvGrpSpPr>
+      <p:grpSpPr>
+        <a:xfrm>
+          <a:off x="0" y="0"/>
+          <a:ext cx="0" cy="0"/>
+          <a:chOff x="0" y="0"/>
+          <a:chExt cx="0" cy="0"/>
+        </a:xfrm>
+      </p:grpSpPr>
+      <p:sp>
+        <p:nvSpPr>
+          <p:cNvPr id="3" name="Title 2">
+            <a:extLst>
+              <a:ext uri="{FF2B5EF4-FFF2-40B4-BE49-F238E27FC236}">
+                <a16:creationId xmlns:a16="http://schemas.microsoft.com/office/drawing/2014/main" id="{410EBC45-754A-61FE-B349-7AA0B3365D77}"/>
+              </a:ext>
+            </a:extLst>
+          </p:cNvPr>
+          <p:cNvSpPr>
+            <a:spLocks noGrp="1"/>
+          </p:cNvSpPr>
+          <p:nvPr>
+            <p:ph type="title"/>
+          </p:nvPr>
+        </p:nvSpPr>
+        <p:spPr>
+          <a:xfrm>
+            <a:off x="838200" y="358775"/>
+            <a:ext cx="10515600" cy="1325563"/>
+          </a:xfrm>
+        </p:spPr>
+        <p:txBody>
+          <a:bodyPr/>
+          <a:lstStyle/>
+          <a:p>
+            <a:r>
+              <a:rPr lang="hr-HR" dirty="0"/>
+              <a:t>SECURITY AND PRIVACY</a:t>
+            </a:r>
+            <a:r>
+              <a:rPr lang="en-US" dirty="0"/>
+              <a:t> - THREATS </a:t>
+            </a:r>
+            <a:endParaRPr lang="hr-HR" dirty="0"/>
+          </a:p>
+        </p:txBody>
+      </p:sp>
+      <p:pic>
+        <p:nvPicPr>
+          <p:cNvPr id="5" name="Picture 4">
+            <a:extLst>
+              <a:ext uri="{FF2B5EF4-FFF2-40B4-BE49-F238E27FC236}">
+                <a16:creationId xmlns:a16="http://schemas.microsoft.com/office/drawing/2014/main" id="{3DCDFBC7-98C4-F9B4-E60A-21E9E2036472}"/>
+              </a:ext>
+            </a:extLst>
+          </p:cNvPr>
+          <p:cNvPicPr>
+            <a:picLocks noChangeAspect="1"/>
+          </p:cNvPicPr>
+          <p:nvPr/>
+        </p:nvPicPr>
+        <p:blipFill>
+          <a:blip r:embed="rId2"/>
+          <a:stretch>
+            <a:fillRect/>
+          </a:stretch>
+        </p:blipFill>
+        <p:spPr>
+          <a:xfrm>
+            <a:off x="698500" y="3063861"/>
+            <a:ext cx="4668838" cy="1962164"/>
+          </a:xfrm>
+          <a:prstGeom prst="rect">
+            <a:avLst/>
+          </a:prstGeom>
+        </p:spPr>
+      </p:pic>
+      <p:sp>
+        <p:nvSpPr>
+          <p:cNvPr id="6" name="Content Placeholder 2">
+            <a:extLst>
+              <a:ext uri="{FF2B5EF4-FFF2-40B4-BE49-F238E27FC236}">
+                <a16:creationId xmlns:a16="http://schemas.microsoft.com/office/drawing/2014/main" id="{82A102DA-2DB8-6C8A-7534-C9BD16706FAC}"/>
+              </a:ext>
+            </a:extLst>
+          </p:cNvPr>
+          <p:cNvSpPr txBox="1">
+            <a:spLocks/>
+          </p:cNvSpPr>
+          <p:nvPr/>
+        </p:nvSpPr>
+        <p:spPr>
+          <a:xfrm>
+            <a:off x="5505450" y="1974836"/>
+            <a:ext cx="6686550" cy="4524389"/>
+          </a:xfrm>
+          <a:prstGeom prst="rect">
+            <a:avLst/>
+          </a:prstGeom>
+        </p:spPr>
+        <p:txBody>
+          <a:bodyPr vert="horz" lIns="91440" tIns="45720" rIns="91440" bIns="45720" rtlCol="0">
+            <a:normAutofit lnSpcReduction="10000"/>
+          </a:bodyPr>
+          <a:lstStyle>
+            <a:lvl1pPr marL="368300" indent="-352425" algn="l" defTabSz="914400" rtl="0" eaLnBrk="1" latinLnBrk="0" hangingPunct="1">
+              <a:lnSpc>
+                <a:spcPct val="90000"/>
+              </a:lnSpc>
+              <a:spcBef>
+                <a:spcPts val="600"/>
+              </a:spcBef>
+              <a:spcAft>
+                <a:spcPts val="600"/>
+              </a:spcAft>
+              <a:buClr>
+                <a:schemeClr val="accent2"/>
+              </a:buClr>
+              <a:buFont typeface="Wingdings" pitchFamily="2" charset="2"/>
+              <a:buChar char="§"/>
+              <a:tabLst/>
+              <a:defRPr sz="2400" kern="1200">
+                <a:solidFill>
+                  <a:schemeClr val="tx1"/>
+                </a:solidFill>
+                <a:latin typeface="+mn-lt"/>
+                <a:ea typeface="Open Sans" panose="020B0606030504020204" pitchFamily="34" charset="0"/>
+                <a:cs typeface="Open Sans" panose="020B0606030504020204" pitchFamily="34" charset="0"/>
+              </a:defRPr>
+            </a:lvl1pPr>
+            <a:lvl2pPr marL="771525" indent="-274638" algn="l" defTabSz="914400" rtl="0" eaLnBrk="1" latinLnBrk="0" hangingPunct="1">
+              <a:lnSpc>
+                <a:spcPct val="90000"/>
+              </a:lnSpc>
+              <a:spcBef>
+                <a:spcPts val="600"/>
+              </a:spcBef>
+              <a:spcAft>
+                <a:spcPts val="600"/>
+              </a:spcAft>
+              <a:buClr>
+                <a:schemeClr val="accent2"/>
+              </a:buClr>
+              <a:buFont typeface="Wingdings" pitchFamily="2" charset="2"/>
+              <a:buChar char="§"/>
+              <a:tabLst/>
+              <a:defRPr sz="2200" kern="1200">
+                <a:solidFill>
+                  <a:schemeClr val="tx1"/>
+                </a:solidFill>
+                <a:latin typeface="+mn-lt"/>
+                <a:ea typeface="Open Sans" panose="020B0606030504020204" pitchFamily="34" charset="0"/>
+                <a:cs typeface="Open Sans" panose="020B0606030504020204" pitchFamily="34" charset="0"/>
+              </a:defRPr>
+            </a:lvl2pPr>
+            <a:lvl3pPr marL="1143000" indent="-228600" algn="l" defTabSz="914400" rtl="0" eaLnBrk="1" latinLnBrk="0" hangingPunct="1">
+              <a:lnSpc>
+                <a:spcPct val="90000"/>
+              </a:lnSpc>
+              <a:spcBef>
+                <a:spcPts val="600"/>
+              </a:spcBef>
+              <a:spcAft>
+                <a:spcPts val="600"/>
+              </a:spcAft>
+              <a:buClr>
+                <a:schemeClr val="accent2"/>
+              </a:buClr>
+              <a:buFont typeface="Wingdings" pitchFamily="2" charset="2"/>
+              <a:buChar char="§"/>
+              <a:defRPr sz="2000" kern="1200">
+                <a:solidFill>
+                  <a:schemeClr val="tx1"/>
+                </a:solidFill>
+                <a:latin typeface="+mn-lt"/>
+                <a:ea typeface="Open Sans" panose="020B0606030504020204" pitchFamily="34" charset="0"/>
+                <a:cs typeface="Open Sans" panose="020B0606030504020204" pitchFamily="34" charset="0"/>
+              </a:defRPr>
+            </a:lvl3pPr>
+            <a:lvl4pPr marL="1600200" indent="-228600" algn="l" defTabSz="914400" rtl="0" eaLnBrk="1" latinLnBrk="0" hangingPunct="1">
+              <a:lnSpc>
+                <a:spcPct val="90000"/>
+              </a:lnSpc>
+              <a:spcBef>
+                <a:spcPts val="600"/>
+              </a:spcBef>
+              <a:spcAft>
+                <a:spcPts val="600"/>
+              </a:spcAft>
+              <a:buClr>
+                <a:schemeClr val="accent2"/>
+              </a:buClr>
+              <a:buFont typeface="Wingdings" pitchFamily="2" charset="2"/>
+              <a:buChar char="§"/>
+              <a:defRPr sz="1800" kern="1200">
+                <a:solidFill>
+                  <a:schemeClr val="tx1"/>
+                </a:solidFill>
+                <a:latin typeface="+mn-lt"/>
+                <a:ea typeface="Open Sans" panose="020B0606030504020204" pitchFamily="34" charset="0"/>
+                <a:cs typeface="Open Sans" panose="020B0606030504020204" pitchFamily="34" charset="0"/>
+              </a:defRPr>
+            </a:lvl4pPr>
+            <a:lvl5pPr marL="1960563" indent="-225425" algn="l" defTabSz="914400" rtl="0" eaLnBrk="1" latinLnBrk="0" hangingPunct="1">
+              <a:lnSpc>
+                <a:spcPct val="90000"/>
+              </a:lnSpc>
+              <a:spcBef>
+                <a:spcPts val="600"/>
+              </a:spcBef>
+              <a:spcAft>
+                <a:spcPts val="600"/>
+              </a:spcAft>
+              <a:buClr>
+                <a:schemeClr val="accent2"/>
+              </a:buClr>
+              <a:buFont typeface="Wingdings" pitchFamily="2" charset="2"/>
+              <a:buChar char="§"/>
+              <a:tabLst/>
+              <a:defRPr sz="1600" kern="1200">
+                <a:solidFill>
+                  <a:schemeClr val="tx1"/>
+                </a:solidFill>
+                <a:latin typeface="+mn-lt"/>
+                <a:ea typeface="Open Sans" panose="020B0606030504020204" pitchFamily="34" charset="0"/>
+                <a:cs typeface="Open Sans" panose="020B0606030504020204" pitchFamily="34" charset="0"/>
+              </a:defRPr>
+            </a:lvl5pPr>
+            <a:lvl6pPr marL="2514600" indent="-228600" algn="l" defTabSz="914400" rtl="0" eaLnBrk="1" latinLnBrk="0" hangingPunct="1">
+              <a:lnSpc>
+                <a:spcPct val="90000"/>
+              </a:lnSpc>
+              <a:spcBef>
+                <a:spcPts val="500"/>
+              </a:spcBef>
+              <a:buFont typeface="Arial" panose="020B0604020202020204" pitchFamily="34" charset="0"/>
+              <a:buChar char="•"/>
+              <a:defRPr sz="1800" kern="1200">
+                <a:solidFill>
+                  <a:schemeClr val="tx1"/>
+                </a:solidFill>
+                <a:latin typeface="+mn-lt"/>
+                <a:ea typeface="+mn-ea"/>
+                <a:cs typeface="+mn-cs"/>
+              </a:defRPr>
+            </a:lvl6pPr>
+            <a:lvl7pPr marL="2971800" indent="-228600" algn="l" defTabSz="914400" rtl="0" eaLnBrk="1" latinLnBrk="0" hangingPunct="1">
+              <a:lnSpc>
+                <a:spcPct val="90000"/>
+              </a:lnSpc>
+              <a:spcBef>
+                <a:spcPts val="500"/>
+              </a:spcBef>
+              <a:buFont typeface="Arial" panose="020B0604020202020204" pitchFamily="34" charset="0"/>
+              <a:buChar char="•"/>
+              <a:defRPr sz="1800" kern="1200">
+                <a:solidFill>
+                  <a:schemeClr val="tx1"/>
+                </a:solidFill>
+                <a:latin typeface="+mn-lt"/>
+                <a:ea typeface="+mn-ea"/>
+                <a:cs typeface="+mn-cs"/>
+              </a:defRPr>
+            </a:lvl7pPr>
+            <a:lvl8pPr marL="3429000" indent="-228600" algn="l" defTabSz="914400" rtl="0" eaLnBrk="1" latinLnBrk="0" hangingPunct="1">
+              <a:lnSpc>
+                <a:spcPct val="90000"/>
+              </a:lnSpc>
+              <a:spcBef>
+                <a:spcPts val="500"/>
+              </a:spcBef>
+              <a:buFont typeface="Arial" panose="020B0604020202020204" pitchFamily="34" charset="0"/>
+              <a:buChar char="•"/>
+              <a:defRPr sz="1800" kern="1200">
+                <a:solidFill>
+                  <a:schemeClr val="tx1"/>
+                </a:solidFill>
+                <a:latin typeface="+mn-lt"/>
+                <a:ea typeface="+mn-ea"/>
+                <a:cs typeface="+mn-cs"/>
+              </a:defRPr>
+            </a:lvl8pPr>
+            <a:lvl9pPr marL="3886200" indent="-228600" algn="l" defTabSz="914400" rtl="0" eaLnBrk="1" latinLnBrk="0" hangingPunct="1">
+              <a:lnSpc>
+                <a:spcPct val="90000"/>
+              </a:lnSpc>
+              <a:spcBef>
+                <a:spcPts val="500"/>
+              </a:spcBef>
+              <a:buFont typeface="Arial" panose="020B0604020202020204" pitchFamily="34" charset="0"/>
+              <a:buChar char="•"/>
+              <a:defRPr sz="1800" kern="1200">
+                <a:solidFill>
+                  <a:schemeClr val="tx1"/>
+                </a:solidFill>
+                <a:latin typeface="+mn-lt"/>
+                <a:ea typeface="+mn-ea"/>
+                <a:cs typeface="+mn-cs"/>
+              </a:defRPr>
+            </a:lvl9pPr>
+          </a:lstStyle>
+          <a:p>
+            <a:pPr marL="15875" indent="0">
+              <a:buNone/>
+            </a:pPr>
+            <a:r>
+              <a:rPr lang="hr-HR" dirty="0"/>
+              <a:t>✅ </a:t>
+            </a:r>
+            <a:r>
+              <a:rPr lang="hr-HR" b="1" dirty="0" err="1"/>
+              <a:t>Firewalls</a:t>
+            </a:r>
+            <a:r>
+              <a:rPr lang="hr-HR" dirty="0"/>
+              <a:t> – </a:t>
+            </a:r>
+            <a:r>
+              <a:rPr lang="hr-HR" dirty="0" err="1"/>
+              <a:t>Block</a:t>
+            </a:r>
+            <a:r>
+              <a:rPr lang="hr-HR" dirty="0"/>
+              <a:t> </a:t>
+            </a:r>
+            <a:r>
+              <a:rPr lang="hr-HR" dirty="0" err="1"/>
+              <a:t>unauthorized</a:t>
+            </a:r>
+            <a:r>
+              <a:rPr lang="hr-HR" dirty="0"/>
+              <a:t> </a:t>
+            </a:r>
+            <a:r>
+              <a:rPr lang="hr-HR" dirty="0" err="1"/>
+              <a:t>access</a:t>
+            </a:r>
+            <a:r>
+              <a:rPr lang="hr-HR" dirty="0"/>
+              <a:t> to </a:t>
+            </a:r>
+            <a:r>
+              <a:rPr lang="hr-HR" dirty="0" err="1"/>
+              <a:t>networks</a:t>
+            </a:r>
+            <a:r>
+              <a:rPr lang="hr-HR" dirty="0"/>
+              <a:t>.</a:t>
+            </a:r>
+            <a:br>
+              <a:rPr lang="en-US" dirty="0"/>
+            </a:br>
+            <a:br>
+              <a:rPr lang="hr-HR" dirty="0"/>
+            </a:br>
+            <a:r>
+              <a:rPr lang="hr-HR" dirty="0"/>
+              <a:t>✅ </a:t>
+            </a:r>
+            <a:r>
+              <a:rPr lang="hr-HR" b="1" dirty="0" err="1"/>
+              <a:t>Intrusion</a:t>
+            </a:r>
+            <a:r>
+              <a:rPr lang="hr-HR" b="1" dirty="0"/>
+              <a:t> </a:t>
+            </a:r>
+            <a:r>
+              <a:rPr lang="hr-HR" b="1" dirty="0" err="1"/>
+              <a:t>Detection</a:t>
+            </a:r>
+            <a:r>
+              <a:rPr lang="hr-HR" b="1" dirty="0"/>
+              <a:t>/</a:t>
+            </a:r>
+            <a:r>
+              <a:rPr lang="hr-HR" b="1" dirty="0" err="1"/>
+              <a:t>Prevention</a:t>
+            </a:r>
+            <a:r>
+              <a:rPr lang="hr-HR" b="1" dirty="0"/>
+              <a:t> Systems (IDS/IPS)</a:t>
+            </a:r>
+            <a:r>
+              <a:rPr lang="hr-HR" dirty="0"/>
+              <a:t> – Monitor </a:t>
+            </a:r>
+            <a:r>
+              <a:rPr lang="hr-HR" dirty="0" err="1"/>
+              <a:t>and</a:t>
+            </a:r>
+            <a:r>
+              <a:rPr lang="hr-HR" dirty="0"/>
+              <a:t> </a:t>
+            </a:r>
+            <a:r>
+              <a:rPr lang="hr-HR" dirty="0" err="1"/>
+              <a:t>block</a:t>
+            </a:r>
+            <a:r>
+              <a:rPr lang="hr-HR" dirty="0"/>
+              <a:t> </a:t>
+            </a:r>
+            <a:r>
+              <a:rPr lang="hr-HR" dirty="0" err="1"/>
+              <a:t>malicious</a:t>
+            </a:r>
+            <a:r>
+              <a:rPr lang="hr-HR" dirty="0"/>
+              <a:t> </a:t>
+            </a:r>
+            <a:r>
+              <a:rPr lang="hr-HR" dirty="0" err="1"/>
+              <a:t>traffic</a:t>
+            </a:r>
+            <a:r>
+              <a:rPr lang="hr-HR" dirty="0"/>
+              <a:t>.</a:t>
+            </a:r>
+            <a:br>
+              <a:rPr lang="en-US" dirty="0"/>
+            </a:br>
+            <a:br>
+              <a:rPr lang="hr-HR" dirty="0"/>
+            </a:br>
+            <a:r>
+              <a:rPr lang="hr-HR" dirty="0"/>
+              <a:t>✅ </a:t>
+            </a:r>
+            <a:r>
+              <a:rPr lang="hr-HR" b="1" dirty="0"/>
+              <a:t>Antivirus </a:t>
+            </a:r>
+            <a:r>
+              <a:rPr lang="hr-HR" b="1" dirty="0" err="1"/>
+              <a:t>and</a:t>
+            </a:r>
+            <a:r>
+              <a:rPr lang="hr-HR" b="1" dirty="0"/>
+              <a:t> </a:t>
+            </a:r>
+            <a:r>
+              <a:rPr lang="hr-HR" b="1" dirty="0" err="1"/>
+              <a:t>Antimalware</a:t>
+            </a:r>
+            <a:r>
+              <a:rPr lang="hr-HR" dirty="0"/>
+              <a:t> – </a:t>
+            </a:r>
+            <a:r>
+              <a:rPr lang="hr-HR" dirty="0" err="1"/>
+              <a:t>Detect</a:t>
+            </a:r>
+            <a:r>
+              <a:rPr lang="hr-HR" dirty="0"/>
+              <a:t> </a:t>
+            </a:r>
+            <a:r>
+              <a:rPr lang="hr-HR" dirty="0" err="1"/>
+              <a:t>and</a:t>
+            </a:r>
+            <a:r>
+              <a:rPr lang="hr-HR" dirty="0"/>
+              <a:t> </a:t>
+            </a:r>
+            <a:r>
+              <a:rPr lang="hr-HR" dirty="0" err="1"/>
+              <a:t>remove</a:t>
+            </a:r>
+            <a:r>
+              <a:rPr lang="hr-HR" dirty="0"/>
+              <a:t> </a:t>
+            </a:r>
+            <a:r>
+              <a:rPr lang="hr-HR" dirty="0" err="1"/>
+              <a:t>malicious</a:t>
+            </a:r>
+            <a:r>
+              <a:rPr lang="hr-HR" dirty="0"/>
+              <a:t> software.</a:t>
+            </a:r>
+            <a:br>
+              <a:rPr lang="en-US" dirty="0"/>
+            </a:br>
+            <a:br>
+              <a:rPr lang="hr-HR" dirty="0"/>
+            </a:br>
+            <a:r>
+              <a:rPr lang="hr-HR" dirty="0"/>
+              <a:t>✅ </a:t>
+            </a:r>
+            <a:r>
+              <a:rPr lang="hr-HR" b="1" dirty="0"/>
+              <a:t>Access Controls</a:t>
+            </a:r>
+            <a:r>
+              <a:rPr lang="hr-HR" dirty="0"/>
+              <a:t> – Use role-</a:t>
+            </a:r>
+            <a:r>
+              <a:rPr lang="hr-HR" dirty="0" err="1"/>
+              <a:t>based</a:t>
+            </a:r>
+            <a:r>
+              <a:rPr lang="hr-HR" dirty="0"/>
+              <a:t> </a:t>
+            </a:r>
+            <a:r>
+              <a:rPr lang="hr-HR" dirty="0" err="1"/>
+              <a:t>access</a:t>
+            </a:r>
+            <a:r>
+              <a:rPr lang="hr-HR" dirty="0"/>
+              <a:t> </a:t>
+            </a:r>
+            <a:r>
+              <a:rPr lang="hr-HR" dirty="0" err="1"/>
+              <a:t>and</a:t>
+            </a:r>
+            <a:r>
+              <a:rPr lang="hr-HR" dirty="0"/>
+              <a:t> multi-</a:t>
+            </a:r>
+            <a:r>
+              <a:rPr lang="hr-HR" dirty="0" err="1"/>
+              <a:t>factor</a:t>
+            </a:r>
+            <a:r>
+              <a:rPr lang="hr-HR" dirty="0"/>
+              <a:t> </a:t>
+            </a:r>
+            <a:r>
+              <a:rPr lang="hr-HR" dirty="0" err="1"/>
+              <a:t>authentication</a:t>
+            </a:r>
+            <a:r>
+              <a:rPr lang="hr-HR" dirty="0"/>
+              <a:t> (MFA).</a:t>
+            </a:r>
+            <a:br>
+              <a:rPr lang="en-US" dirty="0"/>
+            </a:br>
+            <a:br>
+              <a:rPr lang="hr-HR" dirty="0"/>
+            </a:br>
+            <a:r>
+              <a:rPr lang="hr-HR" dirty="0"/>
+              <a:t>✅ </a:t>
+            </a:r>
+            <a:r>
+              <a:rPr lang="hr-HR" b="1" dirty="0"/>
+              <a:t>Data </a:t>
+            </a:r>
+            <a:r>
+              <a:rPr lang="hr-HR" b="1" dirty="0" err="1"/>
+              <a:t>Loss</a:t>
+            </a:r>
+            <a:r>
+              <a:rPr lang="hr-HR" b="1" dirty="0"/>
+              <a:t> </a:t>
+            </a:r>
+            <a:r>
+              <a:rPr lang="hr-HR" b="1" dirty="0" err="1"/>
+              <a:t>Prevention</a:t>
+            </a:r>
+            <a:r>
+              <a:rPr lang="hr-HR" b="1" dirty="0"/>
+              <a:t> (DLP)</a:t>
+            </a:r>
+            <a:r>
+              <a:rPr lang="hr-HR" dirty="0"/>
+              <a:t> – </a:t>
+            </a:r>
+            <a:r>
+              <a:rPr lang="hr-HR" dirty="0" err="1"/>
+              <a:t>Prevent</a:t>
+            </a:r>
+            <a:r>
+              <a:rPr lang="hr-HR" dirty="0"/>
+              <a:t> data </a:t>
+            </a:r>
+            <a:r>
+              <a:rPr lang="hr-HR" dirty="0" err="1"/>
+              <a:t>from</a:t>
+            </a:r>
+            <a:r>
+              <a:rPr lang="hr-HR" dirty="0"/>
+              <a:t> </a:t>
+            </a:r>
+            <a:r>
+              <a:rPr lang="hr-HR" dirty="0" err="1"/>
+              <a:t>being</a:t>
+            </a:r>
+            <a:r>
+              <a:rPr lang="hr-HR" dirty="0"/>
+              <a:t> </a:t>
+            </a:r>
+            <a:r>
+              <a:rPr lang="hr-HR" dirty="0" err="1"/>
+              <a:t>transferred</a:t>
+            </a:r>
+            <a:r>
+              <a:rPr lang="hr-HR" dirty="0"/>
+              <a:t> </a:t>
+            </a:r>
+            <a:r>
+              <a:rPr lang="hr-HR" dirty="0" err="1"/>
+              <a:t>or</a:t>
+            </a:r>
+            <a:r>
+              <a:rPr lang="hr-HR" dirty="0"/>
+              <a:t> </a:t>
+            </a:r>
+            <a:r>
+              <a:rPr lang="hr-HR" dirty="0" err="1"/>
+              <a:t>copied</a:t>
+            </a:r>
+            <a:r>
+              <a:rPr lang="hr-HR" dirty="0"/>
+              <a:t> </a:t>
+            </a:r>
+            <a:r>
+              <a:rPr lang="hr-HR" dirty="0" err="1"/>
+              <a:t>without</a:t>
+            </a:r>
+            <a:r>
+              <a:rPr lang="hr-HR" dirty="0"/>
+              <a:t> </a:t>
+            </a:r>
+            <a:r>
+              <a:rPr lang="hr-HR" dirty="0" err="1"/>
+              <a:t>permission</a:t>
+            </a:r>
+            <a:r>
+              <a:rPr lang="hr-HR" dirty="0"/>
+              <a:t>.</a:t>
+            </a:r>
+          </a:p>
+        </p:txBody>
+      </p:sp>
+    </p:spTree>
+    <p:extLst>
+      <p:ext uri="{BB962C8B-B14F-4D97-AF65-F5344CB8AC3E}">
+        <p14:creationId xmlns:p14="http://schemas.microsoft.com/office/powerpoint/2010/main" val="2251606581"/>
+      </p:ext>
+    </p:extLst>
+  </p:cSld>
+  <p:clrMapOvr>
+    <a:masterClrMapping/>
+  </p:clrMapOvr>
+</p:sld>
+</file>
+
+<file path=ppt/slides/slide9.xml><?xml version="1.0" encoding="utf-8"?>
+<p:sld xmlns:a="http://schemas.openxmlformats.org/drawingml/2006/main" xmlns:r="http://schemas.openxmlformats.org/officeDocument/2006/relationships" xmlns:p="http://schemas.openxmlformats.org/presentationml/2006/main">
+  <p:cSld>
+    <p:spTree>
+      <p:nvGrpSpPr>
+        <p:cNvPr id="1" name="">
+          <a:extLst>
+            <a:ext uri="{FF2B5EF4-FFF2-40B4-BE49-F238E27FC236}">
+              <a16:creationId xmlns:a16="http://schemas.microsoft.com/office/drawing/2014/main" id="{3535769F-780F-DB66-9CAF-AE03A4D1354D}"/>
+            </a:ext>
+          </a:extLst>
+        </p:cNvPr>
+        <p:cNvGrpSpPr/>
+        <p:nvPr/>
+      </p:nvGrpSpPr>
+      <p:grpSpPr>
+        <a:xfrm>
+          <a:off x="0" y="0"/>
+          <a:ext cx="0" cy="0"/>
+          <a:chOff x="0" y="0"/>
+          <a:chExt cx="0" cy="0"/>
+        </a:xfrm>
+      </p:grpSpPr>
+      <p:sp>
+        <p:nvSpPr>
+          <p:cNvPr id="3" name="Title 2">
+            <a:extLst>
+              <a:ext uri="{FF2B5EF4-FFF2-40B4-BE49-F238E27FC236}">
+                <a16:creationId xmlns:a16="http://schemas.microsoft.com/office/drawing/2014/main" id="{CD37C309-8601-C02A-B16B-C817FEBFB66F}"/>
+              </a:ext>
+            </a:extLst>
+          </p:cNvPr>
+          <p:cNvSpPr>
+            <a:spLocks noGrp="1"/>
+          </p:cNvSpPr>
+          <p:nvPr>
+            <p:ph type="title"/>
+          </p:nvPr>
+        </p:nvSpPr>
+        <p:spPr>
+          <a:xfrm>
+            <a:off x="838200" y="358775"/>
+            <a:ext cx="10515600" cy="1325563"/>
+          </a:xfrm>
+        </p:spPr>
+        <p:txBody>
+          <a:bodyPr/>
+          <a:lstStyle/>
+          <a:p>
+            <a:r>
+              <a:rPr lang="hr-HR" dirty="0"/>
+              <a:t>SECURITY AND PRIVACY</a:t>
+            </a:r>
+            <a:r>
+              <a:rPr lang="en-US" dirty="0"/>
+              <a:t> - </a:t>
+            </a:r>
+            <a:r>
+              <a:rPr lang="hr-HR" dirty="0"/>
+              <a:t>LAWS AND REGULATIONS</a:t>
+            </a:r>
+            <a:r>
+              <a:rPr lang="en-US" dirty="0"/>
+              <a:t> </a:t>
+            </a:r>
+            <a:endParaRPr lang="hr-HR" dirty="0"/>
+          </a:p>
+        </p:txBody>
+      </p:sp>
+      <p:sp>
+        <p:nvSpPr>
+          <p:cNvPr id="6" name="Content Placeholder 2">
+            <a:extLst>
+              <a:ext uri="{FF2B5EF4-FFF2-40B4-BE49-F238E27FC236}">
+                <a16:creationId xmlns:a16="http://schemas.microsoft.com/office/drawing/2014/main" id="{45B47571-7674-12F9-596F-3F257C442F2D}"/>
+              </a:ext>
+            </a:extLst>
+          </p:cNvPr>
+          <p:cNvSpPr txBox="1">
+            <a:spLocks/>
+          </p:cNvSpPr>
+          <p:nvPr/>
+        </p:nvSpPr>
+        <p:spPr>
+          <a:xfrm>
+            <a:off x="6153150" y="1981187"/>
+            <a:ext cx="5715000" cy="3530613"/>
+          </a:xfrm>
+          <a:prstGeom prst="rect">
+            <a:avLst/>
+          </a:prstGeom>
+        </p:spPr>
+        <p:txBody>
+          <a:bodyPr vert="horz" lIns="91440" tIns="45720" rIns="91440" bIns="45720" rtlCol="0">
+            <a:normAutofit fontScale="77500" lnSpcReduction="20000"/>
+          </a:bodyPr>
+          <a:lstStyle>
+            <a:lvl1pPr marL="368300" indent="-352425" algn="l" defTabSz="914400" rtl="0" eaLnBrk="1" latinLnBrk="0" hangingPunct="1">
+              <a:lnSpc>
+                <a:spcPct val="90000"/>
+              </a:lnSpc>
+              <a:spcBef>
+                <a:spcPts val="600"/>
+              </a:spcBef>
+              <a:spcAft>
+                <a:spcPts val="600"/>
+              </a:spcAft>
+              <a:buClr>
+                <a:schemeClr val="accent2"/>
+              </a:buClr>
+              <a:buFont typeface="Wingdings" pitchFamily="2" charset="2"/>
+              <a:buChar char="§"/>
+              <a:tabLst/>
+              <a:defRPr sz="2400" kern="1200">
+                <a:solidFill>
+                  <a:schemeClr val="tx1"/>
+                </a:solidFill>
+                <a:latin typeface="+mn-lt"/>
+                <a:ea typeface="Open Sans" panose="020B0606030504020204" pitchFamily="34" charset="0"/>
+                <a:cs typeface="Open Sans" panose="020B0606030504020204" pitchFamily="34" charset="0"/>
+              </a:defRPr>
+            </a:lvl1pPr>
+            <a:lvl2pPr marL="771525" indent="-274638" algn="l" defTabSz="914400" rtl="0" eaLnBrk="1" latinLnBrk="0" hangingPunct="1">
+              <a:lnSpc>
+                <a:spcPct val="90000"/>
+              </a:lnSpc>
+              <a:spcBef>
+                <a:spcPts val="600"/>
+              </a:spcBef>
+              <a:spcAft>
+                <a:spcPts val="600"/>
+              </a:spcAft>
+              <a:buClr>
+                <a:schemeClr val="accent2"/>
+              </a:buClr>
+              <a:buFont typeface="Wingdings" pitchFamily="2" charset="2"/>
+              <a:buChar char="§"/>
+              <a:tabLst/>
+              <a:defRPr sz="2200" kern="1200">
+                <a:solidFill>
+                  <a:schemeClr val="tx1"/>
+                </a:solidFill>
+                <a:latin typeface="+mn-lt"/>
+                <a:ea typeface="Open Sans" panose="020B0606030504020204" pitchFamily="34" charset="0"/>
+                <a:cs typeface="Open Sans" panose="020B0606030504020204" pitchFamily="34" charset="0"/>
+              </a:defRPr>
+            </a:lvl2pPr>
+            <a:lvl3pPr marL="1143000" indent="-228600" algn="l" defTabSz="914400" rtl="0" eaLnBrk="1" latinLnBrk="0" hangingPunct="1">
+              <a:lnSpc>
+                <a:spcPct val="90000"/>
+              </a:lnSpc>
+              <a:spcBef>
+                <a:spcPts val="600"/>
+              </a:spcBef>
+              <a:spcAft>
+                <a:spcPts val="600"/>
+              </a:spcAft>
+              <a:buClr>
+                <a:schemeClr val="accent2"/>
+              </a:buClr>
+              <a:buFont typeface="Wingdings" pitchFamily="2" charset="2"/>
+              <a:buChar char="§"/>
+              <a:defRPr sz="2000" kern="1200">
+                <a:solidFill>
+                  <a:schemeClr val="tx1"/>
+                </a:solidFill>
+                <a:latin typeface="+mn-lt"/>
+                <a:ea typeface="Open Sans" panose="020B0606030504020204" pitchFamily="34" charset="0"/>
+                <a:cs typeface="Open Sans" panose="020B0606030504020204" pitchFamily="34" charset="0"/>
+              </a:defRPr>
+            </a:lvl3pPr>
+            <a:lvl4pPr marL="1600200" indent="-228600" algn="l" defTabSz="914400" rtl="0" eaLnBrk="1" latinLnBrk="0" hangingPunct="1">
+              <a:lnSpc>
+                <a:spcPct val="90000"/>
+              </a:lnSpc>
+              <a:spcBef>
+                <a:spcPts val="600"/>
+              </a:spcBef>
+              <a:spcAft>
+                <a:spcPts val="600"/>
+              </a:spcAft>
+              <a:buClr>
+                <a:schemeClr val="accent2"/>
+              </a:buClr>
+              <a:buFont typeface="Wingdings" pitchFamily="2" charset="2"/>
+              <a:buChar char="§"/>
+              <a:defRPr sz="1800" kern="1200">
+                <a:solidFill>
+                  <a:schemeClr val="tx1"/>
+                </a:solidFill>
+                <a:latin typeface="+mn-lt"/>
+                <a:ea typeface="Open Sans" panose="020B0606030504020204" pitchFamily="34" charset="0"/>
+                <a:cs typeface="Open Sans" panose="020B0606030504020204" pitchFamily="34" charset="0"/>
+              </a:defRPr>
+            </a:lvl4pPr>
+            <a:lvl5pPr marL="1960563" indent="-225425" algn="l" defTabSz="914400" rtl="0" eaLnBrk="1" latinLnBrk="0" hangingPunct="1">
+              <a:lnSpc>
+                <a:spcPct val="90000"/>
+              </a:lnSpc>
+              <a:spcBef>
+                <a:spcPts val="600"/>
+              </a:spcBef>
+              <a:spcAft>
+                <a:spcPts val="600"/>
+              </a:spcAft>
+              <a:buClr>
+                <a:schemeClr val="accent2"/>
+              </a:buClr>
+              <a:buFont typeface="Wingdings" pitchFamily="2" charset="2"/>
+              <a:buChar char="§"/>
+              <a:tabLst/>
+              <a:defRPr sz="1600" kern="1200">
+                <a:solidFill>
+                  <a:schemeClr val="tx1"/>
+                </a:solidFill>
+                <a:latin typeface="+mn-lt"/>
+                <a:ea typeface="Open Sans" panose="020B0606030504020204" pitchFamily="34" charset="0"/>
+                <a:cs typeface="Open Sans" panose="020B0606030504020204" pitchFamily="34" charset="0"/>
+              </a:defRPr>
+            </a:lvl5pPr>
+            <a:lvl6pPr marL="2514600" indent="-228600" algn="l" defTabSz="914400" rtl="0" eaLnBrk="1" latinLnBrk="0" hangingPunct="1">
+              <a:lnSpc>
+                <a:spcPct val="90000"/>
+              </a:lnSpc>
+              <a:spcBef>
+                <a:spcPts val="500"/>
+              </a:spcBef>
+              <a:buFont typeface="Arial" panose="020B0604020202020204" pitchFamily="34" charset="0"/>
+              <a:buChar char="•"/>
+              <a:defRPr sz="1800" kern="1200">
+                <a:solidFill>
+                  <a:schemeClr val="tx1"/>
+                </a:solidFill>
+                <a:latin typeface="+mn-lt"/>
+                <a:ea typeface="+mn-ea"/>
+                <a:cs typeface="+mn-cs"/>
+              </a:defRPr>
+            </a:lvl6pPr>
+            <a:lvl7pPr marL="2971800" indent="-228600" algn="l" defTabSz="914400" rtl="0" eaLnBrk="1" latinLnBrk="0" hangingPunct="1">
+              <a:lnSpc>
+                <a:spcPct val="90000"/>
+              </a:lnSpc>
+              <a:spcBef>
+                <a:spcPts val="500"/>
+              </a:spcBef>
+              <a:buFont typeface="Arial" panose="020B0604020202020204" pitchFamily="34" charset="0"/>
+              <a:buChar char="•"/>
+              <a:defRPr sz="1800" kern="1200">
+                <a:solidFill>
+                  <a:schemeClr val="tx1"/>
+                </a:solidFill>
+                <a:latin typeface="+mn-lt"/>
+                <a:ea typeface="+mn-ea"/>
+                <a:cs typeface="+mn-cs"/>
+              </a:defRPr>
+            </a:lvl7pPr>
+            <a:lvl8pPr marL="3429000" indent="-228600" algn="l" defTabSz="914400" rtl="0" eaLnBrk="1" latinLnBrk="0" hangingPunct="1">
+              <a:lnSpc>
+                <a:spcPct val="90000"/>
+              </a:lnSpc>
+              <a:spcBef>
+                <a:spcPts val="500"/>
+              </a:spcBef>
+              <a:buFont typeface="Arial" panose="020B0604020202020204" pitchFamily="34" charset="0"/>
+              <a:buChar char="•"/>
+              <a:defRPr sz="1800" kern="1200">
+                <a:solidFill>
+                  <a:schemeClr val="tx1"/>
+                </a:solidFill>
+                <a:latin typeface="+mn-lt"/>
+                <a:ea typeface="+mn-ea"/>
+                <a:cs typeface="+mn-cs"/>
+              </a:defRPr>
+            </a:lvl8pPr>
+            <a:lvl9pPr marL="3886200" indent="-228600" algn="l" defTabSz="914400" rtl="0" eaLnBrk="1" latinLnBrk="0" hangingPunct="1">
+              <a:lnSpc>
+                <a:spcPct val="90000"/>
+              </a:lnSpc>
+              <a:spcBef>
+                <a:spcPts val="500"/>
+              </a:spcBef>
+              <a:buFont typeface="Arial" panose="020B0604020202020204" pitchFamily="34" charset="0"/>
+              <a:buChar char="•"/>
+              <a:defRPr sz="1800" kern="1200">
+                <a:solidFill>
+                  <a:schemeClr val="tx1"/>
+                </a:solidFill>
+                <a:latin typeface="+mn-lt"/>
+                <a:ea typeface="+mn-ea"/>
+                <a:cs typeface="+mn-cs"/>
+              </a:defRPr>
+            </a:lvl9pPr>
+          </a:lstStyle>
+          <a:p>
+            <a:pPr>
+              <a:buNone/>
+            </a:pPr>
+            <a:r>
+              <a:rPr lang="en-US" b="1" dirty="0"/>
+              <a:t>Compliance Requirements</a:t>
+            </a:r>
+          </a:p>
+          <a:p>
+            <a:pPr>
+              <a:buFont typeface="+mj-lt"/>
+              <a:buAutoNum type="arabicPeriod"/>
+            </a:pPr>
+            <a:r>
+              <a:rPr lang="en-US" b="1" dirty="0"/>
+              <a:t>Data Protection Impact Assessments (DPIA)</a:t>
+            </a:r>
+            <a:r>
+              <a:rPr lang="en-US" dirty="0"/>
+              <a:t> </a:t>
+            </a:r>
+          </a:p>
+          <a:p>
+            <a:pPr marL="742950" lvl="1" indent="-285750">
+              <a:buFont typeface="+mj-lt"/>
+              <a:buAutoNum type="arabicPeriod"/>
+            </a:pPr>
+            <a:r>
+              <a:rPr lang="en-US" dirty="0"/>
+              <a:t>Evaluate risks associated with data processing.</a:t>
+            </a:r>
+          </a:p>
+          <a:p>
+            <a:pPr>
+              <a:buFont typeface="+mj-lt"/>
+              <a:buAutoNum type="arabicPeriod"/>
+            </a:pPr>
+            <a:r>
+              <a:rPr lang="en-US" b="1" dirty="0"/>
+              <a:t>Implementing Policies and Procedures</a:t>
+            </a:r>
+            <a:r>
+              <a:rPr lang="en-US" dirty="0"/>
+              <a:t> </a:t>
+            </a:r>
+          </a:p>
+          <a:p>
+            <a:pPr marL="742950" lvl="1" indent="-285750">
+              <a:buFont typeface="+mj-lt"/>
+              <a:buAutoNum type="arabicPeriod"/>
+            </a:pPr>
+            <a:r>
+              <a:rPr lang="en-US" dirty="0"/>
+              <a:t>Define how data is collected, stored, and protected.</a:t>
+            </a:r>
+          </a:p>
+          <a:p>
+            <a:pPr marL="742950" lvl="1" indent="-285750">
+              <a:buFont typeface="+mj-lt"/>
+              <a:buAutoNum type="arabicPeriod"/>
+            </a:pPr>
+            <a:r>
+              <a:rPr lang="en-US" dirty="0"/>
+              <a:t>Outline breach notification protocols.</a:t>
+            </a:r>
+          </a:p>
+          <a:p>
+            <a:pPr>
+              <a:buFont typeface="+mj-lt"/>
+              <a:buAutoNum type="arabicPeriod"/>
+            </a:pPr>
+            <a:r>
+              <a:rPr lang="en-US" b="1" dirty="0"/>
+              <a:t>Regular Audits and Monitoring</a:t>
+            </a:r>
+            <a:r>
+              <a:rPr lang="en-US" dirty="0"/>
+              <a:t> </a:t>
+            </a:r>
+          </a:p>
+          <a:p>
+            <a:pPr marL="742950" lvl="1" indent="-285750">
+              <a:buFont typeface="+mj-lt"/>
+              <a:buAutoNum type="arabicPeriod"/>
+            </a:pPr>
+            <a:r>
+              <a:rPr lang="en-US" dirty="0"/>
+              <a:t>Perform internal audits and vulnerability assessments.</a:t>
+            </a:r>
+          </a:p>
+          <a:p>
+            <a:pPr marL="742950" lvl="1" indent="-285750">
+              <a:buFont typeface="+mj-lt"/>
+              <a:buAutoNum type="arabicPeriod"/>
+            </a:pPr>
+            <a:r>
+              <a:rPr lang="en-US" dirty="0"/>
+              <a:t>Ensure systems meet compliance requirements.</a:t>
+            </a:r>
+          </a:p>
+        </p:txBody>
+      </p:sp>
+      <p:sp>
+        <p:nvSpPr>
+          <p:cNvPr id="2" name="Content Placeholder 2">
+            <a:extLst>
+              <a:ext uri="{FF2B5EF4-FFF2-40B4-BE49-F238E27FC236}">
+                <a16:creationId xmlns:a16="http://schemas.microsoft.com/office/drawing/2014/main" id="{738A5BD3-D8D7-73D1-8751-83C656BC67E2}"/>
+              </a:ext>
+            </a:extLst>
+          </p:cNvPr>
+          <p:cNvSpPr txBox="1">
+            <a:spLocks/>
+          </p:cNvSpPr>
+          <p:nvPr/>
+        </p:nvSpPr>
+        <p:spPr>
+          <a:xfrm>
+            <a:off x="908050" y="5562600"/>
+            <a:ext cx="11080750" cy="1058864"/>
+          </a:xfrm>
+          <a:prstGeom prst="rect">
+            <a:avLst/>
+          </a:prstGeom>
+        </p:spPr>
+        <p:txBody>
+          <a:bodyPr vert="horz" lIns="91440" tIns="45720" rIns="91440" bIns="45720" rtlCol="0">
+            <a:normAutofit fontScale="92500" lnSpcReduction="10000"/>
+          </a:bodyPr>
+          <a:lstStyle>
+            <a:lvl1pPr marL="368300" indent="-352425" algn="l" defTabSz="914400" rtl="0" eaLnBrk="1" latinLnBrk="0" hangingPunct="1">
+              <a:lnSpc>
+                <a:spcPct val="90000"/>
+              </a:lnSpc>
+              <a:spcBef>
+                <a:spcPts val="600"/>
+              </a:spcBef>
+              <a:spcAft>
+                <a:spcPts val="600"/>
+              </a:spcAft>
+              <a:buClr>
+                <a:schemeClr val="accent2"/>
+              </a:buClr>
+              <a:buFont typeface="Wingdings" pitchFamily="2" charset="2"/>
+              <a:buChar char="§"/>
+              <a:tabLst/>
+              <a:defRPr sz="2400" kern="1200">
+                <a:solidFill>
+                  <a:schemeClr val="tx1"/>
+                </a:solidFill>
+                <a:latin typeface="+mn-lt"/>
+                <a:ea typeface="Open Sans" panose="020B0606030504020204" pitchFamily="34" charset="0"/>
+                <a:cs typeface="Open Sans" panose="020B0606030504020204" pitchFamily="34" charset="0"/>
+              </a:defRPr>
+            </a:lvl1pPr>
+            <a:lvl2pPr marL="771525" indent="-274638" algn="l" defTabSz="914400" rtl="0" eaLnBrk="1" latinLnBrk="0" hangingPunct="1">
+              <a:lnSpc>
+                <a:spcPct val="90000"/>
+              </a:lnSpc>
+              <a:spcBef>
+                <a:spcPts val="600"/>
+              </a:spcBef>
+              <a:spcAft>
+                <a:spcPts val="600"/>
+              </a:spcAft>
+              <a:buClr>
+                <a:schemeClr val="accent2"/>
+              </a:buClr>
+              <a:buFont typeface="Wingdings" pitchFamily="2" charset="2"/>
+              <a:buChar char="§"/>
+              <a:tabLst/>
+              <a:defRPr sz="2200" kern="1200">
+                <a:solidFill>
+                  <a:schemeClr val="tx1"/>
+                </a:solidFill>
+                <a:latin typeface="+mn-lt"/>
+                <a:ea typeface="Open Sans" panose="020B0606030504020204" pitchFamily="34" charset="0"/>
+                <a:cs typeface="Open Sans" panose="020B0606030504020204" pitchFamily="34" charset="0"/>
+              </a:defRPr>
+            </a:lvl2pPr>
+            <a:lvl3pPr marL="1143000" indent="-228600" algn="l" defTabSz="914400" rtl="0" eaLnBrk="1" latinLnBrk="0" hangingPunct="1">
+              <a:lnSpc>
+                <a:spcPct val="90000"/>
+              </a:lnSpc>
+              <a:spcBef>
+                <a:spcPts val="600"/>
+              </a:spcBef>
+              <a:spcAft>
+                <a:spcPts val="600"/>
+              </a:spcAft>
+              <a:buClr>
+                <a:schemeClr val="accent2"/>
+              </a:buClr>
+              <a:buFont typeface="Wingdings" pitchFamily="2" charset="2"/>
+              <a:buChar char="§"/>
+              <a:defRPr sz="2000" kern="1200">
+                <a:solidFill>
+                  <a:schemeClr val="tx1"/>
+                </a:solidFill>
+                <a:latin typeface="+mn-lt"/>
+                <a:ea typeface="Open Sans" panose="020B0606030504020204" pitchFamily="34" charset="0"/>
+                <a:cs typeface="Open Sans" panose="020B0606030504020204" pitchFamily="34" charset="0"/>
+              </a:defRPr>
+            </a:lvl3pPr>
+            <a:lvl4pPr marL="1600200" indent="-228600" algn="l" defTabSz="914400" rtl="0" eaLnBrk="1" latinLnBrk="0" hangingPunct="1">
+              <a:lnSpc>
+                <a:spcPct val="90000"/>
+              </a:lnSpc>
+              <a:spcBef>
+                <a:spcPts val="600"/>
+              </a:spcBef>
+              <a:spcAft>
+                <a:spcPts val="600"/>
+              </a:spcAft>
+              <a:buClr>
+                <a:schemeClr val="accent2"/>
+              </a:buClr>
+              <a:buFont typeface="Wingdings" pitchFamily="2" charset="2"/>
+              <a:buChar char="§"/>
+              <a:defRPr sz="1800" kern="1200">
+                <a:solidFill>
+                  <a:schemeClr val="tx1"/>
+                </a:solidFill>
+                <a:latin typeface="+mn-lt"/>
+                <a:ea typeface="Open Sans" panose="020B0606030504020204" pitchFamily="34" charset="0"/>
+                <a:cs typeface="Open Sans" panose="020B0606030504020204" pitchFamily="34" charset="0"/>
+              </a:defRPr>
+            </a:lvl4pPr>
+            <a:lvl5pPr marL="1960563" indent="-225425" algn="l" defTabSz="914400" rtl="0" eaLnBrk="1" latinLnBrk="0" hangingPunct="1">
+              <a:lnSpc>
+                <a:spcPct val="90000"/>
+              </a:lnSpc>
+              <a:spcBef>
+                <a:spcPts val="600"/>
+              </a:spcBef>
+              <a:spcAft>
+                <a:spcPts val="600"/>
+              </a:spcAft>
+              <a:buClr>
+                <a:schemeClr val="accent2"/>
+              </a:buClr>
+              <a:buFont typeface="Wingdings" pitchFamily="2" charset="2"/>
+              <a:buChar char="§"/>
+              <a:tabLst/>
+              <a:defRPr sz="1600" kern="1200">
+                <a:solidFill>
+                  <a:schemeClr val="tx1"/>
+                </a:solidFill>
+                <a:latin typeface="+mn-lt"/>
+                <a:ea typeface="Open Sans" panose="020B0606030504020204" pitchFamily="34" charset="0"/>
+                <a:cs typeface="Open Sans" panose="020B0606030504020204" pitchFamily="34" charset="0"/>
+              </a:defRPr>
+            </a:lvl5pPr>
+            <a:lvl6pPr marL="2514600" indent="-228600" algn="l" defTabSz="914400" rtl="0" eaLnBrk="1" latinLnBrk="0" hangingPunct="1">
+              <a:lnSpc>
+                <a:spcPct val="90000"/>
+              </a:lnSpc>
+              <a:spcBef>
+                <a:spcPts val="500"/>
+              </a:spcBef>
+              <a:buFont typeface="Arial" panose="020B0604020202020204" pitchFamily="34" charset="0"/>
+              <a:buChar char="•"/>
+              <a:defRPr sz="1800" kern="1200">
+                <a:solidFill>
+                  <a:schemeClr val="tx1"/>
+                </a:solidFill>
+                <a:latin typeface="+mn-lt"/>
+                <a:ea typeface="+mn-ea"/>
+                <a:cs typeface="+mn-cs"/>
+              </a:defRPr>
+            </a:lvl6pPr>
+            <a:lvl7pPr marL="2971800" indent="-228600" algn="l" defTabSz="914400" rtl="0" eaLnBrk="1" latinLnBrk="0" hangingPunct="1">
+              <a:lnSpc>
+                <a:spcPct val="90000"/>
+              </a:lnSpc>
+              <a:spcBef>
+                <a:spcPts val="500"/>
+              </a:spcBef>
+              <a:buFont typeface="Arial" panose="020B0604020202020204" pitchFamily="34" charset="0"/>
+              <a:buChar char="•"/>
+              <a:defRPr sz="1800" kern="1200">
+                <a:solidFill>
+                  <a:schemeClr val="tx1"/>
+                </a:solidFill>
+                <a:latin typeface="+mn-lt"/>
+                <a:ea typeface="+mn-ea"/>
+                <a:cs typeface="+mn-cs"/>
+              </a:defRPr>
+            </a:lvl7pPr>
+            <a:lvl8pPr marL="3429000" indent="-228600" algn="l" defTabSz="914400" rtl="0" eaLnBrk="1" latinLnBrk="0" hangingPunct="1">
+              <a:lnSpc>
+                <a:spcPct val="90000"/>
+              </a:lnSpc>
+              <a:spcBef>
+                <a:spcPts val="500"/>
+              </a:spcBef>
+              <a:buFont typeface="Arial" panose="020B0604020202020204" pitchFamily="34" charset="0"/>
+              <a:buChar char="•"/>
+              <a:defRPr sz="1800" kern="1200">
+                <a:solidFill>
+                  <a:schemeClr val="tx1"/>
+                </a:solidFill>
+                <a:latin typeface="+mn-lt"/>
+                <a:ea typeface="+mn-ea"/>
+                <a:cs typeface="+mn-cs"/>
+              </a:defRPr>
+            </a:lvl8pPr>
+            <a:lvl9pPr marL="3886200" indent="-228600" algn="l" defTabSz="914400" rtl="0" eaLnBrk="1" latinLnBrk="0" hangingPunct="1">
+              <a:lnSpc>
+                <a:spcPct val="90000"/>
+              </a:lnSpc>
+              <a:spcBef>
+                <a:spcPts val="500"/>
+              </a:spcBef>
+              <a:buFont typeface="Arial" panose="020B0604020202020204" pitchFamily="34" charset="0"/>
+              <a:buChar char="•"/>
+              <a:defRPr sz="1800" kern="1200">
+                <a:solidFill>
+                  <a:schemeClr val="tx1"/>
+                </a:solidFill>
+                <a:latin typeface="+mn-lt"/>
+                <a:ea typeface="+mn-ea"/>
+                <a:cs typeface="+mn-cs"/>
+              </a:defRPr>
+            </a:lvl9pPr>
+          </a:lstStyle>
+          <a:p>
+            <a:pPr>
+              <a:buNone/>
+            </a:pPr>
+            <a:r>
+              <a:rPr lang="en-US" b="1" dirty="0"/>
+              <a:t>Example of a GDPR Breach Penalty</a:t>
+            </a:r>
+          </a:p>
+          <a:p>
+            <a:pPr>
+              <a:buFont typeface="Arial" panose="020B0604020202020204" pitchFamily="34" charset="0"/>
+              <a:buChar char="•"/>
+            </a:pPr>
+            <a:r>
+              <a:rPr lang="en-US" dirty="0"/>
+              <a:t>In 2019, British Airways was fined </a:t>
+            </a:r>
+            <a:r>
+              <a:rPr lang="en-US" b="1" dirty="0"/>
+              <a:t>£183 million</a:t>
+            </a:r>
+            <a:r>
+              <a:rPr lang="en-US" dirty="0"/>
+              <a:t> for failing to protect customer data due to security vulnerabilities.</a:t>
+            </a:r>
+          </a:p>
+        </p:txBody>
+      </p:sp>
+      <p:pic>
+        <p:nvPicPr>
+          <p:cNvPr id="7" name="Picture 6">
+            <a:extLst>
+              <a:ext uri="{FF2B5EF4-FFF2-40B4-BE49-F238E27FC236}">
+                <a16:creationId xmlns:a16="http://schemas.microsoft.com/office/drawing/2014/main" id="{3FFA93CC-243E-99F3-5988-A87E3B7D62E9}"/>
+              </a:ext>
+            </a:extLst>
+          </p:cNvPr>
+          <p:cNvPicPr>
+            <a:picLocks noChangeAspect="1"/>
+          </p:cNvPicPr>
+          <p:nvPr/>
+        </p:nvPicPr>
+        <p:blipFill>
+          <a:blip r:embed="rId2"/>
+          <a:stretch>
+            <a:fillRect/>
+          </a:stretch>
+        </p:blipFill>
+        <p:spPr>
+          <a:xfrm>
+            <a:off x="728663" y="2681564"/>
+            <a:ext cx="5049838" cy="1494871"/>
+          </a:xfrm>
+          <a:prstGeom prst="rect">
+            <a:avLst/>
+          </a:prstGeom>
+        </p:spPr>
+      </p:pic>
+    </p:spTree>
+    <p:extLst>
+      <p:ext uri="{BB962C8B-B14F-4D97-AF65-F5344CB8AC3E}">
+        <p14:creationId xmlns:p14="http://schemas.microsoft.com/office/powerpoint/2010/main" val="2334882512"/>
       </p:ext>
     </p:extLst>
   </p:cSld>

--- a/SHIFT4IT/security-and-privacy/security-and-privacy.pptx
+++ b/SHIFT4IT/security-and-privacy/security-and-privacy.pptx
@@ -208,7 +208,7 @@
           <a:p>
             <a:fld id="{2C027FDF-D9AC-4497-8AF1-9347ACD4697E}" type="datetimeFigureOut">
               <a:rPr lang="hr-HR" smtClean="0"/>
-              <a:t>13.3.2025.</a:t>
+              <a:t>16.4.2025.</a:t>
             </a:fld>
             <a:endParaRPr lang="hr-HR"/>
           </a:p>
@@ -474,6 +474,1370 @@
     </a:lvl9pPr>
   </p:notesStyle>
 </p:notesMaster>
+</file>
+
+<file path=ppt/notesSlides/notesSlide1.xml><?xml version="1.0" encoding="utf-8"?>
+<p:notes xmlns:a="http://schemas.openxmlformats.org/drawingml/2006/main" xmlns:r="http://schemas.openxmlformats.org/officeDocument/2006/relationships" xmlns:p="http://schemas.openxmlformats.org/presentationml/2006/main">
+  <p:cSld>
+    <p:spTree>
+      <p:nvGrpSpPr>
+        <p:cNvPr id="1" name=""/>
+        <p:cNvGrpSpPr/>
+        <p:nvPr/>
+      </p:nvGrpSpPr>
+      <p:grpSpPr>
+        <a:xfrm>
+          <a:off x="0" y="0"/>
+          <a:ext cx="0" cy="0"/>
+          <a:chOff x="0" y="0"/>
+          <a:chExt cx="0" cy="0"/>
+        </a:xfrm>
+      </p:grpSpPr>
+      <p:sp>
+        <p:nvSpPr>
+          <p:cNvPr id="2" name="Slide Image Placeholder 1"/>
+          <p:cNvSpPr>
+            <a:spLocks noGrp="1" noRot="1" noChangeAspect="1"/>
+          </p:cNvSpPr>
+          <p:nvPr>
+            <p:ph type="sldImg"/>
+          </p:nvPr>
+        </p:nvSpPr>
+        <p:spPr/>
+      </p:sp>
+      <p:sp>
+        <p:nvSpPr>
+          <p:cNvPr id="3" name="Notes Placeholder 2"/>
+          <p:cNvSpPr>
+            <a:spLocks noGrp="1"/>
+          </p:cNvSpPr>
+          <p:nvPr>
+            <p:ph type="body" idx="1"/>
+          </p:nvPr>
+        </p:nvSpPr>
+        <p:spPr/>
+        <p:txBody>
+          <a:bodyPr/>
+          <a:lstStyle/>
+          <a:p>
+            <a:pPr>
+              <a:buFont typeface="Arial" panose="020B0604020202020204" pitchFamily="34" charset="0"/>
+              <a:buChar char="•"/>
+            </a:pPr>
+            <a:r>
+              <a:rPr lang="en-US" b="1" dirty="0"/>
+              <a:t>Teacher Notes:</a:t>
+            </a:r>
+            <a:endParaRPr lang="en-US" dirty="0"/>
+          </a:p>
+          <a:p>
+            <a:pPr marL="742950" lvl="1" indent="-285750">
+              <a:buFont typeface="Arial" panose="020B0604020202020204" pitchFamily="34" charset="0"/>
+              <a:buChar char="•"/>
+            </a:pPr>
+            <a:r>
+              <a:rPr lang="en-US" dirty="0"/>
+              <a:t>Start with a discussion on real-world examples (recent high-profile breaches) to illustrate how lack of security can affect organizations both financially and reputationally.</a:t>
+            </a:r>
+          </a:p>
+          <a:p>
+            <a:pPr marL="742950" lvl="1" indent="-285750">
+              <a:buFont typeface="Arial" panose="020B0604020202020204" pitchFamily="34" charset="0"/>
+              <a:buChar char="•"/>
+            </a:pPr>
+            <a:r>
+              <a:rPr lang="en-US" dirty="0"/>
+              <a:t>Emphasize the role of cybersecurity awareness in all departments of an organization.</a:t>
+            </a:r>
+          </a:p>
+          <a:p>
+            <a:pPr marL="742950" lvl="1" indent="-285750">
+              <a:buFont typeface="Arial" panose="020B0604020202020204" pitchFamily="34" charset="0"/>
+              <a:buChar char="•"/>
+            </a:pPr>
+            <a:r>
+              <a:rPr lang="en-US" dirty="0"/>
+              <a:t>Explain why security and privacy are not just IT issues but are central to corporate governance and risk management.</a:t>
+            </a:r>
+          </a:p>
+          <a:p>
+            <a:pPr>
+              <a:buFont typeface="Arial" panose="020B0604020202020204" pitchFamily="34" charset="0"/>
+              <a:buChar char="•"/>
+            </a:pPr>
+            <a:r>
+              <a:rPr lang="en-US" b="1" dirty="0"/>
+              <a:t>Resources:</a:t>
+            </a:r>
+            <a:endParaRPr lang="en-US" dirty="0"/>
+          </a:p>
+          <a:p>
+            <a:pPr marL="742950" lvl="1" indent="-285750">
+              <a:buFont typeface="Arial" panose="020B0604020202020204" pitchFamily="34" charset="0"/>
+              <a:buChar char="•"/>
+            </a:pPr>
+            <a:r>
+              <a:rPr lang="en-US" dirty="0"/>
+              <a:t>A basic primer video or interactive module on cybersecurity fundamentals from organizations such as NIST or SANS Institute.</a:t>
+            </a:r>
+          </a:p>
+          <a:p>
+            <a:pPr marL="742950" lvl="1" indent="-285750">
+              <a:buFont typeface="Arial" panose="020B0604020202020204" pitchFamily="34" charset="0"/>
+              <a:buChar char="•"/>
+            </a:pPr>
+            <a:r>
+              <a:rPr lang="en-US" dirty="0"/>
+              <a:t>Infographics or news articles that highlight trends in cyberattacks and breaches.</a:t>
+            </a:r>
+          </a:p>
+          <a:p>
+            <a:pPr>
+              <a:buFont typeface="Arial" panose="020B0604020202020204" pitchFamily="34" charset="0"/>
+              <a:buChar char="•"/>
+            </a:pPr>
+            <a:r>
+              <a:rPr lang="en-US" b="1" dirty="0"/>
+              <a:t>Additional Reading:</a:t>
+            </a:r>
+            <a:endParaRPr lang="en-US" dirty="0"/>
+          </a:p>
+          <a:p>
+            <a:pPr marL="742950" lvl="1" indent="-285750">
+              <a:buFont typeface="Arial" panose="020B0604020202020204" pitchFamily="34" charset="0"/>
+              <a:buChar char="•"/>
+            </a:pPr>
+            <a:r>
+              <a:rPr lang="en-US" dirty="0"/>
+              <a:t>“Cybersecurity 101” articles or introductory chapters from textbooks like </a:t>
+            </a:r>
+            <a:r>
+              <a:rPr lang="en-US" i="1" dirty="0"/>
+              <a:t>Cybersecurity and Cyberwar: What Everyone Needs to Know</a:t>
+            </a:r>
+            <a:r>
+              <a:rPr lang="en-US" dirty="0"/>
+              <a:t> by P. W. Singer and Allan Friedman.</a:t>
+            </a:r>
+          </a:p>
+          <a:p>
+            <a:endParaRPr lang="hr-HR" dirty="0"/>
+          </a:p>
+        </p:txBody>
+      </p:sp>
+      <p:sp>
+        <p:nvSpPr>
+          <p:cNvPr id="4" name="Slide Number Placeholder 3"/>
+          <p:cNvSpPr>
+            <a:spLocks noGrp="1"/>
+          </p:cNvSpPr>
+          <p:nvPr>
+            <p:ph type="sldNum" sz="quarter" idx="5"/>
+          </p:nvPr>
+        </p:nvSpPr>
+        <p:spPr/>
+        <p:txBody>
+          <a:bodyPr/>
+          <a:lstStyle/>
+          <a:p>
+            <a:fld id="{90A064B2-EFF6-4760-BE09-0DEDA56827BE}" type="slidenum">
+              <a:rPr lang="hr-HR" smtClean="0"/>
+              <a:t>2</a:t>
+            </a:fld>
+            <a:endParaRPr lang="hr-HR"/>
+          </a:p>
+        </p:txBody>
+      </p:sp>
+    </p:spTree>
+    <p:extLst>
+      <p:ext uri="{BB962C8B-B14F-4D97-AF65-F5344CB8AC3E}">
+        <p14:creationId xmlns:p14="http://schemas.microsoft.com/office/powerpoint/2010/main" val="205634104"/>
+      </p:ext>
+    </p:extLst>
+  </p:cSld>
+  <p:clrMapOvr>
+    <a:masterClrMapping/>
+  </p:clrMapOvr>
+</p:notes>
+</file>
+
+<file path=ppt/notesSlides/notesSlide2.xml><?xml version="1.0" encoding="utf-8"?>
+<p:notes xmlns:a="http://schemas.openxmlformats.org/drawingml/2006/main" xmlns:r="http://schemas.openxmlformats.org/officeDocument/2006/relationships" xmlns:p="http://schemas.openxmlformats.org/presentationml/2006/main">
+  <p:cSld>
+    <p:spTree>
+      <p:nvGrpSpPr>
+        <p:cNvPr id="1" name=""/>
+        <p:cNvGrpSpPr/>
+        <p:nvPr/>
+      </p:nvGrpSpPr>
+      <p:grpSpPr>
+        <a:xfrm>
+          <a:off x="0" y="0"/>
+          <a:ext cx="0" cy="0"/>
+          <a:chOff x="0" y="0"/>
+          <a:chExt cx="0" cy="0"/>
+        </a:xfrm>
+      </p:grpSpPr>
+      <p:sp>
+        <p:nvSpPr>
+          <p:cNvPr id="2" name="Slide Image Placeholder 1"/>
+          <p:cNvSpPr>
+            <a:spLocks noGrp="1" noRot="1" noChangeAspect="1"/>
+          </p:cNvSpPr>
+          <p:nvPr>
+            <p:ph type="sldImg"/>
+          </p:nvPr>
+        </p:nvSpPr>
+        <p:spPr/>
+      </p:sp>
+      <p:sp>
+        <p:nvSpPr>
+          <p:cNvPr id="3" name="Notes Placeholder 2"/>
+          <p:cNvSpPr>
+            <a:spLocks noGrp="1"/>
+          </p:cNvSpPr>
+          <p:nvPr>
+            <p:ph type="body" idx="1"/>
+          </p:nvPr>
+        </p:nvSpPr>
+        <p:spPr/>
+        <p:txBody>
+          <a:bodyPr/>
+          <a:lstStyle/>
+          <a:p>
+            <a:pPr>
+              <a:buNone/>
+            </a:pPr>
+            <a:r>
+              <a:rPr lang="en-US" b="1" dirty="0"/>
+              <a:t>Teacher Notes:</a:t>
+            </a:r>
+            <a:endParaRPr lang="en-US" dirty="0"/>
+          </a:p>
+          <a:p>
+            <a:pPr>
+              <a:buFont typeface="Arial" panose="020B0604020202020204" pitchFamily="34" charset="0"/>
+              <a:buChar char="•"/>
+            </a:pPr>
+            <a:r>
+              <a:rPr lang="en-US" dirty="0"/>
+              <a:t>Walk through each element of the CIA triad with practical examples. For instance, explain how encryption (for confidentiality), digital signatures (for integrity), and redundant systems (for availability) each play a role.</a:t>
+            </a:r>
+          </a:p>
+          <a:p>
+            <a:pPr>
+              <a:buFont typeface="Arial" panose="020B0604020202020204" pitchFamily="34" charset="0"/>
+              <a:buChar char="•"/>
+            </a:pPr>
+            <a:r>
+              <a:rPr lang="en-US" dirty="0"/>
+              <a:t>Consider using a short in-class activity where students classify different security scenarios under the correct pillar.</a:t>
+            </a:r>
+          </a:p>
+          <a:p>
+            <a:pPr>
+              <a:buNone/>
+            </a:pPr>
+            <a:r>
+              <a:rPr lang="en-US" b="1" dirty="0"/>
+              <a:t>Resources:</a:t>
+            </a:r>
+            <a:endParaRPr lang="en-US" dirty="0"/>
+          </a:p>
+          <a:p>
+            <a:pPr>
+              <a:buFont typeface="Arial" panose="020B0604020202020204" pitchFamily="34" charset="0"/>
+              <a:buChar char="•"/>
+            </a:pPr>
+            <a:r>
+              <a:rPr lang="en-US" dirty="0"/>
+              <a:t>Official documents or guides on the CIA model from reputable bodies such as NIST’s Cybersecurity Framework.</a:t>
+            </a:r>
+          </a:p>
+          <a:p>
+            <a:pPr>
+              <a:buFont typeface="Arial" panose="020B0604020202020204" pitchFamily="34" charset="0"/>
+              <a:buChar char="•"/>
+            </a:pPr>
+            <a:r>
+              <a:rPr lang="en-US" dirty="0"/>
+              <a:t>Online interactive tools or simulations that visually demonstrate the principles of confidentiality, integrity, and availability.</a:t>
+            </a:r>
+          </a:p>
+          <a:p>
+            <a:pPr>
+              <a:buNone/>
+            </a:pPr>
+            <a:r>
+              <a:rPr lang="en-US" b="1" dirty="0"/>
+              <a:t>Additional Reading:</a:t>
+            </a:r>
+          </a:p>
+          <a:p>
+            <a:pPr>
+              <a:buNone/>
+            </a:pPr>
+            <a:r>
+              <a:rPr lang="en-US" dirty="0"/>
+              <a:t>Articles or textbook chapters discussing the evolution of the CIA triad and its application in modern networks.</a:t>
+            </a:r>
+          </a:p>
+          <a:p>
+            <a:endParaRPr lang="hr-HR" dirty="0"/>
+          </a:p>
+        </p:txBody>
+      </p:sp>
+      <p:sp>
+        <p:nvSpPr>
+          <p:cNvPr id="4" name="Slide Number Placeholder 3"/>
+          <p:cNvSpPr>
+            <a:spLocks noGrp="1"/>
+          </p:cNvSpPr>
+          <p:nvPr>
+            <p:ph type="sldNum" sz="quarter" idx="5"/>
+          </p:nvPr>
+        </p:nvSpPr>
+        <p:spPr/>
+        <p:txBody>
+          <a:bodyPr/>
+          <a:lstStyle/>
+          <a:p>
+            <a:fld id="{90A064B2-EFF6-4760-BE09-0DEDA56827BE}" type="slidenum">
+              <a:rPr lang="hr-HR" smtClean="0"/>
+              <a:t>3</a:t>
+            </a:fld>
+            <a:endParaRPr lang="hr-HR"/>
+          </a:p>
+        </p:txBody>
+      </p:sp>
+    </p:spTree>
+    <p:extLst>
+      <p:ext uri="{BB962C8B-B14F-4D97-AF65-F5344CB8AC3E}">
+        <p14:creationId xmlns:p14="http://schemas.microsoft.com/office/powerpoint/2010/main" val="578534746"/>
+      </p:ext>
+    </p:extLst>
+  </p:cSld>
+  <p:clrMapOvr>
+    <a:masterClrMapping/>
+  </p:clrMapOvr>
+</p:notes>
+</file>
+
+<file path=ppt/notesSlides/notesSlide3.xml><?xml version="1.0" encoding="utf-8"?>
+<p:notes xmlns:a="http://schemas.openxmlformats.org/drawingml/2006/main" xmlns:r="http://schemas.openxmlformats.org/officeDocument/2006/relationships" xmlns:p="http://schemas.openxmlformats.org/presentationml/2006/main">
+  <p:cSld>
+    <p:spTree>
+      <p:nvGrpSpPr>
+        <p:cNvPr id="1" name=""/>
+        <p:cNvGrpSpPr/>
+        <p:nvPr/>
+      </p:nvGrpSpPr>
+      <p:grpSpPr>
+        <a:xfrm>
+          <a:off x="0" y="0"/>
+          <a:ext cx="0" cy="0"/>
+          <a:chOff x="0" y="0"/>
+          <a:chExt cx="0" cy="0"/>
+        </a:xfrm>
+      </p:grpSpPr>
+      <p:sp>
+        <p:nvSpPr>
+          <p:cNvPr id="2" name="Slide Image Placeholder 1"/>
+          <p:cNvSpPr>
+            <a:spLocks noGrp="1" noRot="1" noChangeAspect="1"/>
+          </p:cNvSpPr>
+          <p:nvPr>
+            <p:ph type="sldImg"/>
+          </p:nvPr>
+        </p:nvSpPr>
+        <p:spPr/>
+      </p:sp>
+      <p:sp>
+        <p:nvSpPr>
+          <p:cNvPr id="3" name="Notes Placeholder 2"/>
+          <p:cNvSpPr>
+            <a:spLocks noGrp="1"/>
+          </p:cNvSpPr>
+          <p:nvPr>
+            <p:ph type="body" idx="1"/>
+          </p:nvPr>
+        </p:nvSpPr>
+        <p:spPr/>
+        <p:txBody>
+          <a:bodyPr/>
+          <a:lstStyle/>
+          <a:p>
+            <a:pPr>
+              <a:buFont typeface="Arial" panose="020B0604020202020204" pitchFamily="34" charset="0"/>
+              <a:buChar char="•"/>
+            </a:pPr>
+            <a:r>
+              <a:rPr lang="en-US" b="1" dirty="0"/>
+              <a:t>Teacher Notes:</a:t>
+            </a:r>
+            <a:endParaRPr lang="en-US" dirty="0"/>
+          </a:p>
+          <a:p>
+            <a:pPr marL="742950" lvl="1" indent="-285750">
+              <a:buFont typeface="Arial" panose="020B0604020202020204" pitchFamily="34" charset="0"/>
+              <a:buChar char="•"/>
+            </a:pPr>
+            <a:r>
+              <a:rPr lang="en-US" dirty="0"/>
+              <a:t>Detail the importance of assigning clear roles for data protection. Discuss how documentation (policies, procedures, incident response plans) is critical to managing risks.</a:t>
+            </a:r>
+          </a:p>
+          <a:p>
+            <a:pPr marL="742950" lvl="1" indent="-285750">
+              <a:buFont typeface="Arial" panose="020B0604020202020204" pitchFamily="34" charset="0"/>
+              <a:buChar char="•"/>
+            </a:pPr>
+            <a:r>
+              <a:rPr lang="en-US" dirty="0"/>
+              <a:t>Provide a walk-through of a typical incident response lifecycle and review case studies from sectors like healthcare or finance.</a:t>
+            </a:r>
+          </a:p>
+          <a:p>
+            <a:pPr>
+              <a:buFont typeface="Arial" panose="020B0604020202020204" pitchFamily="34" charset="0"/>
+              <a:buChar char="•"/>
+            </a:pPr>
+            <a:r>
+              <a:rPr lang="en-US" b="1" dirty="0"/>
+              <a:t>Resources:</a:t>
+            </a:r>
+            <a:endParaRPr lang="en-US" dirty="0"/>
+          </a:p>
+          <a:p>
+            <a:pPr marL="742950" lvl="1" indent="-285750">
+              <a:buFont typeface="Arial" panose="020B0604020202020204" pitchFamily="34" charset="0"/>
+              <a:buChar char="•"/>
+            </a:pPr>
+            <a:r>
+              <a:rPr lang="en-US" dirty="0"/>
+              <a:t>Templates or best-practice guides for data protection policies and incident response plans from sites such as SANS Institute or government cybersecurity agencies.</a:t>
+            </a:r>
+          </a:p>
+          <a:p>
+            <a:pPr marL="742950" lvl="1" indent="-285750">
+              <a:buFont typeface="Arial" panose="020B0604020202020204" pitchFamily="34" charset="0"/>
+              <a:buChar char="•"/>
+            </a:pPr>
+            <a:r>
+              <a:rPr lang="en-US" dirty="0"/>
+              <a:t>Checklists or flowcharts that illustrate the process of data handling and breach reporting.</a:t>
+            </a:r>
+          </a:p>
+          <a:p>
+            <a:pPr>
+              <a:buFont typeface="Arial" panose="020B0604020202020204" pitchFamily="34" charset="0"/>
+              <a:buChar char="•"/>
+            </a:pPr>
+            <a:r>
+              <a:rPr lang="en-US" b="1" dirty="0"/>
+              <a:t>Additional Reading:</a:t>
+            </a:r>
+            <a:endParaRPr lang="en-US" dirty="0"/>
+          </a:p>
+          <a:p>
+            <a:pPr marL="742950" lvl="1" indent="-285750">
+              <a:buFont typeface="Arial" panose="020B0604020202020204" pitchFamily="34" charset="0"/>
+              <a:buChar char="•"/>
+            </a:pPr>
+            <a:r>
+              <a:rPr lang="en-US" dirty="0"/>
+              <a:t>Whitepapers on building an effective incident response plan or case studies analyzing data breach impacts in regulated sectors.</a:t>
+            </a:r>
+          </a:p>
+          <a:p>
+            <a:endParaRPr lang="hr-HR" dirty="0"/>
+          </a:p>
+        </p:txBody>
+      </p:sp>
+      <p:sp>
+        <p:nvSpPr>
+          <p:cNvPr id="4" name="Slide Number Placeholder 3"/>
+          <p:cNvSpPr>
+            <a:spLocks noGrp="1"/>
+          </p:cNvSpPr>
+          <p:nvPr>
+            <p:ph type="sldNum" sz="quarter" idx="5"/>
+          </p:nvPr>
+        </p:nvSpPr>
+        <p:spPr/>
+        <p:txBody>
+          <a:bodyPr/>
+          <a:lstStyle/>
+          <a:p>
+            <a:fld id="{90A064B2-EFF6-4760-BE09-0DEDA56827BE}" type="slidenum">
+              <a:rPr lang="hr-HR" smtClean="0"/>
+              <a:t>4</a:t>
+            </a:fld>
+            <a:endParaRPr lang="hr-HR"/>
+          </a:p>
+        </p:txBody>
+      </p:sp>
+    </p:spTree>
+    <p:extLst>
+      <p:ext uri="{BB962C8B-B14F-4D97-AF65-F5344CB8AC3E}">
+        <p14:creationId xmlns:p14="http://schemas.microsoft.com/office/powerpoint/2010/main" val="2661164925"/>
+      </p:ext>
+    </p:extLst>
+  </p:cSld>
+  <p:clrMapOvr>
+    <a:masterClrMapping/>
+  </p:clrMapOvr>
+</p:notes>
+</file>
+
+<file path=ppt/notesSlides/notesSlide4.xml><?xml version="1.0" encoding="utf-8"?>
+<p:notes xmlns:a="http://schemas.openxmlformats.org/drawingml/2006/main" xmlns:r="http://schemas.openxmlformats.org/officeDocument/2006/relationships" xmlns:p="http://schemas.openxmlformats.org/presentationml/2006/main">
+  <p:cSld>
+    <p:spTree>
+      <p:nvGrpSpPr>
+        <p:cNvPr id="1" name=""/>
+        <p:cNvGrpSpPr/>
+        <p:nvPr/>
+      </p:nvGrpSpPr>
+      <p:grpSpPr>
+        <a:xfrm>
+          <a:off x="0" y="0"/>
+          <a:ext cx="0" cy="0"/>
+          <a:chOff x="0" y="0"/>
+          <a:chExt cx="0" cy="0"/>
+        </a:xfrm>
+      </p:grpSpPr>
+      <p:sp>
+        <p:nvSpPr>
+          <p:cNvPr id="2" name="Slide Image Placeholder 1"/>
+          <p:cNvSpPr>
+            <a:spLocks noGrp="1" noRot="1" noChangeAspect="1"/>
+          </p:cNvSpPr>
+          <p:nvPr>
+            <p:ph type="sldImg"/>
+          </p:nvPr>
+        </p:nvSpPr>
+        <p:spPr/>
+      </p:sp>
+      <p:sp>
+        <p:nvSpPr>
+          <p:cNvPr id="3" name="Notes Placeholder 2"/>
+          <p:cNvSpPr>
+            <a:spLocks noGrp="1"/>
+          </p:cNvSpPr>
+          <p:nvPr>
+            <p:ph type="body" idx="1"/>
+          </p:nvPr>
+        </p:nvSpPr>
+        <p:spPr/>
+        <p:txBody>
+          <a:bodyPr/>
+          <a:lstStyle/>
+          <a:p>
+            <a:pPr>
+              <a:buNone/>
+            </a:pPr>
+            <a:r>
+              <a:rPr lang="en-US" b="1" dirty="0"/>
+              <a:t>Teacher Notes:</a:t>
+            </a:r>
+            <a:endParaRPr lang="en-US" dirty="0"/>
+          </a:p>
+          <a:p>
+            <a:pPr>
+              <a:buFont typeface="Arial" panose="020B0604020202020204" pitchFamily="34" charset="0"/>
+              <a:buChar char="•"/>
+            </a:pPr>
+            <a:r>
+              <a:rPr lang="en-US" dirty="0"/>
+              <a:t>Detail the importance of assigning clear roles for data protection. Discuss how documentation (policies, procedures, incident response plans) is critical to managing risks.</a:t>
+            </a:r>
+          </a:p>
+          <a:p>
+            <a:pPr>
+              <a:buFont typeface="Arial" panose="020B0604020202020204" pitchFamily="34" charset="0"/>
+              <a:buChar char="•"/>
+            </a:pPr>
+            <a:r>
+              <a:rPr lang="en-US" dirty="0"/>
+              <a:t>Provide a walk-through of a typical incident response lifecycle and review case studies from sectors like healthcare or finance.</a:t>
+            </a:r>
+          </a:p>
+          <a:p>
+            <a:pPr>
+              <a:buNone/>
+            </a:pPr>
+            <a:r>
+              <a:rPr lang="en-US" b="1" dirty="0"/>
+              <a:t>Resources:</a:t>
+            </a:r>
+            <a:endParaRPr lang="en-US" dirty="0"/>
+          </a:p>
+          <a:p>
+            <a:pPr>
+              <a:buFont typeface="Arial" panose="020B0604020202020204" pitchFamily="34" charset="0"/>
+              <a:buChar char="•"/>
+            </a:pPr>
+            <a:r>
+              <a:rPr lang="en-US" dirty="0"/>
+              <a:t>Templates or best-practice guides for data protection policies and incident response plans from sites such as SANS Institute or government cybersecurity agencies.</a:t>
+            </a:r>
+          </a:p>
+          <a:p>
+            <a:pPr>
+              <a:buFont typeface="Arial" panose="020B0604020202020204" pitchFamily="34" charset="0"/>
+              <a:buChar char="•"/>
+            </a:pPr>
+            <a:r>
+              <a:rPr lang="en-US" dirty="0"/>
+              <a:t>Checklists or flowcharts that illustrate the process of data handling and breach reporting.</a:t>
+            </a:r>
+          </a:p>
+          <a:p>
+            <a:pPr>
+              <a:buNone/>
+            </a:pPr>
+            <a:r>
+              <a:rPr lang="en-US" b="1" dirty="0"/>
+              <a:t>Additional Reading (if applicable):</a:t>
+            </a:r>
+            <a:endParaRPr lang="en-US" dirty="0"/>
+          </a:p>
+          <a:p>
+            <a:pPr>
+              <a:buFont typeface="Arial" panose="020B0604020202020204" pitchFamily="34" charset="0"/>
+              <a:buChar char="•"/>
+            </a:pPr>
+            <a:r>
+              <a:rPr lang="en-US" dirty="0"/>
+              <a:t>Whitepapers on building an effective incident response plan or case studies analyzing data breach impacts in regulated sectors.</a:t>
+            </a:r>
+          </a:p>
+          <a:p>
+            <a:endParaRPr lang="hr-HR" dirty="0"/>
+          </a:p>
+        </p:txBody>
+      </p:sp>
+      <p:sp>
+        <p:nvSpPr>
+          <p:cNvPr id="4" name="Slide Number Placeholder 3"/>
+          <p:cNvSpPr>
+            <a:spLocks noGrp="1"/>
+          </p:cNvSpPr>
+          <p:nvPr>
+            <p:ph type="sldNum" sz="quarter" idx="5"/>
+          </p:nvPr>
+        </p:nvSpPr>
+        <p:spPr/>
+        <p:txBody>
+          <a:bodyPr/>
+          <a:lstStyle/>
+          <a:p>
+            <a:fld id="{90A064B2-EFF6-4760-BE09-0DEDA56827BE}" type="slidenum">
+              <a:rPr lang="hr-HR" smtClean="0"/>
+              <a:t>5</a:t>
+            </a:fld>
+            <a:endParaRPr lang="hr-HR"/>
+          </a:p>
+        </p:txBody>
+      </p:sp>
+    </p:spTree>
+    <p:extLst>
+      <p:ext uri="{BB962C8B-B14F-4D97-AF65-F5344CB8AC3E}">
+        <p14:creationId xmlns:p14="http://schemas.microsoft.com/office/powerpoint/2010/main" val="4152263575"/>
+      </p:ext>
+    </p:extLst>
+  </p:cSld>
+  <p:clrMapOvr>
+    <a:masterClrMapping/>
+  </p:clrMapOvr>
+</p:notes>
+</file>
+
+<file path=ppt/notesSlides/notesSlide5.xml><?xml version="1.0" encoding="utf-8"?>
+<p:notes xmlns:a="http://schemas.openxmlformats.org/drawingml/2006/main" xmlns:r="http://schemas.openxmlformats.org/officeDocument/2006/relationships" xmlns:p="http://schemas.openxmlformats.org/presentationml/2006/main">
+  <p:cSld>
+    <p:spTree>
+      <p:nvGrpSpPr>
+        <p:cNvPr id="1" name=""/>
+        <p:cNvGrpSpPr/>
+        <p:nvPr/>
+      </p:nvGrpSpPr>
+      <p:grpSpPr>
+        <a:xfrm>
+          <a:off x="0" y="0"/>
+          <a:ext cx="0" cy="0"/>
+          <a:chOff x="0" y="0"/>
+          <a:chExt cx="0" cy="0"/>
+        </a:xfrm>
+      </p:grpSpPr>
+      <p:sp>
+        <p:nvSpPr>
+          <p:cNvPr id="2" name="Slide Image Placeholder 1"/>
+          <p:cNvSpPr>
+            <a:spLocks noGrp="1" noRot="1" noChangeAspect="1"/>
+          </p:cNvSpPr>
+          <p:nvPr>
+            <p:ph type="sldImg"/>
+          </p:nvPr>
+        </p:nvSpPr>
+        <p:spPr/>
+      </p:sp>
+      <p:sp>
+        <p:nvSpPr>
+          <p:cNvPr id="3" name="Notes Placeholder 2"/>
+          <p:cNvSpPr>
+            <a:spLocks noGrp="1"/>
+          </p:cNvSpPr>
+          <p:nvPr>
+            <p:ph type="body" idx="1"/>
+          </p:nvPr>
+        </p:nvSpPr>
+        <p:spPr/>
+        <p:txBody>
+          <a:bodyPr/>
+          <a:lstStyle/>
+          <a:p>
+            <a:pPr>
+              <a:buNone/>
+            </a:pPr>
+            <a:r>
+              <a:rPr lang="en-US" b="1" dirty="0"/>
+              <a:t>Teacher Notes:</a:t>
+            </a:r>
+            <a:endParaRPr lang="en-US" dirty="0"/>
+          </a:p>
+          <a:p>
+            <a:pPr>
+              <a:buFont typeface="Arial" panose="020B0604020202020204" pitchFamily="34" charset="0"/>
+              <a:buChar char="•"/>
+            </a:pPr>
+            <a:r>
+              <a:rPr lang="en-US" dirty="0"/>
+              <a:t>Differentiate between the speed and efficiency of symmetric encryption versus the enhanced security (at the cost of speed) provided by asymmetric encryption.</a:t>
+            </a:r>
+          </a:p>
+          <a:p>
+            <a:pPr>
+              <a:buFont typeface="Arial" panose="020B0604020202020204" pitchFamily="34" charset="0"/>
+              <a:buChar char="•"/>
+            </a:pPr>
+            <a:r>
+              <a:rPr lang="en-US" dirty="0"/>
+              <a:t>Consider including a live demonstration or a simplified diagram that illustrates how public and private keys work together.</a:t>
+            </a:r>
+          </a:p>
+          <a:p>
+            <a:pPr>
+              <a:buNone/>
+            </a:pPr>
+            <a:r>
+              <a:rPr lang="en-US" b="1" dirty="0"/>
+              <a:t>Resources:</a:t>
+            </a:r>
+            <a:endParaRPr lang="en-US" dirty="0"/>
+          </a:p>
+          <a:p>
+            <a:pPr>
+              <a:buFont typeface="Arial" panose="020B0604020202020204" pitchFamily="34" charset="0"/>
+              <a:buChar char="•"/>
+            </a:pPr>
+            <a:r>
+              <a:rPr lang="en-US" dirty="0"/>
+              <a:t>Beginner-friendly online tutorials like “Crypto101” that clearly explain the basics of cryptography.</a:t>
+            </a:r>
+          </a:p>
+          <a:p>
+            <a:pPr>
+              <a:buFont typeface="Arial" panose="020B0604020202020204" pitchFamily="34" charset="0"/>
+              <a:buChar char="•"/>
+            </a:pPr>
+            <a:r>
+              <a:rPr lang="en-US" dirty="0"/>
+              <a:t>Interactive encryption tools or simulations available on educational websites to visualize encryption processes in real time.</a:t>
+            </a:r>
+          </a:p>
+          <a:p>
+            <a:pPr>
+              <a:buNone/>
+            </a:pPr>
+            <a:r>
+              <a:rPr lang="en-US" b="1" dirty="0"/>
+              <a:t>Additional Reading (if applicable):</a:t>
+            </a:r>
+            <a:endParaRPr lang="en-US" dirty="0"/>
+          </a:p>
+          <a:p>
+            <a:pPr>
+              <a:buFont typeface="Arial" panose="020B0604020202020204" pitchFamily="34" charset="0"/>
+              <a:buChar char="•"/>
+            </a:pPr>
+            <a:r>
+              <a:rPr lang="en-US" dirty="0"/>
+              <a:t>Articles or research papers discussing recent developments in encryption standards and the evolving security landscape regarding encryption practices.</a:t>
+            </a:r>
+          </a:p>
+          <a:p>
+            <a:endParaRPr lang="hr-HR" dirty="0"/>
+          </a:p>
+        </p:txBody>
+      </p:sp>
+      <p:sp>
+        <p:nvSpPr>
+          <p:cNvPr id="4" name="Slide Number Placeholder 3"/>
+          <p:cNvSpPr>
+            <a:spLocks noGrp="1"/>
+          </p:cNvSpPr>
+          <p:nvPr>
+            <p:ph type="sldNum" sz="quarter" idx="5"/>
+          </p:nvPr>
+        </p:nvSpPr>
+        <p:spPr/>
+        <p:txBody>
+          <a:bodyPr/>
+          <a:lstStyle/>
+          <a:p>
+            <a:fld id="{90A064B2-EFF6-4760-BE09-0DEDA56827BE}" type="slidenum">
+              <a:rPr lang="hr-HR" smtClean="0"/>
+              <a:t>6</a:t>
+            </a:fld>
+            <a:endParaRPr lang="hr-HR"/>
+          </a:p>
+        </p:txBody>
+      </p:sp>
+    </p:spTree>
+    <p:extLst>
+      <p:ext uri="{BB962C8B-B14F-4D97-AF65-F5344CB8AC3E}">
+        <p14:creationId xmlns:p14="http://schemas.microsoft.com/office/powerpoint/2010/main" val="1617239218"/>
+      </p:ext>
+    </p:extLst>
+  </p:cSld>
+  <p:clrMapOvr>
+    <a:masterClrMapping/>
+  </p:clrMapOvr>
+</p:notes>
+</file>
+
+<file path=ppt/notesSlides/notesSlide6.xml><?xml version="1.0" encoding="utf-8"?>
+<p:notes xmlns:a="http://schemas.openxmlformats.org/drawingml/2006/main" xmlns:r="http://schemas.openxmlformats.org/officeDocument/2006/relationships" xmlns:p="http://schemas.openxmlformats.org/presentationml/2006/main">
+  <p:cSld>
+    <p:spTree>
+      <p:nvGrpSpPr>
+        <p:cNvPr id="1" name=""/>
+        <p:cNvGrpSpPr/>
+        <p:nvPr/>
+      </p:nvGrpSpPr>
+      <p:grpSpPr>
+        <a:xfrm>
+          <a:off x="0" y="0"/>
+          <a:ext cx="0" cy="0"/>
+          <a:chOff x="0" y="0"/>
+          <a:chExt cx="0" cy="0"/>
+        </a:xfrm>
+      </p:grpSpPr>
+      <p:sp>
+        <p:nvSpPr>
+          <p:cNvPr id="2" name="Slide Image Placeholder 1"/>
+          <p:cNvSpPr>
+            <a:spLocks noGrp="1" noRot="1" noChangeAspect="1"/>
+          </p:cNvSpPr>
+          <p:nvPr>
+            <p:ph type="sldImg"/>
+          </p:nvPr>
+        </p:nvSpPr>
+        <p:spPr/>
+      </p:sp>
+      <p:sp>
+        <p:nvSpPr>
+          <p:cNvPr id="3" name="Notes Placeholder 2"/>
+          <p:cNvSpPr>
+            <a:spLocks noGrp="1"/>
+          </p:cNvSpPr>
+          <p:nvPr>
+            <p:ph type="body" idx="1"/>
+          </p:nvPr>
+        </p:nvSpPr>
+        <p:spPr/>
+        <p:txBody>
+          <a:bodyPr/>
+          <a:lstStyle/>
+          <a:p>
+            <a:pPr>
+              <a:buNone/>
+            </a:pPr>
+            <a:r>
+              <a:rPr lang="en-US" b="1" dirty="0"/>
+              <a:t>Teacher Notes:</a:t>
+            </a:r>
+            <a:endParaRPr lang="en-US" dirty="0"/>
+          </a:p>
+          <a:p>
+            <a:pPr>
+              <a:buFont typeface="Arial" panose="020B0604020202020204" pitchFamily="34" charset="0"/>
+              <a:buChar char="•"/>
+            </a:pPr>
+            <a:r>
+              <a:rPr lang="en-US" dirty="0"/>
+              <a:t>Illustrate the concept of a one-way function by comparing hashing with reversible encryption.</a:t>
+            </a:r>
+          </a:p>
+          <a:p>
+            <a:pPr>
+              <a:buFont typeface="Arial" panose="020B0604020202020204" pitchFamily="34" charset="0"/>
+              <a:buChar char="•"/>
+            </a:pPr>
+            <a:r>
+              <a:rPr lang="en-US" dirty="0"/>
+              <a:t>Discuss why salting passwords is necessary to prevent attacks (e.g., rainbow tables).</a:t>
+            </a:r>
+          </a:p>
+          <a:p>
+            <a:pPr>
+              <a:buFont typeface="Arial" panose="020B0604020202020204" pitchFamily="34" charset="0"/>
+              <a:buChar char="•"/>
+            </a:pPr>
+            <a:r>
+              <a:rPr lang="en-US" dirty="0"/>
+              <a:t>Use real-world examples of how compromised hash functions in legacy systems led to security breaches.</a:t>
+            </a:r>
+          </a:p>
+          <a:p>
+            <a:pPr>
+              <a:buNone/>
+            </a:pPr>
+            <a:r>
+              <a:rPr lang="en-US" b="1" dirty="0"/>
+              <a:t>Resources:</a:t>
+            </a:r>
+            <a:endParaRPr lang="en-US" dirty="0"/>
+          </a:p>
+          <a:p>
+            <a:pPr>
+              <a:buFont typeface="Arial" panose="020B0604020202020204" pitchFamily="34" charset="0"/>
+              <a:buChar char="•"/>
+            </a:pPr>
+            <a:r>
+              <a:rPr lang="en-US" dirty="0"/>
+              <a:t>OWASP guidelines on secure password storage and hashing best practices.</a:t>
+            </a:r>
+          </a:p>
+          <a:p>
+            <a:pPr>
+              <a:buFont typeface="Arial" panose="020B0604020202020204" pitchFamily="34" charset="0"/>
+              <a:buChar char="•"/>
+            </a:pPr>
+            <a:r>
+              <a:rPr lang="en-US" dirty="0"/>
+              <a:t>Online demos that allow students to see how different inputs yield unique hashes.</a:t>
+            </a:r>
+          </a:p>
+          <a:p>
+            <a:pPr>
+              <a:buNone/>
+            </a:pPr>
+            <a:r>
+              <a:rPr lang="en-US" b="1" dirty="0"/>
+              <a:t>Additional Reading (if applicable):</a:t>
+            </a:r>
+            <a:endParaRPr lang="en-US" dirty="0"/>
+          </a:p>
+          <a:p>
+            <a:pPr>
+              <a:buFont typeface="Arial" panose="020B0604020202020204" pitchFamily="34" charset="0"/>
+              <a:buChar char="•"/>
+            </a:pPr>
+            <a:r>
+              <a:rPr lang="en-US" dirty="0"/>
+              <a:t>In-depth articles that analyze modern hash functions versus older, vulnerable ones, plus comparisons and recommendations for best practices.</a:t>
+            </a:r>
+          </a:p>
+          <a:p>
+            <a:endParaRPr lang="hr-HR" dirty="0"/>
+          </a:p>
+        </p:txBody>
+      </p:sp>
+      <p:sp>
+        <p:nvSpPr>
+          <p:cNvPr id="4" name="Slide Number Placeholder 3"/>
+          <p:cNvSpPr>
+            <a:spLocks noGrp="1"/>
+          </p:cNvSpPr>
+          <p:nvPr>
+            <p:ph type="sldNum" sz="quarter" idx="5"/>
+          </p:nvPr>
+        </p:nvSpPr>
+        <p:spPr/>
+        <p:txBody>
+          <a:bodyPr/>
+          <a:lstStyle/>
+          <a:p>
+            <a:fld id="{90A064B2-EFF6-4760-BE09-0DEDA56827BE}" type="slidenum">
+              <a:rPr lang="hr-HR" smtClean="0"/>
+              <a:t>7</a:t>
+            </a:fld>
+            <a:endParaRPr lang="hr-HR"/>
+          </a:p>
+        </p:txBody>
+      </p:sp>
+    </p:spTree>
+    <p:extLst>
+      <p:ext uri="{BB962C8B-B14F-4D97-AF65-F5344CB8AC3E}">
+        <p14:creationId xmlns:p14="http://schemas.microsoft.com/office/powerpoint/2010/main" val="3772709612"/>
+      </p:ext>
+    </p:extLst>
+  </p:cSld>
+  <p:clrMapOvr>
+    <a:masterClrMapping/>
+  </p:clrMapOvr>
+</p:notes>
+</file>
+
+<file path=ppt/notesSlides/notesSlide7.xml><?xml version="1.0" encoding="utf-8"?>
+<p:notes xmlns:a="http://schemas.openxmlformats.org/drawingml/2006/main" xmlns:r="http://schemas.openxmlformats.org/officeDocument/2006/relationships" xmlns:p="http://schemas.openxmlformats.org/presentationml/2006/main">
+  <p:cSld>
+    <p:spTree>
+      <p:nvGrpSpPr>
+        <p:cNvPr id="1" name=""/>
+        <p:cNvGrpSpPr/>
+        <p:nvPr/>
+      </p:nvGrpSpPr>
+      <p:grpSpPr>
+        <a:xfrm>
+          <a:off x="0" y="0"/>
+          <a:ext cx="0" cy="0"/>
+          <a:chOff x="0" y="0"/>
+          <a:chExt cx="0" cy="0"/>
+        </a:xfrm>
+      </p:grpSpPr>
+      <p:sp>
+        <p:nvSpPr>
+          <p:cNvPr id="2" name="Slide Image Placeholder 1"/>
+          <p:cNvSpPr>
+            <a:spLocks noGrp="1" noRot="1" noChangeAspect="1"/>
+          </p:cNvSpPr>
+          <p:nvPr>
+            <p:ph type="sldImg"/>
+          </p:nvPr>
+        </p:nvSpPr>
+        <p:spPr/>
+      </p:sp>
+      <p:sp>
+        <p:nvSpPr>
+          <p:cNvPr id="3" name="Notes Placeholder 2"/>
+          <p:cNvSpPr>
+            <a:spLocks noGrp="1"/>
+          </p:cNvSpPr>
+          <p:nvPr>
+            <p:ph type="body" idx="1"/>
+          </p:nvPr>
+        </p:nvSpPr>
+        <p:spPr/>
+        <p:txBody>
+          <a:bodyPr/>
+          <a:lstStyle/>
+          <a:p>
+            <a:pPr>
+              <a:buNone/>
+            </a:pPr>
+            <a:r>
+              <a:rPr lang="en-US" b="1" dirty="0"/>
+              <a:t>Teacher Notes:</a:t>
+            </a:r>
+            <a:endParaRPr lang="en-US" dirty="0"/>
+          </a:p>
+          <a:p>
+            <a:pPr>
+              <a:buFont typeface="Arial" panose="020B0604020202020204" pitchFamily="34" charset="0"/>
+              <a:buChar char="•"/>
+            </a:pPr>
+            <a:r>
+              <a:rPr lang="en-US" dirty="0"/>
+              <a:t>Discuss the role of each security measure and how they complement each other to form a layered defense.</a:t>
+            </a:r>
+          </a:p>
+          <a:p>
+            <a:pPr>
+              <a:buFont typeface="Arial" panose="020B0604020202020204" pitchFamily="34" charset="0"/>
+              <a:buChar char="•"/>
+            </a:pPr>
+            <a:r>
+              <a:rPr lang="en-US" dirty="0"/>
+              <a:t>Introduce a discussion on emerging threats and how traditional measures need to evolve (e.g., next-generation firewalls, behavioral analysis in IDS).</a:t>
+            </a:r>
+          </a:p>
+          <a:p>
+            <a:pPr>
+              <a:buFont typeface="Arial" panose="020B0604020202020204" pitchFamily="34" charset="0"/>
+              <a:buChar char="•"/>
+            </a:pPr>
+            <a:r>
+              <a:rPr lang="en-US" dirty="0"/>
+              <a:t>Consider a case study analysis of a security breach that failed due to a lapse in one or more of these defenses.</a:t>
+            </a:r>
+          </a:p>
+          <a:p>
+            <a:pPr>
+              <a:buNone/>
+            </a:pPr>
+            <a:r>
+              <a:rPr lang="en-US" b="1" dirty="0"/>
+              <a:t>Resources:</a:t>
+            </a:r>
+            <a:endParaRPr lang="en-US" dirty="0"/>
+          </a:p>
+          <a:p>
+            <a:pPr>
+              <a:buFont typeface="Arial" panose="020B0604020202020204" pitchFamily="34" charset="0"/>
+              <a:buChar char="•"/>
+            </a:pPr>
+            <a:r>
+              <a:rPr lang="en-US" dirty="0"/>
+              <a:t>Whitepapers and technical briefings from cybersecurity firms that outline current threat landscapes.</a:t>
+            </a:r>
+          </a:p>
+          <a:p>
+            <a:pPr>
+              <a:buFont typeface="Arial" panose="020B0604020202020204" pitchFamily="34" charset="0"/>
+              <a:buChar char="•"/>
+            </a:pPr>
+            <a:r>
+              <a:rPr lang="en-US" dirty="0"/>
+              <a:t>Videos or recorded webinars that explore the functioning of firewalls and IDS/IPS in depth.</a:t>
+            </a:r>
+          </a:p>
+          <a:p>
+            <a:pPr>
+              <a:buNone/>
+            </a:pPr>
+            <a:r>
+              <a:rPr lang="en-US" b="1" dirty="0"/>
+              <a:t>Additional Reading (if applicable):</a:t>
+            </a:r>
+            <a:endParaRPr lang="en-US" dirty="0"/>
+          </a:p>
+          <a:p>
+            <a:pPr>
+              <a:buFont typeface="Arial" panose="020B0604020202020204" pitchFamily="34" charset="0"/>
+              <a:buChar char="•"/>
+            </a:pPr>
+            <a:r>
+              <a:rPr lang="en-US" dirty="0"/>
+              <a:t>Up-to-date research articles or industry reports on cyber threats and defenses—this can help spark advanced discussions on evolving security trends.</a:t>
+            </a:r>
+          </a:p>
+          <a:p>
+            <a:endParaRPr lang="hr-HR" dirty="0"/>
+          </a:p>
+        </p:txBody>
+      </p:sp>
+      <p:sp>
+        <p:nvSpPr>
+          <p:cNvPr id="4" name="Slide Number Placeholder 3"/>
+          <p:cNvSpPr>
+            <a:spLocks noGrp="1"/>
+          </p:cNvSpPr>
+          <p:nvPr>
+            <p:ph type="sldNum" sz="quarter" idx="5"/>
+          </p:nvPr>
+        </p:nvSpPr>
+        <p:spPr/>
+        <p:txBody>
+          <a:bodyPr/>
+          <a:lstStyle/>
+          <a:p>
+            <a:fld id="{90A064B2-EFF6-4760-BE09-0DEDA56827BE}" type="slidenum">
+              <a:rPr lang="hr-HR" smtClean="0"/>
+              <a:t>8</a:t>
+            </a:fld>
+            <a:endParaRPr lang="hr-HR"/>
+          </a:p>
+        </p:txBody>
+      </p:sp>
+    </p:spTree>
+    <p:extLst>
+      <p:ext uri="{BB962C8B-B14F-4D97-AF65-F5344CB8AC3E}">
+        <p14:creationId xmlns:p14="http://schemas.microsoft.com/office/powerpoint/2010/main" val="563307436"/>
+      </p:ext>
+    </p:extLst>
+  </p:cSld>
+  <p:clrMapOvr>
+    <a:masterClrMapping/>
+  </p:clrMapOvr>
+</p:notes>
+</file>
+
+<file path=ppt/notesSlides/notesSlide8.xml><?xml version="1.0" encoding="utf-8"?>
+<p:notes xmlns:a="http://schemas.openxmlformats.org/drawingml/2006/main" xmlns:r="http://schemas.openxmlformats.org/officeDocument/2006/relationships" xmlns:p="http://schemas.openxmlformats.org/presentationml/2006/main">
+  <p:cSld>
+    <p:spTree>
+      <p:nvGrpSpPr>
+        <p:cNvPr id="1" name=""/>
+        <p:cNvGrpSpPr/>
+        <p:nvPr/>
+      </p:nvGrpSpPr>
+      <p:grpSpPr>
+        <a:xfrm>
+          <a:off x="0" y="0"/>
+          <a:ext cx="0" cy="0"/>
+          <a:chOff x="0" y="0"/>
+          <a:chExt cx="0" cy="0"/>
+        </a:xfrm>
+      </p:grpSpPr>
+      <p:sp>
+        <p:nvSpPr>
+          <p:cNvPr id="2" name="Slide Image Placeholder 1"/>
+          <p:cNvSpPr>
+            <a:spLocks noGrp="1" noRot="1" noChangeAspect="1"/>
+          </p:cNvSpPr>
+          <p:nvPr>
+            <p:ph type="sldImg"/>
+          </p:nvPr>
+        </p:nvSpPr>
+        <p:spPr/>
+      </p:sp>
+      <p:sp>
+        <p:nvSpPr>
+          <p:cNvPr id="3" name="Notes Placeholder 2"/>
+          <p:cNvSpPr>
+            <a:spLocks noGrp="1"/>
+          </p:cNvSpPr>
+          <p:nvPr>
+            <p:ph type="body" idx="1"/>
+          </p:nvPr>
+        </p:nvSpPr>
+        <p:spPr/>
+        <p:txBody>
+          <a:bodyPr/>
+          <a:lstStyle/>
+          <a:p>
+            <a:pPr>
+              <a:buNone/>
+            </a:pPr>
+            <a:r>
+              <a:rPr lang="en-US" b="1" dirty="0"/>
+              <a:t>Teacher Notes:</a:t>
+            </a:r>
+            <a:endParaRPr lang="en-US" dirty="0"/>
+          </a:p>
+          <a:p>
+            <a:pPr>
+              <a:buFont typeface="Arial" panose="020B0604020202020204" pitchFamily="34" charset="0"/>
+              <a:buChar char="•"/>
+            </a:pPr>
+            <a:r>
+              <a:rPr lang="en-US" dirty="0"/>
+              <a:t>Outline the key components of legal frameworks like GDPR and how they enforce accountability through fines and public scrutiny.</a:t>
+            </a:r>
+          </a:p>
+          <a:p>
+            <a:pPr>
+              <a:buFont typeface="Arial" panose="020B0604020202020204" pitchFamily="34" charset="0"/>
+              <a:buChar char="•"/>
+            </a:pPr>
+            <a:r>
+              <a:rPr lang="en-US" dirty="0"/>
+              <a:t>Explain the importance of regular audits and continuous monitoring in maintaining compliance.</a:t>
+            </a:r>
+          </a:p>
+          <a:p>
+            <a:pPr>
+              <a:buFont typeface="Arial" panose="020B0604020202020204" pitchFamily="34" charset="0"/>
+              <a:buChar char="•"/>
+            </a:pPr>
+            <a:r>
+              <a:rPr lang="en-US" dirty="0"/>
+              <a:t>Discuss the global impact of such regulations and how organizations adapt their security practices accordingly.</a:t>
+            </a:r>
+          </a:p>
+          <a:p>
+            <a:pPr>
+              <a:buNone/>
+            </a:pPr>
+            <a:r>
+              <a:rPr lang="en-US" b="1" dirty="0"/>
+              <a:t>Resources:</a:t>
+            </a:r>
+            <a:endParaRPr lang="en-US" dirty="0"/>
+          </a:p>
+          <a:p>
+            <a:pPr>
+              <a:buFont typeface="Arial" panose="020B0604020202020204" pitchFamily="34" charset="0"/>
+              <a:buChar char="•"/>
+            </a:pPr>
+            <a:r>
+              <a:rPr lang="en-US" dirty="0"/>
+              <a:t>Official GDPR documentation and guidelines available from European data protection authorities.</a:t>
+            </a:r>
+          </a:p>
+          <a:p>
+            <a:pPr>
+              <a:buFont typeface="Arial" panose="020B0604020202020204" pitchFamily="34" charset="0"/>
+              <a:buChar char="•"/>
+            </a:pPr>
+            <a:r>
+              <a:rPr lang="en-US" dirty="0"/>
+              <a:t>Online courses or webinars on compliance, available from platforms like Coursera or edX, that focus on real-world applications.</a:t>
+            </a:r>
+          </a:p>
+          <a:p>
+            <a:pPr>
+              <a:buNone/>
+            </a:pPr>
+            <a:r>
+              <a:rPr lang="en-US" b="1" dirty="0"/>
+              <a:t>Additional Reading (if applicable):</a:t>
+            </a:r>
+            <a:endParaRPr lang="en-US" dirty="0"/>
+          </a:p>
+          <a:p>
+            <a:pPr>
+              <a:buFont typeface="Arial" panose="020B0604020202020204" pitchFamily="34" charset="0"/>
+              <a:buChar char="•"/>
+            </a:pPr>
+            <a:r>
+              <a:rPr lang="en-US" dirty="0"/>
+              <a:t>Detailed case studies or legal analyses on high-profile data breaches, including critical evaluations of the British Airways case, and resources on setting up robust compliance frameworks.</a:t>
+            </a:r>
+          </a:p>
+          <a:p>
+            <a:endParaRPr lang="hr-HR" dirty="0"/>
+          </a:p>
+        </p:txBody>
+      </p:sp>
+      <p:sp>
+        <p:nvSpPr>
+          <p:cNvPr id="4" name="Slide Number Placeholder 3"/>
+          <p:cNvSpPr>
+            <a:spLocks noGrp="1"/>
+          </p:cNvSpPr>
+          <p:nvPr>
+            <p:ph type="sldNum" sz="quarter" idx="5"/>
+          </p:nvPr>
+        </p:nvSpPr>
+        <p:spPr/>
+        <p:txBody>
+          <a:bodyPr/>
+          <a:lstStyle/>
+          <a:p>
+            <a:fld id="{90A064B2-EFF6-4760-BE09-0DEDA56827BE}" type="slidenum">
+              <a:rPr lang="hr-HR" smtClean="0"/>
+              <a:t>9</a:t>
+            </a:fld>
+            <a:endParaRPr lang="hr-HR"/>
+          </a:p>
+        </p:txBody>
+      </p:sp>
+    </p:spTree>
+    <p:extLst>
+      <p:ext uri="{BB962C8B-B14F-4D97-AF65-F5344CB8AC3E}">
+        <p14:creationId xmlns:p14="http://schemas.microsoft.com/office/powerpoint/2010/main" val="149049671"/>
+      </p:ext>
+    </p:extLst>
+  </p:cSld>
+  <p:clrMapOvr>
+    <a:masterClrMapping/>
+  </p:clrMapOvr>
+</p:notes>
 </file>
 
 <file path=ppt/slideLayouts/slideLayout1.xml><?xml version="1.0" encoding="utf-8"?>
@@ -2699,7 +4063,7 @@
           <a:p>
             <a:fld id="{6963B997-549E-41F4-A1E4-B0CF42B49EF1}" type="datetimeFigureOut">
               <a:rPr lang="hr-HR" smtClean="0"/>
-              <a:t>13.3.2025.</a:t>
+              <a:t>16.4.2025.</a:t>
             </a:fld>
             <a:endParaRPr lang="hr-HR"/>
           </a:p>
@@ -3868,7 +5232,7 @@
           <p:nvPr/>
         </p:nvPicPr>
         <p:blipFill>
-          <a:blip r:embed="rId2"/>
+          <a:blip r:embed="rId3"/>
           <a:stretch>
             <a:fillRect/>
           </a:stretch>
@@ -6116,7 +7480,7 @@
           <p:nvPr/>
         </p:nvPicPr>
         <p:blipFill>
-          <a:blip r:embed="rId2"/>
+          <a:blip r:embed="rId3"/>
           <a:stretch>
             <a:fillRect/>
           </a:stretch>
@@ -7371,7 +8735,7 @@
           <p:nvPr/>
         </p:nvPicPr>
         <p:blipFill>
-          <a:blip r:embed="rId2"/>
+          <a:blip r:embed="rId3"/>
           <a:stretch>
             <a:fillRect/>
           </a:stretch>

--- a/SHIFT4IT/security-and-privacy/security-and-privacy.pptx
+++ b/SHIFT4IT/security-and-privacy/security-and-privacy.pptx
@@ -5,18 +5,24 @@
     <p:sldMasterId id="2147483648" r:id="rId1"/>
   </p:sldMasterIdLst>
   <p:notesMasterIdLst>
-    <p:notesMasterId r:id="rId11"/>
+    <p:notesMasterId r:id="rId17"/>
   </p:notesMasterIdLst>
   <p:sldIdLst>
     <p:sldId id="256" r:id="rId2"/>
     <p:sldId id="262" r:id="rId3"/>
     <p:sldId id="263" r:id="rId4"/>
-    <p:sldId id="265" r:id="rId5"/>
-    <p:sldId id="266" r:id="rId6"/>
-    <p:sldId id="267" r:id="rId7"/>
-    <p:sldId id="268" r:id="rId8"/>
-    <p:sldId id="269" r:id="rId9"/>
-    <p:sldId id="271" r:id="rId10"/>
+    <p:sldId id="274" r:id="rId5"/>
+    <p:sldId id="265" r:id="rId6"/>
+    <p:sldId id="266" r:id="rId7"/>
+    <p:sldId id="275" r:id="rId8"/>
+    <p:sldId id="267" r:id="rId9"/>
+    <p:sldId id="272" r:id="rId10"/>
+    <p:sldId id="268" r:id="rId11"/>
+    <p:sldId id="276" r:id="rId12"/>
+    <p:sldId id="269" r:id="rId13"/>
+    <p:sldId id="271" r:id="rId14"/>
+    <p:sldId id="273" r:id="rId15"/>
+    <p:sldId id="277" r:id="rId16"/>
   </p:sldIdLst>
   <p:sldSz cx="12192000" cy="6858000"/>
   <p:notesSz cx="6858000" cy="9144000"/>
@@ -208,7 +214,7 @@
           <a:p>
             <a:fld id="{2C027FDF-D9AC-4497-8AF1-9347ACD4697E}" type="datetimeFigureOut">
               <a:rPr lang="hr-HR" smtClean="0"/>
-              <a:t>16.4.2025.</a:t>
+              <a:t>19.5.2025.</a:t>
             </a:fld>
             <a:endParaRPr lang="hr-HR"/>
           </a:p>
@@ -661,6 +667,204 @@
 </p:notes>
 </file>
 
+<file path=ppt/notesSlides/notesSlide10.xml><?xml version="1.0" encoding="utf-8"?>
+<p:notes xmlns:a="http://schemas.openxmlformats.org/drawingml/2006/main" xmlns:r="http://schemas.openxmlformats.org/officeDocument/2006/relationships" xmlns:p="http://schemas.openxmlformats.org/presentationml/2006/main">
+  <p:cSld>
+    <p:spTree>
+      <p:nvGrpSpPr>
+        <p:cNvPr id="1" name="">
+          <a:extLst>
+            <a:ext uri="{FF2B5EF4-FFF2-40B4-BE49-F238E27FC236}">
+              <a16:creationId xmlns:a16="http://schemas.microsoft.com/office/drawing/2014/main" id="{48115892-602A-66EC-2285-98B8757E065D}"/>
+            </a:ext>
+          </a:extLst>
+        </p:cNvPr>
+        <p:cNvGrpSpPr/>
+        <p:nvPr/>
+      </p:nvGrpSpPr>
+      <p:grpSpPr>
+        <a:xfrm>
+          <a:off x="0" y="0"/>
+          <a:ext cx="0" cy="0"/>
+          <a:chOff x="0" y="0"/>
+          <a:chExt cx="0" cy="0"/>
+        </a:xfrm>
+      </p:grpSpPr>
+      <p:sp>
+        <p:nvSpPr>
+          <p:cNvPr id="2" name="Slide Image Placeholder 1">
+            <a:extLst>
+              <a:ext uri="{FF2B5EF4-FFF2-40B4-BE49-F238E27FC236}">
+                <a16:creationId xmlns:a16="http://schemas.microsoft.com/office/drawing/2014/main" id="{18A1A1F4-2FC2-247C-9C6D-7B04F9999A37}"/>
+              </a:ext>
+            </a:extLst>
+          </p:cNvPr>
+          <p:cNvSpPr>
+            <a:spLocks noGrp="1" noRot="1" noChangeAspect="1"/>
+          </p:cNvSpPr>
+          <p:nvPr>
+            <p:ph type="sldImg"/>
+          </p:nvPr>
+        </p:nvSpPr>
+        <p:spPr/>
+      </p:sp>
+      <p:sp>
+        <p:nvSpPr>
+          <p:cNvPr id="3" name="Notes Placeholder 2">
+            <a:extLst>
+              <a:ext uri="{FF2B5EF4-FFF2-40B4-BE49-F238E27FC236}">
+                <a16:creationId xmlns:a16="http://schemas.microsoft.com/office/drawing/2014/main" id="{6F46F1A5-623A-DC50-F441-CF72BC7EECAA}"/>
+              </a:ext>
+            </a:extLst>
+          </p:cNvPr>
+          <p:cNvSpPr>
+            <a:spLocks noGrp="1"/>
+          </p:cNvSpPr>
+          <p:nvPr>
+            <p:ph type="body" idx="1"/>
+          </p:nvPr>
+        </p:nvSpPr>
+        <p:spPr/>
+        <p:txBody>
+          <a:bodyPr/>
+          <a:lstStyle/>
+          <a:p>
+            <a:pPr>
+              <a:buNone/>
+            </a:pPr>
+            <a:r>
+              <a:rPr lang="en-US" b="1" dirty="0"/>
+              <a:t>Teacher Notes:</a:t>
+            </a:r>
+            <a:endParaRPr lang="en-US" dirty="0"/>
+          </a:p>
+          <a:p>
+            <a:pPr>
+              <a:buFont typeface="Arial" panose="020B0604020202020204" pitchFamily="34" charset="0"/>
+              <a:buChar char="•"/>
+            </a:pPr>
+            <a:r>
+              <a:rPr lang="en-US" dirty="0"/>
+              <a:t>Outline the key components of legal frameworks like GDPR and how they enforce accountability through fines and public scrutiny.</a:t>
+            </a:r>
+          </a:p>
+          <a:p>
+            <a:pPr>
+              <a:buFont typeface="Arial" panose="020B0604020202020204" pitchFamily="34" charset="0"/>
+              <a:buChar char="•"/>
+            </a:pPr>
+            <a:r>
+              <a:rPr lang="en-US" dirty="0"/>
+              <a:t>Explain the importance of regular audits and continuous monitoring in maintaining compliance.</a:t>
+            </a:r>
+          </a:p>
+          <a:p>
+            <a:pPr>
+              <a:buFont typeface="Arial" panose="020B0604020202020204" pitchFamily="34" charset="0"/>
+              <a:buChar char="•"/>
+            </a:pPr>
+            <a:r>
+              <a:rPr lang="en-US" dirty="0"/>
+              <a:t>Discuss the global impact of such regulations and how organizations adapt their security practices accordingly.</a:t>
+            </a:r>
+          </a:p>
+          <a:p>
+            <a:pPr>
+              <a:buNone/>
+            </a:pPr>
+            <a:r>
+              <a:rPr lang="en-US" b="1" dirty="0"/>
+              <a:t>Resources:</a:t>
+            </a:r>
+            <a:endParaRPr lang="en-US" dirty="0"/>
+          </a:p>
+          <a:p>
+            <a:pPr>
+              <a:buFont typeface="Arial" panose="020B0604020202020204" pitchFamily="34" charset="0"/>
+              <a:buChar char="•"/>
+            </a:pPr>
+            <a:r>
+              <a:rPr lang="en-US" dirty="0"/>
+              <a:t>Official GDPR documentation and guidelines available from European data protection authorities.</a:t>
+            </a:r>
+          </a:p>
+          <a:p>
+            <a:pPr>
+              <a:buFont typeface="Arial" panose="020B0604020202020204" pitchFamily="34" charset="0"/>
+              <a:buChar char="•"/>
+            </a:pPr>
+            <a:r>
+              <a:rPr lang="en-US" dirty="0"/>
+              <a:t>Online courses or webinars on compliance, available from platforms like Coursera or edX, that focus on real-world applications.</a:t>
+            </a:r>
+          </a:p>
+          <a:p>
+            <a:pPr>
+              <a:buNone/>
+            </a:pPr>
+            <a:r>
+              <a:rPr lang="en-US" b="1" dirty="0"/>
+              <a:t>Additional Reading (if applicable):</a:t>
+            </a:r>
+            <a:endParaRPr lang="en-US" dirty="0"/>
+          </a:p>
+          <a:p>
+            <a:pPr>
+              <a:buFont typeface="Arial" panose="020B0604020202020204" pitchFamily="34" charset="0"/>
+              <a:buChar char="•"/>
+            </a:pPr>
+            <a:r>
+              <a:rPr lang="en-US" dirty="0"/>
+              <a:t>Detailed case studies or legal analyses on high-profile data breaches, including critical evaluations of the British Airways case, and resources on setting up robust compliance frameworks.</a:t>
+            </a:r>
+          </a:p>
+          <a:p>
+            <a:endParaRPr lang="hr-HR" dirty="0"/>
+          </a:p>
+        </p:txBody>
+      </p:sp>
+      <p:sp>
+        <p:nvSpPr>
+          <p:cNvPr id="4" name="Slide Number Placeholder 3">
+            <a:extLst>
+              <a:ext uri="{FF2B5EF4-FFF2-40B4-BE49-F238E27FC236}">
+                <a16:creationId xmlns:a16="http://schemas.microsoft.com/office/drawing/2014/main" id="{AC0A1B91-3090-61C0-55B5-B6CD3778AD47}"/>
+              </a:ext>
+            </a:extLst>
+          </p:cNvPr>
+          <p:cNvSpPr>
+            <a:spLocks noGrp="1"/>
+          </p:cNvSpPr>
+          <p:nvPr>
+            <p:ph type="sldNum" sz="quarter" idx="5"/>
+          </p:nvPr>
+        </p:nvSpPr>
+        <p:spPr/>
+        <p:txBody>
+          <a:bodyPr/>
+          <a:lstStyle/>
+          <a:p>
+            <a:fld id="{90A064B2-EFF6-4760-BE09-0DEDA56827BE}" type="slidenum">
+              <a:rPr lang="hr-HR" smtClean="0"/>
+              <a:t>14</a:t>
+            </a:fld>
+            <a:endParaRPr lang="hr-HR"/>
+          </a:p>
+        </p:txBody>
+      </p:sp>
+    </p:spTree>
+    <p:extLst>
+      <p:ext uri="{BB962C8B-B14F-4D97-AF65-F5344CB8AC3E}">
+        <p14:creationId xmlns:p14="http://schemas.microsoft.com/office/powerpoint/2010/main" val="3123174515"/>
+      </p:ext>
+    </p:extLst>
+  </p:cSld>
+  <p:clrMapOvr>
+    <a:masterClrMapping/>
+  </p:clrMapOvr>
+</p:notes>
+</file>
+
 <file path=ppt/notesSlides/notesSlide2.xml><?xml version="1.0" encoding="utf-8"?>
 <p:notes xmlns:a="http://schemas.openxmlformats.org/drawingml/2006/main" xmlns:r="http://schemas.openxmlformats.org/officeDocument/2006/relationships" xmlns:p="http://schemas.openxmlformats.org/presentationml/2006/main">
   <p:cSld>
@@ -971,7 +1175,7 @@
           <a:p>
             <a:fld id="{90A064B2-EFF6-4760-BE09-0DEDA56827BE}" type="slidenum">
               <a:rPr lang="hr-HR" smtClean="0"/>
-              <a:t>4</a:t>
+              <a:t>5</a:t>
             </a:fld>
             <a:endParaRPr lang="hr-HR"/>
           </a:p>
@@ -1135,7 +1339,7 @@
           <a:p>
             <a:fld id="{90A064B2-EFF6-4760-BE09-0DEDA56827BE}" type="slidenum">
               <a:rPr lang="hr-HR" smtClean="0"/>
-              <a:t>5</a:t>
+              <a:t>6</a:t>
             </a:fld>
             <a:endParaRPr lang="hr-HR"/>
           </a:p>
@@ -1299,7 +1503,7 @@
           <a:p>
             <a:fld id="{90A064B2-EFF6-4760-BE09-0DEDA56827BE}" type="slidenum">
               <a:rPr lang="hr-HR" smtClean="0"/>
-              <a:t>6</a:t>
+              <a:t>8</a:t>
             </a:fld>
             <a:endParaRPr lang="hr-HR"/>
           </a:p>
@@ -1323,7 +1527,13 @@
   <p:cSld>
     <p:spTree>
       <p:nvGrpSpPr>
-        <p:cNvPr id="1" name=""/>
+        <p:cNvPr id="1" name="">
+          <a:extLst>
+            <a:ext uri="{FF2B5EF4-FFF2-40B4-BE49-F238E27FC236}">
+              <a16:creationId xmlns:a16="http://schemas.microsoft.com/office/drawing/2014/main" id="{59A7D063-F9B4-E188-22AD-5D01C226A2D5}"/>
+            </a:ext>
+          </a:extLst>
+        </p:cNvPr>
         <p:cNvGrpSpPr/>
         <p:nvPr/>
       </p:nvGrpSpPr>
@@ -1337,7 +1547,13 @@
       </p:grpSpPr>
       <p:sp>
         <p:nvSpPr>
-          <p:cNvPr id="2" name="Slide Image Placeholder 1"/>
+          <p:cNvPr id="2" name="Slide Image Placeholder 1">
+            <a:extLst>
+              <a:ext uri="{FF2B5EF4-FFF2-40B4-BE49-F238E27FC236}">
+                <a16:creationId xmlns:a16="http://schemas.microsoft.com/office/drawing/2014/main" id="{5036C0C9-717F-CB13-EF80-385FC11DD46A}"/>
+              </a:ext>
+            </a:extLst>
+          </p:cNvPr>
           <p:cNvSpPr>
             <a:spLocks noGrp="1" noRot="1" noChangeAspect="1"/>
           </p:cNvSpPr>
@@ -1349,7 +1565,13 @@
       </p:sp>
       <p:sp>
         <p:nvSpPr>
-          <p:cNvPr id="3" name="Notes Placeholder 2"/>
+          <p:cNvPr id="3" name="Notes Placeholder 2">
+            <a:extLst>
+              <a:ext uri="{FF2B5EF4-FFF2-40B4-BE49-F238E27FC236}">
+                <a16:creationId xmlns:a16="http://schemas.microsoft.com/office/drawing/2014/main" id="{5BA70DF8-CA63-9820-2DC6-10B4D766C5E3}"/>
+              </a:ext>
+            </a:extLst>
+          </p:cNvPr>
           <p:cNvSpPr>
             <a:spLocks noGrp="1"/>
           </p:cNvSpPr>
@@ -1378,7 +1600,7 @@
             </a:pPr>
             <a:r>
               <a:rPr lang="en-US" dirty="0"/>
-              <a:t>Illustrate the concept of a one-way function by comparing hashing with reversible encryption.</a:t>
+              <a:t>Differentiate between the speed and efficiency of symmetric encryption versus the enhanced security (at the cost of speed) provided by asymmetric encryption.</a:t>
             </a:r>
           </a:p>
           <a:p>
@@ -1388,17 +1610,7 @@
             </a:pPr>
             <a:r>
               <a:rPr lang="en-US" dirty="0"/>
-              <a:t>Discuss why salting passwords is necessary to prevent attacks (e.g., rainbow tables).</a:t>
-            </a:r>
-          </a:p>
-          <a:p>
-            <a:pPr>
-              <a:buFont typeface="Arial" panose="020B0604020202020204" pitchFamily="34" charset="0"/>
-              <a:buChar char="•"/>
-            </a:pPr>
-            <a:r>
-              <a:rPr lang="en-US" dirty="0"/>
-              <a:t>Use real-world examples of how compromised hash functions in legacy systems led to security breaches.</a:t>
+              <a:t>Consider including a live demonstration or a simplified diagram that illustrates how public and private keys work together.</a:t>
             </a:r>
           </a:p>
           <a:p>
@@ -1418,7 +1630,7 @@
             </a:pPr>
             <a:r>
               <a:rPr lang="en-US" dirty="0"/>
-              <a:t>OWASP guidelines on secure password storage and hashing best practices.</a:t>
+              <a:t>Beginner-friendly online tutorials like “Crypto101” that clearly explain the basics of cryptography.</a:t>
             </a:r>
           </a:p>
           <a:p>
@@ -1428,7 +1640,7 @@
             </a:pPr>
             <a:r>
               <a:rPr lang="en-US" dirty="0"/>
-              <a:t>Online demos that allow students to see how different inputs yield unique hashes.</a:t>
+              <a:t>Interactive encryption tools or simulations available on educational websites to visualize encryption processes in real time.</a:t>
             </a:r>
           </a:p>
           <a:p>
@@ -1448,7 +1660,7 @@
             </a:pPr>
             <a:r>
               <a:rPr lang="en-US" dirty="0"/>
-              <a:t>In-depth articles that analyze modern hash functions versus older, vulnerable ones, plus comparisons and recommendations for best practices.</a:t>
+              <a:t>Articles or research papers discussing recent developments in encryption standards and the evolving security landscape regarding encryption practices.</a:t>
             </a:r>
           </a:p>
           <a:p>
@@ -1458,7 +1670,13 @@
       </p:sp>
       <p:sp>
         <p:nvSpPr>
-          <p:cNvPr id="4" name="Slide Number Placeholder 3"/>
+          <p:cNvPr id="4" name="Slide Number Placeholder 3">
+            <a:extLst>
+              <a:ext uri="{FF2B5EF4-FFF2-40B4-BE49-F238E27FC236}">
+                <a16:creationId xmlns:a16="http://schemas.microsoft.com/office/drawing/2014/main" id="{342C9F62-BB4F-4C39-842B-98BB835D39C5}"/>
+              </a:ext>
+            </a:extLst>
+          </p:cNvPr>
           <p:cNvSpPr>
             <a:spLocks noGrp="1"/>
           </p:cNvSpPr>
@@ -1473,7 +1691,7 @@
           <a:p>
             <a:fld id="{90A064B2-EFF6-4760-BE09-0DEDA56827BE}" type="slidenum">
               <a:rPr lang="hr-HR" smtClean="0"/>
-              <a:t>7</a:t>
+              <a:t>9</a:t>
             </a:fld>
             <a:endParaRPr lang="hr-HR"/>
           </a:p>
@@ -1482,7 +1700,7 @@
     </p:spTree>
     <p:extLst>
       <p:ext uri="{BB962C8B-B14F-4D97-AF65-F5344CB8AC3E}">
-        <p14:creationId xmlns:p14="http://schemas.microsoft.com/office/powerpoint/2010/main" val="3772709612"/>
+        <p14:creationId xmlns:p14="http://schemas.microsoft.com/office/powerpoint/2010/main" val="1962912697"/>
       </p:ext>
     </p:extLst>
   </p:cSld>
@@ -1552,7 +1770,7 @@
             </a:pPr>
             <a:r>
               <a:rPr lang="en-US" dirty="0"/>
-              <a:t>Discuss the role of each security measure and how they complement each other to form a layered defense.</a:t>
+              <a:t>Illustrate the concept of a one-way function by comparing hashing with reversible encryption.</a:t>
             </a:r>
           </a:p>
           <a:p>
@@ -1562,7 +1780,7 @@
             </a:pPr>
             <a:r>
               <a:rPr lang="en-US" dirty="0"/>
-              <a:t>Introduce a discussion on emerging threats and how traditional measures need to evolve (e.g., next-generation firewalls, behavioral analysis in IDS).</a:t>
+              <a:t>Discuss why salting passwords is necessary to prevent attacks (e.g., rainbow tables).</a:t>
             </a:r>
           </a:p>
           <a:p>
@@ -1572,7 +1790,7 @@
             </a:pPr>
             <a:r>
               <a:rPr lang="en-US" dirty="0"/>
-              <a:t>Consider a case study analysis of a security breach that failed due to a lapse in one or more of these defenses.</a:t>
+              <a:t>Use real-world examples of how compromised hash functions in legacy systems led to security breaches.</a:t>
             </a:r>
           </a:p>
           <a:p>
@@ -1592,7 +1810,7 @@
             </a:pPr>
             <a:r>
               <a:rPr lang="en-US" dirty="0"/>
-              <a:t>Whitepapers and technical briefings from cybersecurity firms that outline current threat landscapes.</a:t>
+              <a:t>OWASP guidelines on secure password storage and hashing best practices.</a:t>
             </a:r>
           </a:p>
           <a:p>
@@ -1602,7 +1820,7 @@
             </a:pPr>
             <a:r>
               <a:rPr lang="en-US" dirty="0"/>
-              <a:t>Videos or recorded webinars that explore the functioning of firewalls and IDS/IPS in depth.</a:t>
+              <a:t>Online demos that allow students to see how different inputs yield unique hashes.</a:t>
             </a:r>
           </a:p>
           <a:p>
@@ -1622,7 +1840,7 @@
             </a:pPr>
             <a:r>
               <a:rPr lang="en-US" dirty="0"/>
-              <a:t>Up-to-date research articles or industry reports on cyber threats and defenses—this can help spark advanced discussions on evolving security trends.</a:t>
+              <a:t>In-depth articles that analyze modern hash functions versus older, vulnerable ones, plus comparisons and recommendations for best practices.</a:t>
             </a:r>
           </a:p>
           <a:p>
@@ -1647,7 +1865,7 @@
           <a:p>
             <a:fld id="{90A064B2-EFF6-4760-BE09-0DEDA56827BE}" type="slidenum">
               <a:rPr lang="hr-HR" smtClean="0"/>
-              <a:t>8</a:t>
+              <a:t>10</a:t>
             </a:fld>
             <a:endParaRPr lang="hr-HR"/>
           </a:p>
@@ -1656,7 +1874,7 @@
     </p:spTree>
     <p:extLst>
       <p:ext uri="{BB962C8B-B14F-4D97-AF65-F5344CB8AC3E}">
-        <p14:creationId xmlns:p14="http://schemas.microsoft.com/office/powerpoint/2010/main" val="563307436"/>
+        <p14:creationId xmlns:p14="http://schemas.microsoft.com/office/powerpoint/2010/main" val="3772709612"/>
       </p:ext>
     </p:extLst>
   </p:cSld>
@@ -1726,7 +1944,7 @@
             </a:pPr>
             <a:r>
               <a:rPr lang="en-US" dirty="0"/>
-              <a:t>Outline the key components of legal frameworks like GDPR and how they enforce accountability through fines and public scrutiny.</a:t>
+              <a:t>Discuss the role of each security measure and how they complement each other to form a layered defense.</a:t>
             </a:r>
           </a:p>
           <a:p>
@@ -1736,7 +1954,7 @@
             </a:pPr>
             <a:r>
               <a:rPr lang="en-US" dirty="0"/>
-              <a:t>Explain the importance of regular audits and continuous monitoring in maintaining compliance.</a:t>
+              <a:t>Introduce a discussion on emerging threats and how traditional measures need to evolve (e.g., next-generation firewalls, behavioral analysis in IDS).</a:t>
             </a:r>
           </a:p>
           <a:p>
@@ -1746,7 +1964,7 @@
             </a:pPr>
             <a:r>
               <a:rPr lang="en-US" dirty="0"/>
-              <a:t>Discuss the global impact of such regulations and how organizations adapt their security practices accordingly.</a:t>
+              <a:t>Consider a case study analysis of a security breach that failed due to a lapse in one or more of these defenses.</a:t>
             </a:r>
           </a:p>
           <a:p>
@@ -1766,7 +1984,7 @@
             </a:pPr>
             <a:r>
               <a:rPr lang="en-US" dirty="0"/>
-              <a:t>Official GDPR documentation and guidelines available from European data protection authorities.</a:t>
+              <a:t>Whitepapers and technical briefings from cybersecurity firms that outline current threat landscapes.</a:t>
             </a:r>
           </a:p>
           <a:p>
@@ -1776,7 +1994,7 @@
             </a:pPr>
             <a:r>
               <a:rPr lang="en-US" dirty="0"/>
-              <a:t>Online courses or webinars on compliance, available from platforms like Coursera or edX, that focus on real-world applications.</a:t>
+              <a:t>Videos or recorded webinars that explore the functioning of firewalls and IDS/IPS in depth.</a:t>
             </a:r>
           </a:p>
           <a:p>
@@ -1796,7 +2014,7 @@
             </a:pPr>
             <a:r>
               <a:rPr lang="en-US" dirty="0"/>
-              <a:t>Detailed case studies or legal analyses on high-profile data breaches, including critical evaluations of the British Airways case, and resources on setting up robust compliance frameworks.</a:t>
+              <a:t>Up-to-date research articles or industry reports on cyber threats and defenses—this can help spark advanced discussions on evolving security trends.</a:t>
             </a:r>
           </a:p>
           <a:p>
@@ -1821,7 +2039,181 @@
           <a:p>
             <a:fld id="{90A064B2-EFF6-4760-BE09-0DEDA56827BE}" type="slidenum">
               <a:rPr lang="hr-HR" smtClean="0"/>
-              <a:t>9</a:t>
+              <a:t>12</a:t>
+            </a:fld>
+            <a:endParaRPr lang="hr-HR"/>
+          </a:p>
+        </p:txBody>
+      </p:sp>
+    </p:spTree>
+    <p:extLst>
+      <p:ext uri="{BB962C8B-B14F-4D97-AF65-F5344CB8AC3E}">
+        <p14:creationId xmlns:p14="http://schemas.microsoft.com/office/powerpoint/2010/main" val="563307436"/>
+      </p:ext>
+    </p:extLst>
+  </p:cSld>
+  <p:clrMapOvr>
+    <a:masterClrMapping/>
+  </p:clrMapOvr>
+</p:notes>
+</file>
+
+<file path=ppt/notesSlides/notesSlide9.xml><?xml version="1.0" encoding="utf-8"?>
+<p:notes xmlns:a="http://schemas.openxmlformats.org/drawingml/2006/main" xmlns:r="http://schemas.openxmlformats.org/officeDocument/2006/relationships" xmlns:p="http://schemas.openxmlformats.org/presentationml/2006/main">
+  <p:cSld>
+    <p:spTree>
+      <p:nvGrpSpPr>
+        <p:cNvPr id="1" name=""/>
+        <p:cNvGrpSpPr/>
+        <p:nvPr/>
+      </p:nvGrpSpPr>
+      <p:grpSpPr>
+        <a:xfrm>
+          <a:off x="0" y="0"/>
+          <a:ext cx="0" cy="0"/>
+          <a:chOff x="0" y="0"/>
+          <a:chExt cx="0" cy="0"/>
+        </a:xfrm>
+      </p:grpSpPr>
+      <p:sp>
+        <p:nvSpPr>
+          <p:cNvPr id="2" name="Slide Image Placeholder 1"/>
+          <p:cNvSpPr>
+            <a:spLocks noGrp="1" noRot="1" noChangeAspect="1"/>
+          </p:cNvSpPr>
+          <p:nvPr>
+            <p:ph type="sldImg"/>
+          </p:nvPr>
+        </p:nvSpPr>
+        <p:spPr/>
+      </p:sp>
+      <p:sp>
+        <p:nvSpPr>
+          <p:cNvPr id="3" name="Notes Placeholder 2"/>
+          <p:cNvSpPr>
+            <a:spLocks noGrp="1"/>
+          </p:cNvSpPr>
+          <p:nvPr>
+            <p:ph type="body" idx="1"/>
+          </p:nvPr>
+        </p:nvSpPr>
+        <p:spPr/>
+        <p:txBody>
+          <a:bodyPr/>
+          <a:lstStyle/>
+          <a:p>
+            <a:pPr>
+              <a:buNone/>
+            </a:pPr>
+            <a:r>
+              <a:rPr lang="en-US" b="1" dirty="0"/>
+              <a:t>Teacher Notes:</a:t>
+            </a:r>
+            <a:endParaRPr lang="en-US" dirty="0"/>
+          </a:p>
+          <a:p>
+            <a:pPr>
+              <a:buFont typeface="Arial" panose="020B0604020202020204" pitchFamily="34" charset="0"/>
+              <a:buChar char="•"/>
+            </a:pPr>
+            <a:r>
+              <a:rPr lang="en-US" dirty="0"/>
+              <a:t>Outline the key components of legal frameworks like GDPR and how they enforce accountability through fines and public scrutiny.</a:t>
+            </a:r>
+          </a:p>
+          <a:p>
+            <a:pPr>
+              <a:buFont typeface="Arial" panose="020B0604020202020204" pitchFamily="34" charset="0"/>
+              <a:buChar char="•"/>
+            </a:pPr>
+            <a:r>
+              <a:rPr lang="en-US" dirty="0"/>
+              <a:t>Explain the importance of regular audits and continuous monitoring in maintaining compliance.</a:t>
+            </a:r>
+          </a:p>
+          <a:p>
+            <a:pPr>
+              <a:buFont typeface="Arial" panose="020B0604020202020204" pitchFamily="34" charset="0"/>
+              <a:buChar char="•"/>
+            </a:pPr>
+            <a:r>
+              <a:rPr lang="en-US" dirty="0"/>
+              <a:t>Discuss the global impact of such regulations and how organizations adapt their security practices accordingly.</a:t>
+            </a:r>
+          </a:p>
+          <a:p>
+            <a:pPr>
+              <a:buNone/>
+            </a:pPr>
+            <a:r>
+              <a:rPr lang="en-US" b="1" dirty="0"/>
+              <a:t>Resources:</a:t>
+            </a:r>
+            <a:endParaRPr lang="en-US" dirty="0"/>
+          </a:p>
+          <a:p>
+            <a:pPr>
+              <a:buFont typeface="Arial" panose="020B0604020202020204" pitchFamily="34" charset="0"/>
+              <a:buChar char="•"/>
+            </a:pPr>
+            <a:r>
+              <a:rPr lang="en-US" dirty="0"/>
+              <a:t>Official GDPR documentation and guidelines available from European data protection authorities.</a:t>
+            </a:r>
+          </a:p>
+          <a:p>
+            <a:pPr>
+              <a:buFont typeface="Arial" panose="020B0604020202020204" pitchFamily="34" charset="0"/>
+              <a:buChar char="•"/>
+            </a:pPr>
+            <a:r>
+              <a:rPr lang="en-US" dirty="0"/>
+              <a:t>Online courses or webinars on compliance, available from platforms like Coursera or edX, that focus on real-world applications.</a:t>
+            </a:r>
+          </a:p>
+          <a:p>
+            <a:pPr>
+              <a:buNone/>
+            </a:pPr>
+            <a:r>
+              <a:rPr lang="en-US" b="1" dirty="0"/>
+              <a:t>Additional Reading (if applicable):</a:t>
+            </a:r>
+            <a:endParaRPr lang="en-US" dirty="0"/>
+          </a:p>
+          <a:p>
+            <a:pPr>
+              <a:buFont typeface="Arial" panose="020B0604020202020204" pitchFamily="34" charset="0"/>
+              <a:buChar char="•"/>
+            </a:pPr>
+            <a:r>
+              <a:rPr lang="en-US" dirty="0"/>
+              <a:t>Detailed case studies or legal analyses on high-profile data breaches, including critical evaluations of the British Airways case, and resources on setting up robust compliance frameworks.</a:t>
+            </a:r>
+          </a:p>
+          <a:p>
+            <a:endParaRPr lang="hr-HR" dirty="0"/>
+          </a:p>
+        </p:txBody>
+      </p:sp>
+      <p:sp>
+        <p:nvSpPr>
+          <p:cNvPr id="4" name="Slide Number Placeholder 3"/>
+          <p:cNvSpPr>
+            <a:spLocks noGrp="1"/>
+          </p:cNvSpPr>
+          <p:nvPr>
+            <p:ph type="sldNum" sz="quarter" idx="5"/>
+          </p:nvPr>
+        </p:nvSpPr>
+        <p:spPr/>
+        <p:txBody>
+          <a:bodyPr/>
+          <a:lstStyle/>
+          <a:p>
+            <a:fld id="{90A064B2-EFF6-4760-BE09-0DEDA56827BE}" type="slidenum">
+              <a:rPr lang="hr-HR" smtClean="0"/>
+              <a:t>13</a:t>
             </a:fld>
             <a:endParaRPr lang="hr-HR"/>
           </a:p>
@@ -4063,7 +4455,7 @@
           <a:p>
             <a:fld id="{6963B997-549E-41F4-A1E4-B0CF42B49EF1}" type="datetimeFigureOut">
               <a:rPr lang="hr-HR" smtClean="0"/>
-              <a:t>16.4.2025.</a:t>
+              <a:t>19.5.2025.</a:t>
             </a:fld>
             <a:endParaRPr lang="hr-HR"/>
           </a:p>
@@ -4505,10 +4897,14 @@
           <a:lstStyle/>
           <a:p>
             <a:r>
-              <a:rPr lang="en-US" dirty="0"/>
+              <a:rPr lang="en-US" dirty="0">
+                <a:latin typeface="Bahnschrift SemiLight" panose="020B0502040204020203" pitchFamily="34" charset="0"/>
+              </a:rPr>
               <a:t>SECURITY AND PRIVACY</a:t>
             </a:r>
-            <a:endParaRPr lang="hr-HR" dirty="0"/>
+            <a:endParaRPr lang="hr-HR" dirty="0">
+              <a:latin typeface="Bahnschrift SemiLight" panose="020B0502040204020203" pitchFamily="34" charset="0"/>
+            </a:endParaRPr>
           </a:p>
         </p:txBody>
       </p:sp>
@@ -4534,22 +4930,32 @@
           <a:lstStyle/>
           <a:p>
             <a:r>
-              <a:rPr lang="hr-HR" dirty="0"/>
+              <a:rPr lang="hr-HR" dirty="0">
+                <a:latin typeface="Bahnschrift SemiLight" panose="020B0502040204020203" pitchFamily="34" charset="0"/>
+              </a:rPr>
               <a:t>Data Security </a:t>
             </a:r>
             <a:r>
-              <a:rPr lang="hr-HR" dirty="0" err="1"/>
+              <a:rPr lang="hr-HR" dirty="0" err="1">
+                <a:latin typeface="Bahnschrift SemiLight" panose="020B0502040204020203" pitchFamily="34" charset="0"/>
+              </a:rPr>
               <a:t>and</a:t>
             </a:r>
             <a:r>
-              <a:rPr lang="hr-HR" dirty="0"/>
+              <a:rPr lang="hr-HR" dirty="0">
+                <a:latin typeface="Bahnschrift SemiLight" panose="020B0502040204020203" pitchFamily="34" charset="0"/>
+              </a:rPr>
               <a:t> </a:t>
             </a:r>
             <a:r>
-              <a:rPr lang="hr-HR" dirty="0" err="1"/>
+              <a:rPr lang="hr-HR" dirty="0" err="1">
+                <a:latin typeface="Bahnschrift SemiLight" panose="020B0502040204020203" pitchFamily="34" charset="0"/>
+              </a:rPr>
               <a:t>Privacy</a:t>
             </a:r>
-            <a:endParaRPr lang="en-US" dirty="0"/>
+            <a:endParaRPr lang="en-US" dirty="0">
+              <a:latin typeface="Bahnschrift SemiLight" panose="020B0502040204020203" pitchFamily="34" charset="0"/>
+            </a:endParaRPr>
           </a:p>
         </p:txBody>
       </p:sp>
@@ -4557,6 +4963,2299 @@
     <p:extLst>
       <p:ext uri="{BB962C8B-B14F-4D97-AF65-F5344CB8AC3E}">
         <p14:creationId xmlns:p14="http://schemas.microsoft.com/office/powerpoint/2010/main" val="495518943"/>
+      </p:ext>
+    </p:extLst>
+  </p:cSld>
+  <p:clrMapOvr>
+    <a:masterClrMapping/>
+  </p:clrMapOvr>
+</p:sld>
+</file>
+
+<file path=ppt/slides/slide10.xml><?xml version="1.0" encoding="utf-8"?>
+<p:sld xmlns:a="http://schemas.openxmlformats.org/drawingml/2006/main" xmlns:r="http://schemas.openxmlformats.org/officeDocument/2006/relationships" xmlns:p="http://schemas.openxmlformats.org/presentationml/2006/main">
+  <p:cSld>
+    <p:spTree>
+      <p:nvGrpSpPr>
+        <p:cNvPr id="1" name="">
+          <a:extLst>
+            <a:ext uri="{FF2B5EF4-FFF2-40B4-BE49-F238E27FC236}">
+              <a16:creationId xmlns:a16="http://schemas.microsoft.com/office/drawing/2014/main" id="{71000F6E-6867-2704-2EE6-4BD1CF1C5728}"/>
+            </a:ext>
+          </a:extLst>
+        </p:cNvPr>
+        <p:cNvGrpSpPr/>
+        <p:nvPr/>
+      </p:nvGrpSpPr>
+      <p:grpSpPr>
+        <a:xfrm>
+          <a:off x="0" y="0"/>
+          <a:ext cx="0" cy="0"/>
+          <a:chOff x="0" y="0"/>
+          <a:chExt cx="0" cy="0"/>
+        </a:xfrm>
+      </p:grpSpPr>
+      <p:sp>
+        <p:nvSpPr>
+          <p:cNvPr id="3" name="Title 2">
+            <a:extLst>
+              <a:ext uri="{FF2B5EF4-FFF2-40B4-BE49-F238E27FC236}">
+                <a16:creationId xmlns:a16="http://schemas.microsoft.com/office/drawing/2014/main" id="{C5FC1B31-6E31-6780-92A6-1739D60FF10F}"/>
+              </a:ext>
+            </a:extLst>
+          </p:cNvPr>
+          <p:cNvSpPr>
+            <a:spLocks noGrp="1"/>
+          </p:cNvSpPr>
+          <p:nvPr>
+            <p:ph type="title"/>
+          </p:nvPr>
+        </p:nvSpPr>
+        <p:spPr>
+          <a:xfrm>
+            <a:off x="838200" y="358775"/>
+            <a:ext cx="10515600" cy="1325563"/>
+          </a:xfrm>
+        </p:spPr>
+        <p:txBody>
+          <a:bodyPr/>
+          <a:lstStyle/>
+          <a:p>
+            <a:r>
+              <a:rPr lang="hr-HR" dirty="0"/>
+              <a:t>SECURITY AND PRIVACY</a:t>
+            </a:r>
+            <a:r>
+              <a:rPr lang="en-US" dirty="0"/>
+              <a:t> - HASHING </a:t>
+            </a:r>
+            <a:endParaRPr lang="hr-HR" dirty="0"/>
+          </a:p>
+        </p:txBody>
+      </p:sp>
+      <p:sp>
+        <p:nvSpPr>
+          <p:cNvPr id="4" name="Content Placeholder 2">
+            <a:extLst>
+              <a:ext uri="{FF2B5EF4-FFF2-40B4-BE49-F238E27FC236}">
+                <a16:creationId xmlns:a16="http://schemas.microsoft.com/office/drawing/2014/main" id="{379BB945-0ADA-FCA7-990A-55791F4D766F}"/>
+              </a:ext>
+            </a:extLst>
+          </p:cNvPr>
+          <p:cNvSpPr txBox="1">
+            <a:spLocks/>
+          </p:cNvSpPr>
+          <p:nvPr/>
+        </p:nvSpPr>
+        <p:spPr>
+          <a:xfrm>
+            <a:off x="977900" y="2038350"/>
+            <a:ext cx="10572750" cy="4667250"/>
+          </a:xfrm>
+          <a:prstGeom prst="rect">
+            <a:avLst/>
+          </a:prstGeom>
+        </p:spPr>
+        <p:txBody>
+          <a:bodyPr vert="horz" lIns="91440" tIns="45720" rIns="91440" bIns="45720" rtlCol="0">
+            <a:normAutofit/>
+          </a:bodyPr>
+          <a:lstStyle>
+            <a:lvl1pPr marL="368300" indent="-352425" algn="l" defTabSz="914400" rtl="0" eaLnBrk="1" latinLnBrk="0" hangingPunct="1">
+              <a:lnSpc>
+                <a:spcPct val="90000"/>
+              </a:lnSpc>
+              <a:spcBef>
+                <a:spcPts val="600"/>
+              </a:spcBef>
+              <a:spcAft>
+                <a:spcPts val="600"/>
+              </a:spcAft>
+              <a:buClr>
+                <a:schemeClr val="accent2"/>
+              </a:buClr>
+              <a:buFont typeface="Wingdings" pitchFamily="2" charset="2"/>
+              <a:buChar char="§"/>
+              <a:tabLst/>
+              <a:defRPr sz="2400" kern="1200">
+                <a:solidFill>
+                  <a:schemeClr val="tx1"/>
+                </a:solidFill>
+                <a:latin typeface="+mn-lt"/>
+                <a:ea typeface="Open Sans" panose="020B0606030504020204" pitchFamily="34" charset="0"/>
+                <a:cs typeface="Open Sans" panose="020B0606030504020204" pitchFamily="34" charset="0"/>
+              </a:defRPr>
+            </a:lvl1pPr>
+            <a:lvl2pPr marL="771525" indent="-274638" algn="l" defTabSz="914400" rtl="0" eaLnBrk="1" latinLnBrk="0" hangingPunct="1">
+              <a:lnSpc>
+                <a:spcPct val="90000"/>
+              </a:lnSpc>
+              <a:spcBef>
+                <a:spcPts val="600"/>
+              </a:spcBef>
+              <a:spcAft>
+                <a:spcPts val="600"/>
+              </a:spcAft>
+              <a:buClr>
+                <a:schemeClr val="accent2"/>
+              </a:buClr>
+              <a:buFont typeface="Wingdings" pitchFamily="2" charset="2"/>
+              <a:buChar char="§"/>
+              <a:tabLst/>
+              <a:defRPr sz="2200" kern="1200">
+                <a:solidFill>
+                  <a:schemeClr val="tx1"/>
+                </a:solidFill>
+                <a:latin typeface="+mn-lt"/>
+                <a:ea typeface="Open Sans" panose="020B0606030504020204" pitchFamily="34" charset="0"/>
+                <a:cs typeface="Open Sans" panose="020B0606030504020204" pitchFamily="34" charset="0"/>
+              </a:defRPr>
+            </a:lvl2pPr>
+            <a:lvl3pPr marL="1143000" indent="-228600" algn="l" defTabSz="914400" rtl="0" eaLnBrk="1" latinLnBrk="0" hangingPunct="1">
+              <a:lnSpc>
+                <a:spcPct val="90000"/>
+              </a:lnSpc>
+              <a:spcBef>
+                <a:spcPts val="600"/>
+              </a:spcBef>
+              <a:spcAft>
+                <a:spcPts val="600"/>
+              </a:spcAft>
+              <a:buClr>
+                <a:schemeClr val="accent2"/>
+              </a:buClr>
+              <a:buFont typeface="Wingdings" pitchFamily="2" charset="2"/>
+              <a:buChar char="§"/>
+              <a:defRPr sz="2000" kern="1200">
+                <a:solidFill>
+                  <a:schemeClr val="tx1"/>
+                </a:solidFill>
+                <a:latin typeface="+mn-lt"/>
+                <a:ea typeface="Open Sans" panose="020B0606030504020204" pitchFamily="34" charset="0"/>
+                <a:cs typeface="Open Sans" panose="020B0606030504020204" pitchFamily="34" charset="0"/>
+              </a:defRPr>
+            </a:lvl3pPr>
+            <a:lvl4pPr marL="1600200" indent="-228600" algn="l" defTabSz="914400" rtl="0" eaLnBrk="1" latinLnBrk="0" hangingPunct="1">
+              <a:lnSpc>
+                <a:spcPct val="90000"/>
+              </a:lnSpc>
+              <a:spcBef>
+                <a:spcPts val="600"/>
+              </a:spcBef>
+              <a:spcAft>
+                <a:spcPts val="600"/>
+              </a:spcAft>
+              <a:buClr>
+                <a:schemeClr val="accent2"/>
+              </a:buClr>
+              <a:buFont typeface="Wingdings" pitchFamily="2" charset="2"/>
+              <a:buChar char="§"/>
+              <a:defRPr sz="1800" kern="1200">
+                <a:solidFill>
+                  <a:schemeClr val="tx1"/>
+                </a:solidFill>
+                <a:latin typeface="+mn-lt"/>
+                <a:ea typeface="Open Sans" panose="020B0606030504020204" pitchFamily="34" charset="0"/>
+                <a:cs typeface="Open Sans" panose="020B0606030504020204" pitchFamily="34" charset="0"/>
+              </a:defRPr>
+            </a:lvl4pPr>
+            <a:lvl5pPr marL="1960563" indent="-225425" algn="l" defTabSz="914400" rtl="0" eaLnBrk="1" latinLnBrk="0" hangingPunct="1">
+              <a:lnSpc>
+                <a:spcPct val="90000"/>
+              </a:lnSpc>
+              <a:spcBef>
+                <a:spcPts val="600"/>
+              </a:spcBef>
+              <a:spcAft>
+                <a:spcPts val="600"/>
+              </a:spcAft>
+              <a:buClr>
+                <a:schemeClr val="accent2"/>
+              </a:buClr>
+              <a:buFont typeface="Wingdings" pitchFamily="2" charset="2"/>
+              <a:buChar char="§"/>
+              <a:tabLst/>
+              <a:defRPr sz="1600" kern="1200">
+                <a:solidFill>
+                  <a:schemeClr val="tx1"/>
+                </a:solidFill>
+                <a:latin typeface="+mn-lt"/>
+                <a:ea typeface="Open Sans" panose="020B0606030504020204" pitchFamily="34" charset="0"/>
+                <a:cs typeface="Open Sans" panose="020B0606030504020204" pitchFamily="34" charset="0"/>
+              </a:defRPr>
+            </a:lvl5pPr>
+            <a:lvl6pPr marL="2514600" indent="-228600" algn="l" defTabSz="914400" rtl="0" eaLnBrk="1" latinLnBrk="0" hangingPunct="1">
+              <a:lnSpc>
+                <a:spcPct val="90000"/>
+              </a:lnSpc>
+              <a:spcBef>
+                <a:spcPts val="500"/>
+              </a:spcBef>
+              <a:buFont typeface="Arial" panose="020B0604020202020204" pitchFamily="34" charset="0"/>
+              <a:buChar char="•"/>
+              <a:defRPr sz="1800" kern="1200">
+                <a:solidFill>
+                  <a:schemeClr val="tx1"/>
+                </a:solidFill>
+                <a:latin typeface="+mn-lt"/>
+                <a:ea typeface="+mn-ea"/>
+                <a:cs typeface="+mn-cs"/>
+              </a:defRPr>
+            </a:lvl6pPr>
+            <a:lvl7pPr marL="2971800" indent="-228600" algn="l" defTabSz="914400" rtl="0" eaLnBrk="1" latinLnBrk="0" hangingPunct="1">
+              <a:lnSpc>
+                <a:spcPct val="90000"/>
+              </a:lnSpc>
+              <a:spcBef>
+                <a:spcPts val="500"/>
+              </a:spcBef>
+              <a:buFont typeface="Arial" panose="020B0604020202020204" pitchFamily="34" charset="0"/>
+              <a:buChar char="•"/>
+              <a:defRPr sz="1800" kern="1200">
+                <a:solidFill>
+                  <a:schemeClr val="tx1"/>
+                </a:solidFill>
+                <a:latin typeface="+mn-lt"/>
+                <a:ea typeface="+mn-ea"/>
+                <a:cs typeface="+mn-cs"/>
+              </a:defRPr>
+            </a:lvl7pPr>
+            <a:lvl8pPr marL="3429000" indent="-228600" algn="l" defTabSz="914400" rtl="0" eaLnBrk="1" latinLnBrk="0" hangingPunct="1">
+              <a:lnSpc>
+                <a:spcPct val="90000"/>
+              </a:lnSpc>
+              <a:spcBef>
+                <a:spcPts val="500"/>
+              </a:spcBef>
+              <a:buFont typeface="Arial" panose="020B0604020202020204" pitchFamily="34" charset="0"/>
+              <a:buChar char="•"/>
+              <a:defRPr sz="1800" kern="1200">
+                <a:solidFill>
+                  <a:schemeClr val="tx1"/>
+                </a:solidFill>
+                <a:latin typeface="+mn-lt"/>
+                <a:ea typeface="+mn-ea"/>
+                <a:cs typeface="+mn-cs"/>
+              </a:defRPr>
+            </a:lvl8pPr>
+            <a:lvl9pPr marL="3886200" indent="-228600" algn="l" defTabSz="914400" rtl="0" eaLnBrk="1" latinLnBrk="0" hangingPunct="1">
+              <a:lnSpc>
+                <a:spcPct val="90000"/>
+              </a:lnSpc>
+              <a:spcBef>
+                <a:spcPts val="500"/>
+              </a:spcBef>
+              <a:buFont typeface="Arial" panose="020B0604020202020204" pitchFamily="34" charset="0"/>
+              <a:buChar char="•"/>
+              <a:defRPr sz="1800" kern="1200">
+                <a:solidFill>
+                  <a:schemeClr val="tx1"/>
+                </a:solidFill>
+                <a:latin typeface="+mn-lt"/>
+                <a:ea typeface="+mn-ea"/>
+                <a:cs typeface="+mn-cs"/>
+              </a:defRPr>
+            </a:lvl9pPr>
+          </a:lstStyle>
+          <a:p>
+            <a:pPr>
+              <a:buFont typeface="Arial" panose="020B0604020202020204" pitchFamily="34" charset="0"/>
+              <a:buChar char="•"/>
+            </a:pPr>
+            <a:r>
+              <a:rPr lang="en-US" dirty="0">
+                <a:latin typeface="Bahnschrift SemiLight" panose="020B0502040204020203" pitchFamily="34" charset="0"/>
+              </a:rPr>
+              <a:t>Converts data into a fixed-size value (hash) to verify integrity.</a:t>
+            </a:r>
+          </a:p>
+          <a:p>
+            <a:pPr>
+              <a:buFont typeface="Arial" panose="020B0604020202020204" pitchFamily="34" charset="0"/>
+              <a:buChar char="•"/>
+            </a:pPr>
+            <a:r>
+              <a:rPr lang="en-US" dirty="0">
+                <a:latin typeface="Bahnschrift SemiLight" panose="020B0502040204020203" pitchFamily="34" charset="0"/>
+              </a:rPr>
+              <a:t>One-way process — data cannot be recovered from the hash.</a:t>
+            </a:r>
+          </a:p>
+          <a:p>
+            <a:pPr>
+              <a:buFont typeface="Arial" panose="020B0604020202020204" pitchFamily="34" charset="0"/>
+              <a:buChar char="•"/>
+            </a:pPr>
+            <a:r>
+              <a:rPr lang="en-US" dirty="0">
+                <a:latin typeface="Bahnschrift SemiLight" panose="020B0502040204020203" pitchFamily="34" charset="0"/>
+              </a:rPr>
+              <a:t>Example: SHA-256 (Secure Hash Algorithm)</a:t>
+            </a:r>
+          </a:p>
+          <a:p>
+            <a:pPr>
+              <a:buFont typeface="Arial" panose="020B0604020202020204" pitchFamily="34" charset="0"/>
+              <a:buChar char="•"/>
+            </a:pPr>
+            <a:r>
+              <a:rPr lang="hr-HR" dirty="0">
+                <a:latin typeface="Bahnschrift SemiLight" panose="020B0502040204020203" pitchFamily="34" charset="0"/>
+              </a:rPr>
+              <a:t>✅</a:t>
+            </a:r>
+            <a:r>
+              <a:rPr lang="en-US" dirty="0">
+                <a:latin typeface="Bahnschrift SemiLight" panose="020B0502040204020203" pitchFamily="34" charset="0"/>
+              </a:rPr>
+              <a:t> Ensures that data has not been altered</a:t>
+            </a:r>
+          </a:p>
+          <a:p>
+            <a:pPr>
+              <a:buFont typeface="Arial" panose="020B0604020202020204" pitchFamily="34" charset="0"/>
+              <a:buChar char="•"/>
+            </a:pPr>
+            <a:r>
+              <a:rPr lang="hr-HR" dirty="0">
+                <a:latin typeface="Bahnschrift SemiLight" panose="020B0502040204020203" pitchFamily="34" charset="0"/>
+              </a:rPr>
+              <a:t>✅</a:t>
+            </a:r>
+            <a:r>
+              <a:rPr lang="en-US" dirty="0">
+                <a:latin typeface="Bahnschrift SemiLight" panose="020B0502040204020203" pitchFamily="34" charset="0"/>
+              </a:rPr>
+              <a:t> Used for storing passwords securely</a:t>
+            </a:r>
+            <a:br>
+              <a:rPr lang="en-US" dirty="0">
+                <a:latin typeface="Bahnschrift SemiLight" panose="020B0502040204020203" pitchFamily="34" charset="0"/>
+              </a:rPr>
+            </a:br>
+            <a:endParaRPr lang="en-US" dirty="0">
+              <a:latin typeface="Bahnschrift SemiLight" panose="020B0502040204020203" pitchFamily="34" charset="0"/>
+            </a:endParaRPr>
+          </a:p>
+          <a:p>
+            <a:pPr>
+              <a:buFont typeface="Arial" panose="020B0604020202020204" pitchFamily="34" charset="0"/>
+              <a:buChar char="•"/>
+            </a:pPr>
+            <a:r>
+              <a:rPr lang="en-US" dirty="0">
+                <a:latin typeface="Bahnschrift SemiLight" panose="020B0502040204020203" pitchFamily="34" charset="0"/>
+              </a:rPr>
+              <a:t>Example: Websites store a hash of the password instead of the actual password — even if the hash is exposed, the password remains secure.</a:t>
+            </a:r>
+          </a:p>
+          <a:p>
+            <a:pPr>
+              <a:buFont typeface="Arial" panose="020B0604020202020204" pitchFamily="34" charset="0"/>
+              <a:buChar char="•"/>
+            </a:pPr>
+            <a:endParaRPr lang="en-US" dirty="0">
+              <a:latin typeface="Bahnschrift SemiLight" panose="020B0502040204020203" pitchFamily="34" charset="0"/>
+            </a:endParaRPr>
+          </a:p>
+        </p:txBody>
+      </p:sp>
+    </p:spTree>
+    <p:extLst>
+      <p:ext uri="{BB962C8B-B14F-4D97-AF65-F5344CB8AC3E}">
+        <p14:creationId xmlns:p14="http://schemas.microsoft.com/office/powerpoint/2010/main" val="2384248119"/>
+      </p:ext>
+    </p:extLst>
+  </p:cSld>
+  <p:clrMapOvr>
+    <a:masterClrMapping/>
+  </p:clrMapOvr>
+</p:sld>
+</file>
+
+<file path=ppt/slides/slide11.xml><?xml version="1.0" encoding="utf-8"?>
+<p:sld xmlns:a="http://schemas.openxmlformats.org/drawingml/2006/main" xmlns:r="http://schemas.openxmlformats.org/officeDocument/2006/relationships" xmlns:p="http://schemas.openxmlformats.org/presentationml/2006/main">
+  <p:cSld>
+    <p:spTree>
+      <p:nvGrpSpPr>
+        <p:cNvPr id="1" name="">
+          <a:extLst>
+            <a:ext uri="{FF2B5EF4-FFF2-40B4-BE49-F238E27FC236}">
+              <a16:creationId xmlns:a16="http://schemas.microsoft.com/office/drawing/2014/main" id="{5EB345F7-04BA-DCF5-8400-47A18ED4FD20}"/>
+            </a:ext>
+          </a:extLst>
+        </p:cNvPr>
+        <p:cNvGrpSpPr/>
+        <p:nvPr/>
+      </p:nvGrpSpPr>
+      <p:grpSpPr>
+        <a:xfrm>
+          <a:off x="0" y="0"/>
+          <a:ext cx="0" cy="0"/>
+          <a:chOff x="0" y="0"/>
+          <a:chExt cx="0" cy="0"/>
+        </a:xfrm>
+      </p:grpSpPr>
+      <p:sp>
+        <p:nvSpPr>
+          <p:cNvPr id="6" name="Title 5">
+            <a:extLst>
+              <a:ext uri="{FF2B5EF4-FFF2-40B4-BE49-F238E27FC236}">
+                <a16:creationId xmlns:a16="http://schemas.microsoft.com/office/drawing/2014/main" id="{2D8D655C-AC9C-8FA1-8F00-58D0D7397321}"/>
+              </a:ext>
+            </a:extLst>
+          </p:cNvPr>
+          <p:cNvSpPr>
+            <a:spLocks noGrp="1"/>
+          </p:cNvSpPr>
+          <p:nvPr>
+            <p:ph type="title"/>
+          </p:nvPr>
+        </p:nvSpPr>
+        <p:spPr/>
+        <p:txBody>
+          <a:bodyPr/>
+          <a:lstStyle/>
+          <a:p>
+            <a:endParaRPr lang="hr-HR"/>
+          </a:p>
+        </p:txBody>
+      </p:sp>
+      <p:sp>
+        <p:nvSpPr>
+          <p:cNvPr id="7" name="Content Placeholder 6">
+            <a:extLst>
+              <a:ext uri="{FF2B5EF4-FFF2-40B4-BE49-F238E27FC236}">
+                <a16:creationId xmlns:a16="http://schemas.microsoft.com/office/drawing/2014/main" id="{D75CC7F7-4A57-F4A3-BA5B-4285CF4FBB93}"/>
+              </a:ext>
+            </a:extLst>
+          </p:cNvPr>
+          <p:cNvSpPr>
+            <a:spLocks noGrp="1"/>
+          </p:cNvSpPr>
+          <p:nvPr>
+            <p:ph idx="1"/>
+          </p:nvPr>
+        </p:nvSpPr>
+        <p:spPr/>
+        <p:txBody>
+          <a:bodyPr>
+            <a:normAutofit fontScale="92500" lnSpcReduction="10000"/>
+          </a:bodyPr>
+          <a:lstStyle/>
+          <a:p>
+            <a:pPr>
+              <a:buFont typeface="Arial" panose="020B0604020202020204" pitchFamily="34" charset="0"/>
+              <a:buChar char="•"/>
+            </a:pPr>
+            <a:r>
+              <a:rPr lang="en-US" dirty="0"/>
+              <a:t>OWASP guidelines on secure password storage and hashing best practices.</a:t>
+            </a:r>
+          </a:p>
+          <a:p>
+            <a:pPr>
+              <a:buFont typeface="Arial" panose="020B0604020202020204" pitchFamily="34" charset="0"/>
+              <a:buChar char="•"/>
+            </a:pPr>
+            <a:r>
+              <a:rPr lang="en-US" dirty="0"/>
+              <a:t>Online demos that allow students to see how different inputs yield unique hashes.</a:t>
+            </a:r>
+          </a:p>
+          <a:p>
+            <a:pPr>
+              <a:buFont typeface="Arial" panose="020B0604020202020204" pitchFamily="34" charset="0"/>
+              <a:buChar char="•"/>
+            </a:pPr>
+            <a:r>
+              <a:rPr lang="en-US" dirty="0"/>
+              <a:t>In-depth articles that analyze modern hash functions versus older, vulnerable ones, plus comparisons and recommendations for best practices.</a:t>
+            </a:r>
+          </a:p>
+          <a:p>
+            <a:pPr>
+              <a:buFont typeface="Arial" panose="020B0604020202020204" pitchFamily="34" charset="0"/>
+              <a:buChar char="•"/>
+            </a:pPr>
+            <a:r>
+              <a:rPr lang="en-US" dirty="0"/>
+              <a:t>Beginner-friendly online tutorials like “Crypto101” that clearly explain the basics of cryptography.</a:t>
+            </a:r>
+          </a:p>
+          <a:p>
+            <a:pPr>
+              <a:buFont typeface="Arial" panose="020B0604020202020204" pitchFamily="34" charset="0"/>
+              <a:buChar char="•"/>
+            </a:pPr>
+            <a:r>
+              <a:rPr lang="en-US" dirty="0"/>
+              <a:t>Interactive encryption tools or simulations available on educational websites to visualize encryption processes in real time.</a:t>
+            </a:r>
+          </a:p>
+          <a:p>
+            <a:pPr>
+              <a:buFont typeface="Arial" panose="020B0604020202020204" pitchFamily="34" charset="0"/>
+              <a:buChar char="•"/>
+            </a:pPr>
+            <a:endParaRPr lang="en-US" dirty="0"/>
+          </a:p>
+        </p:txBody>
+      </p:sp>
+    </p:spTree>
+    <p:extLst>
+      <p:ext uri="{BB962C8B-B14F-4D97-AF65-F5344CB8AC3E}">
+        <p14:creationId xmlns:p14="http://schemas.microsoft.com/office/powerpoint/2010/main" val="174679655"/>
+      </p:ext>
+    </p:extLst>
+  </p:cSld>
+  <p:clrMapOvr>
+    <a:masterClrMapping/>
+  </p:clrMapOvr>
+</p:sld>
+</file>
+
+<file path=ppt/slides/slide12.xml><?xml version="1.0" encoding="utf-8"?>
+<p:sld xmlns:a="http://schemas.openxmlformats.org/drawingml/2006/main" xmlns:r="http://schemas.openxmlformats.org/officeDocument/2006/relationships" xmlns:p="http://schemas.openxmlformats.org/presentationml/2006/main">
+  <p:cSld>
+    <p:spTree>
+      <p:nvGrpSpPr>
+        <p:cNvPr id="1" name="">
+          <a:extLst>
+            <a:ext uri="{FF2B5EF4-FFF2-40B4-BE49-F238E27FC236}">
+              <a16:creationId xmlns:a16="http://schemas.microsoft.com/office/drawing/2014/main" id="{6E931566-1BFA-23AA-7C2A-E6E26017D056}"/>
+            </a:ext>
+          </a:extLst>
+        </p:cNvPr>
+        <p:cNvGrpSpPr/>
+        <p:nvPr/>
+      </p:nvGrpSpPr>
+      <p:grpSpPr>
+        <a:xfrm>
+          <a:off x="0" y="0"/>
+          <a:ext cx="0" cy="0"/>
+          <a:chOff x="0" y="0"/>
+          <a:chExt cx="0" cy="0"/>
+        </a:xfrm>
+      </p:grpSpPr>
+      <p:sp>
+        <p:nvSpPr>
+          <p:cNvPr id="3" name="Title 2">
+            <a:extLst>
+              <a:ext uri="{FF2B5EF4-FFF2-40B4-BE49-F238E27FC236}">
+                <a16:creationId xmlns:a16="http://schemas.microsoft.com/office/drawing/2014/main" id="{410EBC45-754A-61FE-B349-7AA0B3365D77}"/>
+              </a:ext>
+            </a:extLst>
+          </p:cNvPr>
+          <p:cNvSpPr>
+            <a:spLocks noGrp="1"/>
+          </p:cNvSpPr>
+          <p:nvPr>
+            <p:ph type="title"/>
+          </p:nvPr>
+        </p:nvSpPr>
+        <p:spPr>
+          <a:xfrm>
+            <a:off x="838200" y="358775"/>
+            <a:ext cx="10515600" cy="1325563"/>
+          </a:xfrm>
+        </p:spPr>
+        <p:txBody>
+          <a:bodyPr/>
+          <a:lstStyle/>
+          <a:p>
+            <a:r>
+              <a:rPr lang="hr-HR" dirty="0"/>
+              <a:t>SECURITY AND PRIVACY</a:t>
+            </a:r>
+            <a:r>
+              <a:rPr lang="en-US" dirty="0"/>
+              <a:t> - THREATS </a:t>
+            </a:r>
+            <a:endParaRPr lang="hr-HR" dirty="0"/>
+          </a:p>
+        </p:txBody>
+      </p:sp>
+      <p:pic>
+        <p:nvPicPr>
+          <p:cNvPr id="5" name="Picture 4">
+            <a:extLst>
+              <a:ext uri="{FF2B5EF4-FFF2-40B4-BE49-F238E27FC236}">
+                <a16:creationId xmlns:a16="http://schemas.microsoft.com/office/drawing/2014/main" id="{3DCDFBC7-98C4-F9B4-E60A-21E9E2036472}"/>
+              </a:ext>
+            </a:extLst>
+          </p:cNvPr>
+          <p:cNvPicPr>
+            <a:picLocks noChangeAspect="1"/>
+          </p:cNvPicPr>
+          <p:nvPr/>
+        </p:nvPicPr>
+        <p:blipFill>
+          <a:blip r:embed="rId3"/>
+          <a:stretch>
+            <a:fillRect/>
+          </a:stretch>
+        </p:blipFill>
+        <p:spPr>
+          <a:xfrm>
+            <a:off x="188361" y="3138931"/>
+            <a:ext cx="5225706" cy="2196198"/>
+          </a:xfrm>
+          <a:prstGeom prst="rect">
+            <a:avLst/>
+          </a:prstGeom>
+        </p:spPr>
+      </p:pic>
+      <p:sp>
+        <p:nvSpPr>
+          <p:cNvPr id="6" name="Content Placeholder 2">
+            <a:extLst>
+              <a:ext uri="{FF2B5EF4-FFF2-40B4-BE49-F238E27FC236}">
+                <a16:creationId xmlns:a16="http://schemas.microsoft.com/office/drawing/2014/main" id="{82A102DA-2DB8-6C8A-7534-C9BD16706FAC}"/>
+              </a:ext>
+            </a:extLst>
+          </p:cNvPr>
+          <p:cNvSpPr txBox="1">
+            <a:spLocks/>
+          </p:cNvSpPr>
+          <p:nvPr/>
+        </p:nvSpPr>
+        <p:spPr>
+          <a:xfrm>
+            <a:off x="5505450" y="1974836"/>
+            <a:ext cx="6686550" cy="4524389"/>
+          </a:xfrm>
+          <a:prstGeom prst="rect">
+            <a:avLst/>
+          </a:prstGeom>
+        </p:spPr>
+        <p:txBody>
+          <a:bodyPr vert="horz" lIns="91440" tIns="45720" rIns="91440" bIns="45720" rtlCol="0">
+            <a:normAutofit lnSpcReduction="10000"/>
+          </a:bodyPr>
+          <a:lstStyle>
+            <a:lvl1pPr marL="368300" indent="-352425" algn="l" defTabSz="914400" rtl="0" eaLnBrk="1" latinLnBrk="0" hangingPunct="1">
+              <a:lnSpc>
+                <a:spcPct val="90000"/>
+              </a:lnSpc>
+              <a:spcBef>
+                <a:spcPts val="600"/>
+              </a:spcBef>
+              <a:spcAft>
+                <a:spcPts val="600"/>
+              </a:spcAft>
+              <a:buClr>
+                <a:schemeClr val="accent2"/>
+              </a:buClr>
+              <a:buFont typeface="Wingdings" pitchFamily="2" charset="2"/>
+              <a:buChar char="§"/>
+              <a:tabLst/>
+              <a:defRPr sz="2400" kern="1200">
+                <a:solidFill>
+                  <a:schemeClr val="tx1"/>
+                </a:solidFill>
+                <a:latin typeface="+mn-lt"/>
+                <a:ea typeface="Open Sans" panose="020B0606030504020204" pitchFamily="34" charset="0"/>
+                <a:cs typeface="Open Sans" panose="020B0606030504020204" pitchFamily="34" charset="0"/>
+              </a:defRPr>
+            </a:lvl1pPr>
+            <a:lvl2pPr marL="771525" indent="-274638" algn="l" defTabSz="914400" rtl="0" eaLnBrk="1" latinLnBrk="0" hangingPunct="1">
+              <a:lnSpc>
+                <a:spcPct val="90000"/>
+              </a:lnSpc>
+              <a:spcBef>
+                <a:spcPts val="600"/>
+              </a:spcBef>
+              <a:spcAft>
+                <a:spcPts val="600"/>
+              </a:spcAft>
+              <a:buClr>
+                <a:schemeClr val="accent2"/>
+              </a:buClr>
+              <a:buFont typeface="Wingdings" pitchFamily="2" charset="2"/>
+              <a:buChar char="§"/>
+              <a:tabLst/>
+              <a:defRPr sz="2200" kern="1200">
+                <a:solidFill>
+                  <a:schemeClr val="tx1"/>
+                </a:solidFill>
+                <a:latin typeface="+mn-lt"/>
+                <a:ea typeface="Open Sans" panose="020B0606030504020204" pitchFamily="34" charset="0"/>
+                <a:cs typeface="Open Sans" panose="020B0606030504020204" pitchFamily="34" charset="0"/>
+              </a:defRPr>
+            </a:lvl2pPr>
+            <a:lvl3pPr marL="1143000" indent="-228600" algn="l" defTabSz="914400" rtl="0" eaLnBrk="1" latinLnBrk="0" hangingPunct="1">
+              <a:lnSpc>
+                <a:spcPct val="90000"/>
+              </a:lnSpc>
+              <a:spcBef>
+                <a:spcPts val="600"/>
+              </a:spcBef>
+              <a:spcAft>
+                <a:spcPts val="600"/>
+              </a:spcAft>
+              <a:buClr>
+                <a:schemeClr val="accent2"/>
+              </a:buClr>
+              <a:buFont typeface="Wingdings" pitchFamily="2" charset="2"/>
+              <a:buChar char="§"/>
+              <a:defRPr sz="2000" kern="1200">
+                <a:solidFill>
+                  <a:schemeClr val="tx1"/>
+                </a:solidFill>
+                <a:latin typeface="+mn-lt"/>
+                <a:ea typeface="Open Sans" panose="020B0606030504020204" pitchFamily="34" charset="0"/>
+                <a:cs typeface="Open Sans" panose="020B0606030504020204" pitchFamily="34" charset="0"/>
+              </a:defRPr>
+            </a:lvl3pPr>
+            <a:lvl4pPr marL="1600200" indent="-228600" algn="l" defTabSz="914400" rtl="0" eaLnBrk="1" latinLnBrk="0" hangingPunct="1">
+              <a:lnSpc>
+                <a:spcPct val="90000"/>
+              </a:lnSpc>
+              <a:spcBef>
+                <a:spcPts val="600"/>
+              </a:spcBef>
+              <a:spcAft>
+                <a:spcPts val="600"/>
+              </a:spcAft>
+              <a:buClr>
+                <a:schemeClr val="accent2"/>
+              </a:buClr>
+              <a:buFont typeface="Wingdings" pitchFamily="2" charset="2"/>
+              <a:buChar char="§"/>
+              <a:defRPr sz="1800" kern="1200">
+                <a:solidFill>
+                  <a:schemeClr val="tx1"/>
+                </a:solidFill>
+                <a:latin typeface="+mn-lt"/>
+                <a:ea typeface="Open Sans" panose="020B0606030504020204" pitchFamily="34" charset="0"/>
+                <a:cs typeface="Open Sans" panose="020B0606030504020204" pitchFamily="34" charset="0"/>
+              </a:defRPr>
+            </a:lvl4pPr>
+            <a:lvl5pPr marL="1960563" indent="-225425" algn="l" defTabSz="914400" rtl="0" eaLnBrk="1" latinLnBrk="0" hangingPunct="1">
+              <a:lnSpc>
+                <a:spcPct val="90000"/>
+              </a:lnSpc>
+              <a:spcBef>
+                <a:spcPts val="600"/>
+              </a:spcBef>
+              <a:spcAft>
+                <a:spcPts val="600"/>
+              </a:spcAft>
+              <a:buClr>
+                <a:schemeClr val="accent2"/>
+              </a:buClr>
+              <a:buFont typeface="Wingdings" pitchFamily="2" charset="2"/>
+              <a:buChar char="§"/>
+              <a:tabLst/>
+              <a:defRPr sz="1600" kern="1200">
+                <a:solidFill>
+                  <a:schemeClr val="tx1"/>
+                </a:solidFill>
+                <a:latin typeface="+mn-lt"/>
+                <a:ea typeface="Open Sans" panose="020B0606030504020204" pitchFamily="34" charset="0"/>
+                <a:cs typeface="Open Sans" panose="020B0606030504020204" pitchFamily="34" charset="0"/>
+              </a:defRPr>
+            </a:lvl5pPr>
+            <a:lvl6pPr marL="2514600" indent="-228600" algn="l" defTabSz="914400" rtl="0" eaLnBrk="1" latinLnBrk="0" hangingPunct="1">
+              <a:lnSpc>
+                <a:spcPct val="90000"/>
+              </a:lnSpc>
+              <a:spcBef>
+                <a:spcPts val="500"/>
+              </a:spcBef>
+              <a:buFont typeface="Arial" panose="020B0604020202020204" pitchFamily="34" charset="0"/>
+              <a:buChar char="•"/>
+              <a:defRPr sz="1800" kern="1200">
+                <a:solidFill>
+                  <a:schemeClr val="tx1"/>
+                </a:solidFill>
+                <a:latin typeface="+mn-lt"/>
+                <a:ea typeface="+mn-ea"/>
+                <a:cs typeface="+mn-cs"/>
+              </a:defRPr>
+            </a:lvl6pPr>
+            <a:lvl7pPr marL="2971800" indent="-228600" algn="l" defTabSz="914400" rtl="0" eaLnBrk="1" latinLnBrk="0" hangingPunct="1">
+              <a:lnSpc>
+                <a:spcPct val="90000"/>
+              </a:lnSpc>
+              <a:spcBef>
+                <a:spcPts val="500"/>
+              </a:spcBef>
+              <a:buFont typeface="Arial" panose="020B0604020202020204" pitchFamily="34" charset="0"/>
+              <a:buChar char="•"/>
+              <a:defRPr sz="1800" kern="1200">
+                <a:solidFill>
+                  <a:schemeClr val="tx1"/>
+                </a:solidFill>
+                <a:latin typeface="+mn-lt"/>
+                <a:ea typeface="+mn-ea"/>
+                <a:cs typeface="+mn-cs"/>
+              </a:defRPr>
+            </a:lvl7pPr>
+            <a:lvl8pPr marL="3429000" indent="-228600" algn="l" defTabSz="914400" rtl="0" eaLnBrk="1" latinLnBrk="0" hangingPunct="1">
+              <a:lnSpc>
+                <a:spcPct val="90000"/>
+              </a:lnSpc>
+              <a:spcBef>
+                <a:spcPts val="500"/>
+              </a:spcBef>
+              <a:buFont typeface="Arial" panose="020B0604020202020204" pitchFamily="34" charset="0"/>
+              <a:buChar char="•"/>
+              <a:defRPr sz="1800" kern="1200">
+                <a:solidFill>
+                  <a:schemeClr val="tx1"/>
+                </a:solidFill>
+                <a:latin typeface="+mn-lt"/>
+                <a:ea typeface="+mn-ea"/>
+                <a:cs typeface="+mn-cs"/>
+              </a:defRPr>
+            </a:lvl8pPr>
+            <a:lvl9pPr marL="3886200" indent="-228600" algn="l" defTabSz="914400" rtl="0" eaLnBrk="1" latinLnBrk="0" hangingPunct="1">
+              <a:lnSpc>
+                <a:spcPct val="90000"/>
+              </a:lnSpc>
+              <a:spcBef>
+                <a:spcPts val="500"/>
+              </a:spcBef>
+              <a:buFont typeface="Arial" panose="020B0604020202020204" pitchFamily="34" charset="0"/>
+              <a:buChar char="•"/>
+              <a:defRPr sz="1800" kern="1200">
+                <a:solidFill>
+                  <a:schemeClr val="tx1"/>
+                </a:solidFill>
+                <a:latin typeface="+mn-lt"/>
+                <a:ea typeface="+mn-ea"/>
+                <a:cs typeface="+mn-cs"/>
+              </a:defRPr>
+            </a:lvl9pPr>
+          </a:lstStyle>
+          <a:p>
+            <a:pPr marL="15875" indent="0">
+              <a:buNone/>
+            </a:pPr>
+            <a:r>
+              <a:rPr lang="hr-HR" dirty="0">
+                <a:latin typeface="Bahnschrift SemiLight" panose="020B0502040204020203" pitchFamily="34" charset="0"/>
+              </a:rPr>
+              <a:t>✅ </a:t>
+            </a:r>
+            <a:r>
+              <a:rPr lang="hr-HR" b="1" dirty="0" err="1">
+                <a:latin typeface="Bahnschrift SemiLight" panose="020B0502040204020203" pitchFamily="34" charset="0"/>
+              </a:rPr>
+              <a:t>Firewalls</a:t>
+            </a:r>
+            <a:r>
+              <a:rPr lang="hr-HR" dirty="0">
+                <a:latin typeface="Bahnschrift SemiLight" panose="020B0502040204020203" pitchFamily="34" charset="0"/>
+              </a:rPr>
+              <a:t> – </a:t>
+            </a:r>
+            <a:r>
+              <a:rPr lang="hr-HR" dirty="0" err="1">
+                <a:latin typeface="Bahnschrift SemiLight" panose="020B0502040204020203" pitchFamily="34" charset="0"/>
+              </a:rPr>
+              <a:t>Block</a:t>
+            </a:r>
+            <a:r>
+              <a:rPr lang="hr-HR" dirty="0">
+                <a:latin typeface="Bahnschrift SemiLight" panose="020B0502040204020203" pitchFamily="34" charset="0"/>
+              </a:rPr>
+              <a:t> </a:t>
+            </a:r>
+            <a:r>
+              <a:rPr lang="hr-HR" dirty="0" err="1">
+                <a:latin typeface="Bahnschrift SemiLight" panose="020B0502040204020203" pitchFamily="34" charset="0"/>
+              </a:rPr>
+              <a:t>unauthorized</a:t>
+            </a:r>
+            <a:r>
+              <a:rPr lang="hr-HR" dirty="0">
+                <a:latin typeface="Bahnschrift SemiLight" panose="020B0502040204020203" pitchFamily="34" charset="0"/>
+              </a:rPr>
+              <a:t> </a:t>
+            </a:r>
+            <a:r>
+              <a:rPr lang="hr-HR" dirty="0" err="1">
+                <a:latin typeface="Bahnschrift SemiLight" panose="020B0502040204020203" pitchFamily="34" charset="0"/>
+              </a:rPr>
+              <a:t>access</a:t>
+            </a:r>
+            <a:r>
+              <a:rPr lang="hr-HR" dirty="0">
+                <a:latin typeface="Bahnschrift SemiLight" panose="020B0502040204020203" pitchFamily="34" charset="0"/>
+              </a:rPr>
+              <a:t> to </a:t>
+            </a:r>
+            <a:r>
+              <a:rPr lang="hr-HR" dirty="0" err="1">
+                <a:latin typeface="Bahnschrift SemiLight" panose="020B0502040204020203" pitchFamily="34" charset="0"/>
+              </a:rPr>
+              <a:t>networks</a:t>
+            </a:r>
+            <a:r>
+              <a:rPr lang="hr-HR" dirty="0">
+                <a:latin typeface="Bahnschrift SemiLight" panose="020B0502040204020203" pitchFamily="34" charset="0"/>
+              </a:rPr>
+              <a:t>.</a:t>
+            </a:r>
+            <a:br>
+              <a:rPr lang="en-US" dirty="0">
+                <a:latin typeface="Bahnschrift SemiLight" panose="020B0502040204020203" pitchFamily="34" charset="0"/>
+              </a:rPr>
+            </a:br>
+            <a:br>
+              <a:rPr lang="hr-HR" dirty="0">
+                <a:latin typeface="Bahnschrift SemiLight" panose="020B0502040204020203" pitchFamily="34" charset="0"/>
+              </a:rPr>
+            </a:br>
+            <a:r>
+              <a:rPr lang="hr-HR" dirty="0">
+                <a:latin typeface="Bahnschrift SemiLight" panose="020B0502040204020203" pitchFamily="34" charset="0"/>
+              </a:rPr>
+              <a:t>✅ </a:t>
+            </a:r>
+            <a:r>
+              <a:rPr lang="hr-HR" b="1" dirty="0" err="1">
+                <a:latin typeface="Bahnschrift SemiLight" panose="020B0502040204020203" pitchFamily="34" charset="0"/>
+              </a:rPr>
+              <a:t>Intrusion</a:t>
+            </a:r>
+            <a:r>
+              <a:rPr lang="hr-HR" b="1" dirty="0">
+                <a:latin typeface="Bahnschrift SemiLight" panose="020B0502040204020203" pitchFamily="34" charset="0"/>
+              </a:rPr>
+              <a:t> </a:t>
+            </a:r>
+            <a:r>
+              <a:rPr lang="hr-HR" b="1" dirty="0" err="1">
+                <a:latin typeface="Bahnschrift SemiLight" panose="020B0502040204020203" pitchFamily="34" charset="0"/>
+              </a:rPr>
+              <a:t>Detection</a:t>
+            </a:r>
+            <a:r>
+              <a:rPr lang="hr-HR" b="1" dirty="0">
+                <a:latin typeface="Bahnschrift SemiLight" panose="020B0502040204020203" pitchFamily="34" charset="0"/>
+              </a:rPr>
+              <a:t>/</a:t>
+            </a:r>
+            <a:r>
+              <a:rPr lang="hr-HR" b="1" dirty="0" err="1">
+                <a:latin typeface="Bahnschrift SemiLight" panose="020B0502040204020203" pitchFamily="34" charset="0"/>
+              </a:rPr>
+              <a:t>Prevention</a:t>
+            </a:r>
+            <a:r>
+              <a:rPr lang="hr-HR" b="1" dirty="0">
+                <a:latin typeface="Bahnschrift SemiLight" panose="020B0502040204020203" pitchFamily="34" charset="0"/>
+              </a:rPr>
+              <a:t> Systems (IDS/IPS)</a:t>
+            </a:r>
+            <a:r>
+              <a:rPr lang="hr-HR" dirty="0">
+                <a:latin typeface="Bahnschrift SemiLight" panose="020B0502040204020203" pitchFamily="34" charset="0"/>
+              </a:rPr>
+              <a:t> – Monitor </a:t>
+            </a:r>
+            <a:r>
+              <a:rPr lang="hr-HR" dirty="0" err="1">
+                <a:latin typeface="Bahnschrift SemiLight" panose="020B0502040204020203" pitchFamily="34" charset="0"/>
+              </a:rPr>
+              <a:t>and</a:t>
+            </a:r>
+            <a:r>
+              <a:rPr lang="hr-HR" dirty="0">
+                <a:latin typeface="Bahnschrift SemiLight" panose="020B0502040204020203" pitchFamily="34" charset="0"/>
+              </a:rPr>
+              <a:t> </a:t>
+            </a:r>
+            <a:r>
+              <a:rPr lang="hr-HR" dirty="0" err="1">
+                <a:latin typeface="Bahnschrift SemiLight" panose="020B0502040204020203" pitchFamily="34" charset="0"/>
+              </a:rPr>
+              <a:t>block</a:t>
+            </a:r>
+            <a:r>
+              <a:rPr lang="hr-HR" dirty="0">
+                <a:latin typeface="Bahnschrift SemiLight" panose="020B0502040204020203" pitchFamily="34" charset="0"/>
+              </a:rPr>
+              <a:t> </a:t>
+            </a:r>
+            <a:r>
+              <a:rPr lang="hr-HR" dirty="0" err="1">
+                <a:latin typeface="Bahnschrift SemiLight" panose="020B0502040204020203" pitchFamily="34" charset="0"/>
+              </a:rPr>
+              <a:t>malicious</a:t>
+            </a:r>
+            <a:r>
+              <a:rPr lang="hr-HR" dirty="0">
+                <a:latin typeface="Bahnschrift SemiLight" panose="020B0502040204020203" pitchFamily="34" charset="0"/>
+              </a:rPr>
+              <a:t> </a:t>
+            </a:r>
+            <a:r>
+              <a:rPr lang="hr-HR" dirty="0" err="1">
+                <a:latin typeface="Bahnschrift SemiLight" panose="020B0502040204020203" pitchFamily="34" charset="0"/>
+              </a:rPr>
+              <a:t>traffic</a:t>
+            </a:r>
+            <a:r>
+              <a:rPr lang="hr-HR" dirty="0">
+                <a:latin typeface="Bahnschrift SemiLight" panose="020B0502040204020203" pitchFamily="34" charset="0"/>
+              </a:rPr>
+              <a:t>.</a:t>
+            </a:r>
+            <a:br>
+              <a:rPr lang="en-US" dirty="0">
+                <a:latin typeface="Bahnschrift SemiLight" panose="020B0502040204020203" pitchFamily="34" charset="0"/>
+              </a:rPr>
+            </a:br>
+            <a:br>
+              <a:rPr lang="hr-HR" dirty="0">
+                <a:latin typeface="Bahnschrift SemiLight" panose="020B0502040204020203" pitchFamily="34" charset="0"/>
+              </a:rPr>
+            </a:br>
+            <a:r>
+              <a:rPr lang="hr-HR" dirty="0">
+                <a:latin typeface="Bahnschrift SemiLight" panose="020B0502040204020203" pitchFamily="34" charset="0"/>
+              </a:rPr>
+              <a:t>✅ </a:t>
+            </a:r>
+            <a:r>
+              <a:rPr lang="hr-HR" b="1" dirty="0">
+                <a:latin typeface="Bahnschrift SemiLight" panose="020B0502040204020203" pitchFamily="34" charset="0"/>
+              </a:rPr>
+              <a:t>Antivirus </a:t>
+            </a:r>
+            <a:r>
+              <a:rPr lang="hr-HR" b="1" dirty="0" err="1">
+                <a:latin typeface="Bahnschrift SemiLight" panose="020B0502040204020203" pitchFamily="34" charset="0"/>
+              </a:rPr>
+              <a:t>and</a:t>
+            </a:r>
+            <a:r>
+              <a:rPr lang="hr-HR" b="1" dirty="0">
+                <a:latin typeface="Bahnschrift SemiLight" panose="020B0502040204020203" pitchFamily="34" charset="0"/>
+              </a:rPr>
+              <a:t> </a:t>
+            </a:r>
+            <a:r>
+              <a:rPr lang="hr-HR" b="1" dirty="0" err="1">
+                <a:latin typeface="Bahnschrift SemiLight" panose="020B0502040204020203" pitchFamily="34" charset="0"/>
+              </a:rPr>
+              <a:t>Antimalware</a:t>
+            </a:r>
+            <a:r>
+              <a:rPr lang="hr-HR" dirty="0">
+                <a:latin typeface="Bahnschrift SemiLight" panose="020B0502040204020203" pitchFamily="34" charset="0"/>
+              </a:rPr>
+              <a:t> – </a:t>
+            </a:r>
+            <a:r>
+              <a:rPr lang="hr-HR" dirty="0" err="1">
+                <a:latin typeface="Bahnschrift SemiLight" panose="020B0502040204020203" pitchFamily="34" charset="0"/>
+              </a:rPr>
+              <a:t>Detect</a:t>
+            </a:r>
+            <a:r>
+              <a:rPr lang="hr-HR" dirty="0">
+                <a:latin typeface="Bahnschrift SemiLight" panose="020B0502040204020203" pitchFamily="34" charset="0"/>
+              </a:rPr>
+              <a:t> </a:t>
+            </a:r>
+            <a:r>
+              <a:rPr lang="hr-HR" dirty="0" err="1">
+                <a:latin typeface="Bahnschrift SemiLight" panose="020B0502040204020203" pitchFamily="34" charset="0"/>
+              </a:rPr>
+              <a:t>and</a:t>
+            </a:r>
+            <a:r>
+              <a:rPr lang="hr-HR" dirty="0">
+                <a:latin typeface="Bahnschrift SemiLight" panose="020B0502040204020203" pitchFamily="34" charset="0"/>
+              </a:rPr>
+              <a:t> </a:t>
+            </a:r>
+            <a:r>
+              <a:rPr lang="hr-HR" dirty="0" err="1">
+                <a:latin typeface="Bahnschrift SemiLight" panose="020B0502040204020203" pitchFamily="34" charset="0"/>
+              </a:rPr>
+              <a:t>remove</a:t>
+            </a:r>
+            <a:r>
+              <a:rPr lang="hr-HR" dirty="0">
+                <a:latin typeface="Bahnschrift SemiLight" panose="020B0502040204020203" pitchFamily="34" charset="0"/>
+              </a:rPr>
+              <a:t> </a:t>
+            </a:r>
+            <a:r>
+              <a:rPr lang="hr-HR" dirty="0" err="1">
+                <a:latin typeface="Bahnschrift SemiLight" panose="020B0502040204020203" pitchFamily="34" charset="0"/>
+              </a:rPr>
+              <a:t>malicious</a:t>
+            </a:r>
+            <a:r>
+              <a:rPr lang="hr-HR" dirty="0">
+                <a:latin typeface="Bahnschrift SemiLight" panose="020B0502040204020203" pitchFamily="34" charset="0"/>
+              </a:rPr>
+              <a:t> software.</a:t>
+            </a:r>
+            <a:br>
+              <a:rPr lang="en-US" dirty="0">
+                <a:latin typeface="Bahnschrift SemiLight" panose="020B0502040204020203" pitchFamily="34" charset="0"/>
+              </a:rPr>
+            </a:br>
+            <a:br>
+              <a:rPr lang="hr-HR" dirty="0">
+                <a:latin typeface="Bahnschrift SemiLight" panose="020B0502040204020203" pitchFamily="34" charset="0"/>
+              </a:rPr>
+            </a:br>
+            <a:r>
+              <a:rPr lang="hr-HR" dirty="0">
+                <a:latin typeface="Bahnschrift SemiLight" panose="020B0502040204020203" pitchFamily="34" charset="0"/>
+              </a:rPr>
+              <a:t>✅ </a:t>
+            </a:r>
+            <a:r>
+              <a:rPr lang="hr-HR" b="1" dirty="0">
+                <a:latin typeface="Bahnschrift SemiLight" panose="020B0502040204020203" pitchFamily="34" charset="0"/>
+              </a:rPr>
+              <a:t>Access Controls</a:t>
+            </a:r>
+            <a:r>
+              <a:rPr lang="hr-HR" dirty="0">
+                <a:latin typeface="Bahnschrift SemiLight" panose="020B0502040204020203" pitchFamily="34" charset="0"/>
+              </a:rPr>
+              <a:t> – Use role-</a:t>
+            </a:r>
+            <a:r>
+              <a:rPr lang="hr-HR" dirty="0" err="1">
+                <a:latin typeface="Bahnschrift SemiLight" panose="020B0502040204020203" pitchFamily="34" charset="0"/>
+              </a:rPr>
+              <a:t>based</a:t>
+            </a:r>
+            <a:r>
+              <a:rPr lang="hr-HR" dirty="0">
+                <a:latin typeface="Bahnschrift SemiLight" panose="020B0502040204020203" pitchFamily="34" charset="0"/>
+              </a:rPr>
+              <a:t> </a:t>
+            </a:r>
+            <a:r>
+              <a:rPr lang="hr-HR" dirty="0" err="1">
+                <a:latin typeface="Bahnschrift SemiLight" panose="020B0502040204020203" pitchFamily="34" charset="0"/>
+              </a:rPr>
+              <a:t>access</a:t>
+            </a:r>
+            <a:r>
+              <a:rPr lang="hr-HR" dirty="0">
+                <a:latin typeface="Bahnschrift SemiLight" panose="020B0502040204020203" pitchFamily="34" charset="0"/>
+              </a:rPr>
+              <a:t> </a:t>
+            </a:r>
+            <a:r>
+              <a:rPr lang="hr-HR" dirty="0" err="1">
+                <a:latin typeface="Bahnschrift SemiLight" panose="020B0502040204020203" pitchFamily="34" charset="0"/>
+              </a:rPr>
+              <a:t>and</a:t>
+            </a:r>
+            <a:r>
+              <a:rPr lang="hr-HR" dirty="0">
+                <a:latin typeface="Bahnschrift SemiLight" panose="020B0502040204020203" pitchFamily="34" charset="0"/>
+              </a:rPr>
+              <a:t> multi-</a:t>
+            </a:r>
+            <a:r>
+              <a:rPr lang="hr-HR" dirty="0" err="1">
+                <a:latin typeface="Bahnschrift SemiLight" panose="020B0502040204020203" pitchFamily="34" charset="0"/>
+              </a:rPr>
+              <a:t>factor</a:t>
+            </a:r>
+            <a:r>
+              <a:rPr lang="hr-HR" dirty="0">
+                <a:latin typeface="Bahnschrift SemiLight" panose="020B0502040204020203" pitchFamily="34" charset="0"/>
+              </a:rPr>
+              <a:t> </a:t>
+            </a:r>
+            <a:r>
+              <a:rPr lang="hr-HR" dirty="0" err="1">
+                <a:latin typeface="Bahnschrift SemiLight" panose="020B0502040204020203" pitchFamily="34" charset="0"/>
+              </a:rPr>
+              <a:t>authentication</a:t>
+            </a:r>
+            <a:r>
+              <a:rPr lang="hr-HR" dirty="0">
+                <a:latin typeface="Bahnschrift SemiLight" panose="020B0502040204020203" pitchFamily="34" charset="0"/>
+              </a:rPr>
+              <a:t> (MFA).</a:t>
+            </a:r>
+            <a:br>
+              <a:rPr lang="en-US" dirty="0">
+                <a:latin typeface="Bahnschrift SemiLight" panose="020B0502040204020203" pitchFamily="34" charset="0"/>
+              </a:rPr>
+            </a:br>
+            <a:br>
+              <a:rPr lang="hr-HR" dirty="0">
+                <a:latin typeface="Bahnschrift SemiLight" panose="020B0502040204020203" pitchFamily="34" charset="0"/>
+              </a:rPr>
+            </a:br>
+            <a:r>
+              <a:rPr lang="hr-HR" dirty="0">
+                <a:latin typeface="Bahnschrift SemiLight" panose="020B0502040204020203" pitchFamily="34" charset="0"/>
+              </a:rPr>
+              <a:t>✅ </a:t>
+            </a:r>
+            <a:r>
+              <a:rPr lang="hr-HR" b="1" dirty="0">
+                <a:latin typeface="Bahnschrift SemiLight" panose="020B0502040204020203" pitchFamily="34" charset="0"/>
+              </a:rPr>
+              <a:t>Data </a:t>
+            </a:r>
+            <a:r>
+              <a:rPr lang="hr-HR" b="1" dirty="0" err="1">
+                <a:latin typeface="Bahnschrift SemiLight" panose="020B0502040204020203" pitchFamily="34" charset="0"/>
+              </a:rPr>
+              <a:t>Loss</a:t>
+            </a:r>
+            <a:r>
+              <a:rPr lang="hr-HR" b="1" dirty="0">
+                <a:latin typeface="Bahnschrift SemiLight" panose="020B0502040204020203" pitchFamily="34" charset="0"/>
+              </a:rPr>
+              <a:t> </a:t>
+            </a:r>
+            <a:r>
+              <a:rPr lang="hr-HR" b="1" dirty="0" err="1">
+                <a:latin typeface="Bahnschrift SemiLight" panose="020B0502040204020203" pitchFamily="34" charset="0"/>
+              </a:rPr>
+              <a:t>Prevention</a:t>
+            </a:r>
+            <a:r>
+              <a:rPr lang="hr-HR" b="1" dirty="0">
+                <a:latin typeface="Bahnschrift SemiLight" panose="020B0502040204020203" pitchFamily="34" charset="0"/>
+              </a:rPr>
+              <a:t> (DLP)</a:t>
+            </a:r>
+            <a:r>
+              <a:rPr lang="hr-HR" dirty="0">
+                <a:latin typeface="Bahnschrift SemiLight" panose="020B0502040204020203" pitchFamily="34" charset="0"/>
+              </a:rPr>
+              <a:t> – </a:t>
+            </a:r>
+            <a:r>
+              <a:rPr lang="hr-HR" dirty="0" err="1">
+                <a:latin typeface="Bahnschrift SemiLight" panose="020B0502040204020203" pitchFamily="34" charset="0"/>
+              </a:rPr>
+              <a:t>Prevent</a:t>
+            </a:r>
+            <a:r>
+              <a:rPr lang="hr-HR" dirty="0">
+                <a:latin typeface="Bahnschrift SemiLight" panose="020B0502040204020203" pitchFamily="34" charset="0"/>
+              </a:rPr>
+              <a:t> data </a:t>
+            </a:r>
+            <a:r>
+              <a:rPr lang="hr-HR" dirty="0" err="1">
+                <a:latin typeface="Bahnschrift SemiLight" panose="020B0502040204020203" pitchFamily="34" charset="0"/>
+              </a:rPr>
+              <a:t>from</a:t>
+            </a:r>
+            <a:r>
+              <a:rPr lang="hr-HR" dirty="0">
+                <a:latin typeface="Bahnschrift SemiLight" panose="020B0502040204020203" pitchFamily="34" charset="0"/>
+              </a:rPr>
+              <a:t> </a:t>
+            </a:r>
+            <a:r>
+              <a:rPr lang="hr-HR" dirty="0" err="1">
+                <a:latin typeface="Bahnschrift SemiLight" panose="020B0502040204020203" pitchFamily="34" charset="0"/>
+              </a:rPr>
+              <a:t>being</a:t>
+            </a:r>
+            <a:r>
+              <a:rPr lang="hr-HR" dirty="0">
+                <a:latin typeface="Bahnschrift SemiLight" panose="020B0502040204020203" pitchFamily="34" charset="0"/>
+              </a:rPr>
+              <a:t> </a:t>
+            </a:r>
+            <a:r>
+              <a:rPr lang="hr-HR" dirty="0" err="1">
+                <a:latin typeface="Bahnschrift SemiLight" panose="020B0502040204020203" pitchFamily="34" charset="0"/>
+              </a:rPr>
+              <a:t>transferred</a:t>
+            </a:r>
+            <a:r>
+              <a:rPr lang="hr-HR" dirty="0">
+                <a:latin typeface="Bahnschrift SemiLight" panose="020B0502040204020203" pitchFamily="34" charset="0"/>
+              </a:rPr>
+              <a:t> </a:t>
+            </a:r>
+            <a:r>
+              <a:rPr lang="hr-HR" dirty="0" err="1">
+                <a:latin typeface="Bahnschrift SemiLight" panose="020B0502040204020203" pitchFamily="34" charset="0"/>
+              </a:rPr>
+              <a:t>or</a:t>
+            </a:r>
+            <a:r>
+              <a:rPr lang="hr-HR" dirty="0">
+                <a:latin typeface="Bahnschrift SemiLight" panose="020B0502040204020203" pitchFamily="34" charset="0"/>
+              </a:rPr>
+              <a:t> </a:t>
+            </a:r>
+            <a:r>
+              <a:rPr lang="hr-HR" dirty="0" err="1">
+                <a:latin typeface="Bahnschrift SemiLight" panose="020B0502040204020203" pitchFamily="34" charset="0"/>
+              </a:rPr>
+              <a:t>copied</a:t>
+            </a:r>
+            <a:r>
+              <a:rPr lang="hr-HR" dirty="0">
+                <a:latin typeface="Bahnschrift SemiLight" panose="020B0502040204020203" pitchFamily="34" charset="0"/>
+              </a:rPr>
+              <a:t> </a:t>
+            </a:r>
+            <a:r>
+              <a:rPr lang="hr-HR" dirty="0" err="1">
+                <a:latin typeface="Bahnschrift SemiLight" panose="020B0502040204020203" pitchFamily="34" charset="0"/>
+              </a:rPr>
+              <a:t>without</a:t>
+            </a:r>
+            <a:r>
+              <a:rPr lang="hr-HR" dirty="0">
+                <a:latin typeface="Bahnschrift SemiLight" panose="020B0502040204020203" pitchFamily="34" charset="0"/>
+              </a:rPr>
+              <a:t> </a:t>
+            </a:r>
+            <a:r>
+              <a:rPr lang="hr-HR" dirty="0" err="1">
+                <a:latin typeface="Bahnschrift SemiLight" panose="020B0502040204020203" pitchFamily="34" charset="0"/>
+              </a:rPr>
+              <a:t>permission</a:t>
+            </a:r>
+            <a:r>
+              <a:rPr lang="hr-HR" dirty="0">
+                <a:latin typeface="Bahnschrift SemiLight" panose="020B0502040204020203" pitchFamily="34" charset="0"/>
+              </a:rPr>
+              <a:t>.</a:t>
+            </a:r>
+          </a:p>
+        </p:txBody>
+      </p:sp>
+    </p:spTree>
+    <p:extLst>
+      <p:ext uri="{BB962C8B-B14F-4D97-AF65-F5344CB8AC3E}">
+        <p14:creationId xmlns:p14="http://schemas.microsoft.com/office/powerpoint/2010/main" val="2251606581"/>
+      </p:ext>
+    </p:extLst>
+  </p:cSld>
+  <p:clrMapOvr>
+    <a:masterClrMapping/>
+  </p:clrMapOvr>
+</p:sld>
+</file>
+
+<file path=ppt/slides/slide13.xml><?xml version="1.0" encoding="utf-8"?>
+<p:sld xmlns:a="http://schemas.openxmlformats.org/drawingml/2006/main" xmlns:r="http://schemas.openxmlformats.org/officeDocument/2006/relationships" xmlns:p="http://schemas.openxmlformats.org/presentationml/2006/main">
+  <p:cSld>
+    <p:spTree>
+      <p:nvGrpSpPr>
+        <p:cNvPr id="1" name="">
+          <a:extLst>
+            <a:ext uri="{FF2B5EF4-FFF2-40B4-BE49-F238E27FC236}">
+              <a16:creationId xmlns:a16="http://schemas.microsoft.com/office/drawing/2014/main" id="{3535769F-780F-DB66-9CAF-AE03A4D1354D}"/>
+            </a:ext>
+          </a:extLst>
+        </p:cNvPr>
+        <p:cNvGrpSpPr/>
+        <p:nvPr/>
+      </p:nvGrpSpPr>
+      <p:grpSpPr>
+        <a:xfrm>
+          <a:off x="0" y="0"/>
+          <a:ext cx="0" cy="0"/>
+          <a:chOff x="0" y="0"/>
+          <a:chExt cx="0" cy="0"/>
+        </a:xfrm>
+      </p:grpSpPr>
+      <p:sp>
+        <p:nvSpPr>
+          <p:cNvPr id="3" name="Title 2">
+            <a:extLst>
+              <a:ext uri="{FF2B5EF4-FFF2-40B4-BE49-F238E27FC236}">
+                <a16:creationId xmlns:a16="http://schemas.microsoft.com/office/drawing/2014/main" id="{CD37C309-8601-C02A-B16B-C817FEBFB66F}"/>
+              </a:ext>
+            </a:extLst>
+          </p:cNvPr>
+          <p:cNvSpPr>
+            <a:spLocks noGrp="1"/>
+          </p:cNvSpPr>
+          <p:nvPr>
+            <p:ph type="title"/>
+          </p:nvPr>
+        </p:nvSpPr>
+        <p:spPr>
+          <a:xfrm>
+            <a:off x="838200" y="358775"/>
+            <a:ext cx="10515600" cy="1325563"/>
+          </a:xfrm>
+        </p:spPr>
+        <p:txBody>
+          <a:bodyPr/>
+          <a:lstStyle/>
+          <a:p>
+            <a:r>
+              <a:rPr lang="hr-HR" dirty="0"/>
+              <a:t>SECURITY AND PRIVACY</a:t>
+            </a:r>
+            <a:r>
+              <a:rPr lang="en-US" dirty="0"/>
+              <a:t> - </a:t>
+            </a:r>
+            <a:r>
+              <a:rPr lang="hr-HR" dirty="0"/>
+              <a:t>LAWS AND REGULATIONS</a:t>
+            </a:r>
+            <a:r>
+              <a:rPr lang="en-US" dirty="0"/>
+              <a:t> </a:t>
+            </a:r>
+            <a:endParaRPr lang="hr-HR" dirty="0"/>
+          </a:p>
+        </p:txBody>
+      </p:sp>
+      <p:sp>
+        <p:nvSpPr>
+          <p:cNvPr id="6" name="Content Placeholder 2">
+            <a:extLst>
+              <a:ext uri="{FF2B5EF4-FFF2-40B4-BE49-F238E27FC236}">
+                <a16:creationId xmlns:a16="http://schemas.microsoft.com/office/drawing/2014/main" id="{45B47571-7674-12F9-596F-3F257C442F2D}"/>
+              </a:ext>
+            </a:extLst>
+          </p:cNvPr>
+          <p:cNvSpPr txBox="1">
+            <a:spLocks/>
+          </p:cNvSpPr>
+          <p:nvPr/>
+        </p:nvSpPr>
+        <p:spPr>
+          <a:xfrm>
+            <a:off x="1754705" y="1982721"/>
+            <a:ext cx="8336079" cy="3530613"/>
+          </a:xfrm>
+          <a:prstGeom prst="rect">
+            <a:avLst/>
+          </a:prstGeom>
+        </p:spPr>
+        <p:txBody>
+          <a:bodyPr vert="horz" lIns="91440" tIns="45720" rIns="91440" bIns="45720" rtlCol="0">
+            <a:noAutofit/>
+          </a:bodyPr>
+          <a:lstStyle>
+            <a:lvl1pPr marL="368300" indent="-352425" algn="l" defTabSz="914400" rtl="0" eaLnBrk="1" latinLnBrk="0" hangingPunct="1">
+              <a:lnSpc>
+                <a:spcPct val="90000"/>
+              </a:lnSpc>
+              <a:spcBef>
+                <a:spcPts val="600"/>
+              </a:spcBef>
+              <a:spcAft>
+                <a:spcPts val="600"/>
+              </a:spcAft>
+              <a:buClr>
+                <a:schemeClr val="accent2"/>
+              </a:buClr>
+              <a:buFont typeface="Wingdings" pitchFamily="2" charset="2"/>
+              <a:buChar char="§"/>
+              <a:tabLst/>
+              <a:defRPr sz="2400" kern="1200">
+                <a:solidFill>
+                  <a:schemeClr val="tx1"/>
+                </a:solidFill>
+                <a:latin typeface="+mn-lt"/>
+                <a:ea typeface="Open Sans" panose="020B0606030504020204" pitchFamily="34" charset="0"/>
+                <a:cs typeface="Open Sans" panose="020B0606030504020204" pitchFamily="34" charset="0"/>
+              </a:defRPr>
+            </a:lvl1pPr>
+            <a:lvl2pPr marL="771525" indent="-274638" algn="l" defTabSz="914400" rtl="0" eaLnBrk="1" latinLnBrk="0" hangingPunct="1">
+              <a:lnSpc>
+                <a:spcPct val="90000"/>
+              </a:lnSpc>
+              <a:spcBef>
+                <a:spcPts val="600"/>
+              </a:spcBef>
+              <a:spcAft>
+                <a:spcPts val="600"/>
+              </a:spcAft>
+              <a:buClr>
+                <a:schemeClr val="accent2"/>
+              </a:buClr>
+              <a:buFont typeface="Wingdings" pitchFamily="2" charset="2"/>
+              <a:buChar char="§"/>
+              <a:tabLst/>
+              <a:defRPr sz="2200" kern="1200">
+                <a:solidFill>
+                  <a:schemeClr val="tx1"/>
+                </a:solidFill>
+                <a:latin typeface="+mn-lt"/>
+                <a:ea typeface="Open Sans" panose="020B0606030504020204" pitchFamily="34" charset="0"/>
+                <a:cs typeface="Open Sans" panose="020B0606030504020204" pitchFamily="34" charset="0"/>
+              </a:defRPr>
+            </a:lvl2pPr>
+            <a:lvl3pPr marL="1143000" indent="-228600" algn="l" defTabSz="914400" rtl="0" eaLnBrk="1" latinLnBrk="0" hangingPunct="1">
+              <a:lnSpc>
+                <a:spcPct val="90000"/>
+              </a:lnSpc>
+              <a:spcBef>
+                <a:spcPts val="600"/>
+              </a:spcBef>
+              <a:spcAft>
+                <a:spcPts val="600"/>
+              </a:spcAft>
+              <a:buClr>
+                <a:schemeClr val="accent2"/>
+              </a:buClr>
+              <a:buFont typeface="Wingdings" pitchFamily="2" charset="2"/>
+              <a:buChar char="§"/>
+              <a:defRPr sz="2000" kern="1200">
+                <a:solidFill>
+                  <a:schemeClr val="tx1"/>
+                </a:solidFill>
+                <a:latin typeface="+mn-lt"/>
+                <a:ea typeface="Open Sans" panose="020B0606030504020204" pitchFamily="34" charset="0"/>
+                <a:cs typeface="Open Sans" panose="020B0606030504020204" pitchFamily="34" charset="0"/>
+              </a:defRPr>
+            </a:lvl3pPr>
+            <a:lvl4pPr marL="1600200" indent="-228600" algn="l" defTabSz="914400" rtl="0" eaLnBrk="1" latinLnBrk="0" hangingPunct="1">
+              <a:lnSpc>
+                <a:spcPct val="90000"/>
+              </a:lnSpc>
+              <a:spcBef>
+                <a:spcPts val="600"/>
+              </a:spcBef>
+              <a:spcAft>
+                <a:spcPts val="600"/>
+              </a:spcAft>
+              <a:buClr>
+                <a:schemeClr val="accent2"/>
+              </a:buClr>
+              <a:buFont typeface="Wingdings" pitchFamily="2" charset="2"/>
+              <a:buChar char="§"/>
+              <a:defRPr sz="1800" kern="1200">
+                <a:solidFill>
+                  <a:schemeClr val="tx1"/>
+                </a:solidFill>
+                <a:latin typeface="+mn-lt"/>
+                <a:ea typeface="Open Sans" panose="020B0606030504020204" pitchFamily="34" charset="0"/>
+                <a:cs typeface="Open Sans" panose="020B0606030504020204" pitchFamily="34" charset="0"/>
+              </a:defRPr>
+            </a:lvl4pPr>
+            <a:lvl5pPr marL="1960563" indent="-225425" algn="l" defTabSz="914400" rtl="0" eaLnBrk="1" latinLnBrk="0" hangingPunct="1">
+              <a:lnSpc>
+                <a:spcPct val="90000"/>
+              </a:lnSpc>
+              <a:spcBef>
+                <a:spcPts val="600"/>
+              </a:spcBef>
+              <a:spcAft>
+                <a:spcPts val="600"/>
+              </a:spcAft>
+              <a:buClr>
+                <a:schemeClr val="accent2"/>
+              </a:buClr>
+              <a:buFont typeface="Wingdings" pitchFamily="2" charset="2"/>
+              <a:buChar char="§"/>
+              <a:tabLst/>
+              <a:defRPr sz="1600" kern="1200">
+                <a:solidFill>
+                  <a:schemeClr val="tx1"/>
+                </a:solidFill>
+                <a:latin typeface="+mn-lt"/>
+                <a:ea typeface="Open Sans" panose="020B0606030504020204" pitchFamily="34" charset="0"/>
+                <a:cs typeface="Open Sans" panose="020B0606030504020204" pitchFamily="34" charset="0"/>
+              </a:defRPr>
+            </a:lvl5pPr>
+            <a:lvl6pPr marL="2514600" indent="-228600" algn="l" defTabSz="914400" rtl="0" eaLnBrk="1" latinLnBrk="0" hangingPunct="1">
+              <a:lnSpc>
+                <a:spcPct val="90000"/>
+              </a:lnSpc>
+              <a:spcBef>
+                <a:spcPts val="500"/>
+              </a:spcBef>
+              <a:buFont typeface="Arial" panose="020B0604020202020204" pitchFamily="34" charset="0"/>
+              <a:buChar char="•"/>
+              <a:defRPr sz="1800" kern="1200">
+                <a:solidFill>
+                  <a:schemeClr val="tx1"/>
+                </a:solidFill>
+                <a:latin typeface="+mn-lt"/>
+                <a:ea typeface="+mn-ea"/>
+                <a:cs typeface="+mn-cs"/>
+              </a:defRPr>
+            </a:lvl6pPr>
+            <a:lvl7pPr marL="2971800" indent="-228600" algn="l" defTabSz="914400" rtl="0" eaLnBrk="1" latinLnBrk="0" hangingPunct="1">
+              <a:lnSpc>
+                <a:spcPct val="90000"/>
+              </a:lnSpc>
+              <a:spcBef>
+                <a:spcPts val="500"/>
+              </a:spcBef>
+              <a:buFont typeface="Arial" panose="020B0604020202020204" pitchFamily="34" charset="0"/>
+              <a:buChar char="•"/>
+              <a:defRPr sz="1800" kern="1200">
+                <a:solidFill>
+                  <a:schemeClr val="tx1"/>
+                </a:solidFill>
+                <a:latin typeface="+mn-lt"/>
+                <a:ea typeface="+mn-ea"/>
+                <a:cs typeface="+mn-cs"/>
+              </a:defRPr>
+            </a:lvl7pPr>
+            <a:lvl8pPr marL="3429000" indent="-228600" algn="l" defTabSz="914400" rtl="0" eaLnBrk="1" latinLnBrk="0" hangingPunct="1">
+              <a:lnSpc>
+                <a:spcPct val="90000"/>
+              </a:lnSpc>
+              <a:spcBef>
+                <a:spcPts val="500"/>
+              </a:spcBef>
+              <a:buFont typeface="Arial" panose="020B0604020202020204" pitchFamily="34" charset="0"/>
+              <a:buChar char="•"/>
+              <a:defRPr sz="1800" kern="1200">
+                <a:solidFill>
+                  <a:schemeClr val="tx1"/>
+                </a:solidFill>
+                <a:latin typeface="+mn-lt"/>
+                <a:ea typeface="+mn-ea"/>
+                <a:cs typeface="+mn-cs"/>
+              </a:defRPr>
+            </a:lvl8pPr>
+            <a:lvl9pPr marL="3886200" indent="-228600" algn="l" defTabSz="914400" rtl="0" eaLnBrk="1" latinLnBrk="0" hangingPunct="1">
+              <a:lnSpc>
+                <a:spcPct val="90000"/>
+              </a:lnSpc>
+              <a:spcBef>
+                <a:spcPts val="500"/>
+              </a:spcBef>
+              <a:buFont typeface="Arial" panose="020B0604020202020204" pitchFamily="34" charset="0"/>
+              <a:buChar char="•"/>
+              <a:defRPr sz="1800" kern="1200">
+                <a:solidFill>
+                  <a:schemeClr val="tx1"/>
+                </a:solidFill>
+                <a:latin typeface="+mn-lt"/>
+                <a:ea typeface="+mn-ea"/>
+                <a:cs typeface="+mn-cs"/>
+              </a:defRPr>
+            </a:lvl9pPr>
+          </a:lstStyle>
+          <a:p>
+            <a:pPr>
+              <a:buNone/>
+            </a:pPr>
+            <a:r>
+              <a:rPr lang="en-US" b="1" dirty="0">
+                <a:latin typeface="Bahnschrift SemiLight" panose="020B0502040204020203" pitchFamily="34" charset="0"/>
+              </a:rPr>
+              <a:t>Compliance Requirements</a:t>
+            </a:r>
+          </a:p>
+          <a:p>
+            <a:pPr>
+              <a:buFont typeface="+mj-lt"/>
+              <a:buAutoNum type="arabicPeriod"/>
+            </a:pPr>
+            <a:r>
+              <a:rPr lang="en-US" b="1" dirty="0">
+                <a:latin typeface="Bahnschrift SemiLight" panose="020B0502040204020203" pitchFamily="34" charset="0"/>
+              </a:rPr>
+              <a:t>Data Protection Impact Assessments (DPIA)</a:t>
+            </a:r>
+            <a:r>
+              <a:rPr lang="en-US" dirty="0">
+                <a:latin typeface="Bahnschrift SemiLight" panose="020B0502040204020203" pitchFamily="34" charset="0"/>
+              </a:rPr>
+              <a:t> </a:t>
+            </a:r>
+          </a:p>
+          <a:p>
+            <a:pPr marL="742950" lvl="1" indent="-285750">
+              <a:buFont typeface="+mj-lt"/>
+              <a:buAutoNum type="arabicPeriod"/>
+            </a:pPr>
+            <a:r>
+              <a:rPr lang="en-US" sz="2400" dirty="0">
+                <a:latin typeface="Bahnschrift SemiLight" panose="020B0502040204020203" pitchFamily="34" charset="0"/>
+              </a:rPr>
+              <a:t>Evaluate risks associated with data processing.</a:t>
+            </a:r>
+          </a:p>
+          <a:p>
+            <a:pPr>
+              <a:buFont typeface="+mj-lt"/>
+              <a:buAutoNum type="arabicPeriod"/>
+            </a:pPr>
+            <a:r>
+              <a:rPr lang="en-US" b="1" dirty="0">
+                <a:latin typeface="Bahnschrift SemiLight" panose="020B0502040204020203" pitchFamily="34" charset="0"/>
+              </a:rPr>
+              <a:t>Implementing Policies and Procedures</a:t>
+            </a:r>
+            <a:r>
+              <a:rPr lang="en-US" dirty="0">
+                <a:latin typeface="Bahnschrift SemiLight" panose="020B0502040204020203" pitchFamily="34" charset="0"/>
+              </a:rPr>
+              <a:t> </a:t>
+            </a:r>
+          </a:p>
+          <a:p>
+            <a:pPr marL="742950" lvl="1" indent="-285750">
+              <a:buFont typeface="+mj-lt"/>
+              <a:buAutoNum type="arabicPeriod"/>
+            </a:pPr>
+            <a:r>
+              <a:rPr lang="en-US" sz="2400" dirty="0">
+                <a:latin typeface="Bahnschrift SemiLight" panose="020B0502040204020203" pitchFamily="34" charset="0"/>
+              </a:rPr>
+              <a:t>Define how data is collected, stored, and protected.</a:t>
+            </a:r>
+          </a:p>
+          <a:p>
+            <a:pPr marL="742950" lvl="1" indent="-285750">
+              <a:buFont typeface="+mj-lt"/>
+              <a:buAutoNum type="arabicPeriod"/>
+            </a:pPr>
+            <a:r>
+              <a:rPr lang="en-US" sz="2400" dirty="0">
+                <a:latin typeface="Bahnschrift SemiLight" panose="020B0502040204020203" pitchFamily="34" charset="0"/>
+              </a:rPr>
+              <a:t>Outline breach notification protocols.</a:t>
+            </a:r>
+          </a:p>
+          <a:p>
+            <a:pPr>
+              <a:buFont typeface="+mj-lt"/>
+              <a:buAutoNum type="arabicPeriod"/>
+            </a:pPr>
+            <a:r>
+              <a:rPr lang="en-US" b="1" dirty="0">
+                <a:latin typeface="Bahnschrift SemiLight" panose="020B0502040204020203" pitchFamily="34" charset="0"/>
+              </a:rPr>
+              <a:t>Regular Audits and Monitoring</a:t>
+            </a:r>
+            <a:r>
+              <a:rPr lang="en-US" dirty="0">
+                <a:latin typeface="Bahnschrift SemiLight" panose="020B0502040204020203" pitchFamily="34" charset="0"/>
+              </a:rPr>
+              <a:t> </a:t>
+            </a:r>
+          </a:p>
+          <a:p>
+            <a:pPr marL="742950" lvl="1" indent="-285750">
+              <a:buFont typeface="+mj-lt"/>
+              <a:buAutoNum type="arabicPeriod"/>
+            </a:pPr>
+            <a:r>
+              <a:rPr lang="en-US" sz="2400" dirty="0">
+                <a:latin typeface="Bahnschrift SemiLight" panose="020B0502040204020203" pitchFamily="34" charset="0"/>
+              </a:rPr>
+              <a:t>Perform internal audits and vulnerability assessments.</a:t>
+            </a:r>
+          </a:p>
+          <a:p>
+            <a:pPr marL="742950" lvl="1" indent="-285750">
+              <a:buFont typeface="+mj-lt"/>
+              <a:buAutoNum type="arabicPeriod"/>
+            </a:pPr>
+            <a:r>
+              <a:rPr lang="en-US" sz="2400" dirty="0">
+                <a:latin typeface="Bahnschrift SemiLight" panose="020B0502040204020203" pitchFamily="34" charset="0"/>
+              </a:rPr>
+              <a:t>Ensure systems meet compliance requirements.</a:t>
+            </a:r>
+          </a:p>
+        </p:txBody>
+      </p:sp>
+    </p:spTree>
+    <p:extLst>
+      <p:ext uri="{BB962C8B-B14F-4D97-AF65-F5344CB8AC3E}">
+        <p14:creationId xmlns:p14="http://schemas.microsoft.com/office/powerpoint/2010/main" val="2334882512"/>
+      </p:ext>
+    </p:extLst>
+  </p:cSld>
+  <p:clrMapOvr>
+    <a:masterClrMapping/>
+  </p:clrMapOvr>
+</p:sld>
+</file>
+
+<file path=ppt/slides/slide14.xml><?xml version="1.0" encoding="utf-8"?>
+<p:sld xmlns:a="http://schemas.openxmlformats.org/drawingml/2006/main" xmlns:r="http://schemas.openxmlformats.org/officeDocument/2006/relationships" xmlns:p="http://schemas.openxmlformats.org/presentationml/2006/main">
+  <p:cSld>
+    <p:spTree>
+      <p:nvGrpSpPr>
+        <p:cNvPr id="1" name="">
+          <a:extLst>
+            <a:ext uri="{FF2B5EF4-FFF2-40B4-BE49-F238E27FC236}">
+              <a16:creationId xmlns:a16="http://schemas.microsoft.com/office/drawing/2014/main" id="{17BE34B3-9463-4769-9D3B-A9C2BDE5C26A}"/>
+            </a:ext>
+          </a:extLst>
+        </p:cNvPr>
+        <p:cNvGrpSpPr/>
+        <p:nvPr/>
+      </p:nvGrpSpPr>
+      <p:grpSpPr>
+        <a:xfrm>
+          <a:off x="0" y="0"/>
+          <a:ext cx="0" cy="0"/>
+          <a:chOff x="0" y="0"/>
+          <a:chExt cx="0" cy="0"/>
+        </a:xfrm>
+      </p:grpSpPr>
+      <p:sp>
+        <p:nvSpPr>
+          <p:cNvPr id="3" name="Title 2">
+            <a:extLst>
+              <a:ext uri="{FF2B5EF4-FFF2-40B4-BE49-F238E27FC236}">
+                <a16:creationId xmlns:a16="http://schemas.microsoft.com/office/drawing/2014/main" id="{4F3D9C7A-B29A-4BB6-7910-18760B411AC1}"/>
+              </a:ext>
+            </a:extLst>
+          </p:cNvPr>
+          <p:cNvSpPr>
+            <a:spLocks noGrp="1"/>
+          </p:cNvSpPr>
+          <p:nvPr>
+            <p:ph type="title"/>
+          </p:nvPr>
+        </p:nvSpPr>
+        <p:spPr>
+          <a:xfrm>
+            <a:off x="838200" y="358775"/>
+            <a:ext cx="10515600" cy="1325563"/>
+          </a:xfrm>
+        </p:spPr>
+        <p:txBody>
+          <a:bodyPr/>
+          <a:lstStyle/>
+          <a:p>
+            <a:r>
+              <a:rPr lang="hr-HR" dirty="0"/>
+              <a:t>SECURITY AND PRIVACY</a:t>
+            </a:r>
+            <a:r>
+              <a:rPr lang="en-US" dirty="0"/>
+              <a:t> - </a:t>
+            </a:r>
+            <a:r>
+              <a:rPr lang="hr-HR" dirty="0"/>
+              <a:t>LAWS AND REGULATIONS</a:t>
+            </a:r>
+            <a:r>
+              <a:rPr lang="en-US" dirty="0"/>
+              <a:t> </a:t>
+            </a:r>
+            <a:endParaRPr lang="hr-HR" dirty="0"/>
+          </a:p>
+        </p:txBody>
+      </p:sp>
+      <p:sp>
+        <p:nvSpPr>
+          <p:cNvPr id="2" name="Content Placeholder 2">
+            <a:extLst>
+              <a:ext uri="{FF2B5EF4-FFF2-40B4-BE49-F238E27FC236}">
+                <a16:creationId xmlns:a16="http://schemas.microsoft.com/office/drawing/2014/main" id="{05404E6E-8CC0-C933-29B5-C12AF85F235B}"/>
+              </a:ext>
+            </a:extLst>
+          </p:cNvPr>
+          <p:cNvSpPr txBox="1">
+            <a:spLocks/>
+          </p:cNvSpPr>
+          <p:nvPr/>
+        </p:nvSpPr>
+        <p:spPr>
+          <a:xfrm>
+            <a:off x="555625" y="5173661"/>
+            <a:ext cx="11080750" cy="1058864"/>
+          </a:xfrm>
+          <a:prstGeom prst="rect">
+            <a:avLst/>
+          </a:prstGeom>
+        </p:spPr>
+        <p:txBody>
+          <a:bodyPr vert="horz" lIns="91440" tIns="45720" rIns="91440" bIns="45720" rtlCol="0">
+            <a:normAutofit fontScale="92500" lnSpcReduction="10000"/>
+          </a:bodyPr>
+          <a:lstStyle>
+            <a:lvl1pPr marL="368300" indent="-352425" algn="l" defTabSz="914400" rtl="0" eaLnBrk="1" latinLnBrk="0" hangingPunct="1">
+              <a:lnSpc>
+                <a:spcPct val="90000"/>
+              </a:lnSpc>
+              <a:spcBef>
+                <a:spcPts val="600"/>
+              </a:spcBef>
+              <a:spcAft>
+                <a:spcPts val="600"/>
+              </a:spcAft>
+              <a:buClr>
+                <a:schemeClr val="accent2"/>
+              </a:buClr>
+              <a:buFont typeface="Wingdings" pitchFamily="2" charset="2"/>
+              <a:buChar char="§"/>
+              <a:tabLst/>
+              <a:defRPr sz="2400" kern="1200">
+                <a:solidFill>
+                  <a:schemeClr val="tx1"/>
+                </a:solidFill>
+                <a:latin typeface="+mn-lt"/>
+                <a:ea typeface="Open Sans" panose="020B0606030504020204" pitchFamily="34" charset="0"/>
+                <a:cs typeface="Open Sans" panose="020B0606030504020204" pitchFamily="34" charset="0"/>
+              </a:defRPr>
+            </a:lvl1pPr>
+            <a:lvl2pPr marL="771525" indent="-274638" algn="l" defTabSz="914400" rtl="0" eaLnBrk="1" latinLnBrk="0" hangingPunct="1">
+              <a:lnSpc>
+                <a:spcPct val="90000"/>
+              </a:lnSpc>
+              <a:spcBef>
+                <a:spcPts val="600"/>
+              </a:spcBef>
+              <a:spcAft>
+                <a:spcPts val="600"/>
+              </a:spcAft>
+              <a:buClr>
+                <a:schemeClr val="accent2"/>
+              </a:buClr>
+              <a:buFont typeface="Wingdings" pitchFamily="2" charset="2"/>
+              <a:buChar char="§"/>
+              <a:tabLst/>
+              <a:defRPr sz="2200" kern="1200">
+                <a:solidFill>
+                  <a:schemeClr val="tx1"/>
+                </a:solidFill>
+                <a:latin typeface="+mn-lt"/>
+                <a:ea typeface="Open Sans" panose="020B0606030504020204" pitchFamily="34" charset="0"/>
+                <a:cs typeface="Open Sans" panose="020B0606030504020204" pitchFamily="34" charset="0"/>
+              </a:defRPr>
+            </a:lvl2pPr>
+            <a:lvl3pPr marL="1143000" indent="-228600" algn="l" defTabSz="914400" rtl="0" eaLnBrk="1" latinLnBrk="0" hangingPunct="1">
+              <a:lnSpc>
+                <a:spcPct val="90000"/>
+              </a:lnSpc>
+              <a:spcBef>
+                <a:spcPts val="600"/>
+              </a:spcBef>
+              <a:spcAft>
+                <a:spcPts val="600"/>
+              </a:spcAft>
+              <a:buClr>
+                <a:schemeClr val="accent2"/>
+              </a:buClr>
+              <a:buFont typeface="Wingdings" pitchFamily="2" charset="2"/>
+              <a:buChar char="§"/>
+              <a:defRPr sz="2000" kern="1200">
+                <a:solidFill>
+                  <a:schemeClr val="tx1"/>
+                </a:solidFill>
+                <a:latin typeface="+mn-lt"/>
+                <a:ea typeface="Open Sans" panose="020B0606030504020204" pitchFamily="34" charset="0"/>
+                <a:cs typeface="Open Sans" panose="020B0606030504020204" pitchFamily="34" charset="0"/>
+              </a:defRPr>
+            </a:lvl3pPr>
+            <a:lvl4pPr marL="1600200" indent="-228600" algn="l" defTabSz="914400" rtl="0" eaLnBrk="1" latinLnBrk="0" hangingPunct="1">
+              <a:lnSpc>
+                <a:spcPct val="90000"/>
+              </a:lnSpc>
+              <a:spcBef>
+                <a:spcPts val="600"/>
+              </a:spcBef>
+              <a:spcAft>
+                <a:spcPts val="600"/>
+              </a:spcAft>
+              <a:buClr>
+                <a:schemeClr val="accent2"/>
+              </a:buClr>
+              <a:buFont typeface="Wingdings" pitchFamily="2" charset="2"/>
+              <a:buChar char="§"/>
+              <a:defRPr sz="1800" kern="1200">
+                <a:solidFill>
+                  <a:schemeClr val="tx1"/>
+                </a:solidFill>
+                <a:latin typeface="+mn-lt"/>
+                <a:ea typeface="Open Sans" panose="020B0606030504020204" pitchFamily="34" charset="0"/>
+                <a:cs typeface="Open Sans" panose="020B0606030504020204" pitchFamily="34" charset="0"/>
+              </a:defRPr>
+            </a:lvl4pPr>
+            <a:lvl5pPr marL="1960563" indent="-225425" algn="l" defTabSz="914400" rtl="0" eaLnBrk="1" latinLnBrk="0" hangingPunct="1">
+              <a:lnSpc>
+                <a:spcPct val="90000"/>
+              </a:lnSpc>
+              <a:spcBef>
+                <a:spcPts val="600"/>
+              </a:spcBef>
+              <a:spcAft>
+                <a:spcPts val="600"/>
+              </a:spcAft>
+              <a:buClr>
+                <a:schemeClr val="accent2"/>
+              </a:buClr>
+              <a:buFont typeface="Wingdings" pitchFamily="2" charset="2"/>
+              <a:buChar char="§"/>
+              <a:tabLst/>
+              <a:defRPr sz="1600" kern="1200">
+                <a:solidFill>
+                  <a:schemeClr val="tx1"/>
+                </a:solidFill>
+                <a:latin typeface="+mn-lt"/>
+                <a:ea typeface="Open Sans" panose="020B0606030504020204" pitchFamily="34" charset="0"/>
+                <a:cs typeface="Open Sans" panose="020B0606030504020204" pitchFamily="34" charset="0"/>
+              </a:defRPr>
+            </a:lvl5pPr>
+            <a:lvl6pPr marL="2514600" indent="-228600" algn="l" defTabSz="914400" rtl="0" eaLnBrk="1" latinLnBrk="0" hangingPunct="1">
+              <a:lnSpc>
+                <a:spcPct val="90000"/>
+              </a:lnSpc>
+              <a:spcBef>
+                <a:spcPts val="500"/>
+              </a:spcBef>
+              <a:buFont typeface="Arial" panose="020B0604020202020204" pitchFamily="34" charset="0"/>
+              <a:buChar char="•"/>
+              <a:defRPr sz="1800" kern="1200">
+                <a:solidFill>
+                  <a:schemeClr val="tx1"/>
+                </a:solidFill>
+                <a:latin typeface="+mn-lt"/>
+                <a:ea typeface="+mn-ea"/>
+                <a:cs typeface="+mn-cs"/>
+              </a:defRPr>
+            </a:lvl6pPr>
+            <a:lvl7pPr marL="2971800" indent="-228600" algn="l" defTabSz="914400" rtl="0" eaLnBrk="1" latinLnBrk="0" hangingPunct="1">
+              <a:lnSpc>
+                <a:spcPct val="90000"/>
+              </a:lnSpc>
+              <a:spcBef>
+                <a:spcPts val="500"/>
+              </a:spcBef>
+              <a:buFont typeface="Arial" panose="020B0604020202020204" pitchFamily="34" charset="0"/>
+              <a:buChar char="•"/>
+              <a:defRPr sz="1800" kern="1200">
+                <a:solidFill>
+                  <a:schemeClr val="tx1"/>
+                </a:solidFill>
+                <a:latin typeface="+mn-lt"/>
+                <a:ea typeface="+mn-ea"/>
+                <a:cs typeface="+mn-cs"/>
+              </a:defRPr>
+            </a:lvl7pPr>
+            <a:lvl8pPr marL="3429000" indent="-228600" algn="l" defTabSz="914400" rtl="0" eaLnBrk="1" latinLnBrk="0" hangingPunct="1">
+              <a:lnSpc>
+                <a:spcPct val="90000"/>
+              </a:lnSpc>
+              <a:spcBef>
+                <a:spcPts val="500"/>
+              </a:spcBef>
+              <a:buFont typeface="Arial" panose="020B0604020202020204" pitchFamily="34" charset="0"/>
+              <a:buChar char="•"/>
+              <a:defRPr sz="1800" kern="1200">
+                <a:solidFill>
+                  <a:schemeClr val="tx1"/>
+                </a:solidFill>
+                <a:latin typeface="+mn-lt"/>
+                <a:ea typeface="+mn-ea"/>
+                <a:cs typeface="+mn-cs"/>
+              </a:defRPr>
+            </a:lvl8pPr>
+            <a:lvl9pPr marL="3886200" indent="-228600" algn="l" defTabSz="914400" rtl="0" eaLnBrk="1" latinLnBrk="0" hangingPunct="1">
+              <a:lnSpc>
+                <a:spcPct val="90000"/>
+              </a:lnSpc>
+              <a:spcBef>
+                <a:spcPts val="500"/>
+              </a:spcBef>
+              <a:buFont typeface="Arial" panose="020B0604020202020204" pitchFamily="34" charset="0"/>
+              <a:buChar char="•"/>
+              <a:defRPr sz="1800" kern="1200">
+                <a:solidFill>
+                  <a:schemeClr val="tx1"/>
+                </a:solidFill>
+                <a:latin typeface="+mn-lt"/>
+                <a:ea typeface="+mn-ea"/>
+                <a:cs typeface="+mn-cs"/>
+              </a:defRPr>
+            </a:lvl9pPr>
+          </a:lstStyle>
+          <a:p>
+            <a:pPr>
+              <a:buNone/>
+            </a:pPr>
+            <a:r>
+              <a:rPr lang="en-US" b="1" dirty="0"/>
+              <a:t>Example of a GDPR Breach Penalty</a:t>
+            </a:r>
+          </a:p>
+          <a:p>
+            <a:pPr>
+              <a:buFont typeface="Arial" panose="020B0604020202020204" pitchFamily="34" charset="0"/>
+              <a:buChar char="•"/>
+            </a:pPr>
+            <a:r>
+              <a:rPr lang="en-US" dirty="0"/>
+              <a:t>In 2019, British Airways was fined </a:t>
+            </a:r>
+            <a:r>
+              <a:rPr lang="en-US" b="1" dirty="0"/>
+              <a:t>£183 million</a:t>
+            </a:r>
+            <a:r>
+              <a:rPr lang="en-US" dirty="0"/>
+              <a:t> for failing to protect customer data due to security vulnerabilities.</a:t>
+            </a:r>
+          </a:p>
+        </p:txBody>
+      </p:sp>
+      <p:pic>
+        <p:nvPicPr>
+          <p:cNvPr id="7" name="Picture 6">
+            <a:extLst>
+              <a:ext uri="{FF2B5EF4-FFF2-40B4-BE49-F238E27FC236}">
+                <a16:creationId xmlns:a16="http://schemas.microsoft.com/office/drawing/2014/main" id="{AB0780C4-B173-C9D9-4BBE-EDA0A3937F83}"/>
+              </a:ext>
+            </a:extLst>
+          </p:cNvPr>
+          <p:cNvPicPr>
+            <a:picLocks noChangeAspect="1"/>
+          </p:cNvPicPr>
+          <p:nvPr/>
+        </p:nvPicPr>
+        <p:blipFill>
+          <a:blip r:embed="rId3"/>
+          <a:stretch>
+            <a:fillRect/>
+          </a:stretch>
+        </p:blipFill>
+        <p:spPr>
+          <a:xfrm>
+            <a:off x="2297580" y="2299535"/>
+            <a:ext cx="7212179" cy="2134975"/>
+          </a:xfrm>
+          <a:prstGeom prst="rect">
+            <a:avLst/>
+          </a:prstGeom>
+        </p:spPr>
+      </p:pic>
+    </p:spTree>
+    <p:extLst>
+      <p:ext uri="{BB962C8B-B14F-4D97-AF65-F5344CB8AC3E}">
+        <p14:creationId xmlns:p14="http://schemas.microsoft.com/office/powerpoint/2010/main" val="2485360047"/>
+      </p:ext>
+    </p:extLst>
+  </p:cSld>
+  <p:clrMapOvr>
+    <a:masterClrMapping/>
+  </p:clrMapOvr>
+</p:sld>
+</file>
+
+<file path=ppt/slides/slide15.xml><?xml version="1.0" encoding="utf-8"?>
+<p:sld xmlns:a="http://schemas.openxmlformats.org/drawingml/2006/main" xmlns:r="http://schemas.openxmlformats.org/officeDocument/2006/relationships" xmlns:p="http://schemas.openxmlformats.org/presentationml/2006/main">
+  <p:cSld>
+    <p:spTree>
+      <p:nvGrpSpPr>
+        <p:cNvPr id="1" name="">
+          <a:extLst>
+            <a:ext uri="{FF2B5EF4-FFF2-40B4-BE49-F238E27FC236}">
+              <a16:creationId xmlns:a16="http://schemas.microsoft.com/office/drawing/2014/main" id="{EA38EF91-88A4-9B83-17B2-D758FAA38447}"/>
+            </a:ext>
+          </a:extLst>
+        </p:cNvPr>
+        <p:cNvGrpSpPr/>
+        <p:nvPr/>
+      </p:nvGrpSpPr>
+      <p:grpSpPr>
+        <a:xfrm>
+          <a:off x="0" y="0"/>
+          <a:ext cx="0" cy="0"/>
+          <a:chOff x="0" y="0"/>
+          <a:chExt cx="0" cy="0"/>
+        </a:xfrm>
+      </p:grpSpPr>
+      <p:sp>
+        <p:nvSpPr>
+          <p:cNvPr id="6" name="Title 5">
+            <a:extLst>
+              <a:ext uri="{FF2B5EF4-FFF2-40B4-BE49-F238E27FC236}">
+                <a16:creationId xmlns:a16="http://schemas.microsoft.com/office/drawing/2014/main" id="{ED42E23B-7429-3E3D-8A65-F5A50F27D5BB}"/>
+              </a:ext>
+            </a:extLst>
+          </p:cNvPr>
+          <p:cNvSpPr>
+            <a:spLocks noGrp="1"/>
+          </p:cNvSpPr>
+          <p:nvPr>
+            <p:ph type="title"/>
+          </p:nvPr>
+        </p:nvSpPr>
+        <p:spPr/>
+        <p:txBody>
+          <a:bodyPr/>
+          <a:lstStyle/>
+          <a:p>
+            <a:endParaRPr lang="hr-HR"/>
+          </a:p>
+        </p:txBody>
+      </p:sp>
+      <p:sp>
+        <p:nvSpPr>
+          <p:cNvPr id="7" name="Content Placeholder 6">
+            <a:extLst>
+              <a:ext uri="{FF2B5EF4-FFF2-40B4-BE49-F238E27FC236}">
+                <a16:creationId xmlns:a16="http://schemas.microsoft.com/office/drawing/2014/main" id="{76B82322-87CF-1EBE-49EA-C89A8A89AAD9}"/>
+              </a:ext>
+            </a:extLst>
+          </p:cNvPr>
+          <p:cNvSpPr>
+            <a:spLocks noGrp="1"/>
+          </p:cNvSpPr>
+          <p:nvPr>
+            <p:ph idx="1"/>
+          </p:nvPr>
+        </p:nvSpPr>
+        <p:spPr/>
+        <p:txBody>
+          <a:bodyPr>
+            <a:normAutofit/>
+          </a:bodyPr>
+          <a:lstStyle/>
+          <a:p>
+            <a:pPr>
+              <a:buFont typeface="Arial" panose="020B0604020202020204" pitchFamily="34" charset="0"/>
+              <a:buChar char="•"/>
+            </a:pPr>
+            <a:r>
+              <a:rPr lang="en-US" dirty="0"/>
+              <a:t>Official GDPR documentation and guidelines available from European data protection authorities.</a:t>
+            </a:r>
+          </a:p>
+          <a:p>
+            <a:pPr>
+              <a:buFont typeface="Arial" panose="020B0604020202020204" pitchFamily="34" charset="0"/>
+              <a:buChar char="•"/>
+            </a:pPr>
+            <a:r>
+              <a:rPr lang="en-US" dirty="0"/>
+              <a:t>Online courses or webinars on compliance, available from platforms like Coursera or edX, that focus on real-world applications.</a:t>
+            </a:r>
+          </a:p>
+          <a:p>
+            <a:pPr>
+              <a:buFont typeface="Arial" panose="020B0604020202020204" pitchFamily="34" charset="0"/>
+              <a:buChar char="•"/>
+            </a:pPr>
+            <a:r>
+              <a:rPr lang="en-US" dirty="0"/>
+              <a:t>Detailed case studies or legal analyses on high-profile data breaches, including critical evaluations of the British Airways case, and resources on setting up robust compliance frameworks.</a:t>
+            </a:r>
+          </a:p>
+        </p:txBody>
+      </p:sp>
+    </p:spTree>
+    <p:extLst>
+      <p:ext uri="{BB962C8B-B14F-4D97-AF65-F5344CB8AC3E}">
+        <p14:creationId xmlns:p14="http://schemas.microsoft.com/office/powerpoint/2010/main" val="2435320652"/>
       </p:ext>
     </p:extLst>
   </p:cSld>
@@ -4642,7 +7341,7 @@
         </p:spPr>
         <p:txBody>
           <a:bodyPr vert="horz" lIns="91440" tIns="45720" rIns="91440" bIns="45720" rtlCol="0">
-            <a:normAutofit/>
+            <a:normAutofit fontScale="92500"/>
           </a:bodyPr>
           <a:lstStyle>
             <a:lvl1pPr marL="368300" indent="-352425" algn="l" defTabSz="914400" rtl="0" eaLnBrk="1" latinLnBrk="0" hangingPunct="1">
@@ -4846,10 +7545,14 @@
               <a:buNone/>
             </a:pPr>
             <a:r>
-              <a:rPr lang="en-US" dirty="0"/>
+              <a:rPr lang="en-US" dirty="0">
+                <a:latin typeface="Bahnschrift SemiLight" panose="020B0502040204020203" pitchFamily="34" charset="0"/>
+              </a:rPr>
               <a:t>🔹 Cyberattacks, data breaches, and privacy violations are becoming more frequent and more sophisticated — making it essential for businesses and individuals to implement strong security and privacy practices</a:t>
             </a:r>
-            <a:endParaRPr lang="pt-BR" dirty="0"/>
+            <a:endParaRPr lang="pt-BR" dirty="0">
+              <a:latin typeface="Bahnschrift SemiLight" panose="020B0502040204020203" pitchFamily="34" charset="0"/>
+            </a:endParaRPr>
           </a:p>
         </p:txBody>
       </p:sp>
@@ -5082,7 +7785,9 @@
               <a:buNone/>
             </a:pPr>
             <a:r>
-              <a:rPr lang="en-US" dirty="0"/>
+              <a:rPr lang="en-US" dirty="0">
+                <a:latin typeface="Bahnschrift SemiLight" panose="020B0502040204020203" pitchFamily="34" charset="0"/>
+              </a:rPr>
               <a:t>🔹 Modern organizations rely heavily on data — from customer information to proprietary business strategies. Without adequate security and privacy controls, sensitive data can be exposed to threats like hacking, unauthorized access, or accidental disclosure.</a:t>
             </a:r>
           </a:p>
@@ -5091,7 +7796,9 @@
               <a:buNone/>
             </a:pPr>
             <a:r>
-              <a:rPr lang="en-US" b="1" dirty="0"/>
+              <a:rPr lang="en-US" b="1" dirty="0">
+                <a:latin typeface="Bahnschrift SemiLight" panose="020B0502040204020203" pitchFamily="34" charset="0"/>
+              </a:rPr>
               <a:t>✅ Consequences of Poor Security and Privacy Practices:</a:t>
             </a:r>
           </a:p>
@@ -5101,11 +7808,15 @@
               <a:buChar char="•"/>
             </a:pPr>
             <a:r>
-              <a:rPr lang="en-US" b="1" dirty="0"/>
+              <a:rPr lang="en-US" b="1" dirty="0">
+                <a:latin typeface="Bahnschrift SemiLight" panose="020B0502040204020203" pitchFamily="34" charset="0"/>
+              </a:rPr>
               <a:t>Data Breaches</a:t>
             </a:r>
             <a:r>
-              <a:rPr lang="en-US" dirty="0"/>
+              <a:rPr lang="en-US" dirty="0">
+                <a:latin typeface="Bahnschrift SemiLight" panose="020B0502040204020203" pitchFamily="34" charset="0"/>
+              </a:rPr>
               <a:t> – Exposure of customer or business data</a:t>
             </a:r>
           </a:p>
@@ -5115,11 +7826,15 @@
               <a:buChar char="•"/>
             </a:pPr>
             <a:r>
-              <a:rPr lang="en-US" b="1" dirty="0"/>
+              <a:rPr lang="en-US" b="1" dirty="0">
+                <a:latin typeface="Bahnschrift SemiLight" panose="020B0502040204020203" pitchFamily="34" charset="0"/>
+              </a:rPr>
               <a:t>Financial Loss</a:t>
             </a:r>
             <a:r>
-              <a:rPr lang="en-US" dirty="0"/>
+              <a:rPr lang="en-US" dirty="0">
+                <a:latin typeface="Bahnschrift SemiLight" panose="020B0502040204020203" pitchFamily="34" charset="0"/>
+              </a:rPr>
               <a:t> – Fines, penalties, and lawsuits</a:t>
             </a:r>
           </a:p>
@@ -5129,11 +7844,15 @@
               <a:buChar char="•"/>
             </a:pPr>
             <a:r>
-              <a:rPr lang="en-US" b="1" dirty="0"/>
+              <a:rPr lang="en-US" b="1" dirty="0">
+                <a:latin typeface="Bahnschrift SemiLight" panose="020B0502040204020203" pitchFamily="34" charset="0"/>
+              </a:rPr>
               <a:t>Reputation Damage</a:t>
             </a:r>
             <a:r>
-              <a:rPr lang="en-US" dirty="0"/>
+              <a:rPr lang="en-US" dirty="0">
+                <a:latin typeface="Bahnschrift SemiLight" panose="020B0502040204020203" pitchFamily="34" charset="0"/>
+              </a:rPr>
               <a:t> – Loss of customer trust and brand value</a:t>
             </a:r>
           </a:p>
@@ -5143,11 +7862,15 @@
               <a:buChar char="•"/>
             </a:pPr>
             <a:r>
-              <a:rPr lang="en-US" b="1" dirty="0"/>
+              <a:rPr lang="en-US" b="1" dirty="0">
+                <a:latin typeface="Bahnschrift SemiLight" panose="020B0502040204020203" pitchFamily="34" charset="0"/>
+              </a:rPr>
               <a:t>Operational Disruption</a:t>
             </a:r>
             <a:r>
-              <a:rPr lang="en-US" dirty="0"/>
+              <a:rPr lang="en-US" dirty="0">
+                <a:latin typeface="Bahnschrift SemiLight" panose="020B0502040204020203" pitchFamily="34" charset="0"/>
+              </a:rPr>
               <a:t> – Downtime caused by attacks or misconfigurations</a:t>
             </a:r>
           </a:p>
@@ -5265,6 +7988,124 @@
   <p:cSld>
     <p:spTree>
       <p:nvGrpSpPr>
+        <p:cNvPr id="1" name=""/>
+        <p:cNvGrpSpPr/>
+        <p:nvPr/>
+      </p:nvGrpSpPr>
+      <p:grpSpPr>
+        <a:xfrm>
+          <a:off x="0" y="0"/>
+          <a:ext cx="0" cy="0"/>
+          <a:chOff x="0" y="0"/>
+          <a:chExt cx="0" cy="0"/>
+        </a:xfrm>
+      </p:grpSpPr>
+      <p:sp>
+        <p:nvSpPr>
+          <p:cNvPr id="6" name="Title 5">
+            <a:extLst>
+              <a:ext uri="{FF2B5EF4-FFF2-40B4-BE49-F238E27FC236}">
+                <a16:creationId xmlns:a16="http://schemas.microsoft.com/office/drawing/2014/main" id="{8D9A15BA-4706-5F8F-9342-6BB0E39E5221}"/>
+              </a:ext>
+            </a:extLst>
+          </p:cNvPr>
+          <p:cNvSpPr>
+            <a:spLocks noGrp="1"/>
+          </p:cNvSpPr>
+          <p:nvPr>
+            <p:ph type="title"/>
+          </p:nvPr>
+        </p:nvSpPr>
+        <p:spPr/>
+        <p:txBody>
+          <a:bodyPr/>
+          <a:lstStyle/>
+          <a:p>
+            <a:endParaRPr lang="hr-HR"/>
+          </a:p>
+        </p:txBody>
+      </p:sp>
+      <p:sp>
+        <p:nvSpPr>
+          <p:cNvPr id="7" name="Content Placeholder 6">
+            <a:extLst>
+              <a:ext uri="{FF2B5EF4-FFF2-40B4-BE49-F238E27FC236}">
+                <a16:creationId xmlns:a16="http://schemas.microsoft.com/office/drawing/2014/main" id="{7F4F52AD-BA64-2DE1-3246-E8B2839E6BF1}"/>
+              </a:ext>
+            </a:extLst>
+          </p:cNvPr>
+          <p:cNvSpPr>
+            <a:spLocks noGrp="1"/>
+          </p:cNvSpPr>
+          <p:nvPr>
+            <p:ph idx="1"/>
+          </p:nvPr>
+        </p:nvSpPr>
+        <p:spPr/>
+        <p:txBody>
+          <a:bodyPr/>
+          <a:lstStyle/>
+          <a:p>
+            <a:pPr marL="742950" lvl="1" indent="-285750">
+              <a:buFont typeface="Arial" panose="020B0604020202020204" pitchFamily="34" charset="0"/>
+              <a:buChar char="•"/>
+            </a:pPr>
+            <a:r>
+              <a:rPr lang="en-US" dirty="0"/>
+              <a:t>A basic primer video or interactive module on cybersecurity fundamentals from organizations such as NIST or SANS Institute.</a:t>
+            </a:r>
+          </a:p>
+          <a:p>
+            <a:pPr marL="742950" lvl="1" indent="-285750">
+              <a:buFont typeface="Arial" panose="020B0604020202020204" pitchFamily="34" charset="0"/>
+              <a:buChar char="•"/>
+            </a:pPr>
+            <a:r>
+              <a:rPr lang="en-US" dirty="0"/>
+              <a:t>Infographics or news articles that highlight trends in cyberattacks and breaches.</a:t>
+            </a:r>
+          </a:p>
+          <a:p>
+            <a:pPr marL="742950" lvl="1" indent="-285750">
+              <a:buFont typeface="Arial" panose="020B0604020202020204" pitchFamily="34" charset="0"/>
+              <a:buChar char="•"/>
+            </a:pPr>
+            <a:r>
+              <a:rPr lang="en-US" dirty="0"/>
+              <a:t>“Cybersecurity 101” articles or introductory chapters from textbooks like </a:t>
+            </a:r>
+            <a:r>
+              <a:rPr lang="en-US" i="1" dirty="0"/>
+              <a:t>Cybersecurity and Cyberwar: What Everyone Needs to Know</a:t>
+            </a:r>
+            <a:r>
+              <a:rPr lang="en-US" dirty="0"/>
+              <a:t> by P. W. Singer and Allan Friedman.</a:t>
+            </a:r>
+          </a:p>
+          <a:p>
+            <a:endParaRPr lang="hr-HR" dirty="0"/>
+          </a:p>
+        </p:txBody>
+      </p:sp>
+    </p:spTree>
+    <p:extLst>
+      <p:ext uri="{BB962C8B-B14F-4D97-AF65-F5344CB8AC3E}">
+        <p14:creationId xmlns:p14="http://schemas.microsoft.com/office/powerpoint/2010/main" val="1058032820"/>
+      </p:ext>
+    </p:extLst>
+  </p:cSld>
+  <p:clrMapOvr>
+    <a:masterClrMapping/>
+  </p:clrMapOvr>
+</p:sld>
+</file>
+
+<file path=ppt/slides/slide5.xml><?xml version="1.0" encoding="utf-8"?>
+<p:sld xmlns:a="http://schemas.openxmlformats.org/drawingml/2006/main" xmlns:r="http://schemas.openxmlformats.org/officeDocument/2006/relationships" xmlns:p="http://schemas.openxmlformats.org/presentationml/2006/main">
+  <p:cSld>
+    <p:spTree>
+      <p:nvGrpSpPr>
         <p:cNvPr id="1" name="">
           <a:extLst>
             <a:ext uri="{FF2B5EF4-FFF2-40B4-BE49-F238E27FC236}">
@@ -5337,7 +8178,7 @@
         </p:nvSpPr>
         <p:spPr>
           <a:xfrm>
-            <a:off x="1323562" y="2464863"/>
+            <a:off x="1122156" y="1996512"/>
             <a:ext cx="9947688" cy="3161656"/>
           </a:xfrm>
           <a:prstGeom prst="rect">
@@ -5346,7 +8187,7 @@
         </p:spPr>
         <p:txBody>
           <a:bodyPr vert="horz" lIns="91440" tIns="45720" rIns="91440" bIns="45720" rtlCol="0">
-            <a:normAutofit fontScale="70000" lnSpcReduction="20000"/>
+            <a:noAutofit/>
           </a:bodyPr>
           <a:lstStyle>
             <a:lvl1pPr marL="368300" indent="-352425" algn="l" defTabSz="914400" rtl="0" eaLnBrk="1" latinLnBrk="0" hangingPunct="1">
@@ -5550,7 +8391,9 @@
               <a:buNone/>
             </a:pPr>
             <a:r>
-              <a:rPr lang="en-US" dirty="0"/>
+              <a:rPr lang="en-US" sz="2000" dirty="0">
+                <a:latin typeface="Bahnschrift SemiLight" panose="020B0502040204020203" pitchFamily="34" charset="0"/>
+              </a:rPr>
               <a:t>The three core pillars of information security are:</a:t>
             </a:r>
           </a:p>
@@ -5560,10 +8403,14 @@
               <a:buAutoNum type="arabicPeriod"/>
             </a:pPr>
             <a:r>
-              <a:rPr lang="en-US" b="1" dirty="0"/>
+              <a:rPr lang="en-US" sz="2000" b="1" dirty="0">
+                <a:latin typeface="Bahnschrift SemiLight" panose="020B0502040204020203" pitchFamily="34" charset="0"/>
+              </a:rPr>
               <a:t>Confidentiality</a:t>
             </a:r>
-            <a:endParaRPr lang="en-US" dirty="0"/>
+            <a:endParaRPr lang="en-US" sz="2000" dirty="0">
+              <a:latin typeface="Bahnschrift SemiLight" panose="020B0502040204020203" pitchFamily="34" charset="0"/>
+            </a:endParaRPr>
           </a:p>
           <a:p>
             <a:pPr marL="742950" lvl="1" indent="-285750">
@@ -5571,7 +8418,9 @@
               <a:buAutoNum type="arabicPeriod"/>
             </a:pPr>
             <a:r>
-              <a:rPr lang="en-US" dirty="0"/>
+              <a:rPr lang="en-US" sz="2000" dirty="0">
+                <a:latin typeface="Bahnschrift SemiLight" panose="020B0502040204020203" pitchFamily="34" charset="0"/>
+              </a:rPr>
               <a:t>Ensuring that data is only accessible to authorized parties.</a:t>
             </a:r>
           </a:p>
@@ -5581,7 +8430,9 @@
               <a:buAutoNum type="arabicPeriod"/>
             </a:pPr>
             <a:r>
-              <a:rPr lang="en-US" dirty="0"/>
+              <a:rPr lang="en-US" sz="2000" dirty="0">
+                <a:latin typeface="Bahnschrift SemiLight" panose="020B0502040204020203" pitchFamily="34" charset="0"/>
+              </a:rPr>
               <a:t>Example: Encrypting customer credit card details to prevent exposure.</a:t>
             </a:r>
           </a:p>
@@ -5591,10 +8442,14 @@
               <a:buAutoNum type="arabicPeriod"/>
             </a:pPr>
             <a:r>
-              <a:rPr lang="en-US" b="1" dirty="0"/>
+              <a:rPr lang="en-US" sz="2000" b="1" dirty="0">
+                <a:latin typeface="Bahnschrift SemiLight" panose="020B0502040204020203" pitchFamily="34" charset="0"/>
+              </a:rPr>
               <a:t>Integrity</a:t>
             </a:r>
-            <a:endParaRPr lang="en-US" dirty="0"/>
+            <a:endParaRPr lang="en-US" sz="2000" dirty="0">
+              <a:latin typeface="Bahnschrift SemiLight" panose="020B0502040204020203" pitchFamily="34" charset="0"/>
+            </a:endParaRPr>
           </a:p>
           <a:p>
             <a:pPr marL="742950" lvl="1" indent="-285750">
@@ -5602,7 +8457,9 @@
               <a:buAutoNum type="arabicPeriod"/>
             </a:pPr>
             <a:r>
-              <a:rPr lang="en-US" dirty="0"/>
+              <a:rPr lang="en-US" sz="2000" dirty="0">
+                <a:latin typeface="Bahnschrift SemiLight" panose="020B0502040204020203" pitchFamily="34" charset="0"/>
+              </a:rPr>
               <a:t>Ensuring that data remains accurate and unchanged during transmission and storage.</a:t>
             </a:r>
           </a:p>
@@ -5612,7 +8469,9 @@
               <a:buAutoNum type="arabicPeriod"/>
             </a:pPr>
             <a:r>
-              <a:rPr lang="en-US" dirty="0"/>
+              <a:rPr lang="en-US" sz="2000" dirty="0">
+                <a:latin typeface="Bahnschrift SemiLight" panose="020B0502040204020203" pitchFamily="34" charset="0"/>
+              </a:rPr>
               <a:t>Example: Using hashing to verify that downloaded files are not corrupted.</a:t>
             </a:r>
           </a:p>
@@ -5622,10 +8481,14 @@
               <a:buAutoNum type="arabicPeriod"/>
             </a:pPr>
             <a:r>
-              <a:rPr lang="en-US" b="1" dirty="0"/>
+              <a:rPr lang="en-US" sz="2000" b="1" dirty="0">
+                <a:latin typeface="Bahnschrift SemiLight" panose="020B0502040204020203" pitchFamily="34" charset="0"/>
+              </a:rPr>
               <a:t>Availability</a:t>
             </a:r>
-            <a:endParaRPr lang="en-US" dirty="0"/>
+            <a:endParaRPr lang="en-US" sz="2000" dirty="0">
+              <a:latin typeface="Bahnschrift SemiLight" panose="020B0502040204020203" pitchFamily="34" charset="0"/>
+            </a:endParaRPr>
           </a:p>
           <a:p>
             <a:pPr marL="742950" lvl="1" indent="-285750">
@@ -5633,7 +8496,9 @@
               <a:buAutoNum type="arabicPeriod"/>
             </a:pPr>
             <a:r>
-              <a:rPr lang="en-US" dirty="0"/>
+              <a:rPr lang="en-US" sz="2000" dirty="0">
+                <a:latin typeface="Bahnschrift SemiLight" panose="020B0502040204020203" pitchFamily="34" charset="0"/>
+              </a:rPr>
               <a:t>Ensuring that data is accessible when needed.</a:t>
             </a:r>
           </a:p>
@@ -5643,7 +8508,9 @@
               <a:buAutoNum type="arabicPeriod"/>
             </a:pPr>
             <a:r>
-              <a:rPr lang="en-US" dirty="0"/>
+              <a:rPr lang="en-US" sz="2000" dirty="0">
+                <a:latin typeface="Bahnschrift SemiLight" panose="020B0502040204020203" pitchFamily="34" charset="0"/>
+              </a:rPr>
               <a:t>Example: Implementing failover systems to maintain access during outages.</a:t>
             </a:r>
           </a:p>
@@ -5662,7 +8529,7 @@
 </p:sld>
 </file>
 
-<file path=ppt/slides/slide5.xml><?xml version="1.0" encoding="utf-8"?>
+<file path=ppt/slides/slide6.xml><?xml version="1.0" encoding="utf-8"?>
 <p:sld xmlns:a="http://schemas.openxmlformats.org/drawingml/2006/main" xmlns:r="http://schemas.openxmlformats.org/officeDocument/2006/relationships" xmlns:p="http://schemas.openxmlformats.org/presentationml/2006/main">
   <p:cSld>
     <p:spTree>
@@ -5748,7 +8615,7 @@
         </p:spPr>
         <p:txBody>
           <a:bodyPr vert="horz" lIns="91440" tIns="45720" rIns="91440" bIns="45720" rtlCol="0">
-            <a:normAutofit lnSpcReduction="10000"/>
+            <a:normAutofit fontScale="92500" lnSpcReduction="10000"/>
           </a:bodyPr>
           <a:lstStyle>
             <a:lvl1pPr marL="368300" indent="-352425" algn="l" defTabSz="914400" rtl="0" eaLnBrk="1" latinLnBrk="0" hangingPunct="1">
@@ -5952,7 +8819,9 @@
               <a:buNone/>
             </a:pPr>
             <a:r>
-              <a:rPr lang="en-US" dirty="0"/>
+              <a:rPr lang="en-US" dirty="0">
+                <a:latin typeface="Bahnschrift SemiLight" panose="020B0502040204020203" pitchFamily="34" charset="0"/>
+              </a:rPr>
               <a:t>Organizations must define:</a:t>
             </a:r>
           </a:p>
@@ -5962,11 +8831,15 @@
               <a:buChar char="•"/>
             </a:pPr>
             <a:r>
-              <a:rPr lang="en-US" b="1" dirty="0"/>
+              <a:rPr lang="en-US" b="1" dirty="0">
+                <a:latin typeface="Bahnschrift SemiLight" panose="020B0502040204020203" pitchFamily="34" charset="0"/>
+              </a:rPr>
               <a:t>Who is responsible</a:t>
             </a:r>
             <a:r>
-              <a:rPr lang="en-US" dirty="0"/>
+              <a:rPr lang="en-US" dirty="0">
+                <a:latin typeface="Bahnschrift SemiLight" panose="020B0502040204020203" pitchFamily="34" charset="0"/>
+              </a:rPr>
               <a:t> for data protection (Data Protection Officer or equivalent).</a:t>
             </a:r>
           </a:p>
@@ -5976,11 +8849,15 @@
               <a:buChar char="•"/>
             </a:pPr>
             <a:r>
-              <a:rPr lang="en-US" b="1" dirty="0"/>
+              <a:rPr lang="en-US" b="1" dirty="0">
+                <a:latin typeface="Bahnschrift SemiLight" panose="020B0502040204020203" pitchFamily="34" charset="0"/>
+              </a:rPr>
               <a:t>How data is collected, processed, and stored</a:t>
             </a:r>
             <a:r>
-              <a:rPr lang="en-US" dirty="0"/>
+              <a:rPr lang="en-US" dirty="0">
+                <a:latin typeface="Bahnschrift SemiLight" panose="020B0502040204020203" pitchFamily="34" charset="0"/>
+              </a:rPr>
               <a:t> (Data Flow Documentation).</a:t>
             </a:r>
           </a:p>
@@ -5990,11 +8867,15 @@
               <a:buChar char="•"/>
             </a:pPr>
             <a:r>
-              <a:rPr lang="en-US" b="1" dirty="0"/>
+              <a:rPr lang="en-US" b="1" dirty="0">
+                <a:latin typeface="Bahnschrift SemiLight" panose="020B0502040204020203" pitchFamily="34" charset="0"/>
+              </a:rPr>
               <a:t>How data breaches will be reported and handled</a:t>
             </a:r>
             <a:r>
-              <a:rPr lang="en-US" dirty="0"/>
+              <a:rPr lang="en-US" dirty="0">
+                <a:latin typeface="Bahnschrift SemiLight" panose="020B0502040204020203" pitchFamily="34" charset="0"/>
+              </a:rPr>
               <a:t> (Incident Response Plan).</a:t>
             </a:r>
           </a:p>
@@ -6003,14 +8884,18 @@
               <a:buFont typeface="Arial" panose="020B0604020202020204" pitchFamily="34" charset="0"/>
               <a:buChar char="•"/>
             </a:pPr>
-            <a:endParaRPr lang="en-US" dirty="0"/>
+            <a:endParaRPr lang="en-US" dirty="0">
+              <a:latin typeface="Bahnschrift SemiLight" panose="020B0502040204020203" pitchFamily="34" charset="0"/>
+            </a:endParaRPr>
           </a:p>
           <a:p>
             <a:pPr marL="15875" indent="0">
               <a:buNone/>
             </a:pPr>
             <a:r>
-              <a:rPr lang="en-US" dirty="0"/>
+              <a:rPr lang="en-US" dirty="0">
+                <a:latin typeface="Bahnschrift SemiLight" panose="020B0502040204020203" pitchFamily="34" charset="0"/>
+              </a:rPr>
               <a:t>Example: A healthcare provider should have documented policies for handling patient records and notifying affected parties in case of a breach.</a:t>
             </a:r>
           </a:p>
@@ -6029,7 +8914,120 @@
 </p:sld>
 </file>
 
-<file path=ppt/slides/slide6.xml><?xml version="1.0" encoding="utf-8"?>
+<file path=ppt/slides/slide7.xml><?xml version="1.0" encoding="utf-8"?>
+<p:sld xmlns:a="http://schemas.openxmlformats.org/drawingml/2006/main" xmlns:r="http://schemas.openxmlformats.org/officeDocument/2006/relationships" xmlns:p="http://schemas.openxmlformats.org/presentationml/2006/main">
+  <p:cSld>
+    <p:spTree>
+      <p:nvGrpSpPr>
+        <p:cNvPr id="1" name="">
+          <a:extLst>
+            <a:ext uri="{FF2B5EF4-FFF2-40B4-BE49-F238E27FC236}">
+              <a16:creationId xmlns:a16="http://schemas.microsoft.com/office/drawing/2014/main" id="{05B13121-0922-0061-0836-9C9AB0A616B0}"/>
+            </a:ext>
+          </a:extLst>
+        </p:cNvPr>
+        <p:cNvGrpSpPr/>
+        <p:nvPr/>
+      </p:nvGrpSpPr>
+      <p:grpSpPr>
+        <a:xfrm>
+          <a:off x="0" y="0"/>
+          <a:ext cx="0" cy="0"/>
+          <a:chOff x="0" y="0"/>
+          <a:chExt cx="0" cy="0"/>
+        </a:xfrm>
+      </p:grpSpPr>
+      <p:sp>
+        <p:nvSpPr>
+          <p:cNvPr id="6" name="Title 5">
+            <a:extLst>
+              <a:ext uri="{FF2B5EF4-FFF2-40B4-BE49-F238E27FC236}">
+                <a16:creationId xmlns:a16="http://schemas.microsoft.com/office/drawing/2014/main" id="{70521D29-CF36-767C-12AF-18B9FA9A5F33}"/>
+              </a:ext>
+            </a:extLst>
+          </p:cNvPr>
+          <p:cNvSpPr>
+            <a:spLocks noGrp="1"/>
+          </p:cNvSpPr>
+          <p:nvPr>
+            <p:ph type="title"/>
+          </p:nvPr>
+        </p:nvSpPr>
+        <p:spPr/>
+        <p:txBody>
+          <a:bodyPr/>
+          <a:lstStyle/>
+          <a:p>
+            <a:endParaRPr lang="hr-HR"/>
+          </a:p>
+        </p:txBody>
+      </p:sp>
+      <p:sp>
+        <p:nvSpPr>
+          <p:cNvPr id="7" name="Content Placeholder 6">
+            <a:extLst>
+              <a:ext uri="{FF2B5EF4-FFF2-40B4-BE49-F238E27FC236}">
+                <a16:creationId xmlns:a16="http://schemas.microsoft.com/office/drawing/2014/main" id="{9AADD68D-D566-CFB1-78C4-82B699AEDA1B}"/>
+              </a:ext>
+            </a:extLst>
+          </p:cNvPr>
+          <p:cNvSpPr>
+            <a:spLocks noGrp="1"/>
+          </p:cNvSpPr>
+          <p:nvPr>
+            <p:ph idx="1"/>
+          </p:nvPr>
+        </p:nvSpPr>
+        <p:spPr/>
+        <p:txBody>
+          <a:bodyPr/>
+          <a:lstStyle/>
+          <a:p>
+            <a:pPr>
+              <a:buFont typeface="Arial" panose="020B0604020202020204" pitchFamily="34" charset="0"/>
+              <a:buChar char="•"/>
+            </a:pPr>
+            <a:r>
+              <a:rPr lang="en-US" dirty="0"/>
+              <a:t>Templates or best-practice guides for data protection policies and incident response plans from sites such as SANS Institute or government cybersecurity agencies.</a:t>
+            </a:r>
+          </a:p>
+          <a:p>
+            <a:pPr>
+              <a:buFont typeface="Arial" panose="020B0604020202020204" pitchFamily="34" charset="0"/>
+              <a:buChar char="•"/>
+            </a:pPr>
+            <a:r>
+              <a:rPr lang="en-US" dirty="0"/>
+              <a:t>Checklists or flowcharts that illustrate the process of data handling and breach reporting.</a:t>
+            </a:r>
+          </a:p>
+          <a:p>
+            <a:pPr>
+              <a:buFont typeface="Arial" panose="020B0604020202020204" pitchFamily="34" charset="0"/>
+              <a:buChar char="•"/>
+            </a:pPr>
+            <a:r>
+              <a:rPr lang="en-US" dirty="0"/>
+              <a:t>Whitepapers on building an effective incident response plan or case studies analyzing data breach impacts in regulated sectors.</a:t>
+            </a:r>
+          </a:p>
+        </p:txBody>
+      </p:sp>
+    </p:spTree>
+    <p:extLst>
+      <p:ext uri="{BB962C8B-B14F-4D97-AF65-F5344CB8AC3E}">
+        <p14:creationId xmlns:p14="http://schemas.microsoft.com/office/powerpoint/2010/main" val="1029958347"/>
+      </p:ext>
+    </p:extLst>
+  </p:cSld>
+  <p:clrMapOvr>
+    <a:masterClrMapping/>
+  </p:clrMapOvr>
+</p:sld>
+</file>
+
+<file path=ppt/slides/slide8.xml><?xml version="1.0" encoding="utf-8"?>
 <p:sld xmlns:a="http://schemas.openxmlformats.org/drawingml/2006/main" xmlns:r="http://schemas.openxmlformats.org/officeDocument/2006/relationships" xmlns:p="http://schemas.openxmlformats.org/presentationml/2006/main">
   <p:cSld>
     <p:spTree>
@@ -6106,7 +9104,7 @@
         </p:nvSpPr>
         <p:spPr>
           <a:xfrm>
-            <a:off x="977900" y="2038350"/>
+            <a:off x="918427" y="1684338"/>
             <a:ext cx="10572750" cy="4667250"/>
           </a:xfrm>
           <a:prstGeom prst="rect">
@@ -6115,7 +9113,7 @@
         </p:spPr>
         <p:txBody>
           <a:bodyPr vert="horz" lIns="91440" tIns="45720" rIns="91440" bIns="45720" rtlCol="0">
-            <a:normAutofit fontScale="55000" lnSpcReduction="20000"/>
+            <a:noAutofit/>
           </a:bodyPr>
           <a:lstStyle>
             <a:lvl1pPr marL="368300" indent="-352425" algn="l" defTabSz="914400" rtl="0" eaLnBrk="1" latinLnBrk="0" hangingPunct="1">
@@ -6319,75 +9317,111 @@
               <a:buNone/>
             </a:pPr>
             <a:r>
-              <a:rPr lang="hr-HR" dirty="0" err="1"/>
+              <a:rPr lang="hr-HR" sz="1800" dirty="0" err="1">
+                <a:latin typeface="Bahnschrift SemiLight" panose="020B0502040204020203" pitchFamily="34" charset="0"/>
+              </a:rPr>
               <a:t>Encryption</a:t>
             </a:r>
             <a:r>
-              <a:rPr lang="hr-HR" dirty="0"/>
+              <a:rPr lang="hr-HR" sz="1800" dirty="0">
+                <a:latin typeface="Bahnschrift SemiLight" panose="020B0502040204020203" pitchFamily="34" charset="0"/>
+              </a:rPr>
               <a:t> </a:t>
             </a:r>
             <a:r>
-              <a:rPr lang="hr-HR" dirty="0" err="1"/>
+              <a:rPr lang="hr-HR" sz="1800" dirty="0" err="1">
+                <a:latin typeface="Bahnschrift SemiLight" panose="020B0502040204020203" pitchFamily="34" charset="0"/>
+              </a:rPr>
               <a:t>protects</a:t>
             </a:r>
             <a:r>
-              <a:rPr lang="hr-HR" dirty="0"/>
+              <a:rPr lang="hr-HR" sz="1800" dirty="0">
+                <a:latin typeface="Bahnschrift SemiLight" panose="020B0502040204020203" pitchFamily="34" charset="0"/>
+              </a:rPr>
               <a:t> data </a:t>
             </a:r>
             <a:r>
-              <a:rPr lang="hr-HR" dirty="0" err="1"/>
+              <a:rPr lang="hr-HR" sz="1800" dirty="0" err="1">
+                <a:latin typeface="Bahnschrift SemiLight" panose="020B0502040204020203" pitchFamily="34" charset="0"/>
+              </a:rPr>
               <a:t>from</a:t>
             </a:r>
             <a:r>
-              <a:rPr lang="hr-HR" dirty="0"/>
+              <a:rPr lang="hr-HR" sz="1800" dirty="0">
+                <a:latin typeface="Bahnschrift SemiLight" panose="020B0502040204020203" pitchFamily="34" charset="0"/>
+              </a:rPr>
               <a:t> </a:t>
             </a:r>
             <a:r>
-              <a:rPr lang="hr-HR" dirty="0" err="1"/>
+              <a:rPr lang="hr-HR" sz="1800" dirty="0" err="1">
+                <a:latin typeface="Bahnschrift SemiLight" panose="020B0502040204020203" pitchFamily="34" charset="0"/>
+              </a:rPr>
               <a:t>unauthorized</a:t>
             </a:r>
             <a:r>
-              <a:rPr lang="hr-HR" dirty="0"/>
+              <a:rPr lang="hr-HR" sz="1800" dirty="0">
+                <a:latin typeface="Bahnschrift SemiLight" panose="020B0502040204020203" pitchFamily="34" charset="0"/>
+              </a:rPr>
               <a:t> </a:t>
             </a:r>
             <a:r>
-              <a:rPr lang="hr-HR" dirty="0" err="1"/>
+              <a:rPr lang="hr-HR" sz="1800" dirty="0" err="1">
+                <a:latin typeface="Bahnschrift SemiLight" panose="020B0502040204020203" pitchFamily="34" charset="0"/>
+              </a:rPr>
               <a:t>access</a:t>
             </a:r>
             <a:r>
-              <a:rPr lang="hr-HR" dirty="0"/>
+              <a:rPr lang="hr-HR" sz="1800" dirty="0">
+                <a:latin typeface="Bahnschrift SemiLight" panose="020B0502040204020203" pitchFamily="34" charset="0"/>
+              </a:rPr>
               <a:t> </a:t>
             </a:r>
             <a:r>
-              <a:rPr lang="hr-HR" dirty="0" err="1"/>
+              <a:rPr lang="hr-HR" sz="1800" dirty="0" err="1">
+                <a:latin typeface="Bahnschrift SemiLight" panose="020B0502040204020203" pitchFamily="34" charset="0"/>
+              </a:rPr>
               <a:t>during</a:t>
             </a:r>
             <a:r>
-              <a:rPr lang="hr-HR" dirty="0"/>
+              <a:rPr lang="hr-HR" sz="1800" dirty="0">
+                <a:latin typeface="Bahnschrift SemiLight" panose="020B0502040204020203" pitchFamily="34" charset="0"/>
+              </a:rPr>
               <a:t> </a:t>
             </a:r>
             <a:r>
-              <a:rPr lang="hr-HR" dirty="0" err="1"/>
+              <a:rPr lang="hr-HR" sz="1800" dirty="0" err="1">
+                <a:latin typeface="Bahnschrift SemiLight" panose="020B0502040204020203" pitchFamily="34" charset="0"/>
+              </a:rPr>
               <a:t>transmission</a:t>
             </a:r>
             <a:r>
-              <a:rPr lang="hr-HR" dirty="0"/>
+              <a:rPr lang="hr-HR" sz="1800" dirty="0">
+                <a:latin typeface="Bahnschrift SemiLight" panose="020B0502040204020203" pitchFamily="34" charset="0"/>
+              </a:rPr>
               <a:t> </a:t>
             </a:r>
             <a:r>
-              <a:rPr lang="hr-HR" dirty="0" err="1"/>
+              <a:rPr lang="hr-HR" sz="1800" dirty="0" err="1">
+                <a:latin typeface="Bahnschrift SemiLight" panose="020B0502040204020203" pitchFamily="34" charset="0"/>
+              </a:rPr>
               <a:t>and</a:t>
             </a:r>
             <a:r>
-              <a:rPr lang="hr-HR" dirty="0"/>
+              <a:rPr lang="hr-HR" sz="1800" dirty="0">
+                <a:latin typeface="Bahnschrift SemiLight" panose="020B0502040204020203" pitchFamily="34" charset="0"/>
+              </a:rPr>
               <a:t> </a:t>
             </a:r>
             <a:r>
-              <a:rPr lang="hr-HR" dirty="0" err="1"/>
+              <a:rPr lang="hr-HR" sz="1800" dirty="0" err="1">
+                <a:latin typeface="Bahnschrift SemiLight" panose="020B0502040204020203" pitchFamily="34" charset="0"/>
+              </a:rPr>
               <a:t>storage</a:t>
             </a:r>
             <a:r>
-              <a:rPr lang="hr-HR" dirty="0"/>
+              <a:rPr lang="hr-HR" sz="1800" dirty="0">
+                <a:latin typeface="Bahnschrift SemiLight" panose="020B0502040204020203" pitchFamily="34" charset="0"/>
+              </a:rPr>
               <a:t>.</a:t>
             </a:r>
           </a:p>
@@ -6397,18 +9431,26 @@
               <a:buAutoNum type="arabicPeriod"/>
             </a:pPr>
             <a:r>
-              <a:rPr lang="hr-HR" b="1" dirty="0" err="1"/>
+              <a:rPr lang="hr-HR" sz="1800" b="1" dirty="0" err="1">
+                <a:latin typeface="Bahnschrift SemiLight" panose="020B0502040204020203" pitchFamily="34" charset="0"/>
+              </a:rPr>
               <a:t>Symmetric</a:t>
             </a:r>
             <a:r>
-              <a:rPr lang="hr-HR" b="1" dirty="0"/>
+              <a:rPr lang="hr-HR" sz="1800" b="1" dirty="0">
+                <a:latin typeface="Bahnschrift SemiLight" panose="020B0502040204020203" pitchFamily="34" charset="0"/>
+              </a:rPr>
               <a:t> </a:t>
             </a:r>
             <a:r>
-              <a:rPr lang="hr-HR" b="1" dirty="0" err="1"/>
+              <a:rPr lang="hr-HR" sz="1800" b="1" dirty="0" err="1">
+                <a:latin typeface="Bahnschrift SemiLight" panose="020B0502040204020203" pitchFamily="34" charset="0"/>
+              </a:rPr>
               <a:t>Encryption</a:t>
             </a:r>
-            <a:endParaRPr lang="hr-HR" dirty="0"/>
+            <a:endParaRPr lang="hr-HR" sz="1800" dirty="0">
+              <a:latin typeface="Bahnschrift SemiLight" panose="020B0502040204020203" pitchFamily="34" charset="0"/>
+            </a:endParaRPr>
           </a:p>
           <a:p>
             <a:pPr marL="742950" lvl="1" indent="-285750">
@@ -6416,63 +9458,93 @@
               <a:buAutoNum type="arabicPeriod"/>
             </a:pPr>
             <a:r>
-              <a:rPr lang="hr-HR" dirty="0"/>
+              <a:rPr lang="hr-HR" sz="1800" dirty="0">
+                <a:latin typeface="Bahnschrift SemiLight" panose="020B0502040204020203" pitchFamily="34" charset="0"/>
+              </a:rPr>
               <a:t>Same </a:t>
             </a:r>
             <a:r>
-              <a:rPr lang="hr-HR" dirty="0" err="1"/>
+              <a:rPr lang="hr-HR" sz="1800" dirty="0" err="1">
+                <a:latin typeface="Bahnschrift SemiLight" panose="020B0502040204020203" pitchFamily="34" charset="0"/>
+              </a:rPr>
               <a:t>key</a:t>
             </a:r>
             <a:r>
-              <a:rPr lang="hr-HR" dirty="0"/>
+              <a:rPr lang="hr-HR" sz="1800" dirty="0">
+                <a:latin typeface="Bahnschrift SemiLight" panose="020B0502040204020203" pitchFamily="34" charset="0"/>
+              </a:rPr>
               <a:t> </a:t>
             </a:r>
             <a:r>
-              <a:rPr lang="hr-HR" dirty="0" err="1"/>
+              <a:rPr lang="hr-HR" sz="1800" dirty="0" err="1">
+                <a:latin typeface="Bahnschrift SemiLight" panose="020B0502040204020203" pitchFamily="34" charset="0"/>
+              </a:rPr>
               <a:t>is</a:t>
             </a:r>
             <a:r>
-              <a:rPr lang="hr-HR" dirty="0"/>
+              <a:rPr lang="hr-HR" sz="1800" dirty="0">
+                <a:latin typeface="Bahnschrift SemiLight" panose="020B0502040204020203" pitchFamily="34" charset="0"/>
+              </a:rPr>
               <a:t> </a:t>
             </a:r>
             <a:r>
-              <a:rPr lang="hr-HR" dirty="0" err="1"/>
+              <a:rPr lang="hr-HR" sz="1800" dirty="0" err="1">
+                <a:latin typeface="Bahnschrift SemiLight" panose="020B0502040204020203" pitchFamily="34" charset="0"/>
+              </a:rPr>
               <a:t>used</a:t>
             </a:r>
             <a:r>
-              <a:rPr lang="hr-HR" dirty="0"/>
+              <a:rPr lang="hr-HR" sz="1800" dirty="0">
+                <a:latin typeface="Bahnschrift SemiLight" panose="020B0502040204020203" pitchFamily="34" charset="0"/>
+              </a:rPr>
               <a:t> for </a:t>
             </a:r>
             <a:r>
-              <a:rPr lang="hr-HR" dirty="0" err="1"/>
+              <a:rPr lang="hr-HR" sz="1800" dirty="0" err="1">
+                <a:latin typeface="Bahnschrift SemiLight" panose="020B0502040204020203" pitchFamily="34" charset="0"/>
+              </a:rPr>
               <a:t>both</a:t>
             </a:r>
             <a:r>
-              <a:rPr lang="hr-HR" dirty="0"/>
+              <a:rPr lang="hr-HR" sz="1800" dirty="0">
+                <a:latin typeface="Bahnschrift SemiLight" panose="020B0502040204020203" pitchFamily="34" charset="0"/>
+              </a:rPr>
               <a:t> </a:t>
             </a:r>
             <a:r>
-              <a:rPr lang="hr-HR" dirty="0" err="1"/>
+              <a:rPr lang="hr-HR" sz="1800" dirty="0" err="1">
+                <a:latin typeface="Bahnschrift SemiLight" panose="020B0502040204020203" pitchFamily="34" charset="0"/>
+              </a:rPr>
               <a:t>encryption</a:t>
             </a:r>
             <a:r>
-              <a:rPr lang="hr-HR" dirty="0"/>
+              <a:rPr lang="hr-HR" sz="1800" dirty="0">
+                <a:latin typeface="Bahnschrift SemiLight" panose="020B0502040204020203" pitchFamily="34" charset="0"/>
+              </a:rPr>
               <a:t> </a:t>
             </a:r>
             <a:r>
-              <a:rPr lang="hr-HR" dirty="0" err="1"/>
+              <a:rPr lang="hr-HR" sz="1800" dirty="0" err="1">
+                <a:latin typeface="Bahnschrift SemiLight" panose="020B0502040204020203" pitchFamily="34" charset="0"/>
+              </a:rPr>
               <a:t>and</a:t>
             </a:r>
             <a:r>
-              <a:rPr lang="hr-HR" dirty="0"/>
+              <a:rPr lang="hr-HR" sz="1800" dirty="0">
+                <a:latin typeface="Bahnschrift SemiLight" panose="020B0502040204020203" pitchFamily="34" charset="0"/>
+              </a:rPr>
               <a:t> </a:t>
             </a:r>
             <a:r>
-              <a:rPr lang="hr-HR" dirty="0" err="1"/>
+              <a:rPr lang="hr-HR" sz="1800" dirty="0" err="1">
+                <a:latin typeface="Bahnschrift SemiLight" panose="020B0502040204020203" pitchFamily="34" charset="0"/>
+              </a:rPr>
               <a:t>decryption</a:t>
             </a:r>
             <a:r>
-              <a:rPr lang="hr-HR" dirty="0"/>
+              <a:rPr lang="hr-HR" sz="1800" dirty="0">
+                <a:latin typeface="Bahnschrift SemiLight" panose="020B0502040204020203" pitchFamily="34" charset="0"/>
+              </a:rPr>
               <a:t>.</a:t>
             </a:r>
           </a:p>
@@ -6482,19 +9554,27 @@
               <a:buAutoNum type="arabicPeriod"/>
             </a:pPr>
             <a:r>
-              <a:rPr lang="hr-HR" dirty="0" err="1"/>
+              <a:rPr lang="hr-HR" sz="1800" dirty="0" err="1">
+                <a:latin typeface="Bahnschrift SemiLight" panose="020B0502040204020203" pitchFamily="34" charset="0"/>
+              </a:rPr>
               <a:t>Example</a:t>
             </a:r>
             <a:r>
-              <a:rPr lang="hr-HR" dirty="0"/>
+              <a:rPr lang="hr-HR" sz="1800" dirty="0">
+                <a:latin typeface="Bahnschrift SemiLight" panose="020B0502040204020203" pitchFamily="34" charset="0"/>
+              </a:rPr>
               <a:t>: AES (Advanced </a:t>
             </a:r>
             <a:r>
-              <a:rPr lang="hr-HR" dirty="0" err="1"/>
+              <a:rPr lang="hr-HR" sz="1800" dirty="0" err="1">
+                <a:latin typeface="Bahnschrift SemiLight" panose="020B0502040204020203" pitchFamily="34" charset="0"/>
+              </a:rPr>
               <a:t>Encryption</a:t>
             </a:r>
             <a:r>
-              <a:rPr lang="hr-HR" dirty="0"/>
+              <a:rPr lang="hr-HR" sz="1800" dirty="0">
+                <a:latin typeface="Bahnschrift SemiLight" panose="020B0502040204020203" pitchFamily="34" charset="0"/>
+              </a:rPr>
               <a:t> Standard)</a:t>
             </a:r>
           </a:p>
@@ -6504,30 +9584,44 @@
               <a:buAutoNum type="arabicPeriod"/>
             </a:pPr>
             <a:r>
-              <a:rPr lang="hr-HR" dirty="0"/>
+              <a:rPr lang="hr-HR" sz="1800" dirty="0">
+                <a:latin typeface="Bahnschrift SemiLight" panose="020B0502040204020203" pitchFamily="34" charset="0"/>
+              </a:rPr>
               <a:t>✅ </a:t>
             </a:r>
             <a:r>
-              <a:rPr lang="hr-HR" dirty="0" err="1"/>
+              <a:rPr lang="hr-HR" sz="1800" dirty="0" err="1">
+                <a:latin typeface="Bahnschrift SemiLight" panose="020B0502040204020203" pitchFamily="34" charset="0"/>
+              </a:rPr>
               <a:t>Fast</a:t>
             </a:r>
             <a:r>
-              <a:rPr lang="hr-HR" dirty="0"/>
+              <a:rPr lang="hr-HR" sz="1800" dirty="0">
+                <a:latin typeface="Bahnschrift SemiLight" panose="020B0502040204020203" pitchFamily="34" charset="0"/>
+              </a:rPr>
               <a:t> </a:t>
             </a:r>
             <a:r>
-              <a:rPr lang="hr-HR" dirty="0" err="1"/>
+              <a:rPr lang="hr-HR" sz="1800" dirty="0" err="1">
+                <a:latin typeface="Bahnschrift SemiLight" panose="020B0502040204020203" pitchFamily="34" charset="0"/>
+              </a:rPr>
               <a:t>and</a:t>
             </a:r>
             <a:r>
-              <a:rPr lang="hr-HR" dirty="0"/>
+              <a:rPr lang="hr-HR" sz="1800" dirty="0">
+                <a:latin typeface="Bahnschrift SemiLight" panose="020B0502040204020203" pitchFamily="34" charset="0"/>
+              </a:rPr>
               <a:t> </a:t>
             </a:r>
             <a:r>
-              <a:rPr lang="hr-HR" dirty="0" err="1"/>
+              <a:rPr lang="hr-HR" sz="1800" dirty="0" err="1">
+                <a:latin typeface="Bahnschrift SemiLight" panose="020B0502040204020203" pitchFamily="34" charset="0"/>
+              </a:rPr>
               <a:t>efficient</a:t>
             </a:r>
-            <a:endParaRPr lang="hr-HR" dirty="0"/>
+            <a:endParaRPr lang="hr-HR" sz="1800" dirty="0">
+              <a:latin typeface="Bahnschrift SemiLight" panose="020B0502040204020203" pitchFamily="34" charset="0"/>
+            </a:endParaRPr>
           </a:p>
           <a:p>
             <a:pPr marL="742950" lvl="1" indent="-285750">
@@ -6535,70 +9629,104 @@
               <a:buAutoNum type="arabicPeriod"/>
             </a:pPr>
             <a:r>
-              <a:rPr lang="hr-HR" dirty="0"/>
+              <a:rPr lang="hr-HR" sz="1800" dirty="0">
+                <a:latin typeface="Bahnschrift SemiLight" panose="020B0502040204020203" pitchFamily="34" charset="0"/>
+              </a:rPr>
               <a:t>❌ </a:t>
             </a:r>
             <a:r>
-              <a:rPr lang="hr-HR" dirty="0" err="1"/>
+              <a:rPr lang="hr-HR" sz="1800" dirty="0" err="1">
+                <a:latin typeface="Bahnschrift SemiLight" panose="020B0502040204020203" pitchFamily="34" charset="0"/>
+              </a:rPr>
               <a:t>If</a:t>
             </a:r>
             <a:r>
-              <a:rPr lang="hr-HR" dirty="0"/>
+              <a:rPr lang="hr-HR" sz="1800" dirty="0">
+                <a:latin typeface="Bahnschrift SemiLight" panose="020B0502040204020203" pitchFamily="34" charset="0"/>
+              </a:rPr>
               <a:t> </a:t>
             </a:r>
             <a:r>
-              <a:rPr lang="hr-HR" dirty="0" err="1"/>
+              <a:rPr lang="hr-HR" sz="1800" dirty="0" err="1">
+                <a:latin typeface="Bahnschrift SemiLight" panose="020B0502040204020203" pitchFamily="34" charset="0"/>
+              </a:rPr>
               <a:t>the</a:t>
             </a:r>
             <a:r>
-              <a:rPr lang="hr-HR" dirty="0"/>
+              <a:rPr lang="hr-HR" sz="1800" dirty="0">
+                <a:latin typeface="Bahnschrift SemiLight" panose="020B0502040204020203" pitchFamily="34" charset="0"/>
+              </a:rPr>
               <a:t> </a:t>
             </a:r>
             <a:r>
-              <a:rPr lang="hr-HR" dirty="0" err="1"/>
+              <a:rPr lang="hr-HR" sz="1800" dirty="0" err="1">
+                <a:latin typeface="Bahnschrift SemiLight" panose="020B0502040204020203" pitchFamily="34" charset="0"/>
+              </a:rPr>
               <a:t>key</a:t>
             </a:r>
             <a:r>
-              <a:rPr lang="hr-HR" dirty="0"/>
+              <a:rPr lang="hr-HR" sz="1800" dirty="0">
+                <a:latin typeface="Bahnschrift SemiLight" panose="020B0502040204020203" pitchFamily="34" charset="0"/>
+              </a:rPr>
               <a:t> </a:t>
             </a:r>
             <a:r>
-              <a:rPr lang="hr-HR" dirty="0" err="1"/>
+              <a:rPr lang="hr-HR" sz="1800" dirty="0" err="1">
+                <a:latin typeface="Bahnschrift SemiLight" panose="020B0502040204020203" pitchFamily="34" charset="0"/>
+              </a:rPr>
               <a:t>is</a:t>
             </a:r>
             <a:r>
-              <a:rPr lang="hr-HR" dirty="0"/>
+              <a:rPr lang="hr-HR" sz="1800" dirty="0">
+                <a:latin typeface="Bahnschrift SemiLight" panose="020B0502040204020203" pitchFamily="34" charset="0"/>
+              </a:rPr>
               <a:t> </a:t>
             </a:r>
             <a:r>
-              <a:rPr lang="hr-HR" dirty="0" err="1"/>
+              <a:rPr lang="hr-HR" sz="1800" dirty="0" err="1">
+                <a:latin typeface="Bahnschrift SemiLight" panose="020B0502040204020203" pitchFamily="34" charset="0"/>
+              </a:rPr>
               <a:t>compromised</a:t>
             </a:r>
             <a:r>
-              <a:rPr lang="hr-HR" dirty="0"/>
+              <a:rPr lang="hr-HR" sz="1800" dirty="0">
+                <a:latin typeface="Bahnschrift SemiLight" panose="020B0502040204020203" pitchFamily="34" charset="0"/>
+              </a:rPr>
               <a:t>, </a:t>
             </a:r>
             <a:r>
-              <a:rPr lang="hr-HR" dirty="0" err="1"/>
+              <a:rPr lang="hr-HR" sz="1800" dirty="0" err="1">
+                <a:latin typeface="Bahnschrift SemiLight" panose="020B0502040204020203" pitchFamily="34" charset="0"/>
+              </a:rPr>
               <a:t>the</a:t>
             </a:r>
             <a:r>
-              <a:rPr lang="hr-HR" dirty="0"/>
+              <a:rPr lang="hr-HR" sz="1800" dirty="0">
+                <a:latin typeface="Bahnschrift SemiLight" panose="020B0502040204020203" pitchFamily="34" charset="0"/>
+              </a:rPr>
               <a:t> data </a:t>
             </a:r>
             <a:r>
-              <a:rPr lang="hr-HR" dirty="0" err="1"/>
+              <a:rPr lang="hr-HR" sz="1800" dirty="0" err="1">
+                <a:latin typeface="Bahnschrift SemiLight" panose="020B0502040204020203" pitchFamily="34" charset="0"/>
+              </a:rPr>
               <a:t>is</a:t>
             </a:r>
             <a:r>
-              <a:rPr lang="hr-HR" dirty="0"/>
+              <a:rPr lang="hr-HR" sz="1800" dirty="0">
+                <a:latin typeface="Bahnschrift SemiLight" panose="020B0502040204020203" pitchFamily="34" charset="0"/>
+              </a:rPr>
               <a:t> </a:t>
             </a:r>
             <a:r>
-              <a:rPr lang="hr-HR" dirty="0" err="1"/>
+              <a:rPr lang="hr-HR" sz="1800" dirty="0" err="1">
+                <a:latin typeface="Bahnschrift SemiLight" panose="020B0502040204020203" pitchFamily="34" charset="0"/>
+              </a:rPr>
               <a:t>vulnerable</a:t>
             </a:r>
-            <a:endParaRPr lang="hr-HR" dirty="0"/>
+            <a:endParaRPr lang="hr-HR" sz="1800" dirty="0">
+              <a:latin typeface="Bahnschrift SemiLight" panose="020B0502040204020203" pitchFamily="34" charset="0"/>
+            </a:endParaRPr>
           </a:p>
           <a:p>
             <a:pPr>
@@ -6606,18 +9734,26 @@
               <a:buAutoNum type="arabicPeriod"/>
             </a:pPr>
             <a:r>
-              <a:rPr lang="hr-HR" b="1" dirty="0" err="1"/>
+              <a:rPr lang="hr-HR" sz="1800" b="1" dirty="0" err="1">
+                <a:latin typeface="Bahnschrift SemiLight" panose="020B0502040204020203" pitchFamily="34" charset="0"/>
+              </a:rPr>
               <a:t>Asymmetric</a:t>
             </a:r>
             <a:r>
-              <a:rPr lang="hr-HR" b="1" dirty="0"/>
+              <a:rPr lang="hr-HR" sz="1800" b="1" dirty="0">
+                <a:latin typeface="Bahnschrift SemiLight" panose="020B0502040204020203" pitchFamily="34" charset="0"/>
+              </a:rPr>
               <a:t> </a:t>
             </a:r>
             <a:r>
-              <a:rPr lang="hr-HR" b="1" dirty="0" err="1"/>
+              <a:rPr lang="hr-HR" sz="1800" b="1" dirty="0" err="1">
+                <a:latin typeface="Bahnschrift SemiLight" panose="020B0502040204020203" pitchFamily="34" charset="0"/>
+              </a:rPr>
               <a:t>Encryption</a:t>
             </a:r>
-            <a:endParaRPr lang="hr-HR" dirty="0"/>
+            <a:endParaRPr lang="hr-HR" sz="1800" dirty="0">
+              <a:latin typeface="Bahnschrift SemiLight" panose="020B0502040204020203" pitchFamily="34" charset="0"/>
+            </a:endParaRPr>
           </a:p>
           <a:p>
             <a:pPr marL="742950" lvl="1" indent="-285750">
@@ -6625,35 +9761,51 @@
               <a:buAutoNum type="arabicPeriod"/>
             </a:pPr>
             <a:r>
-              <a:rPr lang="hr-HR" dirty="0" err="1"/>
+              <a:rPr lang="hr-HR" sz="1800" dirty="0" err="1">
+                <a:latin typeface="Bahnschrift SemiLight" panose="020B0502040204020203" pitchFamily="34" charset="0"/>
+              </a:rPr>
               <a:t>Uses</a:t>
             </a:r>
             <a:r>
-              <a:rPr lang="hr-HR" dirty="0"/>
+              <a:rPr lang="hr-HR" sz="1800" dirty="0">
+                <a:latin typeface="Bahnschrift SemiLight" panose="020B0502040204020203" pitchFamily="34" charset="0"/>
+              </a:rPr>
               <a:t> a </a:t>
             </a:r>
             <a:r>
-              <a:rPr lang="hr-HR" dirty="0" err="1"/>
+              <a:rPr lang="hr-HR" sz="1800" dirty="0" err="1">
+                <a:latin typeface="Bahnschrift SemiLight" panose="020B0502040204020203" pitchFamily="34" charset="0"/>
+              </a:rPr>
               <a:t>pair</a:t>
             </a:r>
             <a:r>
-              <a:rPr lang="hr-HR" dirty="0"/>
+              <a:rPr lang="hr-HR" sz="1800" dirty="0">
+                <a:latin typeface="Bahnschrift SemiLight" panose="020B0502040204020203" pitchFamily="34" charset="0"/>
+              </a:rPr>
               <a:t> </a:t>
             </a:r>
             <a:r>
-              <a:rPr lang="hr-HR" dirty="0" err="1"/>
+              <a:rPr lang="hr-HR" sz="1800" dirty="0" err="1">
+                <a:latin typeface="Bahnschrift SemiLight" panose="020B0502040204020203" pitchFamily="34" charset="0"/>
+              </a:rPr>
               <a:t>of</a:t>
             </a:r>
             <a:r>
-              <a:rPr lang="hr-HR" dirty="0"/>
+              <a:rPr lang="hr-HR" sz="1800" dirty="0">
+                <a:latin typeface="Bahnschrift SemiLight" panose="020B0502040204020203" pitchFamily="34" charset="0"/>
+              </a:rPr>
               <a:t> </a:t>
             </a:r>
             <a:r>
-              <a:rPr lang="hr-HR" dirty="0" err="1"/>
+              <a:rPr lang="hr-HR" sz="1800" dirty="0" err="1">
+                <a:latin typeface="Bahnschrift SemiLight" panose="020B0502040204020203" pitchFamily="34" charset="0"/>
+              </a:rPr>
               <a:t>keys</a:t>
             </a:r>
             <a:r>
-              <a:rPr lang="hr-HR" dirty="0"/>
+              <a:rPr lang="hr-HR" sz="1800" dirty="0">
+                <a:latin typeface="Bahnschrift SemiLight" panose="020B0502040204020203" pitchFamily="34" charset="0"/>
+              </a:rPr>
               <a:t>: </a:t>
             </a:r>
           </a:p>
@@ -6663,34 +9815,50 @@
               <a:buAutoNum type="arabicPeriod"/>
             </a:pPr>
             <a:r>
-              <a:rPr lang="hr-HR" b="1" dirty="0" err="1"/>
+              <a:rPr lang="hr-HR" sz="1800" b="1" dirty="0" err="1">
+                <a:latin typeface="Bahnschrift SemiLight" panose="020B0502040204020203" pitchFamily="34" charset="0"/>
+              </a:rPr>
               <a:t>Public</a:t>
             </a:r>
             <a:r>
-              <a:rPr lang="hr-HR" b="1" dirty="0"/>
+              <a:rPr lang="hr-HR" sz="1800" b="1" dirty="0">
+                <a:latin typeface="Bahnschrift SemiLight" panose="020B0502040204020203" pitchFamily="34" charset="0"/>
+              </a:rPr>
               <a:t> </a:t>
             </a:r>
             <a:r>
-              <a:rPr lang="hr-HR" b="1" dirty="0" err="1"/>
+              <a:rPr lang="hr-HR" sz="1800" b="1" dirty="0" err="1">
+                <a:latin typeface="Bahnschrift SemiLight" panose="020B0502040204020203" pitchFamily="34" charset="0"/>
+              </a:rPr>
               <a:t>key</a:t>
             </a:r>
             <a:r>
-              <a:rPr lang="hr-HR" dirty="0"/>
+              <a:rPr lang="hr-HR" sz="1800" dirty="0">
+                <a:latin typeface="Bahnschrift SemiLight" panose="020B0502040204020203" pitchFamily="34" charset="0"/>
+              </a:rPr>
               <a:t> – </a:t>
             </a:r>
             <a:r>
-              <a:rPr lang="hr-HR" dirty="0" err="1"/>
+              <a:rPr lang="hr-HR" sz="1800" dirty="0" err="1">
+                <a:latin typeface="Bahnschrift SemiLight" panose="020B0502040204020203" pitchFamily="34" charset="0"/>
+              </a:rPr>
               <a:t>Used</a:t>
             </a:r>
             <a:r>
-              <a:rPr lang="hr-HR" dirty="0"/>
+              <a:rPr lang="hr-HR" sz="1800" dirty="0">
+                <a:latin typeface="Bahnschrift SemiLight" panose="020B0502040204020203" pitchFamily="34" charset="0"/>
+              </a:rPr>
               <a:t> for </a:t>
             </a:r>
             <a:r>
-              <a:rPr lang="hr-HR" dirty="0" err="1"/>
+              <a:rPr lang="hr-HR" sz="1800" dirty="0" err="1">
+                <a:latin typeface="Bahnschrift SemiLight" panose="020B0502040204020203" pitchFamily="34" charset="0"/>
+              </a:rPr>
               <a:t>encryption</a:t>
             </a:r>
-            <a:endParaRPr lang="hr-HR" dirty="0"/>
+            <a:endParaRPr lang="hr-HR" sz="1800" dirty="0">
+              <a:latin typeface="Bahnschrift SemiLight" panose="020B0502040204020203" pitchFamily="34" charset="0"/>
+            </a:endParaRPr>
           </a:p>
           <a:p>
             <a:pPr marL="1143000" lvl="2" indent="-228600">
@@ -6698,34 +9866,50 @@
               <a:buAutoNum type="arabicPeriod"/>
             </a:pPr>
             <a:r>
-              <a:rPr lang="hr-HR" b="1" dirty="0" err="1"/>
+              <a:rPr lang="hr-HR" sz="1800" b="1" dirty="0" err="1">
+                <a:latin typeface="Bahnschrift SemiLight" panose="020B0502040204020203" pitchFamily="34" charset="0"/>
+              </a:rPr>
               <a:t>Private</a:t>
             </a:r>
             <a:r>
-              <a:rPr lang="hr-HR" b="1" dirty="0"/>
+              <a:rPr lang="hr-HR" sz="1800" b="1" dirty="0">
+                <a:latin typeface="Bahnschrift SemiLight" panose="020B0502040204020203" pitchFamily="34" charset="0"/>
+              </a:rPr>
               <a:t> </a:t>
             </a:r>
             <a:r>
-              <a:rPr lang="hr-HR" b="1" dirty="0" err="1"/>
+              <a:rPr lang="hr-HR" sz="1800" b="1" dirty="0" err="1">
+                <a:latin typeface="Bahnschrift SemiLight" panose="020B0502040204020203" pitchFamily="34" charset="0"/>
+              </a:rPr>
               <a:t>key</a:t>
             </a:r>
             <a:r>
-              <a:rPr lang="hr-HR" dirty="0"/>
+              <a:rPr lang="hr-HR" sz="1800" dirty="0">
+                <a:latin typeface="Bahnschrift SemiLight" panose="020B0502040204020203" pitchFamily="34" charset="0"/>
+              </a:rPr>
               <a:t> – </a:t>
             </a:r>
             <a:r>
-              <a:rPr lang="hr-HR" dirty="0" err="1"/>
+              <a:rPr lang="hr-HR" sz="1800" dirty="0" err="1">
+                <a:latin typeface="Bahnschrift SemiLight" panose="020B0502040204020203" pitchFamily="34" charset="0"/>
+              </a:rPr>
               <a:t>Used</a:t>
             </a:r>
             <a:r>
-              <a:rPr lang="hr-HR" dirty="0"/>
+              <a:rPr lang="hr-HR" sz="1800" dirty="0">
+                <a:latin typeface="Bahnschrift SemiLight" panose="020B0502040204020203" pitchFamily="34" charset="0"/>
+              </a:rPr>
               <a:t> for </a:t>
             </a:r>
             <a:r>
-              <a:rPr lang="hr-HR" dirty="0" err="1"/>
+              <a:rPr lang="hr-HR" sz="1800" dirty="0" err="1">
+                <a:latin typeface="Bahnschrift SemiLight" panose="020B0502040204020203" pitchFamily="34" charset="0"/>
+              </a:rPr>
               <a:t>decryption</a:t>
             </a:r>
-            <a:endParaRPr lang="hr-HR" dirty="0"/>
+            <a:endParaRPr lang="hr-HR" sz="1800" dirty="0">
+              <a:latin typeface="Bahnschrift SemiLight" panose="020B0502040204020203" pitchFamily="34" charset="0"/>
+            </a:endParaRPr>
           </a:p>
           <a:p>
             <a:pPr marL="742950" lvl="1" indent="-285750">
@@ -6733,35 +9917,51 @@
               <a:buAutoNum type="arabicPeriod"/>
             </a:pPr>
             <a:r>
-              <a:rPr lang="hr-HR" dirty="0" err="1"/>
+              <a:rPr lang="hr-HR" sz="1800" dirty="0" err="1">
+                <a:latin typeface="Bahnschrift SemiLight" panose="020B0502040204020203" pitchFamily="34" charset="0"/>
+              </a:rPr>
               <a:t>Example</a:t>
             </a:r>
             <a:r>
-              <a:rPr lang="hr-HR" dirty="0"/>
+              <a:rPr lang="hr-HR" sz="1800" dirty="0">
+                <a:latin typeface="Bahnschrift SemiLight" panose="020B0502040204020203" pitchFamily="34" charset="0"/>
+              </a:rPr>
               <a:t>: RSA (</a:t>
             </a:r>
             <a:r>
-              <a:rPr lang="hr-HR" dirty="0" err="1"/>
+              <a:rPr lang="hr-HR" sz="1800" dirty="0" err="1">
+                <a:latin typeface="Bahnschrift SemiLight" panose="020B0502040204020203" pitchFamily="34" charset="0"/>
+              </a:rPr>
               <a:t>Rivest</a:t>
             </a:r>
             <a:r>
-              <a:rPr lang="hr-HR" dirty="0"/>
+              <a:rPr lang="hr-HR" sz="1800" dirty="0">
+                <a:latin typeface="Bahnschrift SemiLight" panose="020B0502040204020203" pitchFamily="34" charset="0"/>
+              </a:rPr>
               <a:t>–</a:t>
             </a:r>
             <a:r>
-              <a:rPr lang="hr-HR" dirty="0" err="1"/>
+              <a:rPr lang="hr-HR" sz="1800" dirty="0" err="1">
+                <a:latin typeface="Bahnschrift SemiLight" panose="020B0502040204020203" pitchFamily="34" charset="0"/>
+              </a:rPr>
               <a:t>Shamir</a:t>
             </a:r>
             <a:r>
-              <a:rPr lang="hr-HR" dirty="0"/>
+              <a:rPr lang="hr-HR" sz="1800" dirty="0">
+                <a:latin typeface="Bahnschrift SemiLight" panose="020B0502040204020203" pitchFamily="34" charset="0"/>
+              </a:rPr>
               <a:t>–</a:t>
             </a:r>
             <a:r>
-              <a:rPr lang="hr-HR" dirty="0" err="1"/>
+              <a:rPr lang="hr-HR" sz="1800" dirty="0" err="1">
+                <a:latin typeface="Bahnschrift SemiLight" panose="020B0502040204020203" pitchFamily="34" charset="0"/>
+              </a:rPr>
               <a:t>Adleman</a:t>
             </a:r>
             <a:r>
-              <a:rPr lang="hr-HR" dirty="0"/>
+              <a:rPr lang="hr-HR" sz="1800" dirty="0">
+                <a:latin typeface="Bahnschrift SemiLight" panose="020B0502040204020203" pitchFamily="34" charset="0"/>
+              </a:rPr>
               <a:t>)</a:t>
             </a:r>
           </a:p>
@@ -6771,54 +9971,80 @@
               <a:buAutoNum type="arabicPeriod"/>
             </a:pPr>
             <a:r>
-              <a:rPr lang="hr-HR" dirty="0"/>
+              <a:rPr lang="hr-HR" sz="1800" dirty="0">
+                <a:latin typeface="Bahnschrift SemiLight" panose="020B0502040204020203" pitchFamily="34" charset="0"/>
+              </a:rPr>
               <a:t>✅ Secure </a:t>
             </a:r>
             <a:r>
-              <a:rPr lang="hr-HR" dirty="0" err="1"/>
+              <a:rPr lang="hr-HR" sz="1800" dirty="0" err="1">
+                <a:latin typeface="Bahnschrift SemiLight" panose="020B0502040204020203" pitchFamily="34" charset="0"/>
+              </a:rPr>
               <a:t>even</a:t>
             </a:r>
             <a:r>
-              <a:rPr lang="hr-HR" dirty="0"/>
+              <a:rPr lang="hr-HR" sz="1800" dirty="0">
+                <a:latin typeface="Bahnschrift SemiLight" panose="020B0502040204020203" pitchFamily="34" charset="0"/>
+              </a:rPr>
               <a:t> </a:t>
             </a:r>
             <a:r>
-              <a:rPr lang="hr-HR" dirty="0" err="1"/>
+              <a:rPr lang="hr-HR" sz="1800" dirty="0" err="1">
+                <a:latin typeface="Bahnschrift SemiLight" panose="020B0502040204020203" pitchFamily="34" charset="0"/>
+              </a:rPr>
               <a:t>if</a:t>
             </a:r>
             <a:r>
-              <a:rPr lang="hr-HR" dirty="0"/>
+              <a:rPr lang="hr-HR" sz="1800" dirty="0">
+                <a:latin typeface="Bahnschrift SemiLight" panose="020B0502040204020203" pitchFamily="34" charset="0"/>
+              </a:rPr>
               <a:t> </a:t>
             </a:r>
             <a:r>
-              <a:rPr lang="hr-HR" dirty="0" err="1"/>
+              <a:rPr lang="hr-HR" sz="1800" dirty="0" err="1">
+                <a:latin typeface="Bahnschrift SemiLight" panose="020B0502040204020203" pitchFamily="34" charset="0"/>
+              </a:rPr>
               <a:t>public</a:t>
             </a:r>
             <a:r>
-              <a:rPr lang="hr-HR" dirty="0"/>
+              <a:rPr lang="hr-HR" sz="1800" dirty="0">
+                <a:latin typeface="Bahnschrift SemiLight" panose="020B0502040204020203" pitchFamily="34" charset="0"/>
+              </a:rPr>
               <a:t> </a:t>
             </a:r>
             <a:r>
-              <a:rPr lang="hr-HR" dirty="0" err="1"/>
+              <a:rPr lang="hr-HR" sz="1800" dirty="0" err="1">
+                <a:latin typeface="Bahnschrift SemiLight" panose="020B0502040204020203" pitchFamily="34" charset="0"/>
+              </a:rPr>
               <a:t>key</a:t>
             </a:r>
             <a:r>
-              <a:rPr lang="hr-HR" dirty="0"/>
+              <a:rPr lang="hr-HR" sz="1800" dirty="0">
+                <a:latin typeface="Bahnschrift SemiLight" panose="020B0502040204020203" pitchFamily="34" charset="0"/>
+              </a:rPr>
               <a:t> </a:t>
             </a:r>
             <a:r>
-              <a:rPr lang="hr-HR" dirty="0" err="1"/>
+              <a:rPr lang="hr-HR" sz="1800" dirty="0" err="1">
+                <a:latin typeface="Bahnschrift SemiLight" panose="020B0502040204020203" pitchFamily="34" charset="0"/>
+              </a:rPr>
               <a:t>is</a:t>
             </a:r>
             <a:r>
-              <a:rPr lang="hr-HR" dirty="0"/>
+              <a:rPr lang="hr-HR" sz="1800" dirty="0">
+                <a:latin typeface="Bahnschrift SemiLight" panose="020B0502040204020203" pitchFamily="34" charset="0"/>
+              </a:rPr>
               <a:t> </a:t>
             </a:r>
             <a:r>
-              <a:rPr lang="hr-HR" dirty="0" err="1"/>
+              <a:rPr lang="hr-HR" sz="1800" dirty="0" err="1">
+                <a:latin typeface="Bahnschrift SemiLight" panose="020B0502040204020203" pitchFamily="34" charset="0"/>
+              </a:rPr>
               <a:t>exposed</a:t>
             </a:r>
-            <a:endParaRPr lang="hr-HR" dirty="0"/>
+            <a:endParaRPr lang="hr-HR" sz="1800" dirty="0">
+              <a:latin typeface="Bahnschrift SemiLight" panose="020B0502040204020203" pitchFamily="34" charset="0"/>
+            </a:endParaRPr>
           </a:p>
           <a:p>
             <a:pPr marL="742950" lvl="1" indent="-285750">
@@ -6826,188 +10052,10 @@
               <a:buAutoNum type="arabicPeriod"/>
             </a:pPr>
             <a:r>
-              <a:rPr lang="hr-HR" dirty="0"/>
-              <a:t>❌ </a:t>
-            </a:r>
-            <a:r>
-              <a:rPr lang="hr-HR" dirty="0" err="1"/>
-              <a:t>Slower</a:t>
-            </a:r>
-            <a:r>
-              <a:rPr lang="hr-HR" dirty="0"/>
-              <a:t> </a:t>
-            </a:r>
-            <a:r>
-              <a:rPr lang="hr-HR" dirty="0" err="1"/>
-              <a:t>than</a:t>
-            </a:r>
-            <a:r>
-              <a:rPr lang="hr-HR" dirty="0"/>
-              <a:t> </a:t>
-            </a:r>
-            <a:r>
-              <a:rPr lang="hr-HR" dirty="0" err="1"/>
-              <a:t>symmetric</a:t>
-            </a:r>
-            <a:r>
-              <a:rPr lang="hr-HR" dirty="0"/>
-              <a:t> </a:t>
-            </a:r>
-            <a:r>
-              <a:rPr lang="hr-HR" dirty="0" err="1"/>
-              <a:t>encryption</a:t>
-            </a:r>
-            <a:endParaRPr lang="hr-HR" dirty="0"/>
-          </a:p>
-          <a:p>
-            <a:pPr>
-              <a:buFont typeface="+mj-lt"/>
-              <a:buAutoNum type="arabicPeriod"/>
-            </a:pPr>
-            <a:r>
-              <a:rPr lang="hr-HR" b="1" dirty="0" err="1"/>
-              <a:t>Hybrid</a:t>
-            </a:r>
-            <a:r>
-              <a:rPr lang="hr-HR" b="1" dirty="0"/>
-              <a:t> </a:t>
-            </a:r>
-            <a:r>
-              <a:rPr lang="hr-HR" b="1" dirty="0" err="1"/>
-              <a:t>Encryption</a:t>
-            </a:r>
-            <a:endParaRPr lang="hr-HR" dirty="0"/>
-          </a:p>
-          <a:p>
-            <a:pPr marL="742950" lvl="1" indent="-285750">
-              <a:buFont typeface="+mj-lt"/>
-              <a:buAutoNum type="arabicPeriod"/>
-            </a:pPr>
-            <a:r>
-              <a:rPr lang="hr-HR" dirty="0" err="1"/>
-              <a:t>Combines</a:t>
-            </a:r>
-            <a:r>
-              <a:rPr lang="hr-HR" dirty="0"/>
-              <a:t> </a:t>
-            </a:r>
-            <a:r>
-              <a:rPr lang="hr-HR" dirty="0" err="1"/>
-              <a:t>symmetric</a:t>
-            </a:r>
-            <a:r>
-              <a:rPr lang="hr-HR" dirty="0"/>
-              <a:t> </a:t>
-            </a:r>
-            <a:r>
-              <a:rPr lang="hr-HR" dirty="0" err="1"/>
-              <a:t>and</a:t>
-            </a:r>
-            <a:r>
-              <a:rPr lang="hr-HR" dirty="0"/>
-              <a:t> </a:t>
-            </a:r>
-            <a:r>
-              <a:rPr lang="hr-HR" dirty="0" err="1"/>
-              <a:t>asymmetric</a:t>
-            </a:r>
-            <a:r>
-              <a:rPr lang="hr-HR" dirty="0"/>
-              <a:t> </a:t>
-            </a:r>
-            <a:r>
-              <a:rPr lang="hr-HR" dirty="0" err="1"/>
-              <a:t>encryption</a:t>
-            </a:r>
-            <a:r>
-              <a:rPr lang="hr-HR" dirty="0"/>
-              <a:t>.</a:t>
-            </a:r>
-          </a:p>
-          <a:p>
-            <a:pPr marL="742950" lvl="1" indent="-285750">
-              <a:buFont typeface="+mj-lt"/>
-              <a:buAutoNum type="arabicPeriod"/>
-            </a:pPr>
-            <a:r>
-              <a:rPr lang="hr-HR" dirty="0" err="1"/>
-              <a:t>Example</a:t>
-            </a:r>
-            <a:r>
-              <a:rPr lang="hr-HR" dirty="0"/>
-              <a:t>: HTTPS </a:t>
-            </a:r>
-            <a:r>
-              <a:rPr lang="hr-HR" dirty="0" err="1"/>
-              <a:t>uses</a:t>
-            </a:r>
-            <a:r>
-              <a:rPr lang="hr-HR" dirty="0"/>
-              <a:t> </a:t>
-            </a:r>
-            <a:r>
-              <a:rPr lang="hr-HR" dirty="0" err="1"/>
-              <a:t>asymmetric</a:t>
-            </a:r>
-            <a:r>
-              <a:rPr lang="hr-HR" dirty="0"/>
-              <a:t> </a:t>
-            </a:r>
-            <a:r>
-              <a:rPr lang="hr-HR" dirty="0" err="1"/>
-              <a:t>encryption</a:t>
-            </a:r>
-            <a:r>
-              <a:rPr lang="hr-HR" dirty="0"/>
-              <a:t> to </a:t>
-            </a:r>
-            <a:r>
-              <a:rPr lang="hr-HR" dirty="0" err="1"/>
-              <a:t>establish</a:t>
-            </a:r>
-            <a:r>
-              <a:rPr lang="hr-HR" dirty="0"/>
-              <a:t> a </a:t>
-            </a:r>
-            <a:r>
-              <a:rPr lang="hr-HR" dirty="0" err="1"/>
-              <a:t>connection</a:t>
-            </a:r>
-            <a:r>
-              <a:rPr lang="hr-HR" dirty="0"/>
-              <a:t>, </a:t>
-            </a:r>
-            <a:r>
-              <a:rPr lang="hr-HR" dirty="0" err="1"/>
-              <a:t>then</a:t>
-            </a:r>
-            <a:r>
-              <a:rPr lang="hr-HR" dirty="0"/>
-              <a:t> </a:t>
-            </a:r>
-            <a:r>
-              <a:rPr lang="hr-HR" dirty="0" err="1"/>
-              <a:t>symmetric</a:t>
-            </a:r>
-            <a:r>
-              <a:rPr lang="hr-HR" dirty="0"/>
-              <a:t> </a:t>
-            </a:r>
-            <a:r>
-              <a:rPr lang="hr-HR" dirty="0" err="1"/>
-              <a:t>encryption</a:t>
-            </a:r>
-            <a:r>
-              <a:rPr lang="hr-HR" dirty="0"/>
-              <a:t> to </a:t>
-            </a:r>
-            <a:r>
-              <a:rPr lang="hr-HR" dirty="0" err="1"/>
-              <a:t>transmit</a:t>
-            </a:r>
-            <a:r>
-              <a:rPr lang="hr-HR" dirty="0"/>
-              <a:t> data.</a:t>
+              <a:rPr lang="hr-HR" sz="1800" dirty="0">
+                <a:latin typeface="Bahnschrift SemiLight" panose="020B0502040204020203" pitchFamily="34" charset="0"/>
+              </a:rPr>
+              <a:t>❌ Slower than symmetric encryption</a:t>
             </a:r>
           </a:p>
         </p:txBody>
@@ -7025,7 +10073,7 @@
 </p:sld>
 </file>
 
-<file path=ppt/slides/slide7.xml><?xml version="1.0" encoding="utf-8"?>
+<file path=ppt/slides/slide9.xml><?xml version="1.0" encoding="utf-8"?>
 <p:sld xmlns:a="http://schemas.openxmlformats.org/drawingml/2006/main" xmlns:r="http://schemas.openxmlformats.org/officeDocument/2006/relationships" xmlns:p="http://schemas.openxmlformats.org/presentationml/2006/main">
   <p:cSld>
     <p:spTree>
@@ -7033,7 +10081,7 @@
         <p:cNvPr id="1" name="">
           <a:extLst>
             <a:ext uri="{FF2B5EF4-FFF2-40B4-BE49-F238E27FC236}">
-              <a16:creationId xmlns:a16="http://schemas.microsoft.com/office/drawing/2014/main" id="{71000F6E-6867-2704-2EE6-4BD1CF1C5728}"/>
+              <a16:creationId xmlns:a16="http://schemas.microsoft.com/office/drawing/2014/main" id="{68C27ADA-1FA5-CDAB-1DB6-4D649DFFF403}"/>
             </a:ext>
           </a:extLst>
         </p:cNvPr>
@@ -7053,7 +10101,7 @@
           <p:cNvPr id="3" name="Title 2">
             <a:extLst>
               <a:ext uri="{FF2B5EF4-FFF2-40B4-BE49-F238E27FC236}">
-                <a16:creationId xmlns:a16="http://schemas.microsoft.com/office/drawing/2014/main" id="{C5FC1B31-6E31-6780-92A6-1739D60FF10F}"/>
+                <a16:creationId xmlns:a16="http://schemas.microsoft.com/office/drawing/2014/main" id="{563C3ED0-D4EF-6253-BD5E-70780E24C6B0}"/>
               </a:ext>
             </a:extLst>
           </p:cNvPr>
@@ -7080,7 +10128,7 @@
             </a:r>
             <a:r>
               <a:rPr lang="en-US" dirty="0"/>
-              <a:t> - HASHING </a:t>
+              <a:t> - ENCRYPTION </a:t>
             </a:r>
             <a:endParaRPr lang="hr-HR" dirty="0"/>
           </a:p>
@@ -7091,7 +10139,7 @@
           <p:cNvPr id="4" name="Content Placeholder 2">
             <a:extLst>
               <a:ext uri="{FF2B5EF4-FFF2-40B4-BE49-F238E27FC236}">
-                <a16:creationId xmlns:a16="http://schemas.microsoft.com/office/drawing/2014/main" id="{379BB945-0ADA-FCA7-990A-55791F4D766F}"/>
+                <a16:creationId xmlns:a16="http://schemas.microsoft.com/office/drawing/2014/main" id="{949D2C6F-8F9B-88C1-79BA-FAECB73EB7FE}"/>
               </a:ext>
             </a:extLst>
           </p:cNvPr>
@@ -7111,7 +10159,7 @@
         </p:spPr>
         <p:txBody>
           <a:bodyPr vert="horz" lIns="91440" tIns="45720" rIns="91440" bIns="45720" rtlCol="0">
-            <a:normAutofit/>
+            <a:noAutofit/>
           </a:bodyPr>
           <a:lstStyle>
             <a:lvl1pPr marL="368300" indent="-352425" algn="l" defTabSz="914400" rtl="0" eaLnBrk="1" latinLnBrk="0" hangingPunct="1">
@@ -7312,1448 +10360,330 @@
           </a:lstStyle>
           <a:p>
             <a:pPr>
-              <a:buFont typeface="Arial" panose="020B0604020202020204" pitchFamily="34" charset="0"/>
-              <a:buChar char="•"/>
-            </a:pPr>
-            <a:r>
-              <a:rPr lang="en-US" dirty="0"/>
-              <a:t>Converts data into a fixed-size value (hash) to verify integrity.</a:t>
-            </a:r>
-          </a:p>
-          <a:p>
-            <a:pPr>
-              <a:buFont typeface="Arial" panose="020B0604020202020204" pitchFamily="34" charset="0"/>
-              <a:buChar char="•"/>
-            </a:pPr>
-            <a:r>
-              <a:rPr lang="en-US" dirty="0"/>
-              <a:t>One-way process — data cannot be recovered from the hash.</a:t>
-            </a:r>
-          </a:p>
-          <a:p>
-            <a:pPr>
-              <a:buFont typeface="Arial" panose="020B0604020202020204" pitchFamily="34" charset="0"/>
-              <a:buChar char="•"/>
-            </a:pPr>
-            <a:r>
-              <a:rPr lang="en-US" dirty="0"/>
-              <a:t>Example: SHA-256 (Secure Hash Algorithm)</a:t>
-            </a:r>
-          </a:p>
-          <a:p>
-            <a:pPr>
-              <a:buFont typeface="Arial" panose="020B0604020202020204" pitchFamily="34" charset="0"/>
-              <a:buChar char="•"/>
-            </a:pPr>
-            <a:r>
-              <a:rPr lang="hr-HR" dirty="0"/>
-              <a:t>✅</a:t>
-            </a:r>
-            <a:r>
-              <a:rPr lang="en-US" dirty="0"/>
-              <a:t> Ensures that data has not been altered</a:t>
-            </a:r>
-          </a:p>
-          <a:p>
-            <a:pPr>
-              <a:buFont typeface="Arial" panose="020B0604020202020204" pitchFamily="34" charset="0"/>
-              <a:buChar char="•"/>
-            </a:pPr>
-            <a:r>
-              <a:rPr lang="hr-HR" dirty="0"/>
-              <a:t>✅</a:t>
-            </a:r>
-            <a:r>
-              <a:rPr lang="en-US" dirty="0"/>
-              <a:t> Used for storing passwords securely</a:t>
-            </a:r>
-            <a:br>
-              <a:rPr lang="en-US" dirty="0"/>
-            </a:br>
-            <a:endParaRPr lang="en-US" dirty="0"/>
-          </a:p>
-          <a:p>
-            <a:pPr>
-              <a:buFont typeface="Arial" panose="020B0604020202020204" pitchFamily="34" charset="0"/>
-              <a:buChar char="•"/>
-            </a:pPr>
-            <a:r>
-              <a:rPr lang="en-US" dirty="0"/>
-              <a:t>Example: Websites store a hash of the password instead of the actual password — even if the hash is exposed, the password remains secure.</a:t>
-            </a:r>
-          </a:p>
-          <a:p>
-            <a:pPr>
-              <a:buFont typeface="Arial" panose="020B0604020202020204" pitchFamily="34" charset="0"/>
-              <a:buChar char="•"/>
-            </a:pPr>
-            <a:endParaRPr lang="en-US" dirty="0"/>
+              <a:buNone/>
+            </a:pPr>
+            <a:r>
+              <a:rPr lang="hr-HR" sz="2000" dirty="0" err="1">
+                <a:latin typeface="Bahnschrift SemiLight" panose="020B0502040204020203" pitchFamily="34" charset="0"/>
+              </a:rPr>
+              <a:t>Encryption</a:t>
+            </a:r>
+            <a:r>
+              <a:rPr lang="hr-HR" sz="2000" dirty="0">
+                <a:latin typeface="Bahnschrift SemiLight" panose="020B0502040204020203" pitchFamily="34" charset="0"/>
+              </a:rPr>
+              <a:t> </a:t>
+            </a:r>
+            <a:r>
+              <a:rPr lang="hr-HR" sz="2000" dirty="0" err="1">
+                <a:latin typeface="Bahnschrift SemiLight" panose="020B0502040204020203" pitchFamily="34" charset="0"/>
+              </a:rPr>
+              <a:t>protects</a:t>
+            </a:r>
+            <a:r>
+              <a:rPr lang="hr-HR" sz="2000" dirty="0">
+                <a:latin typeface="Bahnschrift SemiLight" panose="020B0502040204020203" pitchFamily="34" charset="0"/>
+              </a:rPr>
+              <a:t> data </a:t>
+            </a:r>
+            <a:r>
+              <a:rPr lang="hr-HR" sz="2000" dirty="0" err="1">
+                <a:latin typeface="Bahnschrift SemiLight" panose="020B0502040204020203" pitchFamily="34" charset="0"/>
+              </a:rPr>
+              <a:t>from</a:t>
+            </a:r>
+            <a:r>
+              <a:rPr lang="hr-HR" sz="2000" dirty="0">
+                <a:latin typeface="Bahnschrift SemiLight" panose="020B0502040204020203" pitchFamily="34" charset="0"/>
+              </a:rPr>
+              <a:t> </a:t>
+            </a:r>
+            <a:r>
+              <a:rPr lang="hr-HR" sz="2000" dirty="0" err="1">
+                <a:latin typeface="Bahnschrift SemiLight" panose="020B0502040204020203" pitchFamily="34" charset="0"/>
+              </a:rPr>
+              <a:t>unauthorized</a:t>
+            </a:r>
+            <a:r>
+              <a:rPr lang="hr-HR" sz="2000" dirty="0">
+                <a:latin typeface="Bahnschrift SemiLight" panose="020B0502040204020203" pitchFamily="34" charset="0"/>
+              </a:rPr>
+              <a:t> </a:t>
+            </a:r>
+            <a:r>
+              <a:rPr lang="hr-HR" sz="2000" dirty="0" err="1">
+                <a:latin typeface="Bahnschrift SemiLight" panose="020B0502040204020203" pitchFamily="34" charset="0"/>
+              </a:rPr>
+              <a:t>access</a:t>
+            </a:r>
+            <a:r>
+              <a:rPr lang="hr-HR" sz="2000" dirty="0">
+                <a:latin typeface="Bahnschrift SemiLight" panose="020B0502040204020203" pitchFamily="34" charset="0"/>
+              </a:rPr>
+              <a:t> </a:t>
+            </a:r>
+            <a:r>
+              <a:rPr lang="hr-HR" sz="2000" dirty="0" err="1">
+                <a:latin typeface="Bahnschrift SemiLight" panose="020B0502040204020203" pitchFamily="34" charset="0"/>
+              </a:rPr>
+              <a:t>during</a:t>
+            </a:r>
+            <a:r>
+              <a:rPr lang="hr-HR" sz="2000" dirty="0">
+                <a:latin typeface="Bahnschrift SemiLight" panose="020B0502040204020203" pitchFamily="34" charset="0"/>
+              </a:rPr>
+              <a:t> </a:t>
+            </a:r>
+            <a:r>
+              <a:rPr lang="hr-HR" sz="2000" dirty="0" err="1">
+                <a:latin typeface="Bahnschrift SemiLight" panose="020B0502040204020203" pitchFamily="34" charset="0"/>
+              </a:rPr>
+              <a:t>transmission</a:t>
+            </a:r>
+            <a:r>
+              <a:rPr lang="hr-HR" sz="2000" dirty="0">
+                <a:latin typeface="Bahnschrift SemiLight" panose="020B0502040204020203" pitchFamily="34" charset="0"/>
+              </a:rPr>
+              <a:t> </a:t>
+            </a:r>
+            <a:r>
+              <a:rPr lang="hr-HR" sz="2000" dirty="0" err="1">
+                <a:latin typeface="Bahnschrift SemiLight" panose="020B0502040204020203" pitchFamily="34" charset="0"/>
+              </a:rPr>
+              <a:t>and</a:t>
+            </a:r>
+            <a:r>
+              <a:rPr lang="hr-HR" sz="2000" dirty="0">
+                <a:latin typeface="Bahnschrift SemiLight" panose="020B0502040204020203" pitchFamily="34" charset="0"/>
+              </a:rPr>
+              <a:t> </a:t>
+            </a:r>
+            <a:r>
+              <a:rPr lang="hr-HR" sz="2000" dirty="0" err="1">
+                <a:latin typeface="Bahnschrift SemiLight" panose="020B0502040204020203" pitchFamily="34" charset="0"/>
+              </a:rPr>
+              <a:t>storage</a:t>
+            </a:r>
+            <a:r>
+              <a:rPr lang="hr-HR" sz="2000" dirty="0">
+                <a:latin typeface="Bahnschrift SemiLight" panose="020B0502040204020203" pitchFamily="34" charset="0"/>
+              </a:rPr>
+              <a:t>.</a:t>
+            </a:r>
+          </a:p>
+          <a:p>
+            <a:pPr>
+              <a:buFont typeface="+mj-lt"/>
+              <a:buAutoNum type="arabicPeriod"/>
+            </a:pPr>
+            <a:r>
+              <a:rPr lang="hr-HR" sz="2000" b="1" dirty="0">
+                <a:latin typeface="Bahnschrift SemiLight" panose="020B0502040204020203" pitchFamily="34" charset="0"/>
+              </a:rPr>
+              <a:t>Hybrid Encryption</a:t>
+            </a:r>
+            <a:endParaRPr lang="hr-HR" sz="2000" dirty="0">
+              <a:latin typeface="Bahnschrift SemiLight" panose="020B0502040204020203" pitchFamily="34" charset="0"/>
+            </a:endParaRPr>
+          </a:p>
+          <a:p>
+            <a:pPr marL="742950" lvl="1" indent="-285750">
+              <a:buFont typeface="+mj-lt"/>
+              <a:buAutoNum type="arabicPeriod"/>
+            </a:pPr>
+            <a:r>
+              <a:rPr lang="hr-HR" sz="2000" dirty="0" err="1">
+                <a:latin typeface="Bahnschrift SemiLight" panose="020B0502040204020203" pitchFamily="34" charset="0"/>
+              </a:rPr>
+              <a:t>Combines</a:t>
+            </a:r>
+            <a:r>
+              <a:rPr lang="hr-HR" sz="2000" dirty="0">
+                <a:latin typeface="Bahnschrift SemiLight" panose="020B0502040204020203" pitchFamily="34" charset="0"/>
+              </a:rPr>
+              <a:t> </a:t>
+            </a:r>
+            <a:r>
+              <a:rPr lang="hr-HR" sz="2000" dirty="0" err="1">
+                <a:latin typeface="Bahnschrift SemiLight" panose="020B0502040204020203" pitchFamily="34" charset="0"/>
+              </a:rPr>
+              <a:t>symmetric</a:t>
+            </a:r>
+            <a:r>
+              <a:rPr lang="hr-HR" sz="2000" dirty="0">
+                <a:latin typeface="Bahnschrift SemiLight" panose="020B0502040204020203" pitchFamily="34" charset="0"/>
+              </a:rPr>
+              <a:t> </a:t>
+            </a:r>
+            <a:r>
+              <a:rPr lang="hr-HR" sz="2000" dirty="0" err="1">
+                <a:latin typeface="Bahnschrift SemiLight" panose="020B0502040204020203" pitchFamily="34" charset="0"/>
+              </a:rPr>
+              <a:t>and</a:t>
+            </a:r>
+            <a:r>
+              <a:rPr lang="hr-HR" sz="2000" dirty="0">
+                <a:latin typeface="Bahnschrift SemiLight" panose="020B0502040204020203" pitchFamily="34" charset="0"/>
+              </a:rPr>
+              <a:t> </a:t>
+            </a:r>
+            <a:r>
+              <a:rPr lang="hr-HR" sz="2000" dirty="0" err="1">
+                <a:latin typeface="Bahnschrift SemiLight" panose="020B0502040204020203" pitchFamily="34" charset="0"/>
+              </a:rPr>
+              <a:t>asymmetric</a:t>
+            </a:r>
+            <a:r>
+              <a:rPr lang="hr-HR" sz="2000" dirty="0">
+                <a:latin typeface="Bahnschrift SemiLight" panose="020B0502040204020203" pitchFamily="34" charset="0"/>
+              </a:rPr>
+              <a:t> </a:t>
+            </a:r>
+            <a:r>
+              <a:rPr lang="hr-HR" sz="2000" dirty="0" err="1">
+                <a:latin typeface="Bahnschrift SemiLight" panose="020B0502040204020203" pitchFamily="34" charset="0"/>
+              </a:rPr>
+              <a:t>encryption</a:t>
+            </a:r>
+            <a:r>
+              <a:rPr lang="hr-HR" sz="2000" dirty="0">
+                <a:latin typeface="Bahnschrift SemiLight" panose="020B0502040204020203" pitchFamily="34" charset="0"/>
+              </a:rPr>
+              <a:t>.</a:t>
+            </a:r>
+          </a:p>
+          <a:p>
+            <a:pPr marL="742950" lvl="1" indent="-285750">
+              <a:buFont typeface="+mj-lt"/>
+              <a:buAutoNum type="arabicPeriod"/>
+            </a:pPr>
+            <a:r>
+              <a:rPr lang="hr-HR" sz="2000" dirty="0" err="1">
+                <a:latin typeface="Bahnschrift SemiLight" panose="020B0502040204020203" pitchFamily="34" charset="0"/>
+              </a:rPr>
+              <a:t>Example</a:t>
+            </a:r>
+            <a:r>
+              <a:rPr lang="hr-HR" sz="2000" dirty="0">
+                <a:latin typeface="Bahnschrift SemiLight" panose="020B0502040204020203" pitchFamily="34" charset="0"/>
+              </a:rPr>
+              <a:t>: HTTPS </a:t>
+            </a:r>
+            <a:r>
+              <a:rPr lang="hr-HR" sz="2000" dirty="0" err="1">
+                <a:latin typeface="Bahnschrift SemiLight" panose="020B0502040204020203" pitchFamily="34" charset="0"/>
+              </a:rPr>
+              <a:t>uses</a:t>
+            </a:r>
+            <a:r>
+              <a:rPr lang="hr-HR" sz="2000" dirty="0">
+                <a:latin typeface="Bahnschrift SemiLight" panose="020B0502040204020203" pitchFamily="34" charset="0"/>
+              </a:rPr>
+              <a:t> </a:t>
+            </a:r>
+            <a:r>
+              <a:rPr lang="hr-HR" sz="2000" dirty="0" err="1">
+                <a:latin typeface="Bahnschrift SemiLight" panose="020B0502040204020203" pitchFamily="34" charset="0"/>
+              </a:rPr>
+              <a:t>asymmetric</a:t>
+            </a:r>
+            <a:r>
+              <a:rPr lang="hr-HR" sz="2000" dirty="0">
+                <a:latin typeface="Bahnschrift SemiLight" panose="020B0502040204020203" pitchFamily="34" charset="0"/>
+              </a:rPr>
+              <a:t> </a:t>
+            </a:r>
+            <a:r>
+              <a:rPr lang="hr-HR" sz="2000" dirty="0" err="1">
+                <a:latin typeface="Bahnschrift SemiLight" panose="020B0502040204020203" pitchFamily="34" charset="0"/>
+              </a:rPr>
+              <a:t>encryption</a:t>
+            </a:r>
+            <a:r>
+              <a:rPr lang="hr-HR" sz="2000" dirty="0">
+                <a:latin typeface="Bahnschrift SemiLight" panose="020B0502040204020203" pitchFamily="34" charset="0"/>
+              </a:rPr>
+              <a:t> to </a:t>
+            </a:r>
+            <a:r>
+              <a:rPr lang="hr-HR" sz="2000" dirty="0" err="1">
+                <a:latin typeface="Bahnschrift SemiLight" panose="020B0502040204020203" pitchFamily="34" charset="0"/>
+              </a:rPr>
+              <a:t>establish</a:t>
+            </a:r>
+            <a:r>
+              <a:rPr lang="hr-HR" sz="2000" dirty="0">
+                <a:latin typeface="Bahnschrift SemiLight" panose="020B0502040204020203" pitchFamily="34" charset="0"/>
+              </a:rPr>
+              <a:t> a </a:t>
+            </a:r>
+            <a:r>
+              <a:rPr lang="hr-HR" sz="2000" dirty="0" err="1">
+                <a:latin typeface="Bahnschrift SemiLight" panose="020B0502040204020203" pitchFamily="34" charset="0"/>
+              </a:rPr>
+              <a:t>connection</a:t>
+            </a:r>
+            <a:r>
+              <a:rPr lang="hr-HR" sz="2000" dirty="0">
+                <a:latin typeface="Bahnschrift SemiLight" panose="020B0502040204020203" pitchFamily="34" charset="0"/>
+              </a:rPr>
+              <a:t>, </a:t>
+            </a:r>
+            <a:r>
+              <a:rPr lang="hr-HR" sz="2000" dirty="0" err="1">
+                <a:latin typeface="Bahnschrift SemiLight" panose="020B0502040204020203" pitchFamily="34" charset="0"/>
+              </a:rPr>
+              <a:t>then</a:t>
+            </a:r>
+            <a:r>
+              <a:rPr lang="hr-HR" sz="2000" dirty="0">
+                <a:latin typeface="Bahnschrift SemiLight" panose="020B0502040204020203" pitchFamily="34" charset="0"/>
+              </a:rPr>
+              <a:t> </a:t>
+            </a:r>
+            <a:r>
+              <a:rPr lang="hr-HR" sz="2000" dirty="0" err="1">
+                <a:latin typeface="Bahnschrift SemiLight" panose="020B0502040204020203" pitchFamily="34" charset="0"/>
+              </a:rPr>
+              <a:t>symmetric</a:t>
+            </a:r>
+            <a:r>
+              <a:rPr lang="hr-HR" sz="2000" dirty="0">
+                <a:latin typeface="Bahnschrift SemiLight" panose="020B0502040204020203" pitchFamily="34" charset="0"/>
+              </a:rPr>
+              <a:t> </a:t>
+            </a:r>
+            <a:r>
+              <a:rPr lang="hr-HR" sz="2000" dirty="0" err="1">
+                <a:latin typeface="Bahnschrift SemiLight" panose="020B0502040204020203" pitchFamily="34" charset="0"/>
+              </a:rPr>
+              <a:t>encryption</a:t>
+            </a:r>
+            <a:r>
+              <a:rPr lang="hr-HR" sz="2000" dirty="0">
+                <a:latin typeface="Bahnschrift SemiLight" panose="020B0502040204020203" pitchFamily="34" charset="0"/>
+              </a:rPr>
+              <a:t> to </a:t>
+            </a:r>
+            <a:r>
+              <a:rPr lang="hr-HR" sz="2000" dirty="0" err="1">
+                <a:latin typeface="Bahnschrift SemiLight" panose="020B0502040204020203" pitchFamily="34" charset="0"/>
+              </a:rPr>
+              <a:t>transmit</a:t>
+            </a:r>
+            <a:r>
+              <a:rPr lang="hr-HR" sz="2000" dirty="0">
+                <a:latin typeface="Bahnschrift SemiLight" panose="020B0502040204020203" pitchFamily="34" charset="0"/>
+              </a:rPr>
+              <a:t> data.</a:t>
+            </a:r>
           </a:p>
         </p:txBody>
       </p:sp>
     </p:spTree>
     <p:extLst>
       <p:ext uri="{BB962C8B-B14F-4D97-AF65-F5344CB8AC3E}">
-        <p14:creationId xmlns:p14="http://schemas.microsoft.com/office/powerpoint/2010/main" val="2384248119"/>
-      </p:ext>
-    </p:extLst>
-  </p:cSld>
-  <p:clrMapOvr>
-    <a:masterClrMapping/>
-  </p:clrMapOvr>
-</p:sld>
-</file>
-
-<file path=ppt/slides/slide8.xml><?xml version="1.0" encoding="utf-8"?>
-<p:sld xmlns:a="http://schemas.openxmlformats.org/drawingml/2006/main" xmlns:r="http://schemas.openxmlformats.org/officeDocument/2006/relationships" xmlns:p="http://schemas.openxmlformats.org/presentationml/2006/main">
-  <p:cSld>
-    <p:spTree>
-      <p:nvGrpSpPr>
-        <p:cNvPr id="1" name="">
-          <a:extLst>
-            <a:ext uri="{FF2B5EF4-FFF2-40B4-BE49-F238E27FC236}">
-              <a16:creationId xmlns:a16="http://schemas.microsoft.com/office/drawing/2014/main" id="{6E931566-1BFA-23AA-7C2A-E6E26017D056}"/>
-            </a:ext>
-          </a:extLst>
-        </p:cNvPr>
-        <p:cNvGrpSpPr/>
-        <p:nvPr/>
-      </p:nvGrpSpPr>
-      <p:grpSpPr>
-        <a:xfrm>
-          <a:off x="0" y="0"/>
-          <a:ext cx="0" cy="0"/>
-          <a:chOff x="0" y="0"/>
-          <a:chExt cx="0" cy="0"/>
-        </a:xfrm>
-      </p:grpSpPr>
-      <p:sp>
-        <p:nvSpPr>
-          <p:cNvPr id="3" name="Title 2">
-            <a:extLst>
-              <a:ext uri="{FF2B5EF4-FFF2-40B4-BE49-F238E27FC236}">
-                <a16:creationId xmlns:a16="http://schemas.microsoft.com/office/drawing/2014/main" id="{410EBC45-754A-61FE-B349-7AA0B3365D77}"/>
-              </a:ext>
-            </a:extLst>
-          </p:cNvPr>
-          <p:cNvSpPr>
-            <a:spLocks noGrp="1"/>
-          </p:cNvSpPr>
-          <p:nvPr>
-            <p:ph type="title"/>
-          </p:nvPr>
-        </p:nvSpPr>
-        <p:spPr>
-          <a:xfrm>
-            <a:off x="838200" y="358775"/>
-            <a:ext cx="10515600" cy="1325563"/>
-          </a:xfrm>
-        </p:spPr>
-        <p:txBody>
-          <a:bodyPr/>
-          <a:lstStyle/>
-          <a:p>
-            <a:r>
-              <a:rPr lang="hr-HR" dirty="0"/>
-              <a:t>SECURITY AND PRIVACY</a:t>
-            </a:r>
-            <a:r>
-              <a:rPr lang="en-US" dirty="0"/>
-              <a:t> - THREATS </a:t>
-            </a:r>
-            <a:endParaRPr lang="hr-HR" dirty="0"/>
-          </a:p>
-        </p:txBody>
-      </p:sp>
-      <p:pic>
-        <p:nvPicPr>
-          <p:cNvPr id="5" name="Picture 4">
-            <a:extLst>
-              <a:ext uri="{FF2B5EF4-FFF2-40B4-BE49-F238E27FC236}">
-                <a16:creationId xmlns:a16="http://schemas.microsoft.com/office/drawing/2014/main" id="{3DCDFBC7-98C4-F9B4-E60A-21E9E2036472}"/>
-              </a:ext>
-            </a:extLst>
-          </p:cNvPr>
-          <p:cNvPicPr>
-            <a:picLocks noChangeAspect="1"/>
-          </p:cNvPicPr>
-          <p:nvPr/>
-        </p:nvPicPr>
-        <p:blipFill>
-          <a:blip r:embed="rId3"/>
-          <a:stretch>
-            <a:fillRect/>
-          </a:stretch>
-        </p:blipFill>
-        <p:spPr>
-          <a:xfrm>
-            <a:off x="698500" y="3063861"/>
-            <a:ext cx="4668838" cy="1962164"/>
-          </a:xfrm>
-          <a:prstGeom prst="rect">
-            <a:avLst/>
-          </a:prstGeom>
-        </p:spPr>
-      </p:pic>
-      <p:sp>
-        <p:nvSpPr>
-          <p:cNvPr id="6" name="Content Placeholder 2">
-            <a:extLst>
-              <a:ext uri="{FF2B5EF4-FFF2-40B4-BE49-F238E27FC236}">
-                <a16:creationId xmlns:a16="http://schemas.microsoft.com/office/drawing/2014/main" id="{82A102DA-2DB8-6C8A-7534-C9BD16706FAC}"/>
-              </a:ext>
-            </a:extLst>
-          </p:cNvPr>
-          <p:cNvSpPr txBox="1">
-            <a:spLocks/>
-          </p:cNvSpPr>
-          <p:nvPr/>
-        </p:nvSpPr>
-        <p:spPr>
-          <a:xfrm>
-            <a:off x="5505450" y="1974836"/>
-            <a:ext cx="6686550" cy="4524389"/>
-          </a:xfrm>
-          <a:prstGeom prst="rect">
-            <a:avLst/>
-          </a:prstGeom>
-        </p:spPr>
-        <p:txBody>
-          <a:bodyPr vert="horz" lIns="91440" tIns="45720" rIns="91440" bIns="45720" rtlCol="0">
-            <a:normAutofit lnSpcReduction="10000"/>
-          </a:bodyPr>
-          <a:lstStyle>
-            <a:lvl1pPr marL="368300" indent="-352425" algn="l" defTabSz="914400" rtl="0" eaLnBrk="1" latinLnBrk="0" hangingPunct="1">
-              <a:lnSpc>
-                <a:spcPct val="90000"/>
-              </a:lnSpc>
-              <a:spcBef>
-                <a:spcPts val="600"/>
-              </a:spcBef>
-              <a:spcAft>
-                <a:spcPts val="600"/>
-              </a:spcAft>
-              <a:buClr>
-                <a:schemeClr val="accent2"/>
-              </a:buClr>
-              <a:buFont typeface="Wingdings" pitchFamily="2" charset="2"/>
-              <a:buChar char="§"/>
-              <a:tabLst/>
-              <a:defRPr sz="2400" kern="1200">
-                <a:solidFill>
-                  <a:schemeClr val="tx1"/>
-                </a:solidFill>
-                <a:latin typeface="+mn-lt"/>
-                <a:ea typeface="Open Sans" panose="020B0606030504020204" pitchFamily="34" charset="0"/>
-                <a:cs typeface="Open Sans" panose="020B0606030504020204" pitchFamily="34" charset="0"/>
-              </a:defRPr>
-            </a:lvl1pPr>
-            <a:lvl2pPr marL="771525" indent="-274638" algn="l" defTabSz="914400" rtl="0" eaLnBrk="1" latinLnBrk="0" hangingPunct="1">
-              <a:lnSpc>
-                <a:spcPct val="90000"/>
-              </a:lnSpc>
-              <a:spcBef>
-                <a:spcPts val="600"/>
-              </a:spcBef>
-              <a:spcAft>
-                <a:spcPts val="600"/>
-              </a:spcAft>
-              <a:buClr>
-                <a:schemeClr val="accent2"/>
-              </a:buClr>
-              <a:buFont typeface="Wingdings" pitchFamily="2" charset="2"/>
-              <a:buChar char="§"/>
-              <a:tabLst/>
-              <a:defRPr sz="2200" kern="1200">
-                <a:solidFill>
-                  <a:schemeClr val="tx1"/>
-                </a:solidFill>
-                <a:latin typeface="+mn-lt"/>
-                <a:ea typeface="Open Sans" panose="020B0606030504020204" pitchFamily="34" charset="0"/>
-                <a:cs typeface="Open Sans" panose="020B0606030504020204" pitchFamily="34" charset="0"/>
-              </a:defRPr>
-            </a:lvl2pPr>
-            <a:lvl3pPr marL="1143000" indent="-228600" algn="l" defTabSz="914400" rtl="0" eaLnBrk="1" latinLnBrk="0" hangingPunct="1">
-              <a:lnSpc>
-                <a:spcPct val="90000"/>
-              </a:lnSpc>
-              <a:spcBef>
-                <a:spcPts val="600"/>
-              </a:spcBef>
-              <a:spcAft>
-                <a:spcPts val="600"/>
-              </a:spcAft>
-              <a:buClr>
-                <a:schemeClr val="accent2"/>
-              </a:buClr>
-              <a:buFont typeface="Wingdings" pitchFamily="2" charset="2"/>
-              <a:buChar char="§"/>
-              <a:defRPr sz="2000" kern="1200">
-                <a:solidFill>
-                  <a:schemeClr val="tx1"/>
-                </a:solidFill>
-                <a:latin typeface="+mn-lt"/>
-                <a:ea typeface="Open Sans" panose="020B0606030504020204" pitchFamily="34" charset="0"/>
-                <a:cs typeface="Open Sans" panose="020B0606030504020204" pitchFamily="34" charset="0"/>
-              </a:defRPr>
-            </a:lvl3pPr>
-            <a:lvl4pPr marL="1600200" indent="-228600" algn="l" defTabSz="914400" rtl="0" eaLnBrk="1" latinLnBrk="0" hangingPunct="1">
-              <a:lnSpc>
-                <a:spcPct val="90000"/>
-              </a:lnSpc>
-              <a:spcBef>
-                <a:spcPts val="600"/>
-              </a:spcBef>
-              <a:spcAft>
-                <a:spcPts val="600"/>
-              </a:spcAft>
-              <a:buClr>
-                <a:schemeClr val="accent2"/>
-              </a:buClr>
-              <a:buFont typeface="Wingdings" pitchFamily="2" charset="2"/>
-              <a:buChar char="§"/>
-              <a:defRPr sz="1800" kern="1200">
-                <a:solidFill>
-                  <a:schemeClr val="tx1"/>
-                </a:solidFill>
-                <a:latin typeface="+mn-lt"/>
-                <a:ea typeface="Open Sans" panose="020B0606030504020204" pitchFamily="34" charset="0"/>
-                <a:cs typeface="Open Sans" panose="020B0606030504020204" pitchFamily="34" charset="0"/>
-              </a:defRPr>
-            </a:lvl4pPr>
-            <a:lvl5pPr marL="1960563" indent="-225425" algn="l" defTabSz="914400" rtl="0" eaLnBrk="1" latinLnBrk="0" hangingPunct="1">
-              <a:lnSpc>
-                <a:spcPct val="90000"/>
-              </a:lnSpc>
-              <a:spcBef>
-                <a:spcPts val="600"/>
-              </a:spcBef>
-              <a:spcAft>
-                <a:spcPts val="600"/>
-              </a:spcAft>
-              <a:buClr>
-                <a:schemeClr val="accent2"/>
-              </a:buClr>
-              <a:buFont typeface="Wingdings" pitchFamily="2" charset="2"/>
-              <a:buChar char="§"/>
-              <a:tabLst/>
-              <a:defRPr sz="1600" kern="1200">
-                <a:solidFill>
-                  <a:schemeClr val="tx1"/>
-                </a:solidFill>
-                <a:latin typeface="+mn-lt"/>
-                <a:ea typeface="Open Sans" panose="020B0606030504020204" pitchFamily="34" charset="0"/>
-                <a:cs typeface="Open Sans" panose="020B0606030504020204" pitchFamily="34" charset="0"/>
-              </a:defRPr>
-            </a:lvl5pPr>
-            <a:lvl6pPr marL="2514600" indent="-228600" algn="l" defTabSz="914400" rtl="0" eaLnBrk="1" latinLnBrk="0" hangingPunct="1">
-              <a:lnSpc>
-                <a:spcPct val="90000"/>
-              </a:lnSpc>
-              <a:spcBef>
-                <a:spcPts val="500"/>
-              </a:spcBef>
-              <a:buFont typeface="Arial" panose="020B0604020202020204" pitchFamily="34" charset="0"/>
-              <a:buChar char="•"/>
-              <a:defRPr sz="1800" kern="1200">
-                <a:solidFill>
-                  <a:schemeClr val="tx1"/>
-                </a:solidFill>
-                <a:latin typeface="+mn-lt"/>
-                <a:ea typeface="+mn-ea"/>
-                <a:cs typeface="+mn-cs"/>
-              </a:defRPr>
-            </a:lvl6pPr>
-            <a:lvl7pPr marL="2971800" indent="-228600" algn="l" defTabSz="914400" rtl="0" eaLnBrk="1" latinLnBrk="0" hangingPunct="1">
-              <a:lnSpc>
-                <a:spcPct val="90000"/>
-              </a:lnSpc>
-              <a:spcBef>
-                <a:spcPts val="500"/>
-              </a:spcBef>
-              <a:buFont typeface="Arial" panose="020B0604020202020204" pitchFamily="34" charset="0"/>
-              <a:buChar char="•"/>
-              <a:defRPr sz="1800" kern="1200">
-                <a:solidFill>
-                  <a:schemeClr val="tx1"/>
-                </a:solidFill>
-                <a:latin typeface="+mn-lt"/>
-                <a:ea typeface="+mn-ea"/>
-                <a:cs typeface="+mn-cs"/>
-              </a:defRPr>
-            </a:lvl7pPr>
-            <a:lvl8pPr marL="3429000" indent="-228600" algn="l" defTabSz="914400" rtl="0" eaLnBrk="1" latinLnBrk="0" hangingPunct="1">
-              <a:lnSpc>
-                <a:spcPct val="90000"/>
-              </a:lnSpc>
-              <a:spcBef>
-                <a:spcPts val="500"/>
-              </a:spcBef>
-              <a:buFont typeface="Arial" panose="020B0604020202020204" pitchFamily="34" charset="0"/>
-              <a:buChar char="•"/>
-              <a:defRPr sz="1800" kern="1200">
-                <a:solidFill>
-                  <a:schemeClr val="tx1"/>
-                </a:solidFill>
-                <a:latin typeface="+mn-lt"/>
-                <a:ea typeface="+mn-ea"/>
-                <a:cs typeface="+mn-cs"/>
-              </a:defRPr>
-            </a:lvl8pPr>
-            <a:lvl9pPr marL="3886200" indent="-228600" algn="l" defTabSz="914400" rtl="0" eaLnBrk="1" latinLnBrk="0" hangingPunct="1">
-              <a:lnSpc>
-                <a:spcPct val="90000"/>
-              </a:lnSpc>
-              <a:spcBef>
-                <a:spcPts val="500"/>
-              </a:spcBef>
-              <a:buFont typeface="Arial" panose="020B0604020202020204" pitchFamily="34" charset="0"/>
-              <a:buChar char="•"/>
-              <a:defRPr sz="1800" kern="1200">
-                <a:solidFill>
-                  <a:schemeClr val="tx1"/>
-                </a:solidFill>
-                <a:latin typeface="+mn-lt"/>
-                <a:ea typeface="+mn-ea"/>
-                <a:cs typeface="+mn-cs"/>
-              </a:defRPr>
-            </a:lvl9pPr>
-          </a:lstStyle>
-          <a:p>
-            <a:pPr marL="15875" indent="0">
-              <a:buNone/>
-            </a:pPr>
-            <a:r>
-              <a:rPr lang="hr-HR" dirty="0"/>
-              <a:t>✅ </a:t>
-            </a:r>
-            <a:r>
-              <a:rPr lang="hr-HR" b="1" dirty="0" err="1"/>
-              <a:t>Firewalls</a:t>
-            </a:r>
-            <a:r>
-              <a:rPr lang="hr-HR" dirty="0"/>
-              <a:t> – </a:t>
-            </a:r>
-            <a:r>
-              <a:rPr lang="hr-HR" dirty="0" err="1"/>
-              <a:t>Block</a:t>
-            </a:r>
-            <a:r>
-              <a:rPr lang="hr-HR" dirty="0"/>
-              <a:t> </a:t>
-            </a:r>
-            <a:r>
-              <a:rPr lang="hr-HR" dirty="0" err="1"/>
-              <a:t>unauthorized</a:t>
-            </a:r>
-            <a:r>
-              <a:rPr lang="hr-HR" dirty="0"/>
-              <a:t> </a:t>
-            </a:r>
-            <a:r>
-              <a:rPr lang="hr-HR" dirty="0" err="1"/>
-              <a:t>access</a:t>
-            </a:r>
-            <a:r>
-              <a:rPr lang="hr-HR" dirty="0"/>
-              <a:t> to </a:t>
-            </a:r>
-            <a:r>
-              <a:rPr lang="hr-HR" dirty="0" err="1"/>
-              <a:t>networks</a:t>
-            </a:r>
-            <a:r>
-              <a:rPr lang="hr-HR" dirty="0"/>
-              <a:t>.</a:t>
-            </a:r>
-            <a:br>
-              <a:rPr lang="en-US" dirty="0"/>
-            </a:br>
-            <a:br>
-              <a:rPr lang="hr-HR" dirty="0"/>
-            </a:br>
-            <a:r>
-              <a:rPr lang="hr-HR" dirty="0"/>
-              <a:t>✅ </a:t>
-            </a:r>
-            <a:r>
-              <a:rPr lang="hr-HR" b="1" dirty="0" err="1"/>
-              <a:t>Intrusion</a:t>
-            </a:r>
-            <a:r>
-              <a:rPr lang="hr-HR" b="1" dirty="0"/>
-              <a:t> </a:t>
-            </a:r>
-            <a:r>
-              <a:rPr lang="hr-HR" b="1" dirty="0" err="1"/>
-              <a:t>Detection</a:t>
-            </a:r>
-            <a:r>
-              <a:rPr lang="hr-HR" b="1" dirty="0"/>
-              <a:t>/</a:t>
-            </a:r>
-            <a:r>
-              <a:rPr lang="hr-HR" b="1" dirty="0" err="1"/>
-              <a:t>Prevention</a:t>
-            </a:r>
-            <a:r>
-              <a:rPr lang="hr-HR" b="1" dirty="0"/>
-              <a:t> Systems (IDS/IPS)</a:t>
-            </a:r>
-            <a:r>
-              <a:rPr lang="hr-HR" dirty="0"/>
-              <a:t> – Monitor </a:t>
-            </a:r>
-            <a:r>
-              <a:rPr lang="hr-HR" dirty="0" err="1"/>
-              <a:t>and</a:t>
-            </a:r>
-            <a:r>
-              <a:rPr lang="hr-HR" dirty="0"/>
-              <a:t> </a:t>
-            </a:r>
-            <a:r>
-              <a:rPr lang="hr-HR" dirty="0" err="1"/>
-              <a:t>block</a:t>
-            </a:r>
-            <a:r>
-              <a:rPr lang="hr-HR" dirty="0"/>
-              <a:t> </a:t>
-            </a:r>
-            <a:r>
-              <a:rPr lang="hr-HR" dirty="0" err="1"/>
-              <a:t>malicious</a:t>
-            </a:r>
-            <a:r>
-              <a:rPr lang="hr-HR" dirty="0"/>
-              <a:t> </a:t>
-            </a:r>
-            <a:r>
-              <a:rPr lang="hr-HR" dirty="0" err="1"/>
-              <a:t>traffic</a:t>
-            </a:r>
-            <a:r>
-              <a:rPr lang="hr-HR" dirty="0"/>
-              <a:t>.</a:t>
-            </a:r>
-            <a:br>
-              <a:rPr lang="en-US" dirty="0"/>
-            </a:br>
-            <a:br>
-              <a:rPr lang="hr-HR" dirty="0"/>
-            </a:br>
-            <a:r>
-              <a:rPr lang="hr-HR" dirty="0"/>
-              <a:t>✅ </a:t>
-            </a:r>
-            <a:r>
-              <a:rPr lang="hr-HR" b="1" dirty="0"/>
-              <a:t>Antivirus </a:t>
-            </a:r>
-            <a:r>
-              <a:rPr lang="hr-HR" b="1" dirty="0" err="1"/>
-              <a:t>and</a:t>
-            </a:r>
-            <a:r>
-              <a:rPr lang="hr-HR" b="1" dirty="0"/>
-              <a:t> </a:t>
-            </a:r>
-            <a:r>
-              <a:rPr lang="hr-HR" b="1" dirty="0" err="1"/>
-              <a:t>Antimalware</a:t>
-            </a:r>
-            <a:r>
-              <a:rPr lang="hr-HR" dirty="0"/>
-              <a:t> – </a:t>
-            </a:r>
-            <a:r>
-              <a:rPr lang="hr-HR" dirty="0" err="1"/>
-              <a:t>Detect</a:t>
-            </a:r>
-            <a:r>
-              <a:rPr lang="hr-HR" dirty="0"/>
-              <a:t> </a:t>
-            </a:r>
-            <a:r>
-              <a:rPr lang="hr-HR" dirty="0" err="1"/>
-              <a:t>and</a:t>
-            </a:r>
-            <a:r>
-              <a:rPr lang="hr-HR" dirty="0"/>
-              <a:t> </a:t>
-            </a:r>
-            <a:r>
-              <a:rPr lang="hr-HR" dirty="0" err="1"/>
-              <a:t>remove</a:t>
-            </a:r>
-            <a:r>
-              <a:rPr lang="hr-HR" dirty="0"/>
-              <a:t> </a:t>
-            </a:r>
-            <a:r>
-              <a:rPr lang="hr-HR" dirty="0" err="1"/>
-              <a:t>malicious</a:t>
-            </a:r>
-            <a:r>
-              <a:rPr lang="hr-HR" dirty="0"/>
-              <a:t> software.</a:t>
-            </a:r>
-            <a:br>
-              <a:rPr lang="en-US" dirty="0"/>
-            </a:br>
-            <a:br>
-              <a:rPr lang="hr-HR" dirty="0"/>
-            </a:br>
-            <a:r>
-              <a:rPr lang="hr-HR" dirty="0"/>
-              <a:t>✅ </a:t>
-            </a:r>
-            <a:r>
-              <a:rPr lang="hr-HR" b="1" dirty="0"/>
-              <a:t>Access Controls</a:t>
-            </a:r>
-            <a:r>
-              <a:rPr lang="hr-HR" dirty="0"/>
-              <a:t> – Use role-</a:t>
-            </a:r>
-            <a:r>
-              <a:rPr lang="hr-HR" dirty="0" err="1"/>
-              <a:t>based</a:t>
-            </a:r>
-            <a:r>
-              <a:rPr lang="hr-HR" dirty="0"/>
-              <a:t> </a:t>
-            </a:r>
-            <a:r>
-              <a:rPr lang="hr-HR" dirty="0" err="1"/>
-              <a:t>access</a:t>
-            </a:r>
-            <a:r>
-              <a:rPr lang="hr-HR" dirty="0"/>
-              <a:t> </a:t>
-            </a:r>
-            <a:r>
-              <a:rPr lang="hr-HR" dirty="0" err="1"/>
-              <a:t>and</a:t>
-            </a:r>
-            <a:r>
-              <a:rPr lang="hr-HR" dirty="0"/>
-              <a:t> multi-</a:t>
-            </a:r>
-            <a:r>
-              <a:rPr lang="hr-HR" dirty="0" err="1"/>
-              <a:t>factor</a:t>
-            </a:r>
-            <a:r>
-              <a:rPr lang="hr-HR" dirty="0"/>
-              <a:t> </a:t>
-            </a:r>
-            <a:r>
-              <a:rPr lang="hr-HR" dirty="0" err="1"/>
-              <a:t>authentication</a:t>
-            </a:r>
-            <a:r>
-              <a:rPr lang="hr-HR" dirty="0"/>
-              <a:t> (MFA).</a:t>
-            </a:r>
-            <a:br>
-              <a:rPr lang="en-US" dirty="0"/>
-            </a:br>
-            <a:br>
-              <a:rPr lang="hr-HR" dirty="0"/>
-            </a:br>
-            <a:r>
-              <a:rPr lang="hr-HR" dirty="0"/>
-              <a:t>✅ </a:t>
-            </a:r>
-            <a:r>
-              <a:rPr lang="hr-HR" b="1" dirty="0"/>
-              <a:t>Data </a:t>
-            </a:r>
-            <a:r>
-              <a:rPr lang="hr-HR" b="1" dirty="0" err="1"/>
-              <a:t>Loss</a:t>
-            </a:r>
-            <a:r>
-              <a:rPr lang="hr-HR" b="1" dirty="0"/>
-              <a:t> </a:t>
-            </a:r>
-            <a:r>
-              <a:rPr lang="hr-HR" b="1" dirty="0" err="1"/>
-              <a:t>Prevention</a:t>
-            </a:r>
-            <a:r>
-              <a:rPr lang="hr-HR" b="1" dirty="0"/>
-              <a:t> (DLP)</a:t>
-            </a:r>
-            <a:r>
-              <a:rPr lang="hr-HR" dirty="0"/>
-              <a:t> – </a:t>
-            </a:r>
-            <a:r>
-              <a:rPr lang="hr-HR" dirty="0" err="1"/>
-              <a:t>Prevent</a:t>
-            </a:r>
-            <a:r>
-              <a:rPr lang="hr-HR" dirty="0"/>
-              <a:t> data </a:t>
-            </a:r>
-            <a:r>
-              <a:rPr lang="hr-HR" dirty="0" err="1"/>
-              <a:t>from</a:t>
-            </a:r>
-            <a:r>
-              <a:rPr lang="hr-HR" dirty="0"/>
-              <a:t> </a:t>
-            </a:r>
-            <a:r>
-              <a:rPr lang="hr-HR" dirty="0" err="1"/>
-              <a:t>being</a:t>
-            </a:r>
-            <a:r>
-              <a:rPr lang="hr-HR" dirty="0"/>
-              <a:t> </a:t>
-            </a:r>
-            <a:r>
-              <a:rPr lang="hr-HR" dirty="0" err="1"/>
-              <a:t>transferred</a:t>
-            </a:r>
-            <a:r>
-              <a:rPr lang="hr-HR" dirty="0"/>
-              <a:t> </a:t>
-            </a:r>
-            <a:r>
-              <a:rPr lang="hr-HR" dirty="0" err="1"/>
-              <a:t>or</a:t>
-            </a:r>
-            <a:r>
-              <a:rPr lang="hr-HR" dirty="0"/>
-              <a:t> </a:t>
-            </a:r>
-            <a:r>
-              <a:rPr lang="hr-HR" dirty="0" err="1"/>
-              <a:t>copied</a:t>
-            </a:r>
-            <a:r>
-              <a:rPr lang="hr-HR" dirty="0"/>
-              <a:t> </a:t>
-            </a:r>
-            <a:r>
-              <a:rPr lang="hr-HR" dirty="0" err="1"/>
-              <a:t>without</a:t>
-            </a:r>
-            <a:r>
-              <a:rPr lang="hr-HR" dirty="0"/>
-              <a:t> </a:t>
-            </a:r>
-            <a:r>
-              <a:rPr lang="hr-HR" dirty="0" err="1"/>
-              <a:t>permission</a:t>
-            </a:r>
-            <a:r>
-              <a:rPr lang="hr-HR" dirty="0"/>
-              <a:t>.</a:t>
-            </a:r>
-          </a:p>
-        </p:txBody>
-      </p:sp>
-    </p:spTree>
-    <p:extLst>
-      <p:ext uri="{BB962C8B-B14F-4D97-AF65-F5344CB8AC3E}">
-        <p14:creationId xmlns:p14="http://schemas.microsoft.com/office/powerpoint/2010/main" val="2251606581"/>
-      </p:ext>
-    </p:extLst>
-  </p:cSld>
-  <p:clrMapOvr>
-    <a:masterClrMapping/>
-  </p:clrMapOvr>
-</p:sld>
-</file>
-
-<file path=ppt/slides/slide9.xml><?xml version="1.0" encoding="utf-8"?>
-<p:sld xmlns:a="http://schemas.openxmlformats.org/drawingml/2006/main" xmlns:r="http://schemas.openxmlformats.org/officeDocument/2006/relationships" xmlns:p="http://schemas.openxmlformats.org/presentationml/2006/main">
-  <p:cSld>
-    <p:spTree>
-      <p:nvGrpSpPr>
-        <p:cNvPr id="1" name="">
-          <a:extLst>
-            <a:ext uri="{FF2B5EF4-FFF2-40B4-BE49-F238E27FC236}">
-              <a16:creationId xmlns:a16="http://schemas.microsoft.com/office/drawing/2014/main" id="{3535769F-780F-DB66-9CAF-AE03A4D1354D}"/>
-            </a:ext>
-          </a:extLst>
-        </p:cNvPr>
-        <p:cNvGrpSpPr/>
-        <p:nvPr/>
-      </p:nvGrpSpPr>
-      <p:grpSpPr>
-        <a:xfrm>
-          <a:off x="0" y="0"/>
-          <a:ext cx="0" cy="0"/>
-          <a:chOff x="0" y="0"/>
-          <a:chExt cx="0" cy="0"/>
-        </a:xfrm>
-      </p:grpSpPr>
-      <p:sp>
-        <p:nvSpPr>
-          <p:cNvPr id="3" name="Title 2">
-            <a:extLst>
-              <a:ext uri="{FF2B5EF4-FFF2-40B4-BE49-F238E27FC236}">
-                <a16:creationId xmlns:a16="http://schemas.microsoft.com/office/drawing/2014/main" id="{CD37C309-8601-C02A-B16B-C817FEBFB66F}"/>
-              </a:ext>
-            </a:extLst>
-          </p:cNvPr>
-          <p:cNvSpPr>
-            <a:spLocks noGrp="1"/>
-          </p:cNvSpPr>
-          <p:nvPr>
-            <p:ph type="title"/>
-          </p:nvPr>
-        </p:nvSpPr>
-        <p:spPr>
-          <a:xfrm>
-            <a:off x="838200" y="358775"/>
-            <a:ext cx="10515600" cy="1325563"/>
-          </a:xfrm>
-        </p:spPr>
-        <p:txBody>
-          <a:bodyPr/>
-          <a:lstStyle/>
-          <a:p>
-            <a:r>
-              <a:rPr lang="hr-HR" dirty="0"/>
-              <a:t>SECURITY AND PRIVACY</a:t>
-            </a:r>
-            <a:r>
-              <a:rPr lang="en-US" dirty="0"/>
-              <a:t> - </a:t>
-            </a:r>
-            <a:r>
-              <a:rPr lang="hr-HR" dirty="0"/>
-              <a:t>LAWS AND REGULATIONS</a:t>
-            </a:r>
-            <a:r>
-              <a:rPr lang="en-US" dirty="0"/>
-              <a:t> </a:t>
-            </a:r>
-            <a:endParaRPr lang="hr-HR" dirty="0"/>
-          </a:p>
-        </p:txBody>
-      </p:sp>
-      <p:sp>
-        <p:nvSpPr>
-          <p:cNvPr id="6" name="Content Placeholder 2">
-            <a:extLst>
-              <a:ext uri="{FF2B5EF4-FFF2-40B4-BE49-F238E27FC236}">
-                <a16:creationId xmlns:a16="http://schemas.microsoft.com/office/drawing/2014/main" id="{45B47571-7674-12F9-596F-3F257C442F2D}"/>
-              </a:ext>
-            </a:extLst>
-          </p:cNvPr>
-          <p:cNvSpPr txBox="1">
-            <a:spLocks/>
-          </p:cNvSpPr>
-          <p:nvPr/>
-        </p:nvSpPr>
-        <p:spPr>
-          <a:xfrm>
-            <a:off x="6153150" y="1981187"/>
-            <a:ext cx="5715000" cy="3530613"/>
-          </a:xfrm>
-          <a:prstGeom prst="rect">
-            <a:avLst/>
-          </a:prstGeom>
-        </p:spPr>
-        <p:txBody>
-          <a:bodyPr vert="horz" lIns="91440" tIns="45720" rIns="91440" bIns="45720" rtlCol="0">
-            <a:normAutofit fontScale="77500" lnSpcReduction="20000"/>
-          </a:bodyPr>
-          <a:lstStyle>
-            <a:lvl1pPr marL="368300" indent="-352425" algn="l" defTabSz="914400" rtl="0" eaLnBrk="1" latinLnBrk="0" hangingPunct="1">
-              <a:lnSpc>
-                <a:spcPct val="90000"/>
-              </a:lnSpc>
-              <a:spcBef>
-                <a:spcPts val="600"/>
-              </a:spcBef>
-              <a:spcAft>
-                <a:spcPts val="600"/>
-              </a:spcAft>
-              <a:buClr>
-                <a:schemeClr val="accent2"/>
-              </a:buClr>
-              <a:buFont typeface="Wingdings" pitchFamily="2" charset="2"/>
-              <a:buChar char="§"/>
-              <a:tabLst/>
-              <a:defRPr sz="2400" kern="1200">
-                <a:solidFill>
-                  <a:schemeClr val="tx1"/>
-                </a:solidFill>
-                <a:latin typeface="+mn-lt"/>
-                <a:ea typeface="Open Sans" panose="020B0606030504020204" pitchFamily="34" charset="0"/>
-                <a:cs typeface="Open Sans" panose="020B0606030504020204" pitchFamily="34" charset="0"/>
-              </a:defRPr>
-            </a:lvl1pPr>
-            <a:lvl2pPr marL="771525" indent="-274638" algn="l" defTabSz="914400" rtl="0" eaLnBrk="1" latinLnBrk="0" hangingPunct="1">
-              <a:lnSpc>
-                <a:spcPct val="90000"/>
-              </a:lnSpc>
-              <a:spcBef>
-                <a:spcPts val="600"/>
-              </a:spcBef>
-              <a:spcAft>
-                <a:spcPts val="600"/>
-              </a:spcAft>
-              <a:buClr>
-                <a:schemeClr val="accent2"/>
-              </a:buClr>
-              <a:buFont typeface="Wingdings" pitchFamily="2" charset="2"/>
-              <a:buChar char="§"/>
-              <a:tabLst/>
-              <a:defRPr sz="2200" kern="1200">
-                <a:solidFill>
-                  <a:schemeClr val="tx1"/>
-                </a:solidFill>
-                <a:latin typeface="+mn-lt"/>
-                <a:ea typeface="Open Sans" panose="020B0606030504020204" pitchFamily="34" charset="0"/>
-                <a:cs typeface="Open Sans" panose="020B0606030504020204" pitchFamily="34" charset="0"/>
-              </a:defRPr>
-            </a:lvl2pPr>
-            <a:lvl3pPr marL="1143000" indent="-228600" algn="l" defTabSz="914400" rtl="0" eaLnBrk="1" latinLnBrk="0" hangingPunct="1">
-              <a:lnSpc>
-                <a:spcPct val="90000"/>
-              </a:lnSpc>
-              <a:spcBef>
-                <a:spcPts val="600"/>
-              </a:spcBef>
-              <a:spcAft>
-                <a:spcPts val="600"/>
-              </a:spcAft>
-              <a:buClr>
-                <a:schemeClr val="accent2"/>
-              </a:buClr>
-              <a:buFont typeface="Wingdings" pitchFamily="2" charset="2"/>
-              <a:buChar char="§"/>
-              <a:defRPr sz="2000" kern="1200">
-                <a:solidFill>
-                  <a:schemeClr val="tx1"/>
-                </a:solidFill>
-                <a:latin typeface="+mn-lt"/>
-                <a:ea typeface="Open Sans" panose="020B0606030504020204" pitchFamily="34" charset="0"/>
-                <a:cs typeface="Open Sans" panose="020B0606030504020204" pitchFamily="34" charset="0"/>
-              </a:defRPr>
-            </a:lvl3pPr>
-            <a:lvl4pPr marL="1600200" indent="-228600" algn="l" defTabSz="914400" rtl="0" eaLnBrk="1" latinLnBrk="0" hangingPunct="1">
-              <a:lnSpc>
-                <a:spcPct val="90000"/>
-              </a:lnSpc>
-              <a:spcBef>
-                <a:spcPts val="600"/>
-              </a:spcBef>
-              <a:spcAft>
-                <a:spcPts val="600"/>
-              </a:spcAft>
-              <a:buClr>
-                <a:schemeClr val="accent2"/>
-              </a:buClr>
-              <a:buFont typeface="Wingdings" pitchFamily="2" charset="2"/>
-              <a:buChar char="§"/>
-              <a:defRPr sz="1800" kern="1200">
-                <a:solidFill>
-                  <a:schemeClr val="tx1"/>
-                </a:solidFill>
-                <a:latin typeface="+mn-lt"/>
-                <a:ea typeface="Open Sans" panose="020B0606030504020204" pitchFamily="34" charset="0"/>
-                <a:cs typeface="Open Sans" panose="020B0606030504020204" pitchFamily="34" charset="0"/>
-              </a:defRPr>
-            </a:lvl4pPr>
-            <a:lvl5pPr marL="1960563" indent="-225425" algn="l" defTabSz="914400" rtl="0" eaLnBrk="1" latinLnBrk="0" hangingPunct="1">
-              <a:lnSpc>
-                <a:spcPct val="90000"/>
-              </a:lnSpc>
-              <a:spcBef>
-                <a:spcPts val="600"/>
-              </a:spcBef>
-              <a:spcAft>
-                <a:spcPts val="600"/>
-              </a:spcAft>
-              <a:buClr>
-                <a:schemeClr val="accent2"/>
-              </a:buClr>
-              <a:buFont typeface="Wingdings" pitchFamily="2" charset="2"/>
-              <a:buChar char="§"/>
-              <a:tabLst/>
-              <a:defRPr sz="1600" kern="1200">
-                <a:solidFill>
-                  <a:schemeClr val="tx1"/>
-                </a:solidFill>
-                <a:latin typeface="+mn-lt"/>
-                <a:ea typeface="Open Sans" panose="020B0606030504020204" pitchFamily="34" charset="0"/>
-                <a:cs typeface="Open Sans" panose="020B0606030504020204" pitchFamily="34" charset="0"/>
-              </a:defRPr>
-            </a:lvl5pPr>
-            <a:lvl6pPr marL="2514600" indent="-228600" algn="l" defTabSz="914400" rtl="0" eaLnBrk="1" latinLnBrk="0" hangingPunct="1">
-              <a:lnSpc>
-                <a:spcPct val="90000"/>
-              </a:lnSpc>
-              <a:spcBef>
-                <a:spcPts val="500"/>
-              </a:spcBef>
-              <a:buFont typeface="Arial" panose="020B0604020202020204" pitchFamily="34" charset="0"/>
-              <a:buChar char="•"/>
-              <a:defRPr sz="1800" kern="1200">
-                <a:solidFill>
-                  <a:schemeClr val="tx1"/>
-                </a:solidFill>
-                <a:latin typeface="+mn-lt"/>
-                <a:ea typeface="+mn-ea"/>
-                <a:cs typeface="+mn-cs"/>
-              </a:defRPr>
-            </a:lvl6pPr>
-            <a:lvl7pPr marL="2971800" indent="-228600" algn="l" defTabSz="914400" rtl="0" eaLnBrk="1" latinLnBrk="0" hangingPunct="1">
-              <a:lnSpc>
-                <a:spcPct val="90000"/>
-              </a:lnSpc>
-              <a:spcBef>
-                <a:spcPts val="500"/>
-              </a:spcBef>
-              <a:buFont typeface="Arial" panose="020B0604020202020204" pitchFamily="34" charset="0"/>
-              <a:buChar char="•"/>
-              <a:defRPr sz="1800" kern="1200">
-                <a:solidFill>
-                  <a:schemeClr val="tx1"/>
-                </a:solidFill>
-                <a:latin typeface="+mn-lt"/>
-                <a:ea typeface="+mn-ea"/>
-                <a:cs typeface="+mn-cs"/>
-              </a:defRPr>
-            </a:lvl7pPr>
-            <a:lvl8pPr marL="3429000" indent="-228600" algn="l" defTabSz="914400" rtl="0" eaLnBrk="1" latinLnBrk="0" hangingPunct="1">
-              <a:lnSpc>
-                <a:spcPct val="90000"/>
-              </a:lnSpc>
-              <a:spcBef>
-                <a:spcPts val="500"/>
-              </a:spcBef>
-              <a:buFont typeface="Arial" panose="020B0604020202020204" pitchFamily="34" charset="0"/>
-              <a:buChar char="•"/>
-              <a:defRPr sz="1800" kern="1200">
-                <a:solidFill>
-                  <a:schemeClr val="tx1"/>
-                </a:solidFill>
-                <a:latin typeface="+mn-lt"/>
-                <a:ea typeface="+mn-ea"/>
-                <a:cs typeface="+mn-cs"/>
-              </a:defRPr>
-            </a:lvl8pPr>
-            <a:lvl9pPr marL="3886200" indent="-228600" algn="l" defTabSz="914400" rtl="0" eaLnBrk="1" latinLnBrk="0" hangingPunct="1">
-              <a:lnSpc>
-                <a:spcPct val="90000"/>
-              </a:lnSpc>
-              <a:spcBef>
-                <a:spcPts val="500"/>
-              </a:spcBef>
-              <a:buFont typeface="Arial" panose="020B0604020202020204" pitchFamily="34" charset="0"/>
-              <a:buChar char="•"/>
-              <a:defRPr sz="1800" kern="1200">
-                <a:solidFill>
-                  <a:schemeClr val="tx1"/>
-                </a:solidFill>
-                <a:latin typeface="+mn-lt"/>
-                <a:ea typeface="+mn-ea"/>
-                <a:cs typeface="+mn-cs"/>
-              </a:defRPr>
-            </a:lvl9pPr>
-          </a:lstStyle>
-          <a:p>
-            <a:pPr>
-              <a:buNone/>
-            </a:pPr>
-            <a:r>
-              <a:rPr lang="en-US" b="1" dirty="0"/>
-              <a:t>Compliance Requirements</a:t>
-            </a:r>
-          </a:p>
-          <a:p>
-            <a:pPr>
-              <a:buFont typeface="+mj-lt"/>
-              <a:buAutoNum type="arabicPeriod"/>
-            </a:pPr>
-            <a:r>
-              <a:rPr lang="en-US" b="1" dirty="0"/>
-              <a:t>Data Protection Impact Assessments (DPIA)</a:t>
-            </a:r>
-            <a:r>
-              <a:rPr lang="en-US" dirty="0"/>
-              <a:t> </a:t>
-            </a:r>
-          </a:p>
-          <a:p>
-            <a:pPr marL="742950" lvl="1" indent="-285750">
-              <a:buFont typeface="+mj-lt"/>
-              <a:buAutoNum type="arabicPeriod"/>
-            </a:pPr>
-            <a:r>
-              <a:rPr lang="en-US" dirty="0"/>
-              <a:t>Evaluate risks associated with data processing.</a:t>
-            </a:r>
-          </a:p>
-          <a:p>
-            <a:pPr>
-              <a:buFont typeface="+mj-lt"/>
-              <a:buAutoNum type="arabicPeriod"/>
-            </a:pPr>
-            <a:r>
-              <a:rPr lang="en-US" b="1" dirty="0"/>
-              <a:t>Implementing Policies and Procedures</a:t>
-            </a:r>
-            <a:r>
-              <a:rPr lang="en-US" dirty="0"/>
-              <a:t> </a:t>
-            </a:r>
-          </a:p>
-          <a:p>
-            <a:pPr marL="742950" lvl="1" indent="-285750">
-              <a:buFont typeface="+mj-lt"/>
-              <a:buAutoNum type="arabicPeriod"/>
-            </a:pPr>
-            <a:r>
-              <a:rPr lang="en-US" dirty="0"/>
-              <a:t>Define how data is collected, stored, and protected.</a:t>
-            </a:r>
-          </a:p>
-          <a:p>
-            <a:pPr marL="742950" lvl="1" indent="-285750">
-              <a:buFont typeface="+mj-lt"/>
-              <a:buAutoNum type="arabicPeriod"/>
-            </a:pPr>
-            <a:r>
-              <a:rPr lang="en-US" dirty="0"/>
-              <a:t>Outline breach notification protocols.</a:t>
-            </a:r>
-          </a:p>
-          <a:p>
-            <a:pPr>
-              <a:buFont typeface="+mj-lt"/>
-              <a:buAutoNum type="arabicPeriod"/>
-            </a:pPr>
-            <a:r>
-              <a:rPr lang="en-US" b="1" dirty="0"/>
-              <a:t>Regular Audits and Monitoring</a:t>
-            </a:r>
-            <a:r>
-              <a:rPr lang="en-US" dirty="0"/>
-              <a:t> </a:t>
-            </a:r>
-          </a:p>
-          <a:p>
-            <a:pPr marL="742950" lvl="1" indent="-285750">
-              <a:buFont typeface="+mj-lt"/>
-              <a:buAutoNum type="arabicPeriod"/>
-            </a:pPr>
-            <a:r>
-              <a:rPr lang="en-US" dirty="0"/>
-              <a:t>Perform internal audits and vulnerability assessments.</a:t>
-            </a:r>
-          </a:p>
-          <a:p>
-            <a:pPr marL="742950" lvl="1" indent="-285750">
-              <a:buFont typeface="+mj-lt"/>
-              <a:buAutoNum type="arabicPeriod"/>
-            </a:pPr>
-            <a:r>
-              <a:rPr lang="en-US" dirty="0"/>
-              <a:t>Ensure systems meet compliance requirements.</a:t>
-            </a:r>
-          </a:p>
-        </p:txBody>
-      </p:sp>
-      <p:sp>
-        <p:nvSpPr>
-          <p:cNvPr id="2" name="Content Placeholder 2">
-            <a:extLst>
-              <a:ext uri="{FF2B5EF4-FFF2-40B4-BE49-F238E27FC236}">
-                <a16:creationId xmlns:a16="http://schemas.microsoft.com/office/drawing/2014/main" id="{738A5BD3-D8D7-73D1-8751-83C656BC67E2}"/>
-              </a:ext>
-            </a:extLst>
-          </p:cNvPr>
-          <p:cNvSpPr txBox="1">
-            <a:spLocks/>
-          </p:cNvSpPr>
-          <p:nvPr/>
-        </p:nvSpPr>
-        <p:spPr>
-          <a:xfrm>
-            <a:off x="908050" y="5562600"/>
-            <a:ext cx="11080750" cy="1058864"/>
-          </a:xfrm>
-          <a:prstGeom prst="rect">
-            <a:avLst/>
-          </a:prstGeom>
-        </p:spPr>
-        <p:txBody>
-          <a:bodyPr vert="horz" lIns="91440" tIns="45720" rIns="91440" bIns="45720" rtlCol="0">
-            <a:normAutofit fontScale="92500" lnSpcReduction="10000"/>
-          </a:bodyPr>
-          <a:lstStyle>
-            <a:lvl1pPr marL="368300" indent="-352425" algn="l" defTabSz="914400" rtl="0" eaLnBrk="1" latinLnBrk="0" hangingPunct="1">
-              <a:lnSpc>
-                <a:spcPct val="90000"/>
-              </a:lnSpc>
-              <a:spcBef>
-                <a:spcPts val="600"/>
-              </a:spcBef>
-              <a:spcAft>
-                <a:spcPts val="600"/>
-              </a:spcAft>
-              <a:buClr>
-                <a:schemeClr val="accent2"/>
-              </a:buClr>
-              <a:buFont typeface="Wingdings" pitchFamily="2" charset="2"/>
-              <a:buChar char="§"/>
-              <a:tabLst/>
-              <a:defRPr sz="2400" kern="1200">
-                <a:solidFill>
-                  <a:schemeClr val="tx1"/>
-                </a:solidFill>
-                <a:latin typeface="+mn-lt"/>
-                <a:ea typeface="Open Sans" panose="020B0606030504020204" pitchFamily="34" charset="0"/>
-                <a:cs typeface="Open Sans" panose="020B0606030504020204" pitchFamily="34" charset="0"/>
-              </a:defRPr>
-            </a:lvl1pPr>
-            <a:lvl2pPr marL="771525" indent="-274638" algn="l" defTabSz="914400" rtl="0" eaLnBrk="1" latinLnBrk="0" hangingPunct="1">
-              <a:lnSpc>
-                <a:spcPct val="90000"/>
-              </a:lnSpc>
-              <a:spcBef>
-                <a:spcPts val="600"/>
-              </a:spcBef>
-              <a:spcAft>
-                <a:spcPts val="600"/>
-              </a:spcAft>
-              <a:buClr>
-                <a:schemeClr val="accent2"/>
-              </a:buClr>
-              <a:buFont typeface="Wingdings" pitchFamily="2" charset="2"/>
-              <a:buChar char="§"/>
-              <a:tabLst/>
-              <a:defRPr sz="2200" kern="1200">
-                <a:solidFill>
-                  <a:schemeClr val="tx1"/>
-                </a:solidFill>
-                <a:latin typeface="+mn-lt"/>
-                <a:ea typeface="Open Sans" panose="020B0606030504020204" pitchFamily="34" charset="0"/>
-                <a:cs typeface="Open Sans" panose="020B0606030504020204" pitchFamily="34" charset="0"/>
-              </a:defRPr>
-            </a:lvl2pPr>
-            <a:lvl3pPr marL="1143000" indent="-228600" algn="l" defTabSz="914400" rtl="0" eaLnBrk="1" latinLnBrk="0" hangingPunct="1">
-              <a:lnSpc>
-                <a:spcPct val="90000"/>
-              </a:lnSpc>
-              <a:spcBef>
-                <a:spcPts val="600"/>
-              </a:spcBef>
-              <a:spcAft>
-                <a:spcPts val="600"/>
-              </a:spcAft>
-              <a:buClr>
-                <a:schemeClr val="accent2"/>
-              </a:buClr>
-              <a:buFont typeface="Wingdings" pitchFamily="2" charset="2"/>
-              <a:buChar char="§"/>
-              <a:defRPr sz="2000" kern="1200">
-                <a:solidFill>
-                  <a:schemeClr val="tx1"/>
-                </a:solidFill>
-                <a:latin typeface="+mn-lt"/>
-                <a:ea typeface="Open Sans" panose="020B0606030504020204" pitchFamily="34" charset="0"/>
-                <a:cs typeface="Open Sans" panose="020B0606030504020204" pitchFamily="34" charset="0"/>
-              </a:defRPr>
-            </a:lvl3pPr>
-            <a:lvl4pPr marL="1600200" indent="-228600" algn="l" defTabSz="914400" rtl="0" eaLnBrk="1" latinLnBrk="0" hangingPunct="1">
-              <a:lnSpc>
-                <a:spcPct val="90000"/>
-              </a:lnSpc>
-              <a:spcBef>
-                <a:spcPts val="600"/>
-              </a:spcBef>
-              <a:spcAft>
-                <a:spcPts val="600"/>
-              </a:spcAft>
-              <a:buClr>
-                <a:schemeClr val="accent2"/>
-              </a:buClr>
-              <a:buFont typeface="Wingdings" pitchFamily="2" charset="2"/>
-              <a:buChar char="§"/>
-              <a:defRPr sz="1800" kern="1200">
-                <a:solidFill>
-                  <a:schemeClr val="tx1"/>
-                </a:solidFill>
-                <a:latin typeface="+mn-lt"/>
-                <a:ea typeface="Open Sans" panose="020B0606030504020204" pitchFamily="34" charset="0"/>
-                <a:cs typeface="Open Sans" panose="020B0606030504020204" pitchFamily="34" charset="0"/>
-              </a:defRPr>
-            </a:lvl4pPr>
-            <a:lvl5pPr marL="1960563" indent="-225425" algn="l" defTabSz="914400" rtl="0" eaLnBrk="1" latinLnBrk="0" hangingPunct="1">
-              <a:lnSpc>
-                <a:spcPct val="90000"/>
-              </a:lnSpc>
-              <a:spcBef>
-                <a:spcPts val="600"/>
-              </a:spcBef>
-              <a:spcAft>
-                <a:spcPts val="600"/>
-              </a:spcAft>
-              <a:buClr>
-                <a:schemeClr val="accent2"/>
-              </a:buClr>
-              <a:buFont typeface="Wingdings" pitchFamily="2" charset="2"/>
-              <a:buChar char="§"/>
-              <a:tabLst/>
-              <a:defRPr sz="1600" kern="1200">
-                <a:solidFill>
-                  <a:schemeClr val="tx1"/>
-                </a:solidFill>
-                <a:latin typeface="+mn-lt"/>
-                <a:ea typeface="Open Sans" panose="020B0606030504020204" pitchFamily="34" charset="0"/>
-                <a:cs typeface="Open Sans" panose="020B0606030504020204" pitchFamily="34" charset="0"/>
-              </a:defRPr>
-            </a:lvl5pPr>
-            <a:lvl6pPr marL="2514600" indent="-228600" algn="l" defTabSz="914400" rtl="0" eaLnBrk="1" latinLnBrk="0" hangingPunct="1">
-              <a:lnSpc>
-                <a:spcPct val="90000"/>
-              </a:lnSpc>
-              <a:spcBef>
-                <a:spcPts val="500"/>
-              </a:spcBef>
-              <a:buFont typeface="Arial" panose="020B0604020202020204" pitchFamily="34" charset="0"/>
-              <a:buChar char="•"/>
-              <a:defRPr sz="1800" kern="1200">
-                <a:solidFill>
-                  <a:schemeClr val="tx1"/>
-                </a:solidFill>
-                <a:latin typeface="+mn-lt"/>
-                <a:ea typeface="+mn-ea"/>
-                <a:cs typeface="+mn-cs"/>
-              </a:defRPr>
-            </a:lvl6pPr>
-            <a:lvl7pPr marL="2971800" indent="-228600" algn="l" defTabSz="914400" rtl="0" eaLnBrk="1" latinLnBrk="0" hangingPunct="1">
-              <a:lnSpc>
-                <a:spcPct val="90000"/>
-              </a:lnSpc>
-              <a:spcBef>
-                <a:spcPts val="500"/>
-              </a:spcBef>
-              <a:buFont typeface="Arial" panose="020B0604020202020204" pitchFamily="34" charset="0"/>
-              <a:buChar char="•"/>
-              <a:defRPr sz="1800" kern="1200">
-                <a:solidFill>
-                  <a:schemeClr val="tx1"/>
-                </a:solidFill>
-                <a:latin typeface="+mn-lt"/>
-                <a:ea typeface="+mn-ea"/>
-                <a:cs typeface="+mn-cs"/>
-              </a:defRPr>
-            </a:lvl7pPr>
-            <a:lvl8pPr marL="3429000" indent="-228600" algn="l" defTabSz="914400" rtl="0" eaLnBrk="1" latinLnBrk="0" hangingPunct="1">
-              <a:lnSpc>
-                <a:spcPct val="90000"/>
-              </a:lnSpc>
-              <a:spcBef>
-                <a:spcPts val="500"/>
-              </a:spcBef>
-              <a:buFont typeface="Arial" panose="020B0604020202020204" pitchFamily="34" charset="0"/>
-              <a:buChar char="•"/>
-              <a:defRPr sz="1800" kern="1200">
-                <a:solidFill>
-                  <a:schemeClr val="tx1"/>
-                </a:solidFill>
-                <a:latin typeface="+mn-lt"/>
-                <a:ea typeface="+mn-ea"/>
-                <a:cs typeface="+mn-cs"/>
-              </a:defRPr>
-            </a:lvl8pPr>
-            <a:lvl9pPr marL="3886200" indent="-228600" algn="l" defTabSz="914400" rtl="0" eaLnBrk="1" latinLnBrk="0" hangingPunct="1">
-              <a:lnSpc>
-                <a:spcPct val="90000"/>
-              </a:lnSpc>
-              <a:spcBef>
-                <a:spcPts val="500"/>
-              </a:spcBef>
-              <a:buFont typeface="Arial" panose="020B0604020202020204" pitchFamily="34" charset="0"/>
-              <a:buChar char="•"/>
-              <a:defRPr sz="1800" kern="1200">
-                <a:solidFill>
-                  <a:schemeClr val="tx1"/>
-                </a:solidFill>
-                <a:latin typeface="+mn-lt"/>
-                <a:ea typeface="+mn-ea"/>
-                <a:cs typeface="+mn-cs"/>
-              </a:defRPr>
-            </a:lvl9pPr>
-          </a:lstStyle>
-          <a:p>
-            <a:pPr>
-              <a:buNone/>
-            </a:pPr>
-            <a:r>
-              <a:rPr lang="en-US" b="1" dirty="0"/>
-              <a:t>Example of a GDPR Breach Penalty</a:t>
-            </a:r>
-          </a:p>
-          <a:p>
-            <a:pPr>
-              <a:buFont typeface="Arial" panose="020B0604020202020204" pitchFamily="34" charset="0"/>
-              <a:buChar char="•"/>
-            </a:pPr>
-            <a:r>
-              <a:rPr lang="en-US" dirty="0"/>
-              <a:t>In 2019, British Airways was fined </a:t>
-            </a:r>
-            <a:r>
-              <a:rPr lang="en-US" b="1" dirty="0"/>
-              <a:t>£183 million</a:t>
-            </a:r>
-            <a:r>
-              <a:rPr lang="en-US" dirty="0"/>
-              <a:t> for failing to protect customer data due to security vulnerabilities.</a:t>
-            </a:r>
-          </a:p>
-        </p:txBody>
-      </p:sp>
-      <p:pic>
-        <p:nvPicPr>
-          <p:cNvPr id="7" name="Picture 6">
-            <a:extLst>
-              <a:ext uri="{FF2B5EF4-FFF2-40B4-BE49-F238E27FC236}">
-                <a16:creationId xmlns:a16="http://schemas.microsoft.com/office/drawing/2014/main" id="{3FFA93CC-243E-99F3-5988-A87E3B7D62E9}"/>
-              </a:ext>
-            </a:extLst>
-          </p:cNvPr>
-          <p:cNvPicPr>
-            <a:picLocks noChangeAspect="1"/>
-          </p:cNvPicPr>
-          <p:nvPr/>
-        </p:nvPicPr>
-        <p:blipFill>
-          <a:blip r:embed="rId3"/>
-          <a:stretch>
-            <a:fillRect/>
-          </a:stretch>
-        </p:blipFill>
-        <p:spPr>
-          <a:xfrm>
-            <a:off x="728663" y="2681564"/>
-            <a:ext cx="5049838" cy="1494871"/>
-          </a:xfrm>
-          <a:prstGeom prst="rect">
-            <a:avLst/>
-          </a:prstGeom>
-        </p:spPr>
-      </p:pic>
-    </p:spTree>
-    <p:extLst>
-      <p:ext uri="{BB962C8B-B14F-4D97-AF65-F5344CB8AC3E}">
-        <p14:creationId xmlns:p14="http://schemas.microsoft.com/office/powerpoint/2010/main" val="2334882512"/>
+        <p14:creationId xmlns:p14="http://schemas.microsoft.com/office/powerpoint/2010/main" val="623314443"/>
       </p:ext>
     </p:extLst>
   </p:cSld>
